--- a/Courses/Software-Sciences/Module-1-OOP/09.2-Inheritance-Advanced/09.2-Inheritance-Advanced.pptx
+++ b/Courses/Software-Sciences/Module-1-OOP/09.2-Inheritance-Advanced/09.2-Inheritance-Advanced.pptx
@@ -242,7 +242,7 @@
             </a:lvl1pPr>
           </a:lstStyle>
           <a:p>
-            <a:endParaRPr lang="bg-BG"/>
+            <a:endParaRPr lang="bg-BG" dirty="0"/>
           </a:p>
         </p:txBody>
       </p:sp>
@@ -281,9 +281,9 @@
           <a:p>
             <a:fld id="{4E087215-0C8F-4762-A664-737A353EC9A4}" type="datetimeFigureOut">
               <a:rPr lang="bg-BG" smtClean="0"/>
-              <a:t>21.01.23 г.</a:t>
+              <a:t>17.05.23 г.</a:t>
             </a:fld>
-            <a:endParaRPr lang="bg-BG"/>
+            <a:endParaRPr lang="bg-BG" dirty="0"/>
           </a:p>
         </p:txBody>
       </p:sp>
@@ -439,7 +439,7 @@
             </a:lvl1pPr>
           </a:lstStyle>
           <a:p>
-            <a:endParaRPr lang="en-US"/>
+            <a:endParaRPr lang="en-US" dirty="0"/>
           </a:p>
         </p:txBody>
       </p:sp>
@@ -472,9 +472,9 @@
           <a:p>
             <a:fld id="{72D84649-876A-46C9-8472-14CB09C070D8}" type="datetimeFigureOut">
               <a:rPr lang="en-US" smtClean="0"/>
-              <a:t>1/21/23</a:t>
+              <a:t>5/17/23</a:t>
             </a:fld>
-            <a:endParaRPr lang="en-US"/>
+            <a:endParaRPr lang="en-US" dirty="0"/>
           </a:p>
         </p:txBody>
       </p:sp>
@@ -507,7 +507,7 @@
           <a:bodyPr vert="horz" lIns="91440" tIns="45720" rIns="91440" bIns="45720" rtlCol="0" anchor="ctr"/>
           <a:lstStyle/>
           <a:p>
-            <a:endParaRPr lang="en-US"/>
+            <a:endParaRPr lang="en-US" dirty="0"/>
           </a:p>
         </p:txBody>
       </p:sp>
@@ -1478,7 +1478,7 @@
           <a:bodyPr/>
           <a:lstStyle/>
           <a:p>
-            <a:endParaRPr lang="en-US"/>
+            <a:endParaRPr lang="en-US" dirty="0"/>
           </a:p>
         </p:txBody>
       </p:sp>
@@ -1613,7 +1613,7 @@
           <a:bodyPr/>
           <a:lstStyle/>
           <a:p>
-            <a:endParaRPr lang="en-US"/>
+            <a:endParaRPr lang="en-US" dirty="0"/>
           </a:p>
         </p:txBody>
       </p:sp>
@@ -3752,7 +3752,7 @@
               <a:tabLst/>
               <a:defRPr/>
             </a:pPr>
-            <a:endParaRPr kumimoji="0" lang="en-US" altLang="ko-KR" sz="2398" b="0" i="0" u="none" strike="noStrike" kern="1200" cap="none" spc="0" normalizeH="0" baseline="0" noProof="0">
+            <a:endParaRPr kumimoji="0" lang="en-US" altLang="ko-KR" sz="2398" b="0" i="0" u="none" strike="noStrike" kern="1200" cap="none" spc="0" normalizeH="0" baseline="0" noProof="0" dirty="0">
               <a:ln>
                 <a:noFill/>
               </a:ln>
@@ -4381,7 +4381,7 @@
               <a:tabLst/>
               <a:defRPr/>
             </a:pPr>
-            <a:endParaRPr kumimoji="0" lang="en-US" altLang="ko-KR" sz="2398" b="0" i="0" u="none" strike="noStrike" kern="1200" cap="none" spc="0" normalizeH="0" baseline="0" noProof="0">
+            <a:endParaRPr kumimoji="0" lang="en-US" altLang="ko-KR" sz="2398" b="0" i="0" u="none" strike="noStrike" kern="1200" cap="none" spc="0" normalizeH="0" baseline="0" noProof="0" dirty="0">
               <a:ln>
                 <a:noFill/>
               </a:ln>
@@ -4504,7 +4504,7 @@
               <a:tabLst/>
               <a:defRPr/>
             </a:pPr>
-            <a:endParaRPr kumimoji="0" lang="en-US" altLang="ko-KR" sz="2398" b="0" i="0" u="none" strike="noStrike" kern="1200" cap="none" spc="0" normalizeH="0" baseline="0" noProof="0">
+            <a:endParaRPr kumimoji="0" lang="en-US" altLang="ko-KR" sz="2398" b="0" i="0" u="none" strike="noStrike" kern="1200" cap="none" spc="0" normalizeH="0" baseline="0" noProof="0" dirty="0">
               <a:ln>
                 <a:noFill/>
               </a:ln>
@@ -4777,7 +4777,7 @@
               <a:tabLst/>
               <a:defRPr/>
             </a:pPr>
-            <a:endParaRPr kumimoji="0" lang="en-US" altLang="ko-KR" sz="2398" b="0" i="0" u="none" strike="noStrike" kern="1200" cap="none" spc="0" normalizeH="0" baseline="0" noProof="0">
+            <a:endParaRPr kumimoji="0" lang="en-US" altLang="ko-KR" sz="2398" b="0" i="0" u="none" strike="noStrike" kern="1200" cap="none" spc="0" normalizeH="0" baseline="0" noProof="0" dirty="0">
               <a:ln>
                 <a:noFill/>
               </a:ln>
@@ -4963,7 +4963,7 @@
               <a:pPr/>
               <a:t>‹#›</a:t>
             </a:fld>
-            <a:endParaRPr lang="en-US" noProof="0"/>
+            <a:endParaRPr lang="en-US" noProof="0" dirty="0"/>
           </a:p>
         </p:txBody>
       </p:sp>
@@ -5117,7 +5117,7 @@
           </a:lstStyle>
           <a:p>
             <a:r>
-              <a:rPr lang="en-US" altLang="ko-KR" noProof="0"/>
+              <a:rPr lang="en-US" altLang="ko-KR" noProof="0" dirty="0"/>
               <a:t>Your Picture Here</a:t>
             </a:r>
           </a:p>
@@ -5181,7 +5181,7 @@
               <a:tabLst/>
               <a:defRPr/>
             </a:pPr>
-            <a:endParaRPr kumimoji="0" lang="en-US" altLang="ko-KR" sz="2398" b="0" i="0" u="none" strike="noStrike" kern="1200" cap="none" spc="0" normalizeH="0" baseline="0" noProof="0">
+            <a:endParaRPr kumimoji="0" lang="en-US" altLang="ko-KR" sz="2398" b="0" i="0" u="none" strike="noStrike" kern="1200" cap="none" spc="0" normalizeH="0" baseline="0" noProof="0" dirty="0">
               <a:ln>
                 <a:noFill/>
               </a:ln>
@@ -5256,7 +5256,7 @@
               <a:tabLst/>
               <a:defRPr/>
             </a:pPr>
-            <a:endParaRPr kumimoji="0" lang="en-US" altLang="ko-KR" sz="2398" b="0" i="0" u="none" strike="noStrike" kern="1200" cap="none" spc="0" normalizeH="0" baseline="0" noProof="0">
+            <a:endParaRPr kumimoji="0" lang="en-US" altLang="ko-KR" sz="2398" b="0" i="0" u="none" strike="noStrike" kern="1200" cap="none" spc="0" normalizeH="0" baseline="0" noProof="0" dirty="0">
               <a:ln>
                 <a:noFill/>
               </a:ln>
@@ -5337,7 +5337,7 @@
               <a:tabLst/>
               <a:defRPr/>
             </a:pPr>
-            <a:endParaRPr kumimoji="0" lang="en-US" altLang="ko-KR" sz="2398" b="0" i="0" u="none" strike="noStrike" kern="1200" cap="none" spc="0" normalizeH="0" baseline="0" noProof="0">
+            <a:endParaRPr kumimoji="0" lang="en-US" altLang="ko-KR" sz="2398" b="0" i="0" u="none" strike="noStrike" kern="1200" cap="none" spc="0" normalizeH="0" baseline="0" noProof="0" dirty="0">
               <a:ln>
                 <a:noFill/>
               </a:ln>
@@ -5418,7 +5418,7 @@
               <a:tabLst/>
               <a:defRPr/>
             </a:pPr>
-            <a:endParaRPr kumimoji="0" lang="en-US" altLang="ko-KR" sz="2398" b="0" i="0" u="none" strike="noStrike" kern="1200" cap="none" spc="0" normalizeH="0" baseline="0" noProof="0">
+            <a:endParaRPr kumimoji="0" lang="en-US" altLang="ko-KR" sz="2398" b="0" i="0" u="none" strike="noStrike" kern="1200" cap="none" spc="0" normalizeH="0" baseline="0" noProof="0" dirty="0">
               <a:ln>
                 <a:noFill/>
               </a:ln>
@@ -5622,7 +5622,7 @@
               <a:tabLst/>
               <a:defRPr/>
             </a:pPr>
-            <a:endParaRPr kumimoji="0" lang="en-US" altLang="ko-KR" sz="2398" b="0" i="0" u="none" strike="noStrike" kern="1200" cap="none" spc="0" normalizeH="0" baseline="0" noProof="0">
+            <a:endParaRPr kumimoji="0" lang="en-US" altLang="ko-KR" sz="2398" b="0" i="0" u="none" strike="noStrike" kern="1200" cap="none" spc="0" normalizeH="0" baseline="0" noProof="0" dirty="0">
               <a:ln>
                 <a:noFill/>
               </a:ln>
@@ -7128,7 +7128,7 @@
               <a:tabLst/>
               <a:defRPr/>
             </a:pPr>
-            <a:endParaRPr kumimoji="0" lang="en-US" altLang="ko-KR" sz="2398" b="0" i="0" u="none" strike="noStrike" kern="1200" cap="none" spc="0" normalizeH="0" baseline="0" noProof="0">
+            <a:endParaRPr kumimoji="0" lang="en-US" altLang="ko-KR" sz="2398" b="0" i="0" u="none" strike="noStrike" kern="1200" cap="none" spc="0" normalizeH="0" baseline="0" noProof="0" dirty="0">
               <a:ln>
                 <a:noFill/>
               </a:ln>
@@ -7456,7 +7456,7 @@
               <a:tabLst/>
               <a:defRPr/>
             </a:pPr>
-            <a:endParaRPr kumimoji="0" lang="en-US" altLang="ko-KR" sz="2398" b="0" i="0" u="none" strike="noStrike" kern="1200" cap="none" spc="0" normalizeH="0" baseline="0" noProof="0">
+            <a:endParaRPr kumimoji="0" lang="en-US" altLang="ko-KR" sz="2398" b="0" i="0" u="none" strike="noStrike" kern="1200" cap="none" spc="0" normalizeH="0" baseline="0" noProof="0" dirty="0">
               <a:ln>
                 <a:noFill/>
               </a:ln>
@@ -7626,7 +7626,7 @@
               <a:pPr/>
               <a:t>‹#›</a:t>
             </a:fld>
-            <a:endParaRPr lang="en-US" noProof="0"/>
+            <a:endParaRPr lang="en-US" noProof="0" dirty="0"/>
           </a:p>
         </p:txBody>
       </p:sp>
@@ -7821,7 +7821,7 @@
               <a:tabLst/>
               <a:defRPr/>
             </a:pPr>
-            <a:endParaRPr kumimoji="0" lang="en-US" altLang="ko-KR" sz="2398" b="0" i="0" u="none" strike="noStrike" kern="1200" cap="none" spc="0" normalizeH="0" baseline="0" noProof="0">
+            <a:endParaRPr kumimoji="0" lang="en-US" altLang="ko-KR" sz="2398" b="0" i="0" u="none" strike="noStrike" kern="1200" cap="none" spc="0" normalizeH="0" baseline="0" noProof="0" dirty="0">
               <a:ln>
                 <a:noFill/>
               </a:ln>
@@ -9082,7 +9082,7 @@
               <a:pPr/>
               <a:t>‹#›</a:t>
             </a:fld>
-            <a:endParaRPr lang="en-US" noProof="0"/>
+            <a:endParaRPr lang="en-US" noProof="0" dirty="0"/>
           </a:p>
         </p:txBody>
       </p:sp>
@@ -9150,7 +9150,7 @@
               <a:tabLst/>
               <a:defRPr/>
             </a:pPr>
-            <a:endParaRPr kumimoji="0" lang="en-US" altLang="ko-KR" sz="2398" b="0" i="0" u="none" strike="noStrike" kern="1200" cap="none" spc="0" normalizeH="0" baseline="0" noProof="0">
+            <a:endParaRPr kumimoji="0" lang="en-US" altLang="ko-KR" sz="2398" b="0" i="0" u="none" strike="noStrike" kern="1200" cap="none" spc="0" normalizeH="0" baseline="0" noProof="0" dirty="0">
               <a:ln>
                 <a:noFill/>
               </a:ln>
@@ -9518,7 +9518,7 @@
               <a:tabLst/>
               <a:defRPr/>
             </a:pPr>
-            <a:endParaRPr kumimoji="0" lang="en-US" altLang="ko-KR" sz="2398" b="0" i="0" u="none" strike="noStrike" kern="1200" cap="none" spc="0" normalizeH="0" baseline="0" noProof="0">
+            <a:endParaRPr kumimoji="0" lang="en-US" altLang="ko-KR" sz="2398" b="0" i="0" u="none" strike="noStrike" kern="1200" cap="none" spc="0" normalizeH="0" baseline="0" noProof="0" dirty="0">
               <a:ln>
                 <a:noFill/>
               </a:ln>
@@ -12201,15 +12201,7 @@
           <a:p>
             <a:r>
               <a:rPr lang="en-US" sz="2600" dirty="0"/>
-              <a:t>  void </a:t>
-            </a:r>
-            <a:r>
-              <a:rPr lang="en-US" sz="2600" dirty="0" err="1"/>
-              <a:t>IncrBrightness</a:t>
-            </a:r>
-            <a:r>
-              <a:rPr lang="en-US" sz="2600" dirty="0"/>
-              <a:t>() =&gt;</a:t>
+              <a:t>  void IncrBrightness() =&gt;</a:t>
             </a:r>
           </a:p>
           <a:p>
@@ -12227,15 +12219,7 @@
           <a:p>
             <a:r>
               <a:rPr lang="en-US" sz="2600" dirty="0"/>
-              <a:t>  void </a:t>
-            </a:r>
-            <a:r>
-              <a:rPr lang="en-US" sz="2600" dirty="0" err="1"/>
-              <a:t>DecrBrightness</a:t>
-            </a:r>
-            <a:r>
-              <a:rPr lang="en-US" sz="2600" dirty="0"/>
-              <a:t>() =&gt;</a:t>
+              <a:t>  void DecrBrightness() =&gt;</a:t>
             </a:r>
           </a:p>
           <a:p>
@@ -13481,7 +13465,7 @@
               <a:rPr lang="en-US" dirty="0">
                 <a:hlinkClick r:id="rId3"/>
               </a:rPr>
-              <a:t>https://judge.softuni.bg/Contests/Practice/Index/3164#4</a:t>
+              <a:t>https://judge.softuni.org/Contests/Practice/Index/4065#1</a:t>
             </a:r>
             <a:endParaRPr lang="en-US" dirty="0"/>
           </a:p>
@@ -14287,7 +14271,7 @@
             <a:lstStyle/>
             <a:p>
               <a:pPr algn="ctr"/>
-              <a:endParaRPr lang="ko-KR" altLang="en-US" sz="2399">
+              <a:endParaRPr lang="ko-KR" altLang="en-US" sz="2399" dirty="0">
                 <a:solidFill>
                   <a:schemeClr val="bg1"/>
                 </a:solidFill>
@@ -14348,7 +14332,7 @@
             <a:lstStyle/>
             <a:p>
               <a:pPr algn="ctr"/>
-              <a:endParaRPr lang="ko-KR" altLang="en-US" sz="2399">
+              <a:endParaRPr lang="ko-KR" altLang="en-US" sz="2399" dirty="0">
                 <a:solidFill>
                   <a:schemeClr val="tx1"/>
                 </a:solidFill>
@@ -15186,7 +15170,7 @@
               <a:t>© </a:t>
             </a:r>
             <a:r>
-              <a:rPr lang="bg-BG" dirty="0" err="1"/>
+              <a:rPr lang="bg-BG" dirty="0"/>
               <a:t>СофтУни</a:t>
             </a:r>
             <a:r>
@@ -15447,15 +15431,7 @@
             </a:pPr>
             <a:r>
               <a:rPr lang="bg-BG" sz="3600" dirty="0"/>
-              <a:t>Видове </a:t>
-            </a:r>
-            <a:r>
-              <a:rPr lang="bg-BG" sz="3600" dirty="0" err="1"/>
-              <a:t>преизползване</a:t>
-            </a:r>
-            <a:r>
-              <a:rPr lang="bg-BG" sz="3600" dirty="0"/>
-              <a:t> на класове</a:t>
+              <a:t>Видове преизползване на класове</a:t>
             </a:r>
           </a:p>
           <a:p>
@@ -15956,7 +15932,7 @@
               </a:rPr>
               <a:t>sealed</a:t>
             </a:r>
-            <a:endParaRPr lang="en-BG" b="1" dirty="0">
+            <a:endParaRPr lang="en-BG" b="1">
               <a:latin typeface="Consolas" panose="020B0609020204030204" pitchFamily="49" charset="0"/>
               <a:cs typeface="Consolas" panose="020B0609020204030204" pitchFamily="49" charset="0"/>
             </a:endParaRPr>
@@ -18612,6 +18588,10 @@
           </p:nvPr>
         </p:nvSpPr>
         <p:spPr>
+          <a:xfrm>
+            <a:off x="190402" y="204510"/>
+            <a:ext cx="9715594" cy="882654"/>
+          </a:xfrm>
           <a:prstGeom prst="rect">
             <a:avLst/>
           </a:prstGeom>
@@ -19338,6 +19318,10 @@
           </p:nvPr>
         </p:nvSpPr>
         <p:spPr>
+          <a:xfrm>
+            <a:off x="190402" y="181021"/>
+            <a:ext cx="9715594" cy="882654"/>
+          </a:xfrm>
           <a:prstGeom prst="rect">
             <a:avLst/>
           </a:prstGeom>
@@ -20094,6 +20078,10 @@
           </p:nvPr>
         </p:nvSpPr>
         <p:spPr>
+          <a:xfrm>
+            <a:off x="246000" y="41365"/>
+            <a:ext cx="9715594" cy="1122166"/>
+          </a:xfrm>
           <a:prstGeom prst="rect">
             <a:avLst/>
           </a:prstGeom>
@@ -20439,7 +20427,7 @@
               <a:rPr lang="en-US" dirty="0">
                 <a:hlinkClick r:id="rId3"/>
               </a:rPr>
-              <a:t>https://judge.softuni.bg/Contests/Practice/Index/3164#3</a:t>
+              <a:t>https://judge.softuni.org/Contests/Practice/Index/4065#0</a:t>
             </a:r>
             <a:endParaRPr lang="en-US" dirty="0"/>
           </a:p>

--- a/Courses/Software-Sciences/Module-1-OOP/09.2-Inheritance-Advanced/09.2-Inheritance-Advanced.pptx
+++ b/Courses/Software-Sciences/Module-1-OOP/09.2-Inheritance-Advanced/09.2-Inheritance-Advanced.pptx
@@ -5,10 +5,10 @@
     <p:sldMasterId id="2147483675" r:id="rId1"/>
   </p:sldMasterIdLst>
   <p:notesMasterIdLst>
-    <p:notesMasterId r:id="rId20"/>
+    <p:notesMasterId r:id="rId22"/>
   </p:notesMasterIdLst>
   <p:handoutMasterIdLst>
-    <p:handoutMasterId r:id="rId21"/>
+    <p:handoutMasterId r:id="rId23"/>
   </p:handoutMasterIdLst>
   <p:sldIdLst>
     <p:sldId id="291" r:id="rId2"/>
@@ -21,14 +21,16 @@
     <p:sldId id="318" r:id="rId9"/>
     <p:sldId id="319" r:id="rId10"/>
     <p:sldId id="495" r:id="rId11"/>
-    <p:sldId id="321" r:id="rId12"/>
-    <p:sldId id="322" r:id="rId13"/>
-    <p:sldId id="323" r:id="rId14"/>
-    <p:sldId id="324" r:id="rId15"/>
-    <p:sldId id="325" r:id="rId16"/>
-    <p:sldId id="326" r:id="rId17"/>
-    <p:sldId id="401" r:id="rId18"/>
-    <p:sldId id="493" r:id="rId19"/>
+    <p:sldId id="499" r:id="rId12"/>
+    <p:sldId id="321" r:id="rId13"/>
+    <p:sldId id="500" r:id="rId14"/>
+    <p:sldId id="322" r:id="rId15"/>
+    <p:sldId id="323" r:id="rId16"/>
+    <p:sldId id="324" r:id="rId17"/>
+    <p:sldId id="325" r:id="rId18"/>
+    <p:sldId id="326" r:id="rId19"/>
+    <p:sldId id="401" r:id="rId20"/>
+    <p:sldId id="493" r:id="rId21"/>
   </p:sldIdLst>
   <p:sldSz cx="12192000" cy="6858000"/>
   <p:notesSz cx="6858000" cy="9144000"/>
@@ -150,7 +152,9 @@
         <p14:section name="Видове преизползване на класове" id="{22E4A757-84FA-4FE3-86D6-D89823336F1F}">
           <p14:sldIdLst>
             <p14:sldId id="495"/>
+            <p14:sldId id="499"/>
             <p14:sldId id="321"/>
+            <p14:sldId id="500"/>
             <p14:sldId id="322"/>
             <p14:sldId id="323"/>
             <p14:sldId id="324"/>
@@ -281,7 +285,7 @@
           <a:p>
             <a:fld id="{4E087215-0C8F-4762-A664-737A353EC9A4}" type="datetimeFigureOut">
               <a:rPr lang="bg-BG" smtClean="0"/>
-              <a:t>17.05.23 г.</a:t>
+              <a:t>2.7.2023 г.</a:t>
             </a:fld>
             <a:endParaRPr lang="bg-BG" dirty="0"/>
           </a:p>
@@ -472,7 +476,7 @@
           <a:p>
             <a:fld id="{72D84649-876A-46C9-8472-14CB09C070D8}" type="datetimeFigureOut">
               <a:rPr lang="en-US" smtClean="0"/>
-              <a:t>5/17/23</a:t>
+              <a:t>2-Jul-23</a:t>
             </a:fld>
             <a:endParaRPr lang="en-US" dirty="0"/>
           </a:p>
@@ -913,54 +917,19 @@
       </p:grpSpPr>
       <p:sp>
         <p:nvSpPr>
-          <p:cNvPr id="9" name="Rectangle 7"/>
+          <p:cNvPr id="2" name="Slide Image Placeholder 1"/>
           <p:cNvSpPr>
-            <a:spLocks noGrp="1" noChangeArrowheads="1"/>
-          </p:cNvSpPr>
-          <p:nvPr>
-            <p:ph type="sldNum" sz="quarter" idx="5"/>
-          </p:nvPr>
-        </p:nvSpPr>
-        <p:spPr>
-          <a:ln/>
-        </p:spPr>
-        <p:txBody>
-          <a:bodyPr/>
-          <a:lstStyle/>
-          <a:p>
-            <a:fld id="{332C4CEC-2DBE-4C38-BA31-7DE965C3FA11}" type="slidenum">
-              <a:rPr lang="en-US"/>
-              <a:pPr/>
-              <a:t>14</a:t>
-            </a:fld>
-            <a:r>
-              <a:rPr lang="en-US" dirty="0"/>
-              <a:t>##</a:t>
-            </a:r>
-          </a:p>
-        </p:txBody>
-      </p:sp>
-      <p:sp>
-        <p:nvSpPr>
-          <p:cNvPr id="54274" name="Slide Image Placeholder 1"/>
-          <p:cNvSpPr>
-            <a:spLocks noGrp="1" noRot="1" noChangeAspect="1" noTextEdit="1"/>
+            <a:spLocks noGrp="1" noRot="1" noChangeAspect="1"/>
           </p:cNvSpPr>
           <p:nvPr>
             <p:ph type="sldImg"/>
           </p:nvPr>
         </p:nvSpPr>
-        <p:spPr>
-          <a:xfrm>
-            <a:off x="381000" y="685800"/>
-            <a:ext cx="6096000" cy="3429000"/>
-          </a:xfrm>
-          <a:ln/>
-        </p:spPr>
-      </p:sp>
-      <p:sp>
-        <p:nvSpPr>
-          <p:cNvPr id="54275" name="Notes Placeholder 2"/>
+        <p:spPr/>
+      </p:sp>
+      <p:sp>
+        <p:nvSpPr>
+          <p:cNvPr id="3" name="Notes Placeholder 2"/>
           <p:cNvSpPr>
             <a:spLocks noGrp="1"/>
           </p:cNvSpPr>
@@ -973,19 +942,18 @@
           <a:bodyPr/>
           <a:lstStyle/>
           <a:p>
-            <a:pPr eaLnBrk="1" hangingPunct="1"/>
-            <a:endParaRPr lang="en-US" dirty="0"/>
+            <a:endParaRPr lang="en-GB" dirty="0"/>
           </a:p>
         </p:txBody>
       </p:sp>
       <p:sp>
         <p:nvSpPr>
-          <p:cNvPr id="54276" name="Header Placeholder 3"/>
+          <p:cNvPr id="5" name="Slide Number Placeholder 4"/>
           <p:cNvSpPr>
             <a:spLocks noGrp="1"/>
           </p:cNvSpPr>
           <p:nvPr>
-            <p:ph type="hdr" sz="quarter"/>
+            <p:ph type="sldNum" sz="quarter" idx="11"/>
           </p:nvPr>
         </p:nvSpPr>
         <p:spPr/>
@@ -993,120 +961,21 @@
           <a:bodyPr/>
           <a:lstStyle/>
           <a:p>
-            <a:r>
-              <a:rPr lang="en-US" dirty="0"/>
-              <a:t>*</a:t>
-            </a:r>
+            <a:fld id="{3EBA5BD7-F043-4D1B-AA17-CD412FC534DE}" type="slidenum">
+              <a:rPr lang="en-US" smtClean="0"/>
+              <a:pPr/>
+              <a:t>15</a:t>
+            </a:fld>
+            <a:endParaRPr lang="en-US" dirty="0"/>
           </a:p>
         </p:txBody>
       </p:sp>
       <p:sp>
         <p:nvSpPr>
-          <p:cNvPr id="54277" name="Date Placeholder 4"/>
-          <p:cNvSpPr>
-            <a:spLocks noGrp="1"/>
-          </p:cNvSpPr>
-          <p:nvPr>
-            <p:ph type="dt" sz="quarter" idx="1"/>
-          </p:nvPr>
-        </p:nvSpPr>
-        <p:spPr/>
-        <p:txBody>
-          <a:bodyPr/>
-          <a:lstStyle/>
-          <a:p>
-            <a:r>
-              <a:rPr lang="en-US" dirty="0"/>
-              <a:t>07/16/96</a:t>
-            </a:r>
-          </a:p>
-        </p:txBody>
-      </p:sp>
-      <p:sp>
-        <p:nvSpPr>
-          <p:cNvPr id="54278" name="Footer Placeholder 5"/>
-          <p:cNvSpPr txBox="1">
-            <a:spLocks noGrp="1"/>
-          </p:cNvSpPr>
-          <p:nvPr/>
-        </p:nvSpPr>
-        <p:spPr bwMode="auto">
-          <a:xfrm>
-            <a:off x="1" y="8687297"/>
-            <a:ext cx="2972004" cy="456703"/>
-          </a:xfrm>
-          <a:prstGeom prst="rect">
-            <a:avLst/>
-          </a:prstGeom>
-          <a:noFill/>
-          <a:ln w="9525">
-            <a:noFill/>
-            <a:miter lim="800000"/>
-            <a:headEnd/>
-            <a:tailEnd/>
-          </a:ln>
-        </p:spPr>
-        <p:txBody>
-          <a:bodyPr lIns="19047" tIns="0" rIns="19047" bIns="0" anchor="b"/>
-          <a:lstStyle/>
-          <a:p>
-            <a:pPr defTabSz="914450"/>
-            <a:r>
-              <a:rPr lang="en-US" sz="1000" i="1" dirty="0"/>
-              <a:t>(c) 2006 National Academy for Software Development - http://academy.devbg.org*</a:t>
-            </a:r>
-            <a:endParaRPr lang="en-US" sz="1200" i="1" dirty="0"/>
-          </a:p>
-        </p:txBody>
-      </p:sp>
-      <p:sp>
-        <p:nvSpPr>
-          <p:cNvPr id="54279" name="Slide Number Placeholder 6"/>
-          <p:cNvSpPr txBox="1">
-            <a:spLocks noGrp="1"/>
-          </p:cNvSpPr>
-          <p:nvPr/>
-        </p:nvSpPr>
-        <p:spPr bwMode="auto">
-          <a:xfrm>
-            <a:off x="3885996" y="8687297"/>
-            <a:ext cx="2972004" cy="456703"/>
-          </a:xfrm>
-          <a:prstGeom prst="rect">
-            <a:avLst/>
-          </a:prstGeom>
-          <a:noFill/>
-          <a:ln w="9525">
-            <a:noFill/>
-            <a:miter lim="800000"/>
-            <a:headEnd/>
-            <a:tailEnd/>
-          </a:ln>
-        </p:spPr>
-        <p:txBody>
-          <a:bodyPr lIns="19047" tIns="0" rIns="19047" bIns="0" anchor="b"/>
-          <a:lstStyle/>
-          <a:p>
-            <a:pPr algn="r" defTabSz="914450"/>
-            <a:fld id="{1CAF241F-65C9-4E85-866D-33A924D9866A}" type="slidenum">
-              <a:rPr lang="en-US" sz="1000" i="1"/>
-              <a:pPr algn="r" defTabSz="914450"/>
-              <a:t>14</a:t>
-            </a:fld>
-            <a:r>
-              <a:rPr lang="en-US" sz="1000" i="1" dirty="0"/>
-              <a:t>##</a:t>
-            </a:r>
-            <a:endParaRPr lang="en-US" sz="1200" i="1" dirty="0"/>
-          </a:p>
-        </p:txBody>
-      </p:sp>
-      <p:sp>
-        <p:nvSpPr>
-          <p:cNvPr id="10" name="Footer Placeholder 7">
+          <p:cNvPr id="6" name="Footer Placeholder 7">
             <a:extLst>
               <a:ext uri="{FF2B5EF4-FFF2-40B4-BE49-F238E27FC236}">
-                <a16:creationId xmlns:a16="http://schemas.microsoft.com/office/drawing/2014/main" id="{72B0CE86-8308-47A9-9930-4B85E8624BBF}"/>
+                <a16:creationId xmlns:a16="http://schemas.microsoft.com/office/drawing/2014/main" id="{8F05106B-DEEC-407A-A47D-950478CAB34A}"/>
               </a:ext>
             </a:extLst>
           </p:cNvPr>
@@ -1154,7 +1023,7 @@
     </p:spTree>
     <p:extLst>
       <p:ext uri="{BB962C8B-B14F-4D97-AF65-F5344CB8AC3E}">
-        <p14:creationId xmlns:p14="http://schemas.microsoft.com/office/powerpoint/2010/main" val="3317762137"/>
+        <p14:creationId xmlns:p14="http://schemas.microsoft.com/office/powerpoint/2010/main" val="3815244259"/>
       </p:ext>
     </p:extLst>
   </p:cSld>
@@ -1201,7 +1070,7 @@
             <a:fld id="{332C4CEC-2DBE-4C38-BA31-7DE965C3FA11}" type="slidenum">
               <a:rPr lang="en-US"/>
               <a:pPr/>
-              <a:t>15</a:t>
+              <a:t>16</a:t>
             </a:fld>
             <a:r>
               <a:rPr lang="en-US" dirty="0"/>
@@ -1361,7 +1230,7 @@
             <a:fld id="{1CAF241F-65C9-4E85-866D-33A924D9866A}" type="slidenum">
               <a:rPr lang="en-US" sz="1000" i="1"/>
               <a:pPr algn="r" defTabSz="914450"/>
-              <a:t>15</a:t>
+              <a:t>16</a:t>
             </a:fld>
             <a:r>
               <a:rPr lang="en-US" sz="1000" i="1" dirty="0"/>
@@ -1376,7 +1245,7 @@
           <p:cNvPr id="10" name="Footer Placeholder 7">
             <a:extLst>
               <a:ext uri="{FF2B5EF4-FFF2-40B4-BE49-F238E27FC236}">
-                <a16:creationId xmlns:a16="http://schemas.microsoft.com/office/drawing/2014/main" id="{98DC522B-3196-4E94-B548-2DD8D5CE3B40}"/>
+                <a16:creationId xmlns:a16="http://schemas.microsoft.com/office/drawing/2014/main" id="{72B0CE86-8308-47A9-9930-4B85E8624BBF}"/>
               </a:ext>
             </a:extLst>
           </p:cNvPr>
@@ -1424,7 +1293,7 @@
     </p:spTree>
     <p:extLst>
       <p:ext uri="{BB962C8B-B14F-4D97-AF65-F5344CB8AC3E}">
-        <p14:creationId xmlns:p14="http://schemas.microsoft.com/office/powerpoint/2010/main" val="1690420446"/>
+        <p14:creationId xmlns:p14="http://schemas.microsoft.com/office/powerpoint/2010/main" val="3317762137"/>
       </p:ext>
     </p:extLst>
   </p:cSld>
@@ -1453,19 +1322,54 @@
       </p:grpSpPr>
       <p:sp>
         <p:nvSpPr>
-          <p:cNvPr id="2" name="Slide Image Placeholder 1"/>
+          <p:cNvPr id="9" name="Rectangle 7"/>
           <p:cNvSpPr>
-            <a:spLocks noGrp="1" noRot="1" noChangeAspect="1"/>
+            <a:spLocks noGrp="1" noChangeArrowheads="1"/>
+          </p:cNvSpPr>
+          <p:nvPr>
+            <p:ph type="sldNum" sz="quarter" idx="5"/>
+          </p:nvPr>
+        </p:nvSpPr>
+        <p:spPr>
+          <a:ln/>
+        </p:spPr>
+        <p:txBody>
+          <a:bodyPr/>
+          <a:lstStyle/>
+          <a:p>
+            <a:fld id="{332C4CEC-2DBE-4C38-BA31-7DE965C3FA11}" type="slidenum">
+              <a:rPr lang="en-US"/>
+              <a:pPr/>
+              <a:t>17</a:t>
+            </a:fld>
+            <a:r>
+              <a:rPr lang="en-US" dirty="0"/>
+              <a:t>##</a:t>
+            </a:r>
+          </a:p>
+        </p:txBody>
+      </p:sp>
+      <p:sp>
+        <p:nvSpPr>
+          <p:cNvPr id="54274" name="Slide Image Placeholder 1"/>
+          <p:cNvSpPr>
+            <a:spLocks noGrp="1" noRot="1" noChangeAspect="1" noTextEdit="1"/>
           </p:cNvSpPr>
           <p:nvPr>
             <p:ph type="sldImg"/>
           </p:nvPr>
         </p:nvSpPr>
-        <p:spPr/>
-      </p:sp>
-      <p:sp>
-        <p:nvSpPr>
-          <p:cNvPr id="3" name="Notes Placeholder 2"/>
+        <p:spPr>
+          <a:xfrm>
+            <a:off x="381000" y="685800"/>
+            <a:ext cx="6096000" cy="3429000"/>
+          </a:xfrm>
+          <a:ln/>
+        </p:spPr>
+      </p:sp>
+      <p:sp>
+        <p:nvSpPr>
+          <p:cNvPr id="54275" name="Notes Placeholder 2"/>
           <p:cNvSpPr>
             <a:spLocks noGrp="1"/>
           </p:cNvSpPr>
@@ -1478,18 +1382,19 @@
           <a:bodyPr/>
           <a:lstStyle/>
           <a:p>
+            <a:pPr eaLnBrk="1" hangingPunct="1"/>
             <a:endParaRPr lang="en-US" dirty="0"/>
           </a:p>
         </p:txBody>
       </p:sp>
       <p:sp>
         <p:nvSpPr>
-          <p:cNvPr id="5" name="Slide Number Placeholder 4"/>
+          <p:cNvPr id="54276" name="Header Placeholder 3"/>
           <p:cNvSpPr>
             <a:spLocks noGrp="1"/>
           </p:cNvSpPr>
           <p:nvPr>
-            <p:ph type="sldNum" sz="quarter" idx="11"/>
+            <p:ph type="hdr" sz="quarter"/>
           </p:nvPr>
         </p:nvSpPr>
         <p:spPr/>
@@ -1497,21 +1402,120 @@
           <a:bodyPr/>
           <a:lstStyle/>
           <a:p>
-            <a:fld id="{3EBA5BD7-F043-4D1B-AA17-CD412FC534DE}" type="slidenum">
-              <a:rPr lang="en-US" smtClean="0"/>
-              <a:pPr/>
-              <a:t>16</a:t>
+            <a:r>
+              <a:rPr lang="en-US" dirty="0"/>
+              <a:t>*</a:t>
+            </a:r>
+          </a:p>
+        </p:txBody>
+      </p:sp>
+      <p:sp>
+        <p:nvSpPr>
+          <p:cNvPr id="54277" name="Date Placeholder 4"/>
+          <p:cNvSpPr>
+            <a:spLocks noGrp="1"/>
+          </p:cNvSpPr>
+          <p:nvPr>
+            <p:ph type="dt" sz="quarter" idx="1"/>
+          </p:nvPr>
+        </p:nvSpPr>
+        <p:spPr/>
+        <p:txBody>
+          <a:bodyPr/>
+          <a:lstStyle/>
+          <a:p>
+            <a:r>
+              <a:rPr lang="en-US" dirty="0"/>
+              <a:t>07/16/96</a:t>
+            </a:r>
+          </a:p>
+        </p:txBody>
+      </p:sp>
+      <p:sp>
+        <p:nvSpPr>
+          <p:cNvPr id="54278" name="Footer Placeholder 5"/>
+          <p:cNvSpPr txBox="1">
+            <a:spLocks noGrp="1"/>
+          </p:cNvSpPr>
+          <p:nvPr/>
+        </p:nvSpPr>
+        <p:spPr bwMode="auto">
+          <a:xfrm>
+            <a:off x="1" y="8687297"/>
+            <a:ext cx="2972004" cy="456703"/>
+          </a:xfrm>
+          <a:prstGeom prst="rect">
+            <a:avLst/>
+          </a:prstGeom>
+          <a:noFill/>
+          <a:ln w="9525">
+            <a:noFill/>
+            <a:miter lim="800000"/>
+            <a:headEnd/>
+            <a:tailEnd/>
+          </a:ln>
+        </p:spPr>
+        <p:txBody>
+          <a:bodyPr lIns="19047" tIns="0" rIns="19047" bIns="0" anchor="b"/>
+          <a:lstStyle/>
+          <a:p>
+            <a:pPr defTabSz="914450"/>
+            <a:r>
+              <a:rPr lang="en-US" sz="1000" i="1" dirty="0"/>
+              <a:t>(c) 2006 National Academy for Software Development - http://academy.devbg.org*</a:t>
+            </a:r>
+            <a:endParaRPr lang="en-US" sz="1200" i="1" dirty="0"/>
+          </a:p>
+        </p:txBody>
+      </p:sp>
+      <p:sp>
+        <p:nvSpPr>
+          <p:cNvPr id="54279" name="Slide Number Placeholder 6"/>
+          <p:cNvSpPr txBox="1">
+            <a:spLocks noGrp="1"/>
+          </p:cNvSpPr>
+          <p:nvPr/>
+        </p:nvSpPr>
+        <p:spPr bwMode="auto">
+          <a:xfrm>
+            <a:off x="3885996" y="8687297"/>
+            <a:ext cx="2972004" cy="456703"/>
+          </a:xfrm>
+          <a:prstGeom prst="rect">
+            <a:avLst/>
+          </a:prstGeom>
+          <a:noFill/>
+          <a:ln w="9525">
+            <a:noFill/>
+            <a:miter lim="800000"/>
+            <a:headEnd/>
+            <a:tailEnd/>
+          </a:ln>
+        </p:spPr>
+        <p:txBody>
+          <a:bodyPr lIns="19047" tIns="0" rIns="19047" bIns="0" anchor="b"/>
+          <a:lstStyle/>
+          <a:p>
+            <a:pPr algn="r" defTabSz="914450"/>
+            <a:fld id="{1CAF241F-65C9-4E85-866D-33A924D9866A}" type="slidenum">
+              <a:rPr lang="en-US" sz="1000" i="1"/>
+              <a:pPr algn="r" defTabSz="914450"/>
+              <a:t>17</a:t>
             </a:fld>
-            <a:endParaRPr lang="en-US" dirty="0"/>
+            <a:r>
+              <a:rPr lang="en-US" sz="1000" i="1" dirty="0"/>
+              <a:t>##</a:t>
+            </a:r>
+            <a:endParaRPr lang="en-US" sz="1200" i="1" dirty="0"/>
           </a:p>
         </p:txBody>
       </p:sp>
       <p:sp>
         <p:nvSpPr>
-          <p:cNvPr id="6" name="Footer Placeholder 7">
+          <p:cNvPr id="10" name="Footer Placeholder 7">
             <a:extLst>
               <a:ext uri="{FF2B5EF4-FFF2-40B4-BE49-F238E27FC236}">
-                <a16:creationId xmlns:a16="http://schemas.microsoft.com/office/drawing/2014/main" id="{9B06890D-5EEB-420A-9FC0-F14D0F047CF7}"/>
+                <a16:creationId xmlns:a16="http://schemas.microsoft.com/office/drawing/2014/main" id="{98DC522B-3196-4E94-B548-2DD8D5CE3B40}"/>
               </a:ext>
             </a:extLst>
           </p:cNvPr>
@@ -1559,6 +1563,141 @@
     </p:spTree>
     <p:extLst>
       <p:ext uri="{BB962C8B-B14F-4D97-AF65-F5344CB8AC3E}">
+        <p14:creationId xmlns:p14="http://schemas.microsoft.com/office/powerpoint/2010/main" val="1690420446"/>
+      </p:ext>
+    </p:extLst>
+  </p:cSld>
+  <p:clrMapOvr>
+    <a:masterClrMapping/>
+  </p:clrMapOvr>
+</p:notes>
+</file>
+
+<file path=ppt/notesSlides/notesSlide13.xml><?xml version="1.0" encoding="utf-8"?>
+<p:notes xmlns:a="http://schemas.openxmlformats.org/drawingml/2006/main" xmlns:r="http://schemas.openxmlformats.org/officeDocument/2006/relationships" xmlns:p="http://schemas.openxmlformats.org/presentationml/2006/main">
+  <p:cSld>
+    <p:spTree>
+      <p:nvGrpSpPr>
+        <p:cNvPr id="1" name=""/>
+        <p:cNvGrpSpPr/>
+        <p:nvPr/>
+      </p:nvGrpSpPr>
+      <p:grpSpPr>
+        <a:xfrm>
+          <a:off x="0" y="0"/>
+          <a:ext cx="0" cy="0"/>
+          <a:chOff x="0" y="0"/>
+          <a:chExt cx="0" cy="0"/>
+        </a:xfrm>
+      </p:grpSpPr>
+      <p:sp>
+        <p:nvSpPr>
+          <p:cNvPr id="2" name="Slide Image Placeholder 1"/>
+          <p:cNvSpPr>
+            <a:spLocks noGrp="1" noRot="1" noChangeAspect="1"/>
+          </p:cNvSpPr>
+          <p:nvPr>
+            <p:ph type="sldImg"/>
+          </p:nvPr>
+        </p:nvSpPr>
+        <p:spPr/>
+      </p:sp>
+      <p:sp>
+        <p:nvSpPr>
+          <p:cNvPr id="3" name="Notes Placeholder 2"/>
+          <p:cNvSpPr>
+            <a:spLocks noGrp="1"/>
+          </p:cNvSpPr>
+          <p:nvPr>
+            <p:ph type="body" idx="1"/>
+          </p:nvPr>
+        </p:nvSpPr>
+        <p:spPr/>
+        <p:txBody>
+          <a:bodyPr/>
+          <a:lstStyle/>
+          <a:p>
+            <a:endParaRPr lang="en-US" dirty="0"/>
+          </a:p>
+        </p:txBody>
+      </p:sp>
+      <p:sp>
+        <p:nvSpPr>
+          <p:cNvPr id="5" name="Slide Number Placeholder 4"/>
+          <p:cNvSpPr>
+            <a:spLocks noGrp="1"/>
+          </p:cNvSpPr>
+          <p:nvPr>
+            <p:ph type="sldNum" sz="quarter" idx="11"/>
+          </p:nvPr>
+        </p:nvSpPr>
+        <p:spPr/>
+        <p:txBody>
+          <a:bodyPr/>
+          <a:lstStyle/>
+          <a:p>
+            <a:fld id="{3EBA5BD7-F043-4D1B-AA17-CD412FC534DE}" type="slidenum">
+              <a:rPr lang="en-US" smtClean="0"/>
+              <a:pPr/>
+              <a:t>18</a:t>
+            </a:fld>
+            <a:endParaRPr lang="en-US" dirty="0"/>
+          </a:p>
+        </p:txBody>
+      </p:sp>
+      <p:sp>
+        <p:nvSpPr>
+          <p:cNvPr id="6" name="Footer Placeholder 7">
+            <a:extLst>
+              <a:ext uri="{FF2B5EF4-FFF2-40B4-BE49-F238E27FC236}">
+                <a16:creationId xmlns:a16="http://schemas.microsoft.com/office/drawing/2014/main" id="{9B06890D-5EEB-420A-9FC0-F14D0F047CF7}"/>
+              </a:ext>
+            </a:extLst>
+          </p:cNvPr>
+          <p:cNvSpPr>
+            <a:spLocks noGrp="1"/>
+          </p:cNvSpPr>
+          <p:nvPr>
+            <p:ph type="ftr" sz="quarter" idx="4"/>
+          </p:nvPr>
+        </p:nvSpPr>
+        <p:spPr>
+          <a:xfrm>
+            <a:off x="-1" y="8847000"/>
+            <a:ext cx="6488999" cy="297000"/>
+          </a:xfrm>
+          <a:prstGeom prst="rect">
+            <a:avLst/>
+          </a:prstGeom>
+        </p:spPr>
+        <p:txBody>
+          <a:bodyPr vert="horz" lIns="91440" tIns="45720" rIns="91440" bIns="45720" rtlCol="0" anchor="b"/>
+          <a:lstStyle>
+            <a:lvl1pPr algn="l">
+              <a:defRPr sz="1100"/>
+            </a:lvl1pPr>
+          </a:lstStyle>
+          <a:p>
+            <a:r>
+              <a:rPr lang="en-US" dirty="0"/>
+              <a:t>© SoftUni – </a:t>
+            </a:r>
+            <a:r>
+              <a:rPr lang="en-US" u="sng" dirty="0">
+                <a:hlinkClick r:id="rId3"/>
+              </a:rPr>
+              <a:t>https://softuni.org</a:t>
+            </a:r>
+            <a:r>
+              <a:rPr lang="en-US" dirty="0"/>
+              <a:t>. Copyrighted document. Unauthorized copy or reproduction is not permitted.</a:t>
+            </a:r>
+          </a:p>
+        </p:txBody>
+      </p:sp>
+    </p:spTree>
+    <p:extLst>
+      <p:ext uri="{BB962C8B-B14F-4D97-AF65-F5344CB8AC3E}">
         <p14:creationId xmlns:p14="http://schemas.microsoft.com/office/powerpoint/2010/main" val="1165365046"/>
       </p:ext>
     </p:extLst>
@@ -1569,7 +1708,7 @@
 </p:notes>
 </file>
 
-<file path=ppt/notesSlides/notesSlide13.xml><?xml version="1.0" encoding="utf-8"?>
+<file path=ppt/notesSlides/notesSlide14.xml><?xml version="1.0" encoding="utf-8"?>
 <p:notes xmlns:a="http://schemas.openxmlformats.org/drawingml/2006/main" xmlns:r="http://schemas.openxmlformats.org/officeDocument/2006/relationships" xmlns:p="http://schemas.openxmlformats.org/presentationml/2006/main">
   <p:cSld>
     <p:spTree>
@@ -1741,7 +1880,7 @@
             <a:fld id="{3EBA5BD7-F043-4D1B-AA17-CD412FC534DE}" type="slidenum">
               <a:rPr lang="en-US" smtClean="0"/>
               <a:pPr/>
-              <a:t>17</a:t>
+              <a:t>19</a:t>
             </a:fld>
             <a:endParaRPr lang="en-US" dirty="0"/>
           </a:p>
@@ -1810,7 +1949,7 @@
 </p:notes>
 </file>
 
-<file path=ppt/notesSlides/notesSlide14.xml><?xml version="1.0" encoding="utf-8"?>
+<file path=ppt/notesSlides/notesSlide15.xml><?xml version="1.0" encoding="utf-8"?>
 <p:notes xmlns:a="http://schemas.openxmlformats.org/drawingml/2006/main" xmlns:r="http://schemas.openxmlformats.org/officeDocument/2006/relationships" xmlns:p="http://schemas.openxmlformats.org/presentationml/2006/main">
   <p:cSld>
     <p:spTree>
@@ -1982,7 +2121,7 @@
             <a:fld id="{3EBA5BD7-F043-4D1B-AA17-CD412FC534DE}" type="slidenum">
               <a:rPr lang="en-US" smtClean="0"/>
               <a:pPr/>
-              <a:t>18</a:t>
+              <a:t>20</a:t>
             </a:fld>
             <a:endParaRPr lang="en-US" dirty="0"/>
           </a:p>
@@ -3332,7 +3471,7 @@
             <a:fld id="{3EBA5BD7-F043-4D1B-AA17-CD412FC534DE}" type="slidenum">
               <a:rPr lang="en-US" smtClean="0"/>
               <a:pPr/>
-              <a:t>11</a:t>
+              <a:t>12</a:t>
             </a:fld>
             <a:endParaRPr lang="en-US" dirty="0"/>
           </a:p>
@@ -3467,7 +3606,7 @@
             <a:fld id="{3EBA5BD7-F043-4D1B-AA17-CD412FC534DE}" type="slidenum">
               <a:rPr lang="en-US" smtClean="0"/>
               <a:pPr/>
-              <a:t>12</a:t>
+              <a:t>13</a:t>
             </a:fld>
             <a:endParaRPr lang="en-US" dirty="0"/>
           </a:p>
@@ -3478,7 +3617,7 @@
           <p:cNvPr id="6" name="Footer Placeholder 7">
             <a:extLst>
               <a:ext uri="{FF2B5EF4-FFF2-40B4-BE49-F238E27FC236}">
-                <a16:creationId xmlns:a16="http://schemas.microsoft.com/office/drawing/2014/main" id="{75A4E7A0-FEE2-42C2-A689-4B3992BCE1E0}"/>
+                <a16:creationId xmlns:a16="http://schemas.microsoft.com/office/drawing/2014/main" id="{7615004F-EAD0-4523-BF1B-B43BEF34C061}"/>
               </a:ext>
             </a:extLst>
           </p:cNvPr>
@@ -3526,7 +3665,7 @@
     </p:spTree>
     <p:extLst>
       <p:ext uri="{BB962C8B-B14F-4D97-AF65-F5344CB8AC3E}">
-        <p14:creationId xmlns:p14="http://schemas.microsoft.com/office/powerpoint/2010/main" val="2866178310"/>
+        <p14:creationId xmlns:p14="http://schemas.microsoft.com/office/powerpoint/2010/main" val="1420532948"/>
       </p:ext>
     </p:extLst>
   </p:cSld>
@@ -3602,7 +3741,7 @@
             <a:fld id="{3EBA5BD7-F043-4D1B-AA17-CD412FC534DE}" type="slidenum">
               <a:rPr lang="en-US" smtClean="0"/>
               <a:pPr/>
-              <a:t>13</a:t>
+              <a:t>14</a:t>
             </a:fld>
             <a:endParaRPr lang="en-US" dirty="0"/>
           </a:p>
@@ -3613,7 +3752,7 @@
           <p:cNvPr id="6" name="Footer Placeholder 7">
             <a:extLst>
               <a:ext uri="{FF2B5EF4-FFF2-40B4-BE49-F238E27FC236}">
-                <a16:creationId xmlns:a16="http://schemas.microsoft.com/office/drawing/2014/main" id="{8F05106B-DEEC-407A-A47D-950478CAB34A}"/>
+                <a16:creationId xmlns:a16="http://schemas.microsoft.com/office/drawing/2014/main" id="{75A4E7A0-FEE2-42C2-A689-4B3992BCE1E0}"/>
               </a:ext>
             </a:extLst>
           </p:cNvPr>
@@ -3661,7 +3800,7 @@
     </p:spTree>
     <p:extLst>
       <p:ext uri="{BB962C8B-B14F-4D97-AF65-F5344CB8AC3E}">
-        <p14:creationId xmlns:p14="http://schemas.microsoft.com/office/powerpoint/2010/main" val="3815244259"/>
+        <p14:creationId xmlns:p14="http://schemas.microsoft.com/office/powerpoint/2010/main" val="2866178310"/>
       </p:ext>
     </p:extLst>
   </p:cSld>
@@ -10263,13 +10402,13 @@
         <p:spPr/>
         <p:txBody>
           <a:bodyPr>
-            <a:normAutofit/>
+            <a:normAutofit fontScale="92500"/>
           </a:bodyPr>
           <a:lstStyle/>
           <a:p>
             <a:r>
               <a:rPr lang="bg-BG" dirty="0"/>
-              <a:t>Йерархия на класовете</a:t>
+              <a:t>Виртуални методи и преизползване на код, ОО моделиране,  разширяване на клас, асоциация, композиция, делегация</a:t>
             </a:r>
             <a:endParaRPr lang="en-US" dirty="0"/>
           </a:p>
@@ -10294,7 +10433,7 @@
           <a:p>
             <a:r>
               <a:rPr lang="bg-BG" dirty="0"/>
-              <a:t>Наследяване</a:t>
+              <a:t>Наследяване – продължение</a:t>
             </a:r>
             <a:endParaRPr lang="en-US" dirty="0"/>
           </a:p>
@@ -10333,8 +10472,8 @@
         </p:blipFill>
         <p:spPr bwMode="auto">
           <a:xfrm>
-            <a:off x="4161000" y="1823105"/>
-            <a:ext cx="3483131" cy="3483131"/>
+            <a:off x="4838089" y="2817137"/>
+            <a:ext cx="2162750" cy="2162750"/>
           </a:xfrm>
           <a:prstGeom prst="rect">
             <a:avLst/>
@@ -10434,6 +10573,48 @@
       </p:pic>
       <p:sp>
         <p:nvSpPr>
+          <p:cNvPr id="4" name="Subtitle 3">
+            <a:extLst>
+              <a:ext uri="{FF2B5EF4-FFF2-40B4-BE49-F238E27FC236}">
+                <a16:creationId xmlns:a16="http://schemas.microsoft.com/office/drawing/2014/main" id="{60CCB5FD-0064-52E5-B9EF-897024D8DD6E}"/>
+              </a:ext>
+            </a:extLst>
+          </p:cNvPr>
+          <p:cNvSpPr>
+            <a:spLocks noGrp="1"/>
+          </p:cNvSpPr>
+          <p:nvPr>
+            <p:ph type="subTitle" sz="quarter" idx="11"/>
+          </p:nvPr>
+        </p:nvSpPr>
+        <p:spPr>
+          <a:xfrm>
+            <a:off x="614363" y="5675650"/>
+            <a:ext cx="10963275" cy="768350"/>
+          </a:xfrm>
+        </p:spPr>
+        <p:txBody>
+          <a:bodyPr/>
+          <a:lstStyle/>
+          <a:p>
+            <a:r>
+              <a:rPr lang="bg-BG" dirty="0"/>
+              <a:t>Разширяване</a:t>
+            </a:r>
+            <a:r>
+              <a:rPr lang="en-US" dirty="0"/>
+              <a:t>, </a:t>
+            </a:r>
+            <a:r>
+              <a:rPr lang="bg-BG" dirty="0"/>
+              <a:t>композиция, делегиране</a:t>
+            </a:r>
+            <a:endParaRPr lang="en-US" dirty="0"/>
+          </a:p>
+        </p:txBody>
+      </p:sp>
+      <p:sp>
+        <p:nvSpPr>
           <p:cNvPr id="3" name="Title 2">
             <a:extLst>
               <a:ext uri="{FF2B5EF4-FFF2-40B4-BE49-F238E27FC236}">
@@ -10448,24 +10629,21 @@
             <p:ph type="title" sz="quarter" idx="10"/>
           </p:nvPr>
         </p:nvSpPr>
-        <p:spPr/>
+        <p:spPr>
+          <a:xfrm>
+            <a:off x="614363" y="4794587"/>
+            <a:ext cx="10963275" cy="768350"/>
+          </a:xfrm>
+        </p:spPr>
         <p:txBody>
           <a:bodyPr/>
           <a:lstStyle/>
           <a:p>
             <a:r>
-              <a:rPr lang="bg-BG" sz="4800" dirty="0"/>
-              <a:t>Разширяване</a:t>
-            </a:r>
-            <a:r>
-              <a:rPr lang="en-US" sz="4800" dirty="0"/>
-              <a:t>, </a:t>
-            </a:r>
-            <a:r>
-              <a:rPr lang="bg-BG" sz="4800" dirty="0"/>
-              <a:t>композиция, делегиране</a:t>
-            </a:r>
-            <a:endParaRPr lang="en-US" sz="4800" dirty="0"/>
+              <a:rPr lang="bg-BG" dirty="0"/>
+              <a:t>Обектно-ориентирано моделиране</a:t>
+            </a:r>
+            <a:endParaRPr lang="en-US" dirty="0"/>
           </a:p>
         </p:txBody>
       </p:sp>
@@ -10509,6 +10687,594 @@
       </p:grpSpPr>
       <p:sp>
         <p:nvSpPr>
+          <p:cNvPr id="2" name="Slide Number Placeholder 1">
+            <a:extLst>
+              <a:ext uri="{FF2B5EF4-FFF2-40B4-BE49-F238E27FC236}">
+                <a16:creationId xmlns:a16="http://schemas.microsoft.com/office/drawing/2014/main" id="{BA65E8CB-2D7F-757A-288C-8F9E23E7B4EC}"/>
+              </a:ext>
+            </a:extLst>
+          </p:cNvPr>
+          <p:cNvSpPr>
+            <a:spLocks noGrp="1"/>
+          </p:cNvSpPr>
+          <p:nvPr>
+            <p:ph type="sldNum" sz="quarter" idx="5"/>
+          </p:nvPr>
+        </p:nvSpPr>
+        <p:spPr/>
+        <p:txBody>
+          <a:bodyPr/>
+          <a:lstStyle/>
+          <a:p>
+            <a:fld id="{2BF067CD-8E6B-4360-9AA8-C5DF2A48A6D1}" type="slidenum">
+              <a:rPr lang="en-US" noProof="0" smtClean="0"/>
+              <a:pPr/>
+              <a:t>11</a:t>
+            </a:fld>
+            <a:endParaRPr lang="en-US" noProof="0" dirty="0"/>
+          </a:p>
+        </p:txBody>
+      </p:sp>
+      <p:sp>
+        <p:nvSpPr>
+          <p:cNvPr id="3" name="Text Placeholder 2">
+            <a:extLst>
+              <a:ext uri="{FF2B5EF4-FFF2-40B4-BE49-F238E27FC236}">
+                <a16:creationId xmlns:a16="http://schemas.microsoft.com/office/drawing/2014/main" id="{9386B5BC-11E7-6EFA-EEE5-92EAB650784E}"/>
+              </a:ext>
+            </a:extLst>
+          </p:cNvPr>
+          <p:cNvSpPr>
+            <a:spLocks noGrp="1"/>
+          </p:cNvSpPr>
+          <p:nvPr>
+            <p:ph type="body" sz="quarter" idx="10"/>
+          </p:nvPr>
+        </p:nvSpPr>
+        <p:spPr/>
+        <p:txBody>
+          <a:bodyPr/>
+          <a:lstStyle/>
+          <a:p>
+            <a:pPr>
+              <a:spcBef>
+                <a:spcPts val="800"/>
+              </a:spcBef>
+            </a:pPr>
+            <a:r>
+              <a:rPr lang="bg-BG" b="1" dirty="0"/>
+              <a:t>Обектно-ориентирано моделиране </a:t>
+            </a:r>
+            <a:r>
+              <a:rPr lang="bg-BG" dirty="0"/>
+              <a:t>(ОО моделиране)</a:t>
+            </a:r>
+          </a:p>
+          <a:p>
+            <a:pPr lvl="1">
+              <a:spcBef>
+                <a:spcPts val="800"/>
+              </a:spcBef>
+            </a:pPr>
+            <a:r>
+              <a:rPr lang="bg-BG" dirty="0"/>
+              <a:t>Моделиране на реалния свят чрез </a:t>
+            </a:r>
+            <a:r>
+              <a:rPr lang="bg-BG" b="1" dirty="0"/>
+              <a:t>класове</a:t>
+            </a:r>
+            <a:r>
+              <a:rPr lang="bg-BG" dirty="0"/>
+              <a:t> и </a:t>
+            </a:r>
+            <a:r>
+              <a:rPr lang="bg-BG" b="1" dirty="0"/>
+              <a:t>взаимовръзки</a:t>
+            </a:r>
+            <a:r>
+              <a:rPr lang="bg-BG" dirty="0"/>
+              <a:t> между тях</a:t>
+            </a:r>
+            <a:r>
+              <a:rPr lang="en-US" dirty="0"/>
+              <a:t> (</a:t>
+            </a:r>
+            <a:r>
+              <a:rPr lang="bg-BG" dirty="0"/>
+              <a:t>наследяване, асоциации, делегиране, …)</a:t>
+            </a:r>
+          </a:p>
+          <a:p>
+            <a:pPr lvl="1">
+              <a:spcBef>
+                <a:spcPts val="800"/>
+              </a:spcBef>
+            </a:pPr>
+            <a:r>
+              <a:rPr lang="bg-BG" b="1" dirty="0"/>
+              <a:t>Наследяване</a:t>
+            </a:r>
+            <a:r>
+              <a:rPr lang="bg-BG" dirty="0"/>
+              <a:t>: </a:t>
+            </a:r>
+            <a:r>
+              <a:rPr lang="en-US" dirty="0"/>
+              <a:t>Rectangle </a:t>
+            </a:r>
+            <a:r>
+              <a:rPr lang="en-US" b="1" i="1" dirty="0"/>
+              <a:t>&lt;is a kind of&gt;</a:t>
+            </a:r>
+            <a:r>
+              <a:rPr lang="en-US" dirty="0"/>
+              <a:t> Figure</a:t>
+            </a:r>
+            <a:endParaRPr lang="en-US" b="1" dirty="0"/>
+          </a:p>
+          <a:p>
+            <a:pPr lvl="1">
+              <a:spcBef>
+                <a:spcPts val="800"/>
+              </a:spcBef>
+            </a:pPr>
+            <a:r>
+              <a:rPr lang="bg-BG" b="1" dirty="0"/>
+              <a:t>Асоциация</a:t>
+            </a:r>
+            <a:r>
+              <a:rPr lang="bg-BG" dirty="0"/>
+              <a:t>: </a:t>
+            </a:r>
+            <a:r>
+              <a:rPr lang="en-US" dirty="0"/>
+              <a:t>Teacher </a:t>
+            </a:r>
+            <a:r>
+              <a:rPr lang="en-US" b="1" i="1" dirty="0"/>
+              <a:t>&lt;works in a&gt;</a:t>
+            </a:r>
+            <a:r>
+              <a:rPr lang="en-US" dirty="0"/>
+              <a:t> School</a:t>
+            </a:r>
+          </a:p>
+          <a:p>
+            <a:pPr lvl="1">
+              <a:spcBef>
+                <a:spcPts val="800"/>
+              </a:spcBef>
+            </a:pPr>
+            <a:r>
+              <a:rPr lang="bg-BG" b="1" dirty="0"/>
+              <a:t>Композиция</a:t>
+            </a:r>
+            <a:r>
+              <a:rPr lang="bg-BG" dirty="0"/>
+              <a:t>: </a:t>
+            </a:r>
+            <a:r>
+              <a:rPr lang="en-US" dirty="0"/>
+              <a:t>Laptop </a:t>
+            </a:r>
+            <a:r>
+              <a:rPr lang="en-US" b="1" i="1" dirty="0"/>
+              <a:t>&lt;has own&gt;</a:t>
+            </a:r>
+            <a:r>
+              <a:rPr lang="en-US" dirty="0"/>
+              <a:t> Keyboard, Screen</a:t>
+            </a:r>
+            <a:endParaRPr lang="bg-BG" dirty="0"/>
+          </a:p>
+          <a:p>
+            <a:pPr lvl="1">
+              <a:spcBef>
+                <a:spcPts val="800"/>
+              </a:spcBef>
+            </a:pPr>
+            <a:r>
+              <a:rPr lang="bg-BG" b="1" dirty="0"/>
+              <a:t>Агрегация</a:t>
+            </a:r>
+            <a:r>
+              <a:rPr lang="bg-BG" dirty="0"/>
+              <a:t>: </a:t>
+            </a:r>
+            <a:r>
+              <a:rPr lang="en-US" dirty="0"/>
+              <a:t>Class </a:t>
+            </a:r>
+            <a:r>
+              <a:rPr lang="en-US" b="1" i="1" dirty="0"/>
+              <a:t>&lt;contains many&gt;</a:t>
+            </a:r>
+            <a:r>
+              <a:rPr lang="en-US" dirty="0"/>
+              <a:t> Student</a:t>
+            </a:r>
+          </a:p>
+          <a:p>
+            <a:pPr lvl="1">
+              <a:spcBef>
+                <a:spcPts val="800"/>
+              </a:spcBef>
+            </a:pPr>
+            <a:r>
+              <a:rPr lang="bg-BG" b="1" dirty="0"/>
+              <a:t>Делегиране</a:t>
+            </a:r>
+            <a:r>
+              <a:rPr lang="bg-BG" dirty="0"/>
+              <a:t>: </a:t>
+            </a:r>
+            <a:r>
+              <a:rPr lang="en-US" dirty="0"/>
+              <a:t>Laptop </a:t>
+            </a:r>
+            <a:r>
+              <a:rPr lang="en-US" b="1" i="1" dirty="0"/>
+              <a:t>&lt;delegates to&gt;</a:t>
+            </a:r>
+            <a:r>
+              <a:rPr lang="en-US" dirty="0"/>
+              <a:t> Screen </a:t>
+            </a:r>
+            <a:r>
+              <a:rPr lang="en-US" b="1" i="1" dirty="0"/>
+              <a:t>&lt;printing&gt;</a:t>
+            </a:r>
+            <a:endParaRPr lang="en-US" dirty="0"/>
+          </a:p>
+        </p:txBody>
+      </p:sp>
+      <p:sp>
+        <p:nvSpPr>
+          <p:cNvPr id="4" name="Title 3">
+            <a:extLst>
+              <a:ext uri="{FF2B5EF4-FFF2-40B4-BE49-F238E27FC236}">
+                <a16:creationId xmlns:a16="http://schemas.microsoft.com/office/drawing/2014/main" id="{4A00F125-D9B6-4265-FA4D-1F380230D5DE}"/>
+              </a:ext>
+            </a:extLst>
+          </p:cNvPr>
+          <p:cNvSpPr>
+            <a:spLocks noGrp="1"/>
+          </p:cNvSpPr>
+          <p:nvPr>
+            <p:ph type="title"/>
+          </p:nvPr>
+        </p:nvSpPr>
+        <p:spPr/>
+        <p:txBody>
+          <a:bodyPr>
+            <a:normAutofit/>
+          </a:bodyPr>
+          <a:lstStyle/>
+          <a:p>
+            <a:r>
+              <a:rPr lang="bg-BG" dirty="0"/>
+              <a:t>Обектно-ориентирано моделиране</a:t>
+            </a:r>
+            <a:endParaRPr lang="en-US" dirty="0"/>
+          </a:p>
+        </p:txBody>
+      </p:sp>
+    </p:spTree>
+    <p:extLst>
+      <p:ext uri="{BB962C8B-B14F-4D97-AF65-F5344CB8AC3E}">
+        <p14:creationId xmlns:p14="http://schemas.microsoft.com/office/powerpoint/2010/main" val="2124713838"/>
+      </p:ext>
+    </p:extLst>
+  </p:cSld>
+  <p:clrMapOvr>
+    <a:masterClrMapping/>
+  </p:clrMapOvr>
+  <mc:AlternateContent xmlns:mc="http://schemas.openxmlformats.org/markup-compatibility/2006" xmlns:p14="http://schemas.microsoft.com/office/powerpoint/2010/main">
+    <mc:Choice Requires="p14">
+      <p:transition spd="slow" p14:dur="2000" advClick="0" advTm="5000"/>
+    </mc:Choice>
+    <mc:Fallback xmlns="">
+      <p:transition spd="slow" advClick="0" advTm="5000"/>
+    </mc:Fallback>
+  </mc:AlternateContent>
+  <p:timing>
+    <p:tnLst>
+      <p:par>
+        <p:cTn id="1" dur="indefinite" restart="never" nodeType="tmRoot">
+          <p:childTnLst>
+            <p:seq concurrent="1" nextAc="seek">
+              <p:cTn id="2" dur="indefinite" nodeType="mainSeq">
+                <p:childTnLst>
+                  <p:par>
+                    <p:cTn id="3" fill="hold">
+                      <p:stCondLst>
+                        <p:cond delay="indefinite"/>
+                      </p:stCondLst>
+                      <p:childTnLst>
+                        <p:par>
+                          <p:cTn id="4" fill="hold">
+                            <p:stCondLst>
+                              <p:cond delay="0"/>
+                            </p:stCondLst>
+                            <p:childTnLst>
+                              <p:par>
+                                <p:cTn id="5" presetID="1" presetClass="entr" presetSubtype="0" fill="hold" nodeType="clickEffect">
+                                  <p:stCondLst>
+                                    <p:cond delay="0"/>
+                                  </p:stCondLst>
+                                  <p:childTnLst>
+                                    <p:set>
+                                      <p:cBhvr>
+                                        <p:cTn id="6" dur="1" fill="hold">
+                                          <p:stCondLst>
+                                            <p:cond delay="0"/>
+                                          </p:stCondLst>
+                                        </p:cTn>
+                                        <p:tgtEl>
+                                          <p:spTgt spid="3">
+                                            <p:txEl>
+                                              <p:pRg st="2" end="2"/>
+                                            </p:txEl>
+                                          </p:spTgt>
+                                        </p:tgtEl>
+                                        <p:attrNameLst>
+                                          <p:attrName>style.visibility</p:attrName>
+                                        </p:attrNameLst>
+                                      </p:cBhvr>
+                                      <p:to>
+                                        <p:strVal val="visible"/>
+                                      </p:to>
+                                    </p:set>
+                                  </p:childTnLst>
+                                </p:cTn>
+                              </p:par>
+                            </p:childTnLst>
+                          </p:cTn>
+                        </p:par>
+                      </p:childTnLst>
+                    </p:cTn>
+                  </p:par>
+                  <p:par>
+                    <p:cTn id="7" fill="hold">
+                      <p:stCondLst>
+                        <p:cond delay="indefinite"/>
+                      </p:stCondLst>
+                      <p:childTnLst>
+                        <p:par>
+                          <p:cTn id="8" fill="hold">
+                            <p:stCondLst>
+                              <p:cond delay="0"/>
+                            </p:stCondLst>
+                            <p:childTnLst>
+                              <p:par>
+                                <p:cTn id="9" presetID="1" presetClass="entr" presetSubtype="0" fill="hold" nodeType="clickEffect">
+                                  <p:stCondLst>
+                                    <p:cond delay="0"/>
+                                  </p:stCondLst>
+                                  <p:childTnLst>
+                                    <p:set>
+                                      <p:cBhvr>
+                                        <p:cTn id="10" dur="1" fill="hold">
+                                          <p:stCondLst>
+                                            <p:cond delay="0"/>
+                                          </p:stCondLst>
+                                        </p:cTn>
+                                        <p:tgtEl>
+                                          <p:spTgt spid="3">
+                                            <p:txEl>
+                                              <p:pRg st="3" end="3"/>
+                                            </p:txEl>
+                                          </p:spTgt>
+                                        </p:tgtEl>
+                                        <p:attrNameLst>
+                                          <p:attrName>style.visibility</p:attrName>
+                                        </p:attrNameLst>
+                                      </p:cBhvr>
+                                      <p:to>
+                                        <p:strVal val="visible"/>
+                                      </p:to>
+                                    </p:set>
+                                  </p:childTnLst>
+                                </p:cTn>
+                              </p:par>
+                            </p:childTnLst>
+                          </p:cTn>
+                        </p:par>
+                      </p:childTnLst>
+                    </p:cTn>
+                  </p:par>
+                  <p:par>
+                    <p:cTn id="11" fill="hold">
+                      <p:stCondLst>
+                        <p:cond delay="indefinite"/>
+                      </p:stCondLst>
+                      <p:childTnLst>
+                        <p:par>
+                          <p:cTn id="12" fill="hold">
+                            <p:stCondLst>
+                              <p:cond delay="0"/>
+                            </p:stCondLst>
+                            <p:childTnLst>
+                              <p:par>
+                                <p:cTn id="13" presetID="1" presetClass="entr" presetSubtype="0" fill="hold" nodeType="clickEffect">
+                                  <p:stCondLst>
+                                    <p:cond delay="0"/>
+                                  </p:stCondLst>
+                                  <p:childTnLst>
+                                    <p:set>
+                                      <p:cBhvr>
+                                        <p:cTn id="14" dur="1" fill="hold">
+                                          <p:stCondLst>
+                                            <p:cond delay="0"/>
+                                          </p:stCondLst>
+                                        </p:cTn>
+                                        <p:tgtEl>
+                                          <p:spTgt spid="3">
+                                            <p:txEl>
+                                              <p:pRg st="4" end="4"/>
+                                            </p:txEl>
+                                          </p:spTgt>
+                                        </p:tgtEl>
+                                        <p:attrNameLst>
+                                          <p:attrName>style.visibility</p:attrName>
+                                        </p:attrNameLst>
+                                      </p:cBhvr>
+                                      <p:to>
+                                        <p:strVal val="visible"/>
+                                      </p:to>
+                                    </p:set>
+                                  </p:childTnLst>
+                                </p:cTn>
+                              </p:par>
+                            </p:childTnLst>
+                          </p:cTn>
+                        </p:par>
+                      </p:childTnLst>
+                    </p:cTn>
+                  </p:par>
+                  <p:par>
+                    <p:cTn id="15" fill="hold">
+                      <p:stCondLst>
+                        <p:cond delay="indefinite"/>
+                      </p:stCondLst>
+                      <p:childTnLst>
+                        <p:par>
+                          <p:cTn id="16" fill="hold">
+                            <p:stCondLst>
+                              <p:cond delay="0"/>
+                            </p:stCondLst>
+                            <p:childTnLst>
+                              <p:par>
+                                <p:cTn id="17" presetID="1" presetClass="entr" presetSubtype="0" fill="hold" nodeType="clickEffect">
+                                  <p:stCondLst>
+                                    <p:cond delay="0"/>
+                                  </p:stCondLst>
+                                  <p:childTnLst>
+                                    <p:set>
+                                      <p:cBhvr>
+                                        <p:cTn id="18" dur="1" fill="hold">
+                                          <p:stCondLst>
+                                            <p:cond delay="0"/>
+                                          </p:stCondLst>
+                                        </p:cTn>
+                                        <p:tgtEl>
+                                          <p:spTgt spid="3">
+                                            <p:txEl>
+                                              <p:pRg st="5" end="5"/>
+                                            </p:txEl>
+                                          </p:spTgt>
+                                        </p:tgtEl>
+                                        <p:attrNameLst>
+                                          <p:attrName>style.visibility</p:attrName>
+                                        </p:attrNameLst>
+                                      </p:cBhvr>
+                                      <p:to>
+                                        <p:strVal val="visible"/>
+                                      </p:to>
+                                    </p:set>
+                                  </p:childTnLst>
+                                </p:cTn>
+                              </p:par>
+                            </p:childTnLst>
+                          </p:cTn>
+                        </p:par>
+                      </p:childTnLst>
+                    </p:cTn>
+                  </p:par>
+                  <p:par>
+                    <p:cTn id="19" fill="hold">
+                      <p:stCondLst>
+                        <p:cond delay="indefinite"/>
+                      </p:stCondLst>
+                      <p:childTnLst>
+                        <p:par>
+                          <p:cTn id="20" fill="hold">
+                            <p:stCondLst>
+                              <p:cond delay="0"/>
+                            </p:stCondLst>
+                            <p:childTnLst>
+                              <p:par>
+                                <p:cTn id="21" presetID="1" presetClass="entr" presetSubtype="0" fill="hold" nodeType="clickEffect">
+                                  <p:stCondLst>
+                                    <p:cond delay="0"/>
+                                  </p:stCondLst>
+                                  <p:childTnLst>
+                                    <p:set>
+                                      <p:cBhvr>
+                                        <p:cTn id="22" dur="1" fill="hold">
+                                          <p:stCondLst>
+                                            <p:cond delay="0"/>
+                                          </p:stCondLst>
+                                        </p:cTn>
+                                        <p:tgtEl>
+                                          <p:spTgt spid="3">
+                                            <p:txEl>
+                                              <p:pRg st="6" end="6"/>
+                                            </p:txEl>
+                                          </p:spTgt>
+                                        </p:tgtEl>
+                                        <p:attrNameLst>
+                                          <p:attrName>style.visibility</p:attrName>
+                                        </p:attrNameLst>
+                                      </p:cBhvr>
+                                      <p:to>
+                                        <p:strVal val="visible"/>
+                                      </p:to>
+                                    </p:set>
+                                  </p:childTnLst>
+                                </p:cTn>
+                              </p:par>
+                            </p:childTnLst>
+                          </p:cTn>
+                        </p:par>
+                      </p:childTnLst>
+                    </p:cTn>
+                  </p:par>
+                </p:childTnLst>
+              </p:cTn>
+              <p:prevCondLst>
+                <p:cond evt="onPrev" delay="0">
+                  <p:tgtEl>
+                    <p:sldTgt/>
+                  </p:tgtEl>
+                </p:cond>
+              </p:prevCondLst>
+              <p:nextCondLst>
+                <p:cond evt="onNext" delay="0">
+                  <p:tgtEl>
+                    <p:sldTgt/>
+                  </p:tgtEl>
+                </p:cond>
+              </p:nextCondLst>
+            </p:seq>
+          </p:childTnLst>
+        </p:cTn>
+      </p:par>
+    </p:tnLst>
+  </p:timing>
+</p:sld>
+</file>
+
+<file path=ppt/slides/slide12.xml><?xml version="1.0" encoding="utf-8"?>
+<p:sld xmlns:a="http://schemas.openxmlformats.org/drawingml/2006/main" xmlns:r="http://schemas.openxmlformats.org/officeDocument/2006/relationships" xmlns:p="http://schemas.openxmlformats.org/presentationml/2006/main">
+  <p:cSld>
+    <p:spTree>
+      <p:nvGrpSpPr>
+        <p:cNvPr id="1" name=""/>
+        <p:cNvGrpSpPr/>
+        <p:nvPr/>
+      </p:nvGrpSpPr>
+      <p:grpSpPr>
+        <a:xfrm>
+          <a:off x="0" y="0"/>
+          <a:ext cx="0" cy="0"/>
+          <a:chOff x="0" y="0"/>
+          <a:chExt cx="0" cy="0"/>
+        </a:xfrm>
+      </p:grpSpPr>
+      <p:sp>
+        <p:nvSpPr>
           <p:cNvPr id="3" name="Content Placeholder 2"/>
           <p:cNvSpPr>
             <a:spLocks noGrp="1"/>
@@ -10535,56 +11301,86 @@
                   <a:schemeClr val="bg1"/>
                 </a:solidFill>
               </a:rPr>
-              <a:t>Повтарянето на код </a:t>
+              <a:t>Асоциация </a:t>
             </a:r>
             <a:r>
               <a:rPr lang="bg-BG" sz="3600" dirty="0"/>
-              <a:t>води до грешки</a:t>
-            </a:r>
-            <a:endParaRPr lang="en-GB" sz="3600" dirty="0"/>
-          </a:p>
-          <a:p>
-            <a:pPr>
+              <a:t>между класове в ООП</a:t>
+            </a:r>
+          </a:p>
+          <a:p>
+            <a:pPr lvl="1">
               <a:buClr>
                 <a:schemeClr val="tx1"/>
               </a:buClr>
             </a:pPr>
             <a:r>
-              <a:rPr lang="bg-BG" sz="3600" b="1" dirty="0">
-                <a:solidFill>
-                  <a:schemeClr val="bg1"/>
-                </a:solidFill>
-              </a:rPr>
-              <a:t>Можем да преизползваме класове </a:t>
-            </a:r>
-            <a:r>
-              <a:rPr lang="bg-BG" sz="3600" dirty="0"/>
-              <a:t>чрез</a:t>
-            </a:r>
-            <a:r>
-              <a:rPr lang="en-GB" sz="3600" dirty="0"/>
-              <a:t> </a:t>
-            </a:r>
-            <a:r>
-              <a:rPr lang="bg-BG" sz="3600" b="1" dirty="0">
-                <a:solidFill>
-                  <a:schemeClr val="bg1"/>
-                </a:solidFill>
-              </a:rPr>
-              <a:t>разширяване</a:t>
-            </a:r>
-            <a:endParaRPr lang="en-GB" sz="3600" b="1" dirty="0">
-              <a:solidFill>
-                <a:schemeClr val="bg1"/>
-              </a:solidFill>
-            </a:endParaRPr>
-          </a:p>
-          <a:p>
-            <a:r>
-              <a:rPr lang="bg-BG" sz="3600" dirty="0"/>
-              <a:t>Понякога това е единственият начин</a:t>
-            </a:r>
-            <a:endParaRPr lang="en-GB" sz="3600" dirty="0"/>
+              <a:rPr lang="bg-BG" sz="3400" dirty="0"/>
+              <a:t>Структурна връзка между два класа:</a:t>
+            </a:r>
+          </a:p>
+          <a:p>
+            <a:pPr lvl="1">
+              <a:buClr>
+                <a:schemeClr val="tx1"/>
+              </a:buClr>
+            </a:pPr>
+            <a:endParaRPr lang="bg-BG" sz="3400" dirty="0"/>
+          </a:p>
+          <a:p>
+            <a:pPr lvl="1">
+              <a:buClr>
+                <a:schemeClr val="tx1"/>
+              </a:buClr>
+            </a:pPr>
+            <a:endParaRPr lang="bg-BG" sz="3400" dirty="0"/>
+          </a:p>
+          <a:p>
+            <a:pPr lvl="1">
+              <a:spcBef>
+                <a:spcPts val="1800"/>
+              </a:spcBef>
+              <a:buClr>
+                <a:schemeClr val="tx1"/>
+              </a:buClr>
+            </a:pPr>
+            <a:r>
+              <a:rPr lang="bg-BG" sz="3400" b="1" dirty="0"/>
+              <a:t>Множественост</a:t>
+            </a:r>
+            <a:r>
+              <a:rPr lang="bg-BG" sz="3400" dirty="0"/>
+              <a:t>: </a:t>
+            </a:r>
+            <a:r>
+              <a:rPr lang="bg-BG" dirty="0"/>
+              <a:t>1-към-1</a:t>
+            </a:r>
+            <a:r>
+              <a:rPr lang="en-US" dirty="0"/>
+              <a:t>, </a:t>
+            </a:r>
+            <a:r>
+              <a:rPr lang="bg-BG" dirty="0"/>
+              <a:t>1-към-много</a:t>
+            </a:r>
+            <a:r>
+              <a:rPr lang="en-US" dirty="0"/>
+              <a:t>, </a:t>
+            </a:r>
+            <a:r>
+              <a:rPr lang="bg-BG" dirty="0"/>
+              <a:t>много-към-1</a:t>
+            </a:r>
+            <a:r>
+              <a:rPr lang="en-US" dirty="0"/>
+              <a:t>, </a:t>
+            </a:r>
+            <a:r>
+              <a:rPr lang="bg-BG" dirty="0"/>
+              <a:t>много-към-много</a:t>
+            </a:r>
+            <a:endParaRPr lang="en-GB" sz="3400" dirty="0"/>
           </a:p>
         </p:txBody>
       </p:sp>
@@ -10606,8 +11402,8 @@
           <a:lstStyle/>
           <a:p>
             <a:r>
-              <a:rPr lang="bg-BG" dirty="0"/>
-              <a:t>Разширяване</a:t>
+              <a:rPr lang="bg-BG" b="1" dirty="0"/>
+              <a:t>Асоциация</a:t>
             </a:r>
             <a:endParaRPr lang="en-US" dirty="0"/>
           </a:p>
@@ -10621,8 +11417,8 @@
         </p:nvSpPr>
         <p:spPr>
           <a:xfrm>
-            <a:off x="3261000" y="3525946"/>
-            <a:ext cx="5195506" cy="1828800"/>
+            <a:off x="1770927" y="2978291"/>
+            <a:ext cx="2305302" cy="901418"/>
           </a:xfrm>
           <a:prstGeom prst="roundRect">
             <a:avLst>
@@ -10659,31 +11455,79 @@
           </a:fontRef>
         </p:style>
         <p:txBody>
-          <a:bodyPr rtlCol="0" anchor="t" anchorCtr="0"/>
+          <a:bodyPr rtlCol="0" anchor="ctr" anchorCtr="0"/>
           <a:lstStyle/>
           <a:p>
             <a:pPr algn="ctr"/>
             <a:r>
-              <a:rPr lang="en-GB" sz="2800" b="1" dirty="0">
+              <a:rPr lang="en-GB" sz="3200" b="1" dirty="0">
                 <a:solidFill>
-                  <a:schemeClr val="bg2"/>
+                  <a:schemeClr val="tx1"/>
                 </a:solidFill>
               </a:rPr>
-              <a:t>Collections</a:t>
+              <a:t>Teacher</a:t>
             </a:r>
           </a:p>
         </p:txBody>
       </p:sp>
       <p:sp>
         <p:nvSpPr>
-          <p:cNvPr id="12" name="Rectangle: Rounded Corners 11"/>
+          <p:cNvPr id="9" name="Slide Number">
+            <a:extLst>
+              <a:ext uri="{FF2B5EF4-FFF2-40B4-BE49-F238E27FC236}">
+                <a16:creationId xmlns:a16="http://schemas.microsoft.com/office/drawing/2014/main" id="{9A2FAB3F-B1CF-49FB-B55F-3E799C2BE4DA}"/>
+              </a:ext>
+            </a:extLst>
+          </p:cNvPr>
+          <p:cNvSpPr>
+            <a:spLocks noGrp="1"/>
+          </p:cNvSpPr>
+          <p:nvPr>
+            <p:ph type="sldNum" sz="quarter" idx="5"/>
+          </p:nvPr>
+        </p:nvSpPr>
+        <p:spPr>
+          <a:xfrm>
+            <a:off x="11753030" y="6507000"/>
+            <a:ext cx="367414" cy="297000"/>
+          </a:xfrm>
+          <a:prstGeom prst="rect">
+            <a:avLst/>
+          </a:prstGeom>
+        </p:spPr>
+        <p:txBody>
+          <a:bodyPr vert="horz" lIns="91440" tIns="45720" rIns="91440" bIns="45720" rtlCol="0" anchor="b"/>
+          <a:lstStyle>
+            <a:lvl1pPr algn="r">
+              <a:defRPr sz="1000"/>
+            </a:lvl1pPr>
+          </a:lstStyle>
+          <a:p>
+            <a:fld id="{2BF067CD-8E6B-4360-9AA8-C5DF2A48A6D1}" type="slidenum">
+              <a:rPr lang="en-US" noProof="0" smtClean="0"/>
+              <a:pPr/>
+              <a:t>12</a:t>
+            </a:fld>
+            <a:endParaRPr lang="en-US" noProof="0" dirty="0"/>
+          </a:p>
+        </p:txBody>
+      </p:sp>
+      <p:sp>
+        <p:nvSpPr>
+          <p:cNvPr id="2" name="Rectangle: Rounded Corners 1">
+            <a:extLst>
+              <a:ext uri="{FF2B5EF4-FFF2-40B4-BE49-F238E27FC236}">
+                <a16:creationId xmlns:a16="http://schemas.microsoft.com/office/drawing/2014/main" id="{C1B95C7B-3B09-44C6-1B29-85FB5E8C3181}"/>
+              </a:ext>
+            </a:extLst>
+          </p:cNvPr>
           <p:cNvSpPr/>
           <p:nvPr/>
         </p:nvSpPr>
         <p:spPr>
           <a:xfrm>
-            <a:off x="3503709" y="4388245"/>
-            <a:ext cx="4710089" cy="585500"/>
+            <a:off x="7576078" y="2978291"/>
+            <a:ext cx="2174598" cy="901418"/>
           </a:xfrm>
           <a:prstGeom prst="roundRect">
             <a:avLst>
@@ -10720,60 +11564,159 @@
           </a:fontRef>
         </p:style>
         <p:txBody>
-          <a:bodyPr rtlCol="0" anchor="t" anchorCtr="0"/>
+          <a:bodyPr rtlCol="0" anchor="ctr" anchorCtr="0"/>
           <a:lstStyle/>
           <a:p>
             <a:pPr algn="ctr"/>
             <a:r>
-              <a:rPr lang="en-GB" sz="2800" b="1" noProof="1">
+              <a:rPr lang="en-GB" sz="3200" b="1" noProof="1">
                 <a:solidFill>
-                  <a:schemeClr val="bg2"/>
+                  <a:schemeClr val="tx1"/>
                 </a:solidFill>
               </a:rPr>
-              <a:t>List</a:t>
-            </a:r>
-            <a:r>
-              <a:rPr lang="bg-BG" sz="2800" b="1" noProof="1">
-                <a:solidFill>
-                  <a:schemeClr val="bg2"/>
-                </a:solidFill>
-              </a:rPr>
-              <a:t>&lt;</a:t>
-            </a:r>
-            <a:r>
-              <a:rPr lang="af-ZA" sz="2800" b="1" noProof="1">
-                <a:solidFill>
-                  <a:schemeClr val="bg2"/>
-                </a:solidFill>
-              </a:rPr>
-              <a:t>string</a:t>
-            </a:r>
-            <a:r>
-              <a:rPr lang="bg-BG" sz="2800" b="1" noProof="1">
-                <a:solidFill>
-                  <a:schemeClr val="bg2"/>
-                </a:solidFill>
-              </a:rPr>
-              <a:t>&gt;</a:t>
-            </a:r>
-            <a:endParaRPr lang="en-GB" sz="2800" b="1" noProof="1">
+              <a:t>School</a:t>
+            </a:r>
+          </a:p>
+        </p:txBody>
+      </p:sp>
+      <p:grpSp>
+        <p:nvGrpSpPr>
+          <p:cNvPr id="14" name="Group 13">
+            <a:extLst>
+              <a:ext uri="{FF2B5EF4-FFF2-40B4-BE49-F238E27FC236}">
+                <a16:creationId xmlns:a16="http://schemas.microsoft.com/office/drawing/2014/main" id="{93F9670C-5A01-AC8E-8314-F058543DFBDF}"/>
+              </a:ext>
+            </a:extLst>
+          </p:cNvPr>
+          <p:cNvGrpSpPr/>
+          <p:nvPr/>
+        </p:nvGrpSpPr>
+        <p:grpSpPr>
+          <a:xfrm>
+            <a:off x="4558165" y="2844000"/>
+            <a:ext cx="2535976" cy="682803"/>
+            <a:chOff x="4642571" y="2889000"/>
+            <a:chExt cx="2535976" cy="682803"/>
+          </a:xfrm>
+        </p:grpSpPr>
+        <p:cxnSp>
+          <p:nvCxnSpPr>
+            <p:cNvPr id="7" name="Straight Arrow Connector 6">
+              <a:extLst>
+                <a:ext uri="{FF2B5EF4-FFF2-40B4-BE49-F238E27FC236}">
+                  <a16:creationId xmlns:a16="http://schemas.microsoft.com/office/drawing/2014/main" id="{42ECF772-48C1-B84A-2757-D4944C22540A}"/>
+                </a:ext>
+              </a:extLst>
+            </p:cNvPr>
+            <p:cNvCxnSpPr/>
+            <p:nvPr/>
+          </p:nvCxnSpPr>
+          <p:spPr>
+            <a:xfrm>
+              <a:off x="4642571" y="3571803"/>
+              <a:ext cx="2535976" cy="0"/>
+            </a:xfrm>
+            <a:prstGeom prst="straightConnector1">
+              <a:avLst/>
+            </a:prstGeom>
+            <a:ln w="76200">
               <a:solidFill>
-                <a:schemeClr val="bg2"/>
+                <a:schemeClr val="tx1"/>
               </a:solidFill>
-            </a:endParaRPr>
-          </a:p>
-        </p:txBody>
-      </p:sp>
-      <p:sp>
-        <p:nvSpPr>
-          <p:cNvPr id="13" name="Rectangle: Rounded Corners 12"/>
+              <a:tailEnd type="triangle"/>
+            </a:ln>
+          </p:spPr>
+          <p:style>
+            <a:lnRef idx="1">
+              <a:schemeClr val="accent1"/>
+            </a:lnRef>
+            <a:fillRef idx="0">
+              <a:schemeClr val="accent1"/>
+            </a:fillRef>
+            <a:effectRef idx="0">
+              <a:schemeClr val="accent1"/>
+            </a:effectRef>
+            <a:fontRef idx="minor">
+              <a:schemeClr val="tx1"/>
+            </a:fontRef>
+          </p:style>
+        </p:cxnSp>
+        <p:sp>
+          <p:nvSpPr>
+            <p:cNvPr id="8" name="TextBox 7">
+              <a:extLst>
+                <a:ext uri="{FF2B5EF4-FFF2-40B4-BE49-F238E27FC236}">
+                  <a16:creationId xmlns:a16="http://schemas.microsoft.com/office/drawing/2014/main" id="{C94621A9-4720-413F-24B7-DCD70EC7FE95}"/>
+                </a:ext>
+              </a:extLst>
+            </p:cNvPr>
+            <p:cNvSpPr txBox="1"/>
+            <p:nvPr/>
+          </p:nvSpPr>
+          <p:spPr>
+            <a:xfrm>
+              <a:off x="4791000" y="2889000"/>
+              <a:ext cx="2174598" cy="668361"/>
+            </a:xfrm>
+            <a:prstGeom prst="rect">
+              <a:avLst/>
+            </a:prstGeom>
+            <a:noFill/>
+            <a:ln w="12700">
+              <a:noFill/>
+            </a:ln>
+          </p:spPr>
+          <p:txBody>
+            <a:bodyPr vert="horz" wrap="none" lIns="144000" tIns="108000" rIns="144000" bIns="108000" rtlCol="0">
+              <a:spAutoFit/>
+            </a:bodyPr>
+            <a:lstStyle/>
+            <a:p>
+              <a:pPr algn="l" eaLnBrk="0" hangingPunct="0">
+                <a:lnSpc>
+                  <a:spcPct val="110000"/>
+                </a:lnSpc>
+                <a:buClr>
+                  <a:schemeClr val="accent5">
+                    <a:lumMod val="40000"/>
+                    <a:lumOff val="60000"/>
+                  </a:schemeClr>
+                </a:buClr>
+                <a:buSzPct val="70000"/>
+              </a:pPr>
+              <a:r>
+                <a:rPr lang="bg-BG" sz="2800" b="1" i="1" dirty="0"/>
+                <a:t>&lt;</a:t>
+              </a:r>
+              <a:r>
+                <a:rPr lang="en-US" sz="2800" b="1" i="1" dirty="0"/>
+                <a:t>works in a</a:t>
+              </a:r>
+              <a:r>
+                <a:rPr lang="bg-BG" sz="2800" b="1" i="1" dirty="0"/>
+                <a:t>&gt;</a:t>
+              </a:r>
+              <a:endParaRPr lang="en-US" sz="2800" b="1" i="1" dirty="0"/>
+            </a:p>
+          </p:txBody>
+        </p:sp>
+      </p:grpSp>
+      <p:sp>
+        <p:nvSpPr>
+          <p:cNvPr id="16" name="Rectangle: Rounded Corners 15">
+            <a:extLst>
+              <a:ext uri="{FF2B5EF4-FFF2-40B4-BE49-F238E27FC236}">
+                <a16:creationId xmlns:a16="http://schemas.microsoft.com/office/drawing/2014/main" id="{870150E4-26A9-C3FF-304B-135E1EB0FDB9}"/>
+              </a:ext>
+            </a:extLst>
+          </p:cNvPr>
           <p:cNvSpPr/>
           <p:nvPr/>
         </p:nvSpPr>
         <p:spPr>
           <a:xfrm>
-            <a:off x="2970107" y="5759846"/>
-            <a:ext cx="5777698" cy="585500"/>
+            <a:off x="1770927" y="5499000"/>
+            <a:ext cx="2305302" cy="901418"/>
           </a:xfrm>
           <a:prstGeom prst="roundRect">
             <a:avLst>
@@ -10810,17 +11753,880 @@
           </a:fontRef>
         </p:style>
         <p:txBody>
-          <a:bodyPr rtlCol="0" anchor="t" anchorCtr="0"/>
+          <a:bodyPr rtlCol="0" anchor="ctr" anchorCtr="0"/>
+          <a:lstStyle/>
+          <a:p>
+            <a:pPr algn="ctr"/>
+            <a:r>
+              <a:rPr lang="en-US" sz="3200" b="1" dirty="0">
+                <a:solidFill>
+                  <a:schemeClr val="tx1"/>
+                </a:solidFill>
+              </a:rPr>
+              <a:t>School</a:t>
+            </a:r>
+            <a:endParaRPr lang="en-GB" sz="3200" b="1" dirty="0">
+              <a:solidFill>
+                <a:schemeClr val="tx1"/>
+              </a:solidFill>
+            </a:endParaRPr>
+          </a:p>
+        </p:txBody>
+      </p:sp>
+      <p:sp>
+        <p:nvSpPr>
+          <p:cNvPr id="17" name="Rectangle: Rounded Corners 16">
+            <a:extLst>
+              <a:ext uri="{FF2B5EF4-FFF2-40B4-BE49-F238E27FC236}">
+                <a16:creationId xmlns:a16="http://schemas.microsoft.com/office/drawing/2014/main" id="{7500E25D-6043-C0FA-4F2C-657281A7C250}"/>
+              </a:ext>
+            </a:extLst>
+          </p:cNvPr>
+          <p:cNvSpPr/>
+          <p:nvPr/>
+        </p:nvSpPr>
+        <p:spPr>
+          <a:xfrm>
+            <a:off x="7576078" y="5499000"/>
+            <a:ext cx="2174598" cy="901418"/>
+          </a:xfrm>
+          <a:prstGeom prst="roundRect">
+            <a:avLst>
+              <a:gd name="adj" fmla="val 5385"/>
+            </a:avLst>
+          </a:prstGeom>
+          <a:solidFill>
+            <a:schemeClr val="tx1">
+              <a:lumMod val="75000"/>
+              <a:alpha val="30000"/>
+            </a:schemeClr>
+          </a:solidFill>
+          <a:ln w="57150">
+            <a:solidFill>
+              <a:schemeClr val="tx1"/>
+            </a:solidFill>
+            <a:prstDash val="sysDash"/>
+          </a:ln>
+        </p:spPr>
+        <p:style>
+          <a:lnRef idx="2">
+            <a:schemeClr val="accent1">
+              <a:shade val="50000"/>
+            </a:schemeClr>
+          </a:lnRef>
+          <a:fillRef idx="1">
+            <a:schemeClr val="accent1"/>
+          </a:fillRef>
+          <a:effectRef idx="0">
+            <a:schemeClr val="accent1"/>
+          </a:effectRef>
+          <a:fontRef idx="minor">
+            <a:schemeClr val="lt1"/>
+          </a:fontRef>
+        </p:style>
+        <p:txBody>
+          <a:bodyPr rtlCol="0" anchor="ctr" anchorCtr="0"/>
+          <a:lstStyle/>
+          <a:p>
+            <a:pPr algn="ctr"/>
+            <a:r>
+              <a:rPr lang="en-GB" sz="3200" b="1" noProof="1">
+                <a:solidFill>
+                  <a:schemeClr val="tx1"/>
+                </a:solidFill>
+              </a:rPr>
+              <a:t>Student</a:t>
+            </a:r>
+          </a:p>
+        </p:txBody>
+      </p:sp>
+      <p:grpSp>
+        <p:nvGrpSpPr>
+          <p:cNvPr id="23" name="Group 22">
+            <a:extLst>
+              <a:ext uri="{FF2B5EF4-FFF2-40B4-BE49-F238E27FC236}">
+                <a16:creationId xmlns:a16="http://schemas.microsoft.com/office/drawing/2014/main" id="{74F938F6-9912-F32E-18BB-697480980F32}"/>
+              </a:ext>
+            </a:extLst>
+          </p:cNvPr>
+          <p:cNvGrpSpPr/>
+          <p:nvPr/>
+        </p:nvGrpSpPr>
+        <p:grpSpPr>
+          <a:xfrm>
+            <a:off x="4452445" y="5370639"/>
+            <a:ext cx="2743904" cy="1265726"/>
+            <a:chOff x="4452445" y="5370639"/>
+            <a:chExt cx="2743904" cy="1265726"/>
+          </a:xfrm>
+        </p:grpSpPr>
+        <p:cxnSp>
+          <p:nvCxnSpPr>
+            <p:cNvPr id="19" name="Straight Arrow Connector 18">
+              <a:extLst>
+                <a:ext uri="{FF2B5EF4-FFF2-40B4-BE49-F238E27FC236}">
+                  <a16:creationId xmlns:a16="http://schemas.microsoft.com/office/drawing/2014/main" id="{D1B87FC4-288B-9687-2A94-1FFD1BADBA47}"/>
+                </a:ext>
+              </a:extLst>
+            </p:cNvPr>
+            <p:cNvCxnSpPr/>
+            <p:nvPr/>
+          </p:nvCxnSpPr>
+          <p:spPr>
+            <a:xfrm>
+              <a:off x="4558165" y="6047512"/>
+              <a:ext cx="2535976" cy="0"/>
+            </a:xfrm>
+            <a:prstGeom prst="straightConnector1">
+              <a:avLst/>
+            </a:prstGeom>
+            <a:ln w="76200">
+              <a:solidFill>
+                <a:schemeClr val="tx1"/>
+              </a:solidFill>
+              <a:tailEnd type="triangle"/>
+            </a:ln>
+          </p:spPr>
+          <p:style>
+            <a:lnRef idx="1">
+              <a:schemeClr val="accent1"/>
+            </a:lnRef>
+            <a:fillRef idx="0">
+              <a:schemeClr val="accent1"/>
+            </a:fillRef>
+            <a:effectRef idx="0">
+              <a:schemeClr val="accent1"/>
+            </a:effectRef>
+            <a:fontRef idx="minor">
+              <a:schemeClr val="tx1"/>
+            </a:fontRef>
+          </p:style>
+        </p:cxnSp>
+        <p:sp>
+          <p:nvSpPr>
+            <p:cNvPr id="20" name="TextBox 19">
+              <a:extLst>
+                <a:ext uri="{FF2B5EF4-FFF2-40B4-BE49-F238E27FC236}">
+                  <a16:creationId xmlns:a16="http://schemas.microsoft.com/office/drawing/2014/main" id="{22E5E3D5-951D-5826-0F13-3269A2E522D1}"/>
+                </a:ext>
+              </a:extLst>
+            </p:cNvPr>
+            <p:cNvSpPr txBox="1"/>
+            <p:nvPr/>
+          </p:nvSpPr>
+          <p:spPr>
+            <a:xfrm>
+              <a:off x="4791000" y="5370639"/>
+              <a:ext cx="2080533" cy="668361"/>
+            </a:xfrm>
+            <a:prstGeom prst="rect">
+              <a:avLst/>
+            </a:prstGeom>
+            <a:noFill/>
+            <a:ln w="12700">
+              <a:noFill/>
+            </a:ln>
+          </p:spPr>
+          <p:txBody>
+            <a:bodyPr vert="horz" wrap="none" lIns="144000" tIns="108000" rIns="144000" bIns="108000" rtlCol="0">
+              <a:spAutoFit/>
+            </a:bodyPr>
+            <a:lstStyle/>
+            <a:p>
+              <a:pPr algn="l" eaLnBrk="0" hangingPunct="0">
+                <a:lnSpc>
+                  <a:spcPct val="110000"/>
+                </a:lnSpc>
+                <a:buClr>
+                  <a:schemeClr val="accent5">
+                    <a:lumMod val="40000"/>
+                    <a:lumOff val="60000"/>
+                  </a:schemeClr>
+                </a:buClr>
+                <a:buSzPct val="70000"/>
+              </a:pPr>
+              <a:r>
+                <a:rPr lang="en-US" sz="2800" b="1" i="1" dirty="0"/>
+                <a:t>&lt;has many&gt;</a:t>
+              </a:r>
+            </a:p>
+          </p:txBody>
+        </p:sp>
+        <p:sp>
+          <p:nvSpPr>
+            <p:cNvPr id="21" name="TextBox 20">
+              <a:extLst>
+                <a:ext uri="{FF2B5EF4-FFF2-40B4-BE49-F238E27FC236}">
+                  <a16:creationId xmlns:a16="http://schemas.microsoft.com/office/drawing/2014/main" id="{B745C446-5CC7-9BC4-576C-593DD16E68D5}"/>
+                </a:ext>
+              </a:extLst>
+            </p:cNvPr>
+            <p:cNvSpPr txBox="1"/>
+            <p:nvPr/>
+          </p:nvSpPr>
+          <p:spPr>
+            <a:xfrm>
+              <a:off x="4452445" y="5984869"/>
+              <a:ext cx="473555" cy="607601"/>
+            </a:xfrm>
+            <a:prstGeom prst="rect">
+              <a:avLst/>
+            </a:prstGeom>
+            <a:noFill/>
+            <a:ln w="12700">
+              <a:noFill/>
+            </a:ln>
+          </p:spPr>
+          <p:txBody>
+            <a:bodyPr vert="horz" wrap="none" lIns="144000" tIns="108000" rIns="144000" bIns="108000" rtlCol="0">
+              <a:spAutoFit/>
+            </a:bodyPr>
+            <a:lstStyle/>
+            <a:p>
+              <a:pPr algn="l" eaLnBrk="0" hangingPunct="0">
+                <a:lnSpc>
+                  <a:spcPct val="110000"/>
+                </a:lnSpc>
+                <a:buClr>
+                  <a:schemeClr val="accent5">
+                    <a:lumMod val="40000"/>
+                    <a:lumOff val="60000"/>
+                  </a:schemeClr>
+                </a:buClr>
+                <a:buSzPct val="70000"/>
+              </a:pPr>
+              <a:r>
+                <a:rPr lang="en-US" sz="2800" b="1" dirty="0"/>
+                <a:t>1</a:t>
+              </a:r>
+            </a:p>
+          </p:txBody>
+        </p:sp>
+        <p:sp>
+          <p:nvSpPr>
+            <p:cNvPr id="22" name="TextBox 21">
+              <a:extLst>
+                <a:ext uri="{FF2B5EF4-FFF2-40B4-BE49-F238E27FC236}">
+                  <a16:creationId xmlns:a16="http://schemas.microsoft.com/office/drawing/2014/main" id="{B40D64C9-7FC4-4826-78F3-34BA117A40DB}"/>
+                </a:ext>
+              </a:extLst>
+            </p:cNvPr>
+            <p:cNvSpPr txBox="1"/>
+            <p:nvPr/>
+          </p:nvSpPr>
+          <p:spPr>
+            <a:xfrm>
+              <a:off x="6726000" y="6084000"/>
+              <a:ext cx="470349" cy="552365"/>
+            </a:xfrm>
+            <a:prstGeom prst="rect">
+              <a:avLst/>
+            </a:prstGeom>
+            <a:noFill/>
+            <a:ln w="12700">
+              <a:noFill/>
+            </a:ln>
+          </p:spPr>
+          <p:txBody>
+            <a:bodyPr vert="horz" wrap="none" lIns="144000" tIns="108000" rIns="144000" bIns="108000" rtlCol="0">
+              <a:spAutoFit/>
+            </a:bodyPr>
+            <a:lstStyle/>
+            <a:p>
+              <a:pPr algn="l" eaLnBrk="0" hangingPunct="0">
+                <a:lnSpc>
+                  <a:spcPct val="110000"/>
+                </a:lnSpc>
+                <a:buClr>
+                  <a:schemeClr val="accent5">
+                    <a:lumMod val="40000"/>
+                    <a:lumOff val="60000"/>
+                  </a:schemeClr>
+                </a:buClr>
+                <a:buSzPct val="70000"/>
+              </a:pPr>
+              <a:r>
+                <a:rPr lang="en-US" sz="2800" b="1" dirty="0"/>
+                <a:t>*</a:t>
+              </a:r>
+            </a:p>
+          </p:txBody>
+        </p:sp>
+      </p:grpSp>
+    </p:spTree>
+    <p:extLst>
+      <p:ext uri="{BB962C8B-B14F-4D97-AF65-F5344CB8AC3E}">
+        <p14:creationId xmlns:p14="http://schemas.microsoft.com/office/powerpoint/2010/main" val="3575903106"/>
+      </p:ext>
+    </p:extLst>
+  </p:cSld>
+  <p:clrMapOvr>
+    <a:masterClrMapping/>
+  </p:clrMapOvr>
+  <mc:AlternateContent xmlns:mc="http://schemas.openxmlformats.org/markup-compatibility/2006">
+    <mc:Choice xmlns:p14="http://schemas.microsoft.com/office/powerpoint/2010/main" Requires="p14">
+      <p:transition p14:dur="10" advClick="0" advTm="5000"/>
+    </mc:Choice>
+    <mc:Fallback>
+      <p:transition advClick="0" advTm="5000"/>
+    </mc:Fallback>
+  </mc:AlternateContent>
+  <p:timing>
+    <p:tnLst>
+      <p:par>
+        <p:cTn id="1" dur="indefinite" restart="never" nodeType="tmRoot">
+          <p:childTnLst>
+            <p:seq concurrent="1" nextAc="seek">
+              <p:cTn id="2" dur="indefinite" nodeType="mainSeq">
+                <p:childTnLst>
+                  <p:par>
+                    <p:cTn id="3" fill="hold">
+                      <p:stCondLst>
+                        <p:cond delay="indefinite"/>
+                      </p:stCondLst>
+                      <p:childTnLst>
+                        <p:par>
+                          <p:cTn id="4" fill="hold">
+                            <p:stCondLst>
+                              <p:cond delay="0"/>
+                            </p:stCondLst>
+                            <p:childTnLst>
+                              <p:par>
+                                <p:cTn id="5" presetID="1" presetClass="entr" presetSubtype="0" fill="hold" grpId="0" nodeType="clickEffect">
+                                  <p:stCondLst>
+                                    <p:cond delay="0"/>
+                                  </p:stCondLst>
+                                  <p:childTnLst>
+                                    <p:set>
+                                      <p:cBhvr>
+                                        <p:cTn id="6" dur="1" fill="hold">
+                                          <p:stCondLst>
+                                            <p:cond delay="0"/>
+                                          </p:stCondLst>
+                                        </p:cTn>
+                                        <p:tgtEl>
+                                          <p:spTgt spid="11"/>
+                                        </p:tgtEl>
+                                        <p:attrNameLst>
+                                          <p:attrName>style.visibility</p:attrName>
+                                        </p:attrNameLst>
+                                      </p:cBhvr>
+                                      <p:to>
+                                        <p:strVal val="visible"/>
+                                      </p:to>
+                                    </p:set>
+                                  </p:childTnLst>
+                                </p:cTn>
+                              </p:par>
+                              <p:par>
+                                <p:cTn id="7" presetID="1" presetClass="entr" presetSubtype="0" fill="hold" grpId="0" nodeType="withEffect">
+                                  <p:stCondLst>
+                                    <p:cond delay="0"/>
+                                  </p:stCondLst>
+                                  <p:childTnLst>
+                                    <p:set>
+                                      <p:cBhvr>
+                                        <p:cTn id="8" dur="1" fill="hold">
+                                          <p:stCondLst>
+                                            <p:cond delay="0"/>
+                                          </p:stCondLst>
+                                        </p:cTn>
+                                        <p:tgtEl>
+                                          <p:spTgt spid="2"/>
+                                        </p:tgtEl>
+                                        <p:attrNameLst>
+                                          <p:attrName>style.visibility</p:attrName>
+                                        </p:attrNameLst>
+                                      </p:cBhvr>
+                                      <p:to>
+                                        <p:strVal val="visible"/>
+                                      </p:to>
+                                    </p:set>
+                                  </p:childTnLst>
+                                </p:cTn>
+                              </p:par>
+                              <p:par>
+                                <p:cTn id="9" presetID="1" presetClass="entr" presetSubtype="0" fill="hold" nodeType="withEffect">
+                                  <p:stCondLst>
+                                    <p:cond delay="0"/>
+                                  </p:stCondLst>
+                                  <p:childTnLst>
+                                    <p:set>
+                                      <p:cBhvr>
+                                        <p:cTn id="10" dur="1" fill="hold">
+                                          <p:stCondLst>
+                                            <p:cond delay="0"/>
+                                          </p:stCondLst>
+                                        </p:cTn>
+                                        <p:tgtEl>
+                                          <p:spTgt spid="14"/>
+                                        </p:tgtEl>
+                                        <p:attrNameLst>
+                                          <p:attrName>style.visibility</p:attrName>
+                                        </p:attrNameLst>
+                                      </p:cBhvr>
+                                      <p:to>
+                                        <p:strVal val="visible"/>
+                                      </p:to>
+                                    </p:set>
+                                  </p:childTnLst>
+                                </p:cTn>
+                              </p:par>
+                            </p:childTnLst>
+                          </p:cTn>
+                        </p:par>
+                      </p:childTnLst>
+                    </p:cTn>
+                  </p:par>
+                  <p:par>
+                    <p:cTn id="11" fill="hold">
+                      <p:stCondLst>
+                        <p:cond delay="indefinite"/>
+                      </p:stCondLst>
+                      <p:childTnLst>
+                        <p:par>
+                          <p:cTn id="12" fill="hold">
+                            <p:stCondLst>
+                              <p:cond delay="0"/>
+                            </p:stCondLst>
+                            <p:childTnLst>
+                              <p:par>
+                                <p:cTn id="13" presetID="1" presetClass="entr" presetSubtype="0" fill="hold" nodeType="clickEffect">
+                                  <p:stCondLst>
+                                    <p:cond delay="0"/>
+                                  </p:stCondLst>
+                                  <p:childTnLst>
+                                    <p:set>
+                                      <p:cBhvr>
+                                        <p:cTn id="14" dur="1" fill="hold">
+                                          <p:stCondLst>
+                                            <p:cond delay="0"/>
+                                          </p:stCondLst>
+                                        </p:cTn>
+                                        <p:tgtEl>
+                                          <p:spTgt spid="3">
+                                            <p:txEl>
+                                              <p:pRg st="4" end="4"/>
+                                            </p:txEl>
+                                          </p:spTgt>
+                                        </p:tgtEl>
+                                        <p:attrNameLst>
+                                          <p:attrName>style.visibility</p:attrName>
+                                        </p:attrNameLst>
+                                      </p:cBhvr>
+                                      <p:to>
+                                        <p:strVal val="visible"/>
+                                      </p:to>
+                                    </p:set>
+                                  </p:childTnLst>
+                                </p:cTn>
+                              </p:par>
+                            </p:childTnLst>
+                          </p:cTn>
+                        </p:par>
+                      </p:childTnLst>
+                    </p:cTn>
+                  </p:par>
+                  <p:par>
+                    <p:cTn id="15" fill="hold">
+                      <p:stCondLst>
+                        <p:cond delay="indefinite"/>
+                      </p:stCondLst>
+                      <p:childTnLst>
+                        <p:par>
+                          <p:cTn id="16" fill="hold">
+                            <p:stCondLst>
+                              <p:cond delay="0"/>
+                            </p:stCondLst>
+                            <p:childTnLst>
+                              <p:par>
+                                <p:cTn id="17" presetID="1" presetClass="entr" presetSubtype="0" fill="hold" grpId="0" nodeType="clickEffect">
+                                  <p:stCondLst>
+                                    <p:cond delay="0"/>
+                                  </p:stCondLst>
+                                  <p:childTnLst>
+                                    <p:set>
+                                      <p:cBhvr>
+                                        <p:cTn id="18" dur="1" fill="hold">
+                                          <p:stCondLst>
+                                            <p:cond delay="0"/>
+                                          </p:stCondLst>
+                                        </p:cTn>
+                                        <p:tgtEl>
+                                          <p:spTgt spid="16"/>
+                                        </p:tgtEl>
+                                        <p:attrNameLst>
+                                          <p:attrName>style.visibility</p:attrName>
+                                        </p:attrNameLst>
+                                      </p:cBhvr>
+                                      <p:to>
+                                        <p:strVal val="visible"/>
+                                      </p:to>
+                                    </p:set>
+                                  </p:childTnLst>
+                                </p:cTn>
+                              </p:par>
+                              <p:par>
+                                <p:cTn id="19" presetID="1" presetClass="entr" presetSubtype="0" fill="hold" grpId="0" nodeType="withEffect">
+                                  <p:stCondLst>
+                                    <p:cond delay="0"/>
+                                  </p:stCondLst>
+                                  <p:childTnLst>
+                                    <p:set>
+                                      <p:cBhvr>
+                                        <p:cTn id="20" dur="1" fill="hold">
+                                          <p:stCondLst>
+                                            <p:cond delay="0"/>
+                                          </p:stCondLst>
+                                        </p:cTn>
+                                        <p:tgtEl>
+                                          <p:spTgt spid="17"/>
+                                        </p:tgtEl>
+                                        <p:attrNameLst>
+                                          <p:attrName>style.visibility</p:attrName>
+                                        </p:attrNameLst>
+                                      </p:cBhvr>
+                                      <p:to>
+                                        <p:strVal val="visible"/>
+                                      </p:to>
+                                    </p:set>
+                                  </p:childTnLst>
+                                </p:cTn>
+                              </p:par>
+                              <p:par>
+                                <p:cTn id="21" presetID="1" presetClass="entr" presetSubtype="0" fill="hold" nodeType="withEffect">
+                                  <p:stCondLst>
+                                    <p:cond delay="0"/>
+                                  </p:stCondLst>
+                                  <p:childTnLst>
+                                    <p:set>
+                                      <p:cBhvr>
+                                        <p:cTn id="22" dur="1" fill="hold">
+                                          <p:stCondLst>
+                                            <p:cond delay="0"/>
+                                          </p:stCondLst>
+                                        </p:cTn>
+                                        <p:tgtEl>
+                                          <p:spTgt spid="23"/>
+                                        </p:tgtEl>
+                                        <p:attrNameLst>
+                                          <p:attrName>style.visibility</p:attrName>
+                                        </p:attrNameLst>
+                                      </p:cBhvr>
+                                      <p:to>
+                                        <p:strVal val="visible"/>
+                                      </p:to>
+                                    </p:set>
+                                  </p:childTnLst>
+                                </p:cTn>
+                              </p:par>
+                            </p:childTnLst>
+                          </p:cTn>
+                        </p:par>
+                      </p:childTnLst>
+                    </p:cTn>
+                  </p:par>
+                </p:childTnLst>
+              </p:cTn>
+              <p:prevCondLst>
+                <p:cond evt="onPrev" delay="0">
+                  <p:tgtEl>
+                    <p:sldTgt/>
+                  </p:tgtEl>
+                </p:cond>
+              </p:prevCondLst>
+              <p:nextCondLst>
+                <p:cond evt="onNext" delay="0">
+                  <p:tgtEl>
+                    <p:sldTgt/>
+                  </p:tgtEl>
+                </p:cond>
+              </p:nextCondLst>
+            </p:seq>
+          </p:childTnLst>
+        </p:cTn>
+      </p:par>
+    </p:tnLst>
+    <p:bldLst>
+      <p:bldP spid="11" grpId="0" animBg="1"/>
+      <p:bldP spid="2" grpId="0" animBg="1"/>
+      <p:bldP spid="16" grpId="0" animBg="1"/>
+      <p:bldP spid="17" grpId="0" animBg="1"/>
+    </p:bldLst>
+  </p:timing>
+</p:sld>
+</file>
+
+<file path=ppt/slides/slide13.xml><?xml version="1.0" encoding="utf-8"?>
+<p:sld xmlns:a="http://schemas.openxmlformats.org/drawingml/2006/main" xmlns:r="http://schemas.openxmlformats.org/officeDocument/2006/relationships" xmlns:p="http://schemas.openxmlformats.org/presentationml/2006/main">
+  <p:cSld>
+    <p:spTree>
+      <p:nvGrpSpPr>
+        <p:cNvPr id="1" name=""/>
+        <p:cNvGrpSpPr/>
+        <p:nvPr/>
+      </p:nvGrpSpPr>
+      <p:grpSpPr>
+        <a:xfrm>
+          <a:off x="0" y="0"/>
+          <a:ext cx="0" cy="0"/>
+          <a:chOff x="0" y="0"/>
+          <a:chExt cx="0" cy="0"/>
+        </a:xfrm>
+      </p:grpSpPr>
+      <p:sp>
+        <p:nvSpPr>
+          <p:cNvPr id="3" name="Content Placeholder 2"/>
+          <p:cNvSpPr>
+            <a:spLocks noGrp="1"/>
+          </p:cNvSpPr>
+          <p:nvPr>
+            <p:ph type="body" sz="quarter" idx="10"/>
+          </p:nvPr>
+        </p:nvSpPr>
+        <p:spPr/>
+        <p:txBody>
+          <a:bodyPr>
+            <a:normAutofit/>
+          </a:bodyPr>
+          <a:lstStyle/>
+          <a:p>
+            <a:pPr>
+              <a:buClr>
+                <a:schemeClr val="tx1"/>
+              </a:buClr>
+            </a:pPr>
+            <a:r>
+              <a:rPr lang="bg-BG" sz="3600" b="1" dirty="0">
+                <a:solidFill>
+                  <a:schemeClr val="bg1"/>
+                </a:solidFill>
+              </a:rPr>
+              <a:t>Повтарянето на код </a:t>
+            </a:r>
+            <a:r>
+              <a:rPr lang="bg-BG" sz="3600" dirty="0"/>
+              <a:t>води до грешки</a:t>
+            </a:r>
+            <a:endParaRPr lang="en-GB" sz="3600" dirty="0"/>
+          </a:p>
+          <a:p>
+            <a:pPr>
+              <a:buClr>
+                <a:schemeClr val="tx1"/>
+              </a:buClr>
+            </a:pPr>
+            <a:r>
+              <a:rPr lang="bg-BG" sz="3600" b="1" dirty="0">
+                <a:solidFill>
+                  <a:schemeClr val="bg1"/>
+                </a:solidFill>
+              </a:rPr>
+              <a:t>Можем да преизползваме класове </a:t>
+            </a:r>
+            <a:r>
+              <a:rPr lang="bg-BG" sz="3600" dirty="0"/>
+              <a:t>чрез</a:t>
+            </a:r>
+            <a:r>
+              <a:rPr lang="en-GB" sz="3600" dirty="0"/>
+              <a:t> </a:t>
+            </a:r>
+            <a:r>
+              <a:rPr lang="bg-BG" sz="3600" b="1" dirty="0">
+                <a:solidFill>
+                  <a:schemeClr val="bg1"/>
+                </a:solidFill>
+              </a:rPr>
+              <a:t>разширяване</a:t>
+            </a:r>
+            <a:endParaRPr lang="en-GB" sz="3600" b="1" dirty="0">
+              <a:solidFill>
+                <a:schemeClr val="bg1"/>
+              </a:solidFill>
+            </a:endParaRPr>
+          </a:p>
+          <a:p>
+            <a:pPr lvl="1"/>
+            <a:r>
+              <a:rPr lang="bg-BG" sz="3400" dirty="0"/>
+              <a:t>Клас </a:t>
+            </a:r>
+            <a:r>
+              <a:rPr lang="en-US" sz="3400" dirty="0"/>
+              <a:t>A</a:t>
+            </a:r>
+            <a:r>
+              <a:rPr lang="bg-BG" sz="3400" dirty="0"/>
+              <a:t> </a:t>
+            </a:r>
+            <a:r>
+              <a:rPr lang="bg-BG" sz="3400" b="1" dirty="0"/>
+              <a:t>наследява</a:t>
+            </a:r>
+            <a:r>
+              <a:rPr lang="bg-BG" sz="3400" dirty="0"/>
+              <a:t> (</a:t>
+            </a:r>
+            <a:r>
+              <a:rPr lang="bg-BG" sz="3400" b="1" dirty="0"/>
+              <a:t>разширява</a:t>
+            </a:r>
+            <a:r>
+              <a:rPr lang="bg-BG" sz="3400" dirty="0"/>
+              <a:t> възможностите на) клас </a:t>
+            </a:r>
+            <a:r>
+              <a:rPr lang="en-US" sz="3400" dirty="0"/>
+              <a:t>B</a:t>
+            </a:r>
+            <a:endParaRPr lang="en-GB" sz="3400" dirty="0"/>
+          </a:p>
+        </p:txBody>
+      </p:sp>
+      <p:sp>
+        <p:nvSpPr>
+          <p:cNvPr id="4" name="Title 3"/>
+          <p:cNvSpPr>
+            <a:spLocks noGrp="1"/>
+          </p:cNvSpPr>
+          <p:nvPr>
+            <p:ph type="title"/>
+          </p:nvPr>
+        </p:nvSpPr>
+        <p:spPr/>
+        <p:txBody>
+          <a:bodyPr>
+            <a:normAutofit/>
+          </a:bodyPr>
+          <a:lstStyle/>
+          <a:p>
+            <a:r>
+              <a:rPr lang="bg-BG" dirty="0"/>
+              <a:t>Разширяване (наследяване)</a:t>
+            </a:r>
+            <a:endParaRPr lang="en-US" dirty="0"/>
+          </a:p>
+        </p:txBody>
+      </p:sp>
+      <p:sp>
+        <p:nvSpPr>
+          <p:cNvPr id="11" name="Rectangle: Rounded Corners 10"/>
+          <p:cNvSpPr/>
+          <p:nvPr/>
+        </p:nvSpPr>
+        <p:spPr>
+          <a:xfrm>
+            <a:off x="3191326" y="3609000"/>
+            <a:ext cx="4884674" cy="901418"/>
+          </a:xfrm>
+          <a:prstGeom prst="roundRect">
+            <a:avLst>
+              <a:gd name="adj" fmla="val 5385"/>
+            </a:avLst>
+          </a:prstGeom>
+          <a:solidFill>
+            <a:schemeClr val="tx1">
+              <a:lumMod val="75000"/>
+              <a:alpha val="30000"/>
+            </a:schemeClr>
+          </a:solidFill>
+          <a:ln w="57150">
+            <a:solidFill>
+              <a:schemeClr val="tx1"/>
+            </a:solidFill>
+            <a:prstDash val="sysDash"/>
+          </a:ln>
+        </p:spPr>
+        <p:style>
+          <a:lnRef idx="2">
+            <a:schemeClr val="accent1">
+              <a:shade val="50000"/>
+            </a:schemeClr>
+          </a:lnRef>
+          <a:fillRef idx="1">
+            <a:schemeClr val="accent1"/>
+          </a:fillRef>
+          <a:effectRef idx="0">
+            <a:schemeClr val="accent1"/>
+          </a:effectRef>
+          <a:fontRef idx="minor">
+            <a:schemeClr val="lt1"/>
+          </a:fontRef>
+        </p:style>
+        <p:txBody>
+          <a:bodyPr rtlCol="0" anchor="ctr" anchorCtr="0"/>
+          <a:lstStyle/>
+          <a:p>
+            <a:pPr algn="ctr"/>
+            <a:r>
+              <a:rPr lang="en-GB" sz="2800" b="1" dirty="0">
+                <a:solidFill>
+                  <a:schemeClr val="tx1"/>
+                </a:solidFill>
+              </a:rPr>
+              <a:t>Figure</a:t>
+            </a:r>
+          </a:p>
+        </p:txBody>
+      </p:sp>
+      <p:sp>
+        <p:nvSpPr>
+          <p:cNvPr id="13" name="Rectangle: Rounded Corners 12"/>
+          <p:cNvSpPr/>
+          <p:nvPr/>
+        </p:nvSpPr>
+        <p:spPr>
+          <a:xfrm>
+            <a:off x="2856090" y="5543500"/>
+            <a:ext cx="2609910" cy="720500"/>
+          </a:xfrm>
+          <a:prstGeom prst="roundRect">
+            <a:avLst>
+              <a:gd name="adj" fmla="val 5385"/>
+            </a:avLst>
+          </a:prstGeom>
+          <a:solidFill>
+            <a:schemeClr val="tx1">
+              <a:lumMod val="75000"/>
+              <a:alpha val="30000"/>
+            </a:schemeClr>
+          </a:solidFill>
+          <a:ln w="57150">
+            <a:solidFill>
+              <a:schemeClr val="tx1"/>
+            </a:solidFill>
+            <a:prstDash val="sysDash"/>
+          </a:ln>
+        </p:spPr>
+        <p:style>
+          <a:lnRef idx="2">
+            <a:schemeClr val="accent1">
+              <a:shade val="50000"/>
+            </a:schemeClr>
+          </a:lnRef>
+          <a:fillRef idx="1">
+            <a:schemeClr val="accent1"/>
+          </a:fillRef>
+          <a:effectRef idx="0">
+            <a:schemeClr val="accent1"/>
+          </a:effectRef>
+          <a:fontRef idx="minor">
+            <a:schemeClr val="lt1"/>
+          </a:fontRef>
+        </p:style>
+        <p:txBody>
+          <a:bodyPr rtlCol="0" anchor="ctr" anchorCtr="0"/>
           <a:lstStyle/>
           <a:p>
             <a:pPr algn="ctr"/>
             <a:r>
               <a:rPr lang="en-GB" sz="2800" b="1" noProof="1">
                 <a:solidFill>
-                  <a:schemeClr val="bg2"/>
+                  <a:schemeClr val="tx1"/>
                 </a:solidFill>
               </a:rPr>
-              <a:t>CustomList</a:t>
+              <a:t>Rectangle</a:t>
             </a:r>
           </a:p>
         </p:txBody>
@@ -10833,11 +12639,14 @@
         </p:nvSpPr>
         <p:spPr>
           <a:xfrm rot="16200000">
-            <a:off x="5528250" y="5249161"/>
-            <a:ext cx="661007" cy="192088"/>
+            <a:off x="3830542" y="4794036"/>
+            <a:ext cx="661007" cy="412480"/>
           </a:xfrm>
           <a:prstGeom prst="rightArrow">
-            <a:avLst/>
+            <a:avLst>
+              <a:gd name="adj1" fmla="val 50000"/>
+              <a:gd name="adj2" fmla="val 85673"/>
+            </a:avLst>
           </a:prstGeom>
           <a:solidFill>
             <a:schemeClr val="dk2">
@@ -10931,16 +12740,162 @@
             <a:fld id="{2BF067CD-8E6B-4360-9AA8-C5DF2A48A6D1}" type="slidenum">
               <a:rPr lang="en-US" noProof="0" smtClean="0"/>
               <a:pPr/>
-              <a:t>11</a:t>
+              <a:t>13</a:t>
             </a:fld>
             <a:endParaRPr lang="en-US" noProof="0" dirty="0"/>
+          </a:p>
+        </p:txBody>
+      </p:sp>
+      <p:sp>
+        <p:nvSpPr>
+          <p:cNvPr id="2" name="Rectangle: Rounded Corners 1">
+            <a:extLst>
+              <a:ext uri="{FF2B5EF4-FFF2-40B4-BE49-F238E27FC236}">
+                <a16:creationId xmlns:a16="http://schemas.microsoft.com/office/drawing/2014/main" id="{C1B95C7B-3B09-44C6-1B29-85FB5E8C3181}"/>
+              </a:ext>
+            </a:extLst>
+          </p:cNvPr>
+          <p:cNvSpPr/>
+          <p:nvPr/>
+        </p:nvSpPr>
+        <p:spPr>
+          <a:xfrm>
+            <a:off x="5869814" y="5543500"/>
+            <a:ext cx="2609910" cy="720500"/>
+          </a:xfrm>
+          <a:prstGeom prst="roundRect">
+            <a:avLst>
+              <a:gd name="adj" fmla="val 5385"/>
+            </a:avLst>
+          </a:prstGeom>
+          <a:solidFill>
+            <a:schemeClr val="tx1">
+              <a:lumMod val="75000"/>
+              <a:alpha val="30000"/>
+            </a:schemeClr>
+          </a:solidFill>
+          <a:ln w="57150">
+            <a:solidFill>
+              <a:schemeClr val="tx1"/>
+            </a:solidFill>
+            <a:prstDash val="sysDash"/>
+          </a:ln>
+        </p:spPr>
+        <p:style>
+          <a:lnRef idx="2">
+            <a:schemeClr val="accent1">
+              <a:shade val="50000"/>
+            </a:schemeClr>
+          </a:lnRef>
+          <a:fillRef idx="1">
+            <a:schemeClr val="accent1"/>
+          </a:fillRef>
+          <a:effectRef idx="0">
+            <a:schemeClr val="accent1"/>
+          </a:effectRef>
+          <a:fontRef idx="minor">
+            <a:schemeClr val="lt1"/>
+          </a:fontRef>
+        </p:style>
+        <p:txBody>
+          <a:bodyPr rtlCol="0" anchor="ctr" anchorCtr="0"/>
+          <a:lstStyle/>
+          <a:p>
+            <a:pPr algn="ctr"/>
+            <a:r>
+              <a:rPr lang="en-GB" sz="2800" b="1" noProof="1">
+                <a:solidFill>
+                  <a:schemeClr val="tx1"/>
+                </a:solidFill>
+              </a:rPr>
+              <a:t>Circle</a:t>
+            </a:r>
+          </a:p>
+        </p:txBody>
+      </p:sp>
+      <p:sp>
+        <p:nvSpPr>
+          <p:cNvPr id="5" name="Arrow: Right 29">
+            <a:extLst>
+              <a:ext uri="{FF2B5EF4-FFF2-40B4-BE49-F238E27FC236}">
+                <a16:creationId xmlns:a16="http://schemas.microsoft.com/office/drawing/2014/main" id="{D2221A0F-B95D-13A2-AE2A-B966C0FCD69D}"/>
+              </a:ext>
+            </a:extLst>
+          </p:cNvPr>
+          <p:cNvSpPr/>
+          <p:nvPr/>
+        </p:nvSpPr>
+        <p:spPr>
+          <a:xfrm rot="16200000">
+            <a:off x="6844265" y="4794036"/>
+            <a:ext cx="661007" cy="412479"/>
+          </a:xfrm>
+          <a:prstGeom prst="rightArrow">
+            <a:avLst>
+              <a:gd name="adj1" fmla="val 50000"/>
+              <a:gd name="adj2" fmla="val 78029"/>
+            </a:avLst>
+          </a:prstGeom>
+          <a:solidFill>
+            <a:schemeClr val="dk2">
+              <a:alpha val="80000"/>
+            </a:schemeClr>
+          </a:solidFill>
+          <a:ln w="19050">
+            <a:solidFill>
+              <a:schemeClr val="tx1">
+                <a:lumMod val="75000"/>
+                <a:alpha val="80000"/>
+              </a:schemeClr>
+            </a:solidFill>
+          </a:ln>
+          <a:effectLst/>
+        </p:spPr>
+        <p:style>
+          <a:lnRef idx="2">
+            <a:schemeClr val="accent1">
+              <a:shade val="50000"/>
+            </a:schemeClr>
+          </a:lnRef>
+          <a:fillRef idx="1001">
+            <a:schemeClr val="dk2"/>
+          </a:fillRef>
+          <a:effectRef idx="0">
+            <a:schemeClr val="accent1"/>
+          </a:effectRef>
+          <a:fontRef idx="minor">
+            <a:schemeClr val="lt1"/>
+          </a:fontRef>
+        </p:style>
+        <p:txBody>
+          <a:bodyPr rot="0" spcFirstLastPara="0" vertOverflow="overflow" horzOverflow="overflow" vert="horz" wrap="square" lIns="91440" tIns="45720" rIns="91440" bIns="45720" numCol="1" spcCol="0" rtlCol="0" fromWordArt="0" anchor="ctr" anchorCtr="0" forceAA="0" compatLnSpc="1">
+            <a:prstTxWarp prst="textNoShape">
+              <a:avLst/>
+            </a:prstTxWarp>
+            <a:noAutofit/>
+          </a:bodyPr>
+          <a:lstStyle/>
+          <a:p>
+            <a:pPr algn="ctr"/>
+            <a:endParaRPr lang="en-GB" sz="2800" b="1" dirty="0">
+              <a:solidFill>
+                <a:srgbClr val="FFFFFF"/>
+              </a:solidFill>
+              <a:effectLst>
+                <a:outerShdw blurRad="38100" dist="38100" dir="2700000" algn="tl">
+                  <a:srgbClr val="000000">
+                    <a:alpha val="43137"/>
+                  </a:srgbClr>
+                </a:outerShdw>
+              </a:effectLst>
+            </a:endParaRPr>
           </a:p>
         </p:txBody>
       </p:sp>
     </p:spTree>
     <p:extLst>
       <p:ext uri="{BB962C8B-B14F-4D97-AF65-F5344CB8AC3E}">
-        <p14:creationId xmlns:p14="http://schemas.microsoft.com/office/powerpoint/2010/main" val="3575903106"/>
+        <p14:creationId xmlns:p14="http://schemas.microsoft.com/office/powerpoint/2010/main" val="2240755261"/>
       </p:ext>
     </p:extLst>
   </p:cSld>
@@ -11100,21 +13055,66 @@
                                   </p:childTnLst>
                                 </p:cTn>
                               </p:par>
+                            </p:childTnLst>
+                          </p:cTn>
+                        </p:par>
+                      </p:childTnLst>
+                    </p:cTn>
+                  </p:par>
+                  <p:par>
+                    <p:cTn id="15" fill="hold">
+                      <p:stCondLst>
+                        <p:cond delay="indefinite"/>
+                      </p:stCondLst>
+                      <p:childTnLst>
+                        <p:par>
+                          <p:cTn id="16" fill="hold">
+                            <p:stCondLst>
+                              <p:cond delay="0"/>
+                            </p:stCondLst>
+                            <p:childTnLst>
                               <p:par>
-                                <p:cTn id="15" presetID="1" presetClass="entr" presetSubtype="0" fill="hold" grpId="0" nodeType="withEffect">
+                                <p:cTn id="17" presetID="1" presetClass="entr" presetSubtype="0" fill="hold" grpId="0" nodeType="clickEffect">
                                   <p:stCondLst>
                                     <p:cond delay="0"/>
                                   </p:stCondLst>
                                   <p:childTnLst>
                                     <p:set>
                                       <p:cBhvr>
-                                        <p:cTn id="16" dur="1" fill="hold">
+                                        <p:cTn id="18" dur="1" fill="hold">
                                           <p:stCondLst>
                                             <p:cond delay="0"/>
                                           </p:stCondLst>
                                         </p:cTn>
                                         <p:tgtEl>
-                                          <p:spTgt spid="12"/>
+                                          <p:spTgt spid="13"/>
+                                        </p:tgtEl>
+                                        <p:attrNameLst>
+                                          <p:attrName>style.visibility</p:attrName>
+                                        </p:attrNameLst>
+                                      </p:cBhvr>
+                                      <p:to>
+                                        <p:strVal val="visible"/>
+                                      </p:to>
+                                    </p:set>
+                                  </p:childTnLst>
+                                </p:cTn>
+                              </p:par>
+                              <p:par>
+                                <p:cTn id="19" presetID="1" presetClass="entr" presetSubtype="0" fill="hold" grpId="0" nodeType="withEffect">
+                                  <p:stCondLst>
+                                    <p:cond delay="0"/>
+                                  </p:stCondLst>
+                                  <p:childTnLst>
+                                    <p:set>
+                                      <p:cBhvr>
+                                        <p:cTn id="20" dur="1" fill="hold">
+                                          <p:stCondLst>
+                                            <p:cond delay="0"/>
+                                          </p:stCondLst>
+                                        </p:cTn>
+                                        <p:tgtEl>
+                                          <p:spTgt spid="10"/>
                                         </p:tgtEl>
                                         <p:attrNameLst>
                                           <p:attrName>style.visibility</p:attrName>
@@ -11134,32 +13134,32 @@
                     </p:cTn>
                   </p:par>
                   <p:par>
-                    <p:cTn id="17" fill="hold">
+                    <p:cTn id="21" fill="hold">
                       <p:stCondLst>
                         <p:cond delay="indefinite"/>
                       </p:stCondLst>
                       <p:childTnLst>
                         <p:par>
-                          <p:cTn id="18" fill="hold">
+                          <p:cTn id="22" fill="hold">
                             <p:stCondLst>
                               <p:cond delay="0"/>
                             </p:stCondLst>
                             <p:childTnLst>
                               <p:par>
-                                <p:cTn id="19" presetID="1" presetClass="entr" presetSubtype="0" fill="hold" grpId="0" nodeType="clickEffect">
+                                <p:cTn id="23" presetID="1" presetClass="entr" presetSubtype="0" fill="hold" grpId="0" nodeType="clickEffect">
                                   <p:stCondLst>
                                     <p:cond delay="0"/>
                                   </p:stCondLst>
                                   <p:childTnLst>
                                     <p:set>
                                       <p:cBhvr>
-                                        <p:cTn id="20" dur="1" fill="hold">
+                                        <p:cTn id="24" dur="1" fill="hold">
                                           <p:stCondLst>
                                             <p:cond delay="0"/>
                                           </p:stCondLst>
                                         </p:cTn>
                                         <p:tgtEl>
-                                          <p:spTgt spid="13"/>
+                                          <p:spTgt spid="2"/>
                                         </p:tgtEl>
                                         <p:attrNameLst>
                                           <p:attrName>style.visibility</p:attrName>
@@ -11173,20 +13173,20 @@
                                 </p:cTn>
                               </p:par>
                               <p:par>
-                                <p:cTn id="21" presetID="1" presetClass="entr" presetSubtype="0" fill="hold" grpId="0" nodeType="withEffect">
+                                <p:cTn id="25" presetID="1" presetClass="entr" presetSubtype="0" fill="hold" grpId="0" nodeType="withEffect">
                                   <p:stCondLst>
                                     <p:cond delay="0"/>
                                   </p:stCondLst>
                                   <p:childTnLst>
                                     <p:set>
                                       <p:cBhvr>
-                                        <p:cTn id="22" dur="1" fill="hold">
+                                        <p:cTn id="26" dur="1" fill="hold">
                                           <p:stCondLst>
                                             <p:cond delay="0"/>
                                           </p:stCondLst>
                                         </p:cTn>
                                         <p:tgtEl>
-                                          <p:spTgt spid="10"/>
+                                          <p:spTgt spid="5"/>
                                         </p:tgtEl>
                                         <p:attrNameLst>
                                           <p:attrName>style.visibility</p:attrName>
@@ -11228,15 +13228,16 @@
     </p:tnLst>
     <p:bldLst>
       <p:bldP spid="11" grpId="0" animBg="1"/>
-      <p:bldP spid="12" grpId="0" animBg="1"/>
       <p:bldP spid="13" grpId="0" animBg="1"/>
       <p:bldP spid="10" grpId="0" animBg="1"/>
+      <p:bldP spid="2" grpId="0" animBg="1"/>
+      <p:bldP spid="5" grpId="0" animBg="1"/>
     </p:bldLst>
   </p:timing>
 </p:sld>
 </file>
 
-<file path=ppt/slides/slide12.xml><?xml version="1.0" encoding="utf-8"?>
+<file path=ppt/slides/slide14.xml><?xml version="1.0" encoding="utf-8"?>
 <p:sld xmlns:a="http://schemas.openxmlformats.org/drawingml/2006/main" xmlns:r="http://schemas.openxmlformats.org/officeDocument/2006/relationships" xmlns:p="http://schemas.openxmlformats.org/presentationml/2006/main">
   <p:cSld>
     <p:spTree>
@@ -11269,26 +13270,17 @@
           <a:lstStyle/>
           <a:p>
             <a:r>
-              <a:rPr lang="bg-BG" dirty="0"/>
-              <a:t>Използваме класове, за да </a:t>
-            </a:r>
-            <a:r>
               <a:rPr lang="bg-BG" b="1" dirty="0">
                 <a:solidFill>
                   <a:schemeClr val="bg1"/>
                 </a:solidFill>
               </a:rPr>
-              <a:t>дефинираме</a:t>
-            </a:r>
-            <a:r>
-              <a:rPr lang="en-GB" dirty="0"/>
-              <a:t> </a:t>
+              <a:t>Композиция </a:t>
             </a:r>
             <a:r>
               <a:rPr lang="bg-BG" dirty="0"/>
-              <a:t>полета и свойства на класа</a:t>
-            </a:r>
-            <a:endParaRPr lang="en-GB" dirty="0"/>
+              <a:t>== един клас използва друг като част от себе си</a:t>
+            </a:r>
           </a:p>
         </p:txBody>
       </p:sp>
@@ -11327,8 +13319,8 @@
         </p:nvSpPr>
         <p:spPr>
           <a:xfrm>
-            <a:off x="1600200" y="2436905"/>
-            <a:ext cx="4436906" cy="3942149"/>
+            <a:off x="1064829" y="2386917"/>
+            <a:ext cx="4436906" cy="3480484"/>
           </a:xfrm>
           <a:prstGeom prst="rect">
             <a:avLst/>
@@ -11371,52 +13363,79 @@
             </a:lvl1pPr>
           </a:lstStyle>
           <a:p>
-            <a:r>
-              <a:rPr lang="en-US" sz="2600" dirty="0"/>
-              <a:t>class </a:t>
-            </a:r>
-            <a:r>
-              <a:rPr lang="en-GB" sz="2600" dirty="0"/>
-              <a:t>Laptop</a:t>
-            </a:r>
-            <a:r>
-              <a:rPr lang="en-US" sz="2600" dirty="0"/>
-              <a:t> </a:t>
-            </a:r>
-          </a:p>
-          <a:p>
-            <a:r>
-              <a:rPr lang="en-US" sz="2600" dirty="0"/>
+            <a:pPr>
+              <a:spcBef>
+                <a:spcPts val="0"/>
+              </a:spcBef>
+            </a:pPr>
+            <a:r>
+              <a:rPr lang="en-US" sz="2600" noProof="1"/>
+              <a:t>class Laptop </a:t>
+            </a:r>
+          </a:p>
+          <a:p>
+            <a:pPr>
+              <a:spcBef>
+                <a:spcPts val="0"/>
+              </a:spcBef>
+            </a:pPr>
+            <a:r>
+              <a:rPr lang="en-US" sz="2600" noProof="1"/>
               <a:t>{</a:t>
             </a:r>
           </a:p>
           <a:p>
-            <a:r>
-              <a:rPr lang="en-US" sz="2600" dirty="0"/>
-              <a:t>  Monitor monitor;</a:t>
-            </a:r>
-          </a:p>
-          <a:p>
-            <a:r>
-              <a:rPr lang="en-US" sz="2600" dirty="0"/>
+            <a:pPr>
+              <a:spcBef>
+                <a:spcPts val="0"/>
+              </a:spcBef>
+            </a:pPr>
+            <a:r>
+              <a:rPr lang="en-US" sz="2600" noProof="1"/>
+              <a:t>  Screen screen;</a:t>
+            </a:r>
+          </a:p>
+          <a:p>
+            <a:pPr>
+              <a:spcBef>
+                <a:spcPts val="0"/>
+              </a:spcBef>
+            </a:pPr>
+            <a:r>
+              <a:rPr lang="en-US" sz="2600" noProof="1"/>
               <a:t>  Touchpad touchpad;</a:t>
             </a:r>
           </a:p>
           <a:p>
-            <a:r>
-              <a:rPr lang="en-US" sz="2600" dirty="0"/>
+            <a:pPr>
+              <a:spcBef>
+                <a:spcPts val="0"/>
+              </a:spcBef>
+            </a:pPr>
+            <a:r>
+              <a:rPr lang="en-US" sz="2600" noProof="1"/>
               <a:t>  Keyboard keyboard;</a:t>
             </a:r>
           </a:p>
           <a:p>
-            <a:r>
-              <a:rPr lang="en-US" sz="2600" dirty="0"/>
+            <a:pPr>
+              <a:spcBef>
+                <a:spcPts val="0"/>
+              </a:spcBef>
+            </a:pPr>
+            <a:r>
+              <a:rPr lang="en-US" sz="2600" noProof="1"/>
               <a:t>  …</a:t>
             </a:r>
           </a:p>
           <a:p>
-            <a:r>
-              <a:rPr lang="en-US" sz="2600" dirty="0"/>
+            <a:pPr>
+              <a:spcBef>
+                <a:spcPts val="0"/>
+              </a:spcBef>
+            </a:pPr>
+            <a:r>
+              <a:rPr lang="en-US" sz="2600" noProof="1"/>
               <a:t>}</a:t>
             </a:r>
           </a:p>
@@ -11432,12 +13451,12 @@
         </p:nvSpPr>
         <p:spPr bwMode="auto">
           <a:xfrm>
-            <a:off x="3216000" y="5385344"/>
+            <a:off x="2590629" y="5031136"/>
             <a:ext cx="2766682" cy="919401"/>
           </a:xfrm>
           <a:prstGeom prst="wedgeRoundRectCallout">
             <a:avLst>
-              <a:gd name="adj1" fmla="val -73261"/>
+              <a:gd name="adj1" fmla="val -69842"/>
               <a:gd name="adj2" fmla="val -68626"/>
               <a:gd name="adj3" fmla="val 16667"/>
             </a:avLst>
@@ -11618,7 +13637,7 @@
                   <a:schemeClr val="bg2"/>
                 </a:solidFill>
               </a:rPr>
-              <a:t>Monitor</a:t>
+              <a:t>Screen</a:t>
             </a:r>
             <a:endParaRPr lang="en-US" sz="2800" b="1" dirty="0">
               <a:solidFill>
@@ -11796,7 +13815,7 @@
             <a:fld id="{2BF067CD-8E6B-4360-9AA8-C5DF2A48A6D1}" type="slidenum">
               <a:rPr lang="en-US" noProof="0" smtClean="0"/>
               <a:pPr/>
-              <a:t>12</a:t>
+              <a:t>14</a:t>
             </a:fld>
             <a:endParaRPr lang="en-US" noProof="0" dirty="0"/>
           </a:p>
@@ -12077,7 +14096,7 @@
 </p:sld>
 </file>
 
-<file path=ppt/slides/slide13.xml><?xml version="1.0" encoding="utf-8"?>
+<file path=ppt/slides/slide15.xml><?xml version="1.0" encoding="utf-8"?>
 <p:sld xmlns:a="http://schemas.openxmlformats.org/drawingml/2006/main" xmlns:r="http://schemas.openxmlformats.org/officeDocument/2006/relationships" xmlns:p="http://schemas.openxmlformats.org/presentationml/2006/main">
   <p:cSld>
     <p:spTree>
@@ -12604,7 +14623,7 @@
             <a:fld id="{2BF067CD-8E6B-4360-9AA8-C5DF2A48A6D1}" type="slidenum">
               <a:rPr lang="en-US" smtClean="0"/>
               <a:pPr/>
-              <a:t>13</a:t>
+              <a:t>15</a:t>
             </a:fld>
             <a:endParaRPr lang="en-US" dirty="0"/>
           </a:p>
@@ -12706,7 +14725,7 @@
 </p:sld>
 </file>
 
-<file path=ppt/slides/slide14.xml><?xml version="1.0" encoding="utf-8"?>
+<file path=ppt/slides/slide16.xml><?xml version="1.0" encoding="utf-8"?>
 <p:sld xmlns:a="http://schemas.openxmlformats.org/drawingml/2006/main" xmlns:r="http://schemas.openxmlformats.org/officeDocument/2006/relationships" xmlns:p="http://schemas.openxmlformats.org/presentationml/2006/main">
   <p:cSld>
     <p:spTree>
@@ -13075,7 +15094,7 @@
             <a:fld id="{2BF067CD-8E6B-4360-9AA8-C5DF2A48A6D1}" type="slidenum">
               <a:rPr lang="en-US" noProof="0" smtClean="0"/>
               <a:pPr/>
-              <a:t>14</a:t>
+              <a:t>16</a:t>
             </a:fld>
             <a:endParaRPr lang="en-US" noProof="0" dirty="0"/>
           </a:p>
@@ -13102,7 +15121,7 @@
 </p:sld>
 </file>
 
-<file path=ppt/slides/slide15.xml><?xml version="1.0" encoding="utf-8"?>
+<file path=ppt/slides/slide17.xml><?xml version="1.0" encoding="utf-8"?>
 <p:sld xmlns:a="http://schemas.openxmlformats.org/drawingml/2006/main" xmlns:r="http://schemas.openxmlformats.org/officeDocument/2006/relationships" xmlns:p="http://schemas.openxmlformats.org/presentationml/2006/main">
   <p:cSld>
     <p:spTree>
@@ -13595,7 +15614,7 @@
             <a:fld id="{2BF067CD-8E6B-4360-9AA8-C5DF2A48A6D1}" type="slidenum">
               <a:rPr lang="en-US" smtClean="0"/>
               <a:pPr/>
-              <a:t>15</a:t>
+              <a:t>17</a:t>
             </a:fld>
             <a:endParaRPr lang="en-US" dirty="0"/>
           </a:p>
@@ -14003,7 +16022,7 @@
 </p:sld>
 </file>
 
-<file path=ppt/slides/slide16.xml><?xml version="1.0" encoding="utf-8"?>
+<file path=ppt/slides/slide18.xml><?xml version="1.0" encoding="utf-8"?>
 <p:sld xmlns:a="http://schemas.openxmlformats.org/drawingml/2006/main" xmlns:r="http://schemas.openxmlformats.org/officeDocument/2006/relationships" xmlns:p="http://schemas.openxmlformats.org/presentationml/2006/main">
   <p:cSld>
     <p:spTree>
@@ -14160,7 +16179,7 @@
         <p:grpSpPr>
           <a:xfrm>
             <a:off x="191942" y="1419750"/>
-            <a:ext cx="8919058" cy="5300339"/>
+            <a:ext cx="9714058" cy="5300339"/>
             <a:chOff x="472011" y="1508786"/>
             <a:chExt cx="3799787" cy="4865561"/>
           </a:xfrm>
@@ -14368,8 +16387,8 @@
         </p:blipFill>
         <p:spPr>
           <a:xfrm flipH="1">
-            <a:off x="8824937" y="3276641"/>
-            <a:ext cx="2882677" cy="3119781"/>
+            <a:off x="9652220" y="3699000"/>
+            <a:ext cx="2284517" cy="2472422"/>
           </a:xfrm>
           <a:prstGeom prst="rect">
             <a:avLst/>
@@ -14392,8 +16411,8 @@
         </p:nvSpPr>
         <p:spPr>
           <a:xfrm>
-            <a:off x="543073" y="1723769"/>
-            <a:ext cx="8281864" cy="4772370"/>
+            <a:off x="575545" y="1797442"/>
+            <a:ext cx="9210455" cy="4625835"/>
           </a:xfrm>
           <a:prstGeom prst="rect">
             <a:avLst/>
@@ -14571,7 +16590,22 @@
             </a:lvl9pPr>
           </a:lstStyle>
           <a:p>
-            <a:pPr>
+            <a:pPr latinLnBrk="0">
+              <a:lnSpc>
+                <a:spcPct val="100000"/>
+              </a:lnSpc>
+            </a:pPr>
+            <a:r>
+              <a:rPr lang="bg-BG" sz="3600" dirty="0">
+                <a:solidFill>
+                  <a:schemeClr val="bg2"/>
+                </a:solidFill>
+              </a:rPr>
+              <a:t>ОО моделиране: наследяване, асоциация, композиция, агрегация, делегиране</a:t>
+            </a:r>
+          </a:p>
+          <a:p>
+            <a:pPr latinLnBrk="0">
               <a:lnSpc>
                 <a:spcPct val="100000"/>
               </a:lnSpc>
@@ -14612,7 +16646,7 @@
             </a:endParaRPr>
           </a:p>
           <a:p>
-            <a:pPr>
+            <a:pPr latinLnBrk="0">
               <a:lnSpc>
                 <a:spcPct val="100000"/>
               </a:lnSpc>
@@ -14629,7 +16663,7 @@
                   </a:schemeClr>
                 </a:solidFill>
               </a:rPr>
-              <a:t>Подкласа наследява </a:t>
+              <a:t>Класът-наследник наследява </a:t>
             </a:r>
             <a:r>
               <a:rPr lang="bg-BG" sz="3600" dirty="0">
@@ -14682,23 +16716,8 @@
                   </a:schemeClr>
                 </a:solidFill>
               </a:rPr>
-              <a:t>презаписва</a:t>
-            </a:r>
-            <a:r>
-              <a:rPr lang="en-US" sz="3600" dirty="0">
-                <a:solidFill>
-                  <a:schemeClr val="bg2"/>
-                </a:solidFill>
-              </a:rPr>
-              <a:t> </a:t>
-            </a:r>
-            <a:br>
-              <a:rPr lang="bg-BG" sz="3600" dirty="0">
-                <a:solidFill>
-                  <a:schemeClr val="bg2"/>
-                </a:solidFill>
-              </a:rPr>
-            </a:br>
+              <a:t>презаписва </a:t>
+            </a:r>
             <a:r>
               <a:rPr lang="bg-BG" sz="3600" dirty="0">
                 <a:solidFill>
@@ -14714,7 +16733,7 @@
             </a:endParaRPr>
           </a:p>
           <a:p>
-            <a:pPr>
+            <a:pPr latinLnBrk="0">
               <a:lnSpc>
                 <a:spcPct val="100000"/>
               </a:lnSpc>
@@ -14828,7 +16847,7 @@
             <a:fld id="{2BF067CD-8E6B-4360-9AA8-C5DF2A48A6D1}" type="slidenum">
               <a:rPr lang="en-US" noProof="0" smtClean="0"/>
               <a:pPr/>
-              <a:t>16</a:t>
+              <a:t>18</a:t>
             </a:fld>
             <a:endParaRPr lang="en-US" noProof="0" dirty="0"/>
           </a:p>
@@ -14958,6 +16977,55 @@
                       </p:childTnLst>
                     </p:cTn>
                   </p:par>
+                  <p:par>
+                    <p:cTn id="11" fill="hold">
+                      <p:stCondLst>
+                        <p:cond delay="indefinite"/>
+                      </p:stCondLst>
+                      <p:childTnLst>
+                        <p:par>
+                          <p:cTn id="12" fill="hold">
+                            <p:stCondLst>
+                              <p:cond delay="0"/>
+                            </p:stCondLst>
+                            <p:childTnLst>
+                              <p:par>
+                                <p:cTn id="13" presetID="1" presetClass="entr" presetSubtype="0" fill="hold" nodeType="clickEffect">
+                                  <p:stCondLst>
+                                    <p:cond delay="0"/>
+                                  </p:stCondLst>
+                                  <p:childTnLst>
+                                    <p:set>
+                                      <p:cBhvr>
+                                        <p:cTn id="14" dur="1" fill="hold">
+                                          <p:stCondLst>
+                                            <p:cond delay="0"/>
+                                          </p:stCondLst>
+                                        </p:cTn>
+                                        <p:tgtEl>
+                                          <p:spTgt spid="15">
+                                            <p:txEl>
+                                              <p:pRg st="3" end="3"/>
+                                            </p:txEl>
+                                          </p:spTgt>
+                                        </p:tgtEl>
+                                        <p:attrNameLst>
+                                          <p:attrName>style.visibility</p:attrName>
+                                        </p:attrNameLst>
+                                      </p:cBhvr>
+                                      <p:to>
+                                        <p:strVal val="visible"/>
+                                      </p:to>
+                                    </p:set>
+                                  </p:childTnLst>
+                                </p:cTn>
+                              </p:par>
+                            </p:childTnLst>
+                          </p:cTn>
+                        </p:par>
+                      </p:childTnLst>
+                    </p:cTn>
+                  </p:par>
                 </p:childTnLst>
               </p:cTn>
               <p:prevCondLst>
@@ -14983,7 +17051,7 @@
 </p:sld>
 </file>
 
-<file path=ppt/slides/slide17.xml><?xml version="1.0" encoding="utf-8"?>
+<file path=ppt/slides/slide19.xml><?xml version="1.0" encoding="utf-8"?>
 <p:sld xmlns:a="http://schemas.openxmlformats.org/drawingml/2006/main" xmlns:r="http://schemas.openxmlformats.org/officeDocument/2006/relationships" xmlns:p="http://schemas.openxmlformats.org/presentationml/2006/main">
   <p:cSld>
     <p:spTree>
@@ -15045,306 +17113,6 @@
     <p:extLst>
       <p:ext uri="{BB962C8B-B14F-4D97-AF65-F5344CB8AC3E}">
         <p14:creationId xmlns:p14="http://schemas.microsoft.com/office/powerpoint/2010/main" val="3140127689"/>
-      </p:ext>
-    </p:extLst>
-  </p:cSld>
-  <p:clrMapOvr>
-    <a:masterClrMapping/>
-  </p:clrMapOvr>
-  <mc:AlternateContent xmlns:mc="http://schemas.openxmlformats.org/markup-compatibility/2006" xmlns:p14="http://schemas.microsoft.com/office/powerpoint/2010/main">
-    <mc:Choice Requires="p14">
-      <p:transition spd="slow" p14:dur="2000" advClick="0" advTm="5000"/>
-    </mc:Choice>
-    <mc:Fallback xmlns="">
-      <p:transition spd="slow" advClick="0" advTm="5000"/>
-    </mc:Fallback>
-  </mc:AlternateContent>
-</p:sld>
-</file>
-
-<file path=ppt/slides/slide18.xml><?xml version="1.0" encoding="utf-8"?>
-<p:sld xmlns:a="http://schemas.openxmlformats.org/drawingml/2006/main" xmlns:r="http://schemas.openxmlformats.org/officeDocument/2006/relationships" xmlns:p="http://schemas.openxmlformats.org/presentationml/2006/main">
-  <p:cSld>
-    <p:spTree>
-      <p:nvGrpSpPr>
-        <p:cNvPr id="1" name=""/>
-        <p:cNvGrpSpPr/>
-        <p:nvPr/>
-      </p:nvGrpSpPr>
-      <p:grpSpPr>
-        <a:xfrm>
-          <a:off x="0" y="0"/>
-          <a:ext cx="0" cy="0"/>
-          <a:chOff x="0" y="0"/>
-          <a:chExt cx="0" cy="0"/>
-        </a:xfrm>
-      </p:grpSpPr>
-      <p:sp>
-        <p:nvSpPr>
-          <p:cNvPr id="2" name="Slide Body">
-            <a:extLst>
-              <a:ext uri="{FF2B5EF4-FFF2-40B4-BE49-F238E27FC236}">
-                <a16:creationId xmlns:a16="http://schemas.microsoft.com/office/drawing/2014/main" id="{980F49B1-E4BE-4389-A747-7AB9B71AD920}"/>
-              </a:ext>
-            </a:extLst>
-          </p:cNvPr>
-          <p:cNvSpPr>
-            <a:spLocks noGrp="1"/>
-          </p:cNvSpPr>
-          <p:nvPr>
-            <p:ph type="body" sz="quarter" idx="10"/>
-          </p:nvPr>
-        </p:nvSpPr>
-        <p:spPr>
-          <a:xfrm>
-            <a:off x="190402" y="1269001"/>
-            <a:ext cx="11818096" cy="5455890"/>
-          </a:xfrm>
-        </p:spPr>
-        <p:txBody>
-          <a:bodyPr/>
-          <a:lstStyle/>
-          <a:p>
-            <a:pPr>
-              <a:lnSpc>
-                <a:spcPct val="120000"/>
-              </a:lnSpc>
-            </a:pPr>
-            <a:r>
-              <a:rPr lang="bg-BG" dirty="0"/>
-              <a:t>Този курс</a:t>
-            </a:r>
-            <a:r>
-              <a:rPr lang="en-US" dirty="0"/>
-              <a:t> (</a:t>
-            </a:r>
-            <a:r>
-              <a:rPr lang="bg-BG" dirty="0"/>
-              <a:t>презентации, примери, демонстрационен код, упражнения, домашни, видео и други активи</a:t>
-            </a:r>
-            <a:r>
-              <a:rPr lang="en-US" dirty="0"/>
-              <a:t>) </a:t>
-            </a:r>
-            <a:r>
-              <a:rPr lang="bg-BG" dirty="0"/>
-              <a:t>представлява</a:t>
-            </a:r>
-            <a:r>
-              <a:rPr lang="en-US" dirty="0"/>
-              <a:t> </a:t>
-            </a:r>
-            <a:r>
-              <a:rPr lang="bg-BG" b="1" dirty="0"/>
-              <a:t>защитено авторско съдържание</a:t>
-            </a:r>
-            <a:endParaRPr lang="en-US" dirty="0"/>
-          </a:p>
-          <a:p>
-            <a:pPr>
-              <a:lnSpc>
-                <a:spcPct val="120000"/>
-              </a:lnSpc>
-            </a:pPr>
-            <a:r>
-              <a:rPr lang="bg-BG" dirty="0"/>
-              <a:t>Нерегламентирано копиране</a:t>
-            </a:r>
-            <a:r>
-              <a:rPr lang="en-US" dirty="0"/>
-              <a:t>,</a:t>
-            </a:r>
-            <a:r>
-              <a:rPr lang="bg-BG" dirty="0"/>
-              <a:t> разпространение или използване е незаконно</a:t>
-            </a:r>
-          </a:p>
-          <a:p>
-            <a:pPr>
-              <a:lnSpc>
-                <a:spcPct val="120000"/>
-              </a:lnSpc>
-            </a:pPr>
-            <a:r>
-              <a:rPr lang="en-US" dirty="0"/>
-              <a:t>© </a:t>
-            </a:r>
-            <a:r>
-              <a:rPr lang="bg-BG" dirty="0"/>
-              <a:t>СофтУни</a:t>
-            </a:r>
-            <a:r>
-              <a:rPr lang="en-US" dirty="0"/>
-              <a:t> – </a:t>
-            </a:r>
-            <a:r>
-              <a:rPr lang="en-US" dirty="0">
-                <a:hlinkClick r:id="rId3"/>
-              </a:rPr>
-              <a:t>https://softuni.org</a:t>
-            </a:r>
-            <a:endParaRPr lang="en-US" dirty="0"/>
-          </a:p>
-          <a:p>
-            <a:pPr>
-              <a:lnSpc>
-                <a:spcPct val="120000"/>
-              </a:lnSpc>
-            </a:pPr>
-            <a:r>
-              <a:rPr lang="en-US" dirty="0"/>
-              <a:t>© </a:t>
-            </a:r>
-            <a:r>
-              <a:rPr lang="bg-BG" dirty="0"/>
-              <a:t>Софтуерен университет</a:t>
-            </a:r>
-            <a:r>
-              <a:rPr lang="en-US" dirty="0"/>
-              <a:t> – </a:t>
-            </a:r>
-            <a:r>
-              <a:rPr lang="en-US" dirty="0">
-                <a:hlinkClick r:id="rId4"/>
-              </a:rPr>
-              <a:t>https://softuni.bg</a:t>
-            </a:r>
-            <a:endParaRPr lang="bg-BG" dirty="0"/>
-          </a:p>
-          <a:p>
-            <a:pPr>
-              <a:lnSpc>
-                <a:spcPct val="120000"/>
-              </a:lnSpc>
-            </a:pPr>
-            <a:endParaRPr lang="bg-BG" dirty="0"/>
-          </a:p>
-          <a:p>
-            <a:pPr marL="0" indent="0">
-              <a:lnSpc>
-                <a:spcPct val="120000"/>
-              </a:lnSpc>
-              <a:buNone/>
-            </a:pPr>
-            <a:endParaRPr lang="bg-BG" dirty="0"/>
-          </a:p>
-        </p:txBody>
-      </p:sp>
-      <p:pic>
-        <p:nvPicPr>
-          <p:cNvPr id="6" name="Picture License" descr="License">
-            <a:extLst>
-              <a:ext uri="{FF2B5EF4-FFF2-40B4-BE49-F238E27FC236}">
-                <a16:creationId xmlns:a16="http://schemas.microsoft.com/office/drawing/2014/main" id="{A10A2585-858C-4B1E-8846-27CF1C15729E}"/>
-              </a:ext>
-            </a:extLst>
-          </p:cNvPr>
-          <p:cNvPicPr>
-            <a:picLocks noChangeAspect="1"/>
-          </p:cNvPicPr>
-          <p:nvPr/>
-        </p:nvPicPr>
-        <p:blipFill>
-          <a:blip r:embed="rId5">
-            <a:clrChange>
-              <a:clrFrom>
-                <a:srgbClr val="FFFFFF"/>
-              </a:clrFrom>
-              <a:clrTo>
-                <a:srgbClr val="FFFFFF">
-                  <a:alpha val="0"/>
-                </a:srgbClr>
-              </a:clrTo>
-            </a:clrChange>
-          </a:blip>
-          <a:stretch>
-            <a:fillRect/>
-          </a:stretch>
-        </p:blipFill>
-        <p:spPr>
-          <a:xfrm>
-            <a:off x="9745023" y="4445455"/>
-            <a:ext cx="1930977" cy="2043545"/>
-          </a:xfrm>
-          <a:prstGeom prst="rect">
-            <a:avLst/>
-          </a:prstGeom>
-        </p:spPr>
-      </p:pic>
-      <p:sp>
-        <p:nvSpPr>
-          <p:cNvPr id="3" name="Slide Title">
-            <a:extLst>
-              <a:ext uri="{FF2B5EF4-FFF2-40B4-BE49-F238E27FC236}">
-                <a16:creationId xmlns:a16="http://schemas.microsoft.com/office/drawing/2014/main" id="{E5F1FB41-80C3-4816-BC47-CCC50632E6E8}"/>
-              </a:ext>
-            </a:extLst>
-          </p:cNvPr>
-          <p:cNvSpPr>
-            <a:spLocks noGrp="1"/>
-          </p:cNvSpPr>
-          <p:nvPr>
-            <p:ph type="title"/>
-          </p:nvPr>
-        </p:nvSpPr>
-        <p:spPr/>
-        <p:txBody>
-          <a:bodyPr/>
-          <a:lstStyle/>
-          <a:p>
-            <a:r>
-              <a:rPr lang="bg-BG" dirty="0"/>
-              <a:t>Лиценз</a:t>
-            </a:r>
-          </a:p>
-        </p:txBody>
-      </p:sp>
-      <p:sp>
-        <p:nvSpPr>
-          <p:cNvPr id="7" name="Slide Number">
-            <a:extLst>
-              <a:ext uri="{FF2B5EF4-FFF2-40B4-BE49-F238E27FC236}">
-                <a16:creationId xmlns:a16="http://schemas.microsoft.com/office/drawing/2014/main" id="{0B20C9FE-51B9-4CA1-A3B4-E16FBFC084A5}"/>
-              </a:ext>
-            </a:extLst>
-          </p:cNvPr>
-          <p:cNvSpPr>
-            <a:spLocks noGrp="1"/>
-          </p:cNvSpPr>
-          <p:nvPr>
-            <p:ph type="sldNum" sz="quarter" idx="5"/>
-          </p:nvPr>
-        </p:nvSpPr>
-        <p:spPr>
-          <a:xfrm>
-            <a:off x="11753030" y="6507000"/>
-            <a:ext cx="367414" cy="297000"/>
-          </a:xfrm>
-          <a:prstGeom prst="rect">
-            <a:avLst/>
-          </a:prstGeom>
-        </p:spPr>
-        <p:txBody>
-          <a:bodyPr vert="horz" lIns="91440" tIns="45720" rIns="91440" bIns="45720" rtlCol="0" anchor="b"/>
-          <a:lstStyle>
-            <a:lvl1pPr algn="r">
-              <a:defRPr sz="1000"/>
-            </a:lvl1pPr>
-          </a:lstStyle>
-          <a:p>
-            <a:fld id="{2BF067CD-8E6B-4360-9AA8-C5DF2A48A6D1}" type="slidenum">
-              <a:rPr lang="en-US" noProof="0" smtClean="0"/>
-              <a:pPr/>
-              <a:t>18</a:t>
-            </a:fld>
-            <a:endParaRPr lang="en-US" noProof="0" dirty="0"/>
-          </a:p>
-        </p:txBody>
-      </p:sp>
-    </p:spTree>
-    <p:extLst>
-      <p:ext uri="{BB962C8B-B14F-4D97-AF65-F5344CB8AC3E}">
-        <p14:creationId xmlns:p14="http://schemas.microsoft.com/office/powerpoint/2010/main" val="229369013"/>
       </p:ext>
     </p:extLst>
   </p:cSld>
@@ -15381,6 +17149,44 @@
       </p:grpSpPr>
       <p:sp>
         <p:nvSpPr>
+          <p:cNvPr id="5" name="Slide Number">
+            <a:extLst>
+              <a:ext uri="{FF2B5EF4-FFF2-40B4-BE49-F238E27FC236}">
+                <a16:creationId xmlns:a16="http://schemas.microsoft.com/office/drawing/2014/main" id="{45B3E92B-F4BB-4BA3-9596-FAB74B56C53D}"/>
+              </a:ext>
+            </a:extLst>
+          </p:cNvPr>
+          <p:cNvSpPr>
+            <a:spLocks noGrp="1"/>
+          </p:cNvSpPr>
+          <p:nvPr>
+            <p:ph type="sldNum" sz="quarter" idx="4"/>
+          </p:nvPr>
+        </p:nvSpPr>
+        <p:spPr>
+          <a:prstGeom prst="rect">
+            <a:avLst/>
+          </a:prstGeom>
+        </p:spPr>
+        <p:txBody>
+          <a:bodyPr vert="horz" lIns="91440" tIns="45720" rIns="91440" bIns="45720" rtlCol="0" anchor="b"/>
+          <a:lstStyle>
+            <a:lvl1pPr algn="r">
+              <a:defRPr sz="1000"/>
+            </a:lvl1pPr>
+          </a:lstStyle>
+          <a:p>
+            <a:fld id="{2BF067CD-8E6B-4360-9AA8-C5DF2A48A6D1}" type="slidenum">
+              <a:rPr lang="en-US" noProof="0" smtClean="0"/>
+              <a:pPr/>
+              <a:t>2</a:t>
+            </a:fld>
+            <a:endParaRPr lang="en-US" noProof="0" dirty="0"/>
+          </a:p>
+        </p:txBody>
+      </p:sp>
+      <p:sp>
+        <p:nvSpPr>
           <p:cNvPr id="3" name="Content Placeholder 2">
             <a:extLst>
               <a:ext uri="{FF2B5EF4-FFF2-40B4-BE49-F238E27FC236}">
@@ -15392,13 +17198,13 @@
             <a:spLocks noGrp="1"/>
           </p:cNvSpPr>
           <p:nvPr>
-            <p:ph type="body" sz="quarter" idx="10"/>
+            <p:ph type="body" sz="quarter" idx="13"/>
           </p:nvPr>
         </p:nvSpPr>
         <p:spPr>
           <a:xfrm>
-            <a:off x="190406" y="664617"/>
-            <a:ext cx="11818096" cy="5528766"/>
+            <a:off x="196766" y="1238354"/>
+            <a:ext cx="9049234" cy="5430646"/>
           </a:xfrm>
         </p:spPr>
         <p:txBody>
@@ -15411,7 +17217,15 @@
               <a:buFont typeface="+mj-lt"/>
               <a:buAutoNum type="arabicPeriod"/>
             </a:pPr>
-            <a:endParaRPr lang="bg-BG" sz="3600" dirty="0"/>
+            <a:r>
+              <a:rPr lang="bg-BG" sz="3600" dirty="0"/>
+              <a:t>Преизползване на код при наследяване: </a:t>
+            </a:r>
+            <a:r>
+              <a:rPr lang="bg-BG" sz="3600" b="1" dirty="0"/>
+              <a:t>виртуални методи</a:t>
+            </a:r>
+            <a:endParaRPr lang="en-US" sz="3600" b="1" dirty="0"/>
           </a:p>
           <a:p>
             <a:pPr marL="514350" indent="-514350">
@@ -15420,39 +17234,78 @@
             </a:pPr>
             <a:r>
               <a:rPr lang="bg-BG" sz="3600" dirty="0"/>
-              <a:t>Преизползване на класове</a:t>
-            </a:r>
-            <a:endParaRPr lang="en-US" sz="3600" dirty="0"/>
-          </a:p>
-          <a:p>
-            <a:pPr marL="514350" indent="-514350">
-              <a:buFont typeface="+mj-lt"/>
-              <a:buAutoNum type="arabicPeriod"/>
-            </a:pPr>
-            <a:r>
+              <a:t>Обектно-ориентирано моделиране</a:t>
+            </a:r>
+            <a:br>
               <a:rPr lang="bg-BG" sz="3600" dirty="0"/>
-              <a:t>Видове преизползване на класове</a:t>
+            </a:br>
+            <a:r>
+              <a:rPr lang="bg-BG" sz="3600" dirty="0"/>
+              <a:t>(</a:t>
+            </a:r>
+            <a:r>
+              <a:rPr lang="bg-BG" sz="3600" b="1" dirty="0"/>
+              <a:t>ОО моделиране</a:t>
+            </a:r>
+            <a:r>
+              <a:rPr lang="bg-BG" sz="3600" dirty="0"/>
+              <a:t>)</a:t>
             </a:r>
           </a:p>
           <a:p>
             <a:pPr lvl="1"/>
             <a:r>
+              <a:rPr lang="bg-BG" sz="3400" b="1" dirty="0"/>
+              <a:t>Разширяване</a:t>
+            </a:r>
+            <a:r>
               <a:rPr lang="bg-BG" sz="3400" dirty="0"/>
-              <a:t>Разширяване</a:t>
+              <a:t> (наследяване)</a:t>
             </a:r>
           </a:p>
           <a:p>
             <a:pPr lvl="1"/>
             <a:r>
+              <a:rPr lang="bg-BG" sz="3400" b="1" dirty="0"/>
+              <a:t>Асоциация</a:t>
+            </a:r>
+            <a:r>
               <a:rPr lang="bg-BG" sz="3400" dirty="0"/>
-              <a:t>Композиция</a:t>
+              <a:t>, </a:t>
+            </a:r>
+            <a:r>
+              <a:rPr lang="bg-BG" sz="3400" b="1" dirty="0"/>
+              <a:t>композиция</a:t>
+            </a:r>
+            <a:r>
+              <a:rPr lang="bg-BG" sz="3400" dirty="0"/>
+              <a:t> и </a:t>
+            </a:r>
+            <a:r>
+              <a:rPr lang="bg-BG" sz="3400" b="1" dirty="0"/>
+              <a:t>агрегация</a:t>
             </a:r>
           </a:p>
           <a:p>
             <a:pPr lvl="1"/>
             <a:r>
+              <a:rPr lang="bg-BG" sz="3400" b="1" dirty="0"/>
+              <a:t>Множественост</a:t>
+            </a:r>
+            <a:r>
               <a:rPr lang="bg-BG" sz="3400" dirty="0"/>
+              <a:t>: 1-1, 1-*, *-1, *-*</a:t>
+            </a:r>
+          </a:p>
+          <a:p>
+            <a:pPr lvl="1"/>
+            <a:r>
+              <a:rPr lang="bg-BG" sz="3400" b="1" dirty="0"/>
               <a:t>Делегиране</a:t>
+            </a:r>
+            <a:r>
+              <a:rPr lang="bg-BG" sz="3400" dirty="0"/>
+              <a:t>: прехвърляне на отговорност</a:t>
             </a:r>
             <a:endParaRPr lang="en-US" sz="3400" dirty="0"/>
           </a:p>
@@ -15484,48 +17337,6 @@
               <a:t>Съдържание</a:t>
             </a:r>
             <a:endParaRPr lang="en-US" dirty="0"/>
-          </a:p>
-        </p:txBody>
-      </p:sp>
-      <p:sp>
-        <p:nvSpPr>
-          <p:cNvPr id="5" name="Slide Number">
-            <a:extLst>
-              <a:ext uri="{FF2B5EF4-FFF2-40B4-BE49-F238E27FC236}">
-                <a16:creationId xmlns:a16="http://schemas.microsoft.com/office/drawing/2014/main" id="{45B3E92B-F4BB-4BA3-9596-FAB74B56C53D}"/>
-              </a:ext>
-            </a:extLst>
-          </p:cNvPr>
-          <p:cNvSpPr>
-            <a:spLocks noGrp="1"/>
-          </p:cNvSpPr>
-          <p:nvPr>
-            <p:ph type="sldNum" sz="quarter" idx="5"/>
-          </p:nvPr>
-        </p:nvSpPr>
-        <p:spPr>
-          <a:xfrm>
-            <a:off x="11753030" y="6507000"/>
-            <a:ext cx="367414" cy="297000"/>
-          </a:xfrm>
-          <a:prstGeom prst="rect">
-            <a:avLst/>
-          </a:prstGeom>
-        </p:spPr>
-        <p:txBody>
-          <a:bodyPr vert="horz" lIns="91440" tIns="45720" rIns="91440" bIns="45720" rtlCol="0" anchor="b"/>
-          <a:lstStyle>
-            <a:lvl1pPr algn="r">
-              <a:defRPr sz="1000"/>
-            </a:lvl1pPr>
-          </a:lstStyle>
-          <a:p>
-            <a:fld id="{2BF067CD-8E6B-4360-9AA8-C5DF2A48A6D1}" type="slidenum">
-              <a:rPr lang="en-US" noProof="0" smtClean="0"/>
-              <a:pPr/>
-              <a:t>2</a:t>
-            </a:fld>
-            <a:endParaRPr lang="en-US" noProof="0" dirty="0"/>
           </a:p>
         </p:txBody>
       </p:sp>
@@ -15822,6 +17633,306 @@
       </p:par>
     </p:tnLst>
   </p:timing>
+</p:sld>
+</file>
+
+<file path=ppt/slides/slide20.xml><?xml version="1.0" encoding="utf-8"?>
+<p:sld xmlns:a="http://schemas.openxmlformats.org/drawingml/2006/main" xmlns:r="http://schemas.openxmlformats.org/officeDocument/2006/relationships" xmlns:p="http://schemas.openxmlformats.org/presentationml/2006/main">
+  <p:cSld>
+    <p:spTree>
+      <p:nvGrpSpPr>
+        <p:cNvPr id="1" name=""/>
+        <p:cNvGrpSpPr/>
+        <p:nvPr/>
+      </p:nvGrpSpPr>
+      <p:grpSpPr>
+        <a:xfrm>
+          <a:off x="0" y="0"/>
+          <a:ext cx="0" cy="0"/>
+          <a:chOff x="0" y="0"/>
+          <a:chExt cx="0" cy="0"/>
+        </a:xfrm>
+      </p:grpSpPr>
+      <p:sp>
+        <p:nvSpPr>
+          <p:cNvPr id="2" name="Slide Body">
+            <a:extLst>
+              <a:ext uri="{FF2B5EF4-FFF2-40B4-BE49-F238E27FC236}">
+                <a16:creationId xmlns:a16="http://schemas.microsoft.com/office/drawing/2014/main" id="{980F49B1-E4BE-4389-A747-7AB9B71AD920}"/>
+              </a:ext>
+            </a:extLst>
+          </p:cNvPr>
+          <p:cNvSpPr>
+            <a:spLocks noGrp="1"/>
+          </p:cNvSpPr>
+          <p:nvPr>
+            <p:ph type="body" sz="quarter" idx="10"/>
+          </p:nvPr>
+        </p:nvSpPr>
+        <p:spPr>
+          <a:xfrm>
+            <a:off x="190402" y="1269001"/>
+            <a:ext cx="11818096" cy="5455890"/>
+          </a:xfrm>
+        </p:spPr>
+        <p:txBody>
+          <a:bodyPr/>
+          <a:lstStyle/>
+          <a:p>
+            <a:pPr>
+              <a:lnSpc>
+                <a:spcPct val="120000"/>
+              </a:lnSpc>
+            </a:pPr>
+            <a:r>
+              <a:rPr lang="bg-BG" dirty="0"/>
+              <a:t>Този курс</a:t>
+            </a:r>
+            <a:r>
+              <a:rPr lang="en-US" dirty="0"/>
+              <a:t> (</a:t>
+            </a:r>
+            <a:r>
+              <a:rPr lang="bg-BG" dirty="0"/>
+              <a:t>презентации, примери, демонстрационен код, упражнения, домашни, видео и други активи</a:t>
+            </a:r>
+            <a:r>
+              <a:rPr lang="en-US" dirty="0"/>
+              <a:t>) </a:t>
+            </a:r>
+            <a:r>
+              <a:rPr lang="bg-BG" dirty="0"/>
+              <a:t>представлява</a:t>
+            </a:r>
+            <a:r>
+              <a:rPr lang="en-US" dirty="0"/>
+              <a:t> </a:t>
+            </a:r>
+            <a:r>
+              <a:rPr lang="bg-BG" b="1" dirty="0"/>
+              <a:t>защитено авторско съдържание</a:t>
+            </a:r>
+            <a:endParaRPr lang="en-US" dirty="0"/>
+          </a:p>
+          <a:p>
+            <a:pPr>
+              <a:lnSpc>
+                <a:spcPct val="120000"/>
+              </a:lnSpc>
+            </a:pPr>
+            <a:r>
+              <a:rPr lang="bg-BG" dirty="0"/>
+              <a:t>Нерегламентирано копиране</a:t>
+            </a:r>
+            <a:r>
+              <a:rPr lang="en-US" dirty="0"/>
+              <a:t>,</a:t>
+            </a:r>
+            <a:r>
+              <a:rPr lang="bg-BG" dirty="0"/>
+              <a:t> разпространение или използване е незаконно</a:t>
+            </a:r>
+          </a:p>
+          <a:p>
+            <a:pPr>
+              <a:lnSpc>
+                <a:spcPct val="120000"/>
+              </a:lnSpc>
+            </a:pPr>
+            <a:r>
+              <a:rPr lang="en-US" dirty="0"/>
+              <a:t>© </a:t>
+            </a:r>
+            <a:r>
+              <a:rPr lang="bg-BG" dirty="0"/>
+              <a:t>СофтУни</a:t>
+            </a:r>
+            <a:r>
+              <a:rPr lang="en-US" dirty="0"/>
+              <a:t> – </a:t>
+            </a:r>
+            <a:r>
+              <a:rPr lang="en-US" dirty="0">
+                <a:hlinkClick r:id="rId3"/>
+              </a:rPr>
+              <a:t>https://softuni.org</a:t>
+            </a:r>
+            <a:endParaRPr lang="en-US" dirty="0"/>
+          </a:p>
+          <a:p>
+            <a:pPr>
+              <a:lnSpc>
+                <a:spcPct val="120000"/>
+              </a:lnSpc>
+            </a:pPr>
+            <a:r>
+              <a:rPr lang="en-US" dirty="0"/>
+              <a:t>© </a:t>
+            </a:r>
+            <a:r>
+              <a:rPr lang="bg-BG" dirty="0"/>
+              <a:t>Софтуерен университет</a:t>
+            </a:r>
+            <a:r>
+              <a:rPr lang="en-US" dirty="0"/>
+              <a:t> – </a:t>
+            </a:r>
+            <a:r>
+              <a:rPr lang="en-US" dirty="0">
+                <a:hlinkClick r:id="rId4"/>
+              </a:rPr>
+              <a:t>https://softuni.bg</a:t>
+            </a:r>
+            <a:endParaRPr lang="bg-BG" dirty="0"/>
+          </a:p>
+          <a:p>
+            <a:pPr>
+              <a:lnSpc>
+                <a:spcPct val="120000"/>
+              </a:lnSpc>
+            </a:pPr>
+            <a:endParaRPr lang="bg-BG" dirty="0"/>
+          </a:p>
+          <a:p>
+            <a:pPr marL="0" indent="0">
+              <a:lnSpc>
+                <a:spcPct val="120000"/>
+              </a:lnSpc>
+              <a:buNone/>
+            </a:pPr>
+            <a:endParaRPr lang="bg-BG" dirty="0"/>
+          </a:p>
+        </p:txBody>
+      </p:sp>
+      <p:pic>
+        <p:nvPicPr>
+          <p:cNvPr id="6" name="Picture License" descr="License">
+            <a:extLst>
+              <a:ext uri="{FF2B5EF4-FFF2-40B4-BE49-F238E27FC236}">
+                <a16:creationId xmlns:a16="http://schemas.microsoft.com/office/drawing/2014/main" id="{A10A2585-858C-4B1E-8846-27CF1C15729E}"/>
+              </a:ext>
+            </a:extLst>
+          </p:cNvPr>
+          <p:cNvPicPr>
+            <a:picLocks noChangeAspect="1"/>
+          </p:cNvPicPr>
+          <p:nvPr/>
+        </p:nvPicPr>
+        <p:blipFill>
+          <a:blip r:embed="rId5">
+            <a:clrChange>
+              <a:clrFrom>
+                <a:srgbClr val="FFFFFF"/>
+              </a:clrFrom>
+              <a:clrTo>
+                <a:srgbClr val="FFFFFF">
+                  <a:alpha val="0"/>
+                </a:srgbClr>
+              </a:clrTo>
+            </a:clrChange>
+          </a:blip>
+          <a:stretch>
+            <a:fillRect/>
+          </a:stretch>
+        </p:blipFill>
+        <p:spPr>
+          <a:xfrm>
+            <a:off x="9745023" y="4445455"/>
+            <a:ext cx="1930977" cy="2043545"/>
+          </a:xfrm>
+          <a:prstGeom prst="rect">
+            <a:avLst/>
+          </a:prstGeom>
+        </p:spPr>
+      </p:pic>
+      <p:sp>
+        <p:nvSpPr>
+          <p:cNvPr id="3" name="Slide Title">
+            <a:extLst>
+              <a:ext uri="{FF2B5EF4-FFF2-40B4-BE49-F238E27FC236}">
+                <a16:creationId xmlns:a16="http://schemas.microsoft.com/office/drawing/2014/main" id="{E5F1FB41-80C3-4816-BC47-CCC50632E6E8}"/>
+              </a:ext>
+            </a:extLst>
+          </p:cNvPr>
+          <p:cNvSpPr>
+            <a:spLocks noGrp="1"/>
+          </p:cNvSpPr>
+          <p:nvPr>
+            <p:ph type="title"/>
+          </p:nvPr>
+        </p:nvSpPr>
+        <p:spPr/>
+        <p:txBody>
+          <a:bodyPr/>
+          <a:lstStyle/>
+          <a:p>
+            <a:r>
+              <a:rPr lang="bg-BG" dirty="0"/>
+              <a:t>Лиценз</a:t>
+            </a:r>
+          </a:p>
+        </p:txBody>
+      </p:sp>
+      <p:sp>
+        <p:nvSpPr>
+          <p:cNvPr id="7" name="Slide Number">
+            <a:extLst>
+              <a:ext uri="{FF2B5EF4-FFF2-40B4-BE49-F238E27FC236}">
+                <a16:creationId xmlns:a16="http://schemas.microsoft.com/office/drawing/2014/main" id="{0B20C9FE-51B9-4CA1-A3B4-E16FBFC084A5}"/>
+              </a:ext>
+            </a:extLst>
+          </p:cNvPr>
+          <p:cNvSpPr>
+            <a:spLocks noGrp="1"/>
+          </p:cNvSpPr>
+          <p:nvPr>
+            <p:ph type="sldNum" sz="quarter" idx="5"/>
+          </p:nvPr>
+        </p:nvSpPr>
+        <p:spPr>
+          <a:xfrm>
+            <a:off x="11753030" y="6507000"/>
+            <a:ext cx="367414" cy="297000"/>
+          </a:xfrm>
+          <a:prstGeom prst="rect">
+            <a:avLst/>
+          </a:prstGeom>
+        </p:spPr>
+        <p:txBody>
+          <a:bodyPr vert="horz" lIns="91440" tIns="45720" rIns="91440" bIns="45720" rtlCol="0" anchor="b"/>
+          <a:lstStyle>
+            <a:lvl1pPr algn="r">
+              <a:defRPr sz="1000"/>
+            </a:lvl1pPr>
+          </a:lstStyle>
+          <a:p>
+            <a:fld id="{2BF067CD-8E6B-4360-9AA8-C5DF2A48A6D1}" type="slidenum">
+              <a:rPr lang="en-US" noProof="0" smtClean="0"/>
+              <a:pPr/>
+              <a:t>20</a:t>
+            </a:fld>
+            <a:endParaRPr lang="en-US" noProof="0" dirty="0"/>
+          </a:p>
+        </p:txBody>
+      </p:sp>
+    </p:spTree>
+    <p:extLst>
+      <p:ext uri="{BB962C8B-B14F-4D97-AF65-F5344CB8AC3E}">
+        <p14:creationId xmlns:p14="http://schemas.microsoft.com/office/powerpoint/2010/main" val="229369013"/>
+      </p:ext>
+    </p:extLst>
+  </p:cSld>
+  <p:clrMapOvr>
+    <a:masterClrMapping/>
+  </p:clrMapOvr>
+  <mc:AlternateContent xmlns:mc="http://schemas.openxmlformats.org/markup-compatibility/2006" xmlns:p14="http://schemas.microsoft.com/office/powerpoint/2010/main">
+    <mc:Choice Requires="p14">
+      <p:transition spd="slow" p14:dur="2000" advClick="0" advTm="5000"/>
+    </mc:Choice>
+    <mc:Fallback xmlns="">
+      <p:transition spd="slow" advClick="0" advTm="5000"/>
+    </mc:Fallback>
+  </mc:AlternateContent>
 </p:sld>
 </file>
 

--- a/Courses/Software-Sciences/Module-1-OOP/09.2-Inheritance-Advanced/09.2-Inheritance-Advanced.pptx
+++ b/Courses/Software-Sciences/Module-1-OOP/09.2-Inheritance-Advanced/09.2-Inheritance-Advanced.pptx
@@ -11,7 +11,7 @@
     <p:handoutMasterId r:id="rId23"/>
   </p:handoutMasterIdLst>
   <p:sldIdLst>
-    <p:sldId id="291" r:id="rId2"/>
+    <p:sldId id="627" r:id="rId2"/>
     <p:sldId id="292" r:id="rId3"/>
     <p:sldId id="494" r:id="rId4"/>
     <p:sldId id="315" r:id="rId5"/>
@@ -29,8 +29,8 @@
     <p:sldId id="324" r:id="rId17"/>
     <p:sldId id="325" r:id="rId18"/>
     <p:sldId id="326" r:id="rId19"/>
-    <p:sldId id="401" r:id="rId20"/>
-    <p:sldId id="493" r:id="rId21"/>
+    <p:sldId id="504" r:id="rId20"/>
+    <p:sldId id="505" r:id="rId21"/>
   </p:sldIdLst>
   <p:sldSz cx="12192000" cy="6858000"/>
   <p:notesSz cx="6858000" cy="9144000"/>
@@ -132,13 +132,13 @@
   <p:extLst>
     <p:ext uri="{521415D9-36F7-43E2-AB2F-B90AF26B5E84}">
       <p14:sectionLst xmlns:p14="http://schemas.microsoft.com/office/powerpoint/2010/main">
-        <p14:section name="Intro" id="{37FF3DA2-98E3-4B11-9622-15A7DDF55582}">
+        <p14:section name="Intro" id="{59007841-D514-41D4-9775-82F5EE7C73A4}">
           <p14:sldIdLst>
-            <p14:sldId id="291"/>
+            <p14:sldId id="627"/>
             <p14:sldId id="292"/>
           </p14:sldIdLst>
         </p14:section>
-        <p14:section name="Преизползване на класове" id="{1C407849-8E33-435E-8104-A18B9001A377}">
+        <p14:section name="Преизползване на класове" id="{58E2B6C7-5508-4BDF-95BE-E7E15C33CA5B}">
           <p14:sldIdLst>
             <p14:sldId id="494"/>
             <p14:sldId id="315"/>
@@ -149,7 +149,7 @@
             <p14:sldId id="319"/>
           </p14:sldIdLst>
         </p14:section>
-        <p14:section name="Видове преизползване на класове" id="{22E4A757-84FA-4FE3-86D6-D89823336F1F}">
+        <p14:section name="Видове преизползване на класове" id="{D81A5A78-EFDD-4DD7-AADF-6E26A49555F4}">
           <p14:sldIdLst>
             <p14:sldId id="495"/>
             <p14:sldId id="499"/>
@@ -161,11 +161,11 @@
             <p14:sldId id="325"/>
           </p14:sldIdLst>
         </p14:section>
-        <p14:section name="Обобщение" id="{93303A64-A802-4F3D-9932-56EA437A8A52}">
+        <p14:section name="Обобщение" id="{7775C0D5-CBA3-4B99-A748-C5DA6A56FADA}">
           <p14:sldIdLst>
             <p14:sldId id="326"/>
-            <p14:sldId id="401"/>
-            <p14:sldId id="493"/>
+            <p14:sldId id="504"/>
+            <p14:sldId id="505"/>
           </p14:sldIdLst>
         </p14:section>
       </p14:sectionLst>
@@ -246,7 +246,7 @@
             </a:lvl1pPr>
           </a:lstStyle>
           <a:p>
-            <a:endParaRPr lang="bg-BG" dirty="0"/>
+            <a:endParaRPr lang="bg-BG"/>
           </a:p>
         </p:txBody>
       </p:sp>
@@ -285,9 +285,9 @@
           <a:p>
             <a:fld id="{4E087215-0C8F-4762-A664-737A353EC9A4}" type="datetimeFigureOut">
               <a:rPr lang="bg-BG" smtClean="0"/>
-              <a:t>2.7.2023 г.</a:t>
+              <a:t>12.10.23 г.</a:t>
             </a:fld>
-            <a:endParaRPr lang="bg-BG" dirty="0"/>
+            <a:endParaRPr lang="bg-BG"/>
           </a:p>
         </p:txBody>
       </p:sp>
@@ -309,8 +309,8 @@
         </p:nvSpPr>
         <p:spPr>
           <a:xfrm>
-            <a:off x="-1" y="8847000"/>
-            <a:ext cx="6443999" cy="297000"/>
+            <a:off x="-1" y="8892000"/>
+            <a:ext cx="6443999" cy="252000"/>
           </a:xfrm>
           <a:prstGeom prst="rect">
             <a:avLst/>
@@ -325,19 +325,24 @@
           </a:lstStyle>
           <a:p>
             <a:r>
-              <a:rPr lang="en-US" sz="1100" dirty="0"/>
-              <a:t>© SoftUni – </a:t>
-            </a:r>
-            <a:r>
-              <a:rPr lang="en-US" sz="1100" u="sng" dirty="0">
+              <a:rPr lang="bg-BG" sz="1100" dirty="0"/>
+              <a:t>Работна група </a:t>
+            </a:r>
+            <a:r>
+              <a:rPr lang="ru-RU" sz="1100" dirty="0"/>
+              <a:t>"Образование по програмиране и ИТ</a:t>
+            </a:r>
+            <a:r>
+              <a:rPr lang="bg-BG" sz="1100" dirty="0"/>
+              <a:t>", с подкрепата на </a:t>
+            </a:r>
+            <a:r>
+              <a:rPr lang="en-US" sz="1100" dirty="0">
                 <a:hlinkClick r:id="rId2"/>
               </a:rPr>
-              <a:t>https://softuni.org</a:t>
-            </a:r>
-            <a:r>
-              <a:rPr lang="en-US" sz="1100" dirty="0"/>
-              <a:t>. Copyrighted document. Unauthorized copy or reproduction is not permitted.</a:t>
-            </a:r>
+              <a:t>SoftUni</a:t>
+            </a:r>
+            <a:endParaRPr lang="en-US" sz="1100" dirty="0"/>
           </a:p>
         </p:txBody>
       </p:sp>
@@ -359,8 +364,8 @@
         </p:nvSpPr>
         <p:spPr>
           <a:xfrm>
-            <a:off x="6443999" y="8847000"/>
-            <a:ext cx="412413" cy="297000"/>
+            <a:off x="6443999" y="8892000"/>
+            <a:ext cx="412413" cy="252000"/>
           </a:xfrm>
           <a:prstGeom prst="rect">
             <a:avLst/>
@@ -443,7 +448,7 @@
             </a:lvl1pPr>
           </a:lstStyle>
           <a:p>
-            <a:endParaRPr lang="en-US" dirty="0"/>
+            <a:endParaRPr lang="en-US"/>
           </a:p>
         </p:txBody>
       </p:sp>
@@ -476,9 +481,9 @@
           <a:p>
             <a:fld id="{72D84649-876A-46C9-8472-14CB09C070D8}" type="datetimeFigureOut">
               <a:rPr lang="en-US" smtClean="0"/>
-              <a:t>2-Jul-23</a:t>
+              <a:t>10/12/23</a:t>
             </a:fld>
-            <a:endParaRPr lang="en-US" dirty="0"/>
+            <a:endParaRPr lang="en-US"/>
           </a:p>
         </p:txBody>
       </p:sp>
@@ -511,7 +516,7 @@
           <a:bodyPr vert="horz" lIns="91440" tIns="45720" rIns="91440" bIns="45720" rtlCol="0" anchor="ctr"/>
           <a:lstStyle/>
           <a:p>
-            <a:endParaRPr lang="en-US" dirty="0"/>
+            <a:endParaRPr lang="en-US"/>
           </a:p>
         </p:txBody>
       </p:sp>
@@ -586,8 +591,8 @@
         </p:nvSpPr>
         <p:spPr>
           <a:xfrm>
-            <a:off x="6488999" y="8847000"/>
-            <a:ext cx="367414" cy="297000"/>
+            <a:off x="6488999" y="8892000"/>
+            <a:ext cx="367414" cy="252000"/>
           </a:xfrm>
           <a:prstGeom prst="rect">
             <a:avLst/>
@@ -627,8 +632,8 @@
         </p:nvSpPr>
         <p:spPr>
           <a:xfrm>
-            <a:off x="-1" y="8847000"/>
-            <a:ext cx="6488999" cy="297000"/>
+            <a:off x="-1" y="8892000"/>
+            <a:ext cx="6488999" cy="252000"/>
           </a:xfrm>
           <a:prstGeom prst="rect">
             <a:avLst/>
@@ -643,19 +648,24 @@
           </a:lstStyle>
           <a:p>
             <a:r>
-              <a:rPr lang="en-US" dirty="0"/>
-              <a:t>© SoftUni – </a:t>
-            </a:r>
-            <a:r>
-              <a:rPr lang="en-US" u="sng" dirty="0">
+              <a:rPr lang="bg-BG" sz="1100" dirty="0"/>
+              <a:t>Работна група </a:t>
+            </a:r>
+            <a:r>
+              <a:rPr lang="bg-BG" dirty="0"/>
+              <a:t>"Образование по програмиране и ИТ"</a:t>
+            </a:r>
+            <a:r>
+              <a:rPr lang="bg-BG" sz="1100" dirty="0"/>
+              <a:t>, с подкрепата на </a:t>
+            </a:r>
+            <a:r>
+              <a:rPr lang="en-US" sz="1100" dirty="0">
                 <a:hlinkClick r:id="rId2"/>
               </a:rPr>
-              <a:t>https://softuni.org</a:t>
-            </a:r>
-            <a:r>
-              <a:rPr lang="en-US" dirty="0"/>
-              <a:t>. Copyrighted document. Unauthorized copy or reproduction is not permitted.</a:t>
-            </a:r>
+              <a:t>SoftUni</a:t>
+            </a:r>
+            <a:endParaRPr lang="en-US" sz="1100" dirty="0"/>
           </a:p>
         </p:txBody>
       </p:sp>
@@ -837,10 +847,10 @@
       </p:sp>
       <p:sp>
         <p:nvSpPr>
-          <p:cNvPr id="7" name="Footer Placeholder 7">
+          <p:cNvPr id="4" name="Footer Placeholder 7">
             <a:extLst>
               <a:ext uri="{FF2B5EF4-FFF2-40B4-BE49-F238E27FC236}">
-                <a16:creationId xmlns:a16="http://schemas.microsoft.com/office/drawing/2014/main" id="{F4754961-7B93-4D7A-B75A-9D109809546E}"/>
+                <a16:creationId xmlns:a16="http://schemas.microsoft.com/office/drawing/2014/main" id="{C2D5B3F4-646B-5DA4-F973-7515905E5005}"/>
               </a:ext>
             </a:extLst>
           </p:cNvPr>
@@ -853,8 +863,8 @@
         </p:nvSpPr>
         <p:spPr>
           <a:xfrm>
-            <a:off x="-1" y="8847000"/>
-            <a:ext cx="6488999" cy="297000"/>
+            <a:off x="-1" y="8892000"/>
+            <a:ext cx="6488999" cy="252000"/>
           </a:xfrm>
           <a:prstGeom prst="rect">
             <a:avLst/>
@@ -869,26 +879,31 @@
           </a:lstStyle>
           <a:p>
             <a:r>
-              <a:rPr lang="en-US" dirty="0"/>
-              <a:t>© SoftUni – </a:t>
-            </a:r>
-            <a:r>
-              <a:rPr lang="en-US" u="sng" dirty="0">
+              <a:rPr lang="bg-BG" sz="1100" dirty="0"/>
+              <a:t>Работна група </a:t>
+            </a:r>
+            <a:r>
+              <a:rPr lang="bg-BG" dirty="0"/>
+              <a:t>"Образование по програмиране и ИТ"</a:t>
+            </a:r>
+            <a:r>
+              <a:rPr lang="bg-BG" sz="1100" dirty="0"/>
+              <a:t>, с подкрепата на </a:t>
+            </a:r>
+            <a:r>
+              <a:rPr lang="en-US" sz="1100" dirty="0">
                 <a:hlinkClick r:id="rId3"/>
               </a:rPr>
-              <a:t>https://softuni.org</a:t>
-            </a:r>
-            <a:r>
-              <a:rPr lang="en-US" dirty="0"/>
-              <a:t>. Copyrighted document. Unauthorized copy or reproduction is not permitted.</a:t>
-            </a:r>
+              <a:t>SoftUni</a:t>
+            </a:r>
+            <a:endParaRPr lang="en-US" sz="1100" dirty="0"/>
           </a:p>
         </p:txBody>
       </p:sp>
     </p:spTree>
     <p:extLst>
       <p:ext uri="{BB962C8B-B14F-4D97-AF65-F5344CB8AC3E}">
-        <p14:creationId xmlns:p14="http://schemas.microsoft.com/office/powerpoint/2010/main" val="910915813"/>
+        <p14:creationId xmlns:p14="http://schemas.microsoft.com/office/powerpoint/2010/main" val="3855554386"/>
       </p:ext>
     </p:extLst>
   </p:cSld>
@@ -972,10 +987,10 @@
       </p:sp>
       <p:sp>
         <p:nvSpPr>
-          <p:cNvPr id="6" name="Footer Placeholder 7">
+          <p:cNvPr id="4" name="Footer Placeholder 7">
             <a:extLst>
               <a:ext uri="{FF2B5EF4-FFF2-40B4-BE49-F238E27FC236}">
-                <a16:creationId xmlns:a16="http://schemas.microsoft.com/office/drawing/2014/main" id="{8F05106B-DEEC-407A-A47D-950478CAB34A}"/>
+                <a16:creationId xmlns:a16="http://schemas.microsoft.com/office/drawing/2014/main" id="{8D021121-C0F7-1FE4-A7AC-126E3FFB9F41}"/>
               </a:ext>
             </a:extLst>
           </p:cNvPr>
@@ -988,8 +1003,8 @@
         </p:nvSpPr>
         <p:spPr>
           <a:xfrm>
-            <a:off x="-1" y="8847000"/>
-            <a:ext cx="6488999" cy="297000"/>
+            <a:off x="-1" y="8892000"/>
+            <a:ext cx="6488999" cy="252000"/>
           </a:xfrm>
           <a:prstGeom prst="rect">
             <a:avLst/>
@@ -1004,26 +1019,31 @@
           </a:lstStyle>
           <a:p>
             <a:r>
-              <a:rPr lang="en-US" dirty="0"/>
-              <a:t>© SoftUni – </a:t>
-            </a:r>
-            <a:r>
-              <a:rPr lang="en-US" u="sng" dirty="0">
+              <a:rPr lang="bg-BG" sz="1100" dirty="0"/>
+              <a:t>Работна група </a:t>
+            </a:r>
+            <a:r>
+              <a:rPr lang="bg-BG" dirty="0"/>
+              <a:t>"Образование по програмиране и ИТ"</a:t>
+            </a:r>
+            <a:r>
+              <a:rPr lang="bg-BG" sz="1100" dirty="0"/>
+              <a:t>, с подкрепата на </a:t>
+            </a:r>
+            <a:r>
+              <a:rPr lang="en-US" sz="1100" dirty="0">
                 <a:hlinkClick r:id="rId3"/>
               </a:rPr>
-              <a:t>https://softuni.org</a:t>
-            </a:r>
-            <a:r>
-              <a:rPr lang="en-US" dirty="0"/>
-              <a:t>. Copyrighted document. Unauthorized copy or reproduction is not permitted.</a:t>
-            </a:r>
+              <a:t>SoftUni</a:t>
+            </a:r>
+            <a:endParaRPr lang="en-US" sz="1100" dirty="0"/>
           </a:p>
         </p:txBody>
       </p:sp>
     </p:spTree>
     <p:extLst>
       <p:ext uri="{BB962C8B-B14F-4D97-AF65-F5344CB8AC3E}">
-        <p14:creationId xmlns:p14="http://schemas.microsoft.com/office/powerpoint/2010/main" val="3815244259"/>
+        <p14:creationId xmlns:p14="http://schemas.microsoft.com/office/powerpoint/2010/main" val="1714070274"/>
       </p:ext>
     </p:extLst>
   </p:cSld>
@@ -1242,10 +1262,10 @@
       </p:sp>
       <p:sp>
         <p:nvSpPr>
-          <p:cNvPr id="10" name="Footer Placeholder 7">
+          <p:cNvPr id="2" name="Footer Placeholder 7">
             <a:extLst>
               <a:ext uri="{FF2B5EF4-FFF2-40B4-BE49-F238E27FC236}">
-                <a16:creationId xmlns:a16="http://schemas.microsoft.com/office/drawing/2014/main" id="{72B0CE86-8308-47A9-9930-4B85E8624BBF}"/>
+                <a16:creationId xmlns:a16="http://schemas.microsoft.com/office/drawing/2014/main" id="{16716BFB-CA7A-CF91-1334-BF1AC77900F5}"/>
               </a:ext>
             </a:extLst>
           </p:cNvPr>
@@ -1258,8 +1278,8 @@
         </p:nvSpPr>
         <p:spPr>
           <a:xfrm>
-            <a:off x="-1" y="8847000"/>
-            <a:ext cx="6488999" cy="297000"/>
+            <a:off x="-1" y="8892000"/>
+            <a:ext cx="6488999" cy="252000"/>
           </a:xfrm>
           <a:prstGeom prst="rect">
             <a:avLst/>
@@ -1274,26 +1294,31 @@
           </a:lstStyle>
           <a:p>
             <a:r>
-              <a:rPr lang="en-US" dirty="0"/>
-              <a:t>© SoftUni – </a:t>
-            </a:r>
-            <a:r>
-              <a:rPr lang="en-US" u="sng" dirty="0">
+              <a:rPr lang="bg-BG" sz="1100" dirty="0"/>
+              <a:t>Работна група </a:t>
+            </a:r>
+            <a:r>
+              <a:rPr lang="bg-BG" dirty="0"/>
+              <a:t>"Образование по програмиране и ИТ"</a:t>
+            </a:r>
+            <a:r>
+              <a:rPr lang="bg-BG" sz="1100" dirty="0"/>
+              <a:t>, с подкрепата на </a:t>
+            </a:r>
+            <a:r>
+              <a:rPr lang="en-US" sz="1100" dirty="0">
                 <a:hlinkClick r:id="rId3"/>
               </a:rPr>
-              <a:t>https://softuni.org</a:t>
-            </a:r>
-            <a:r>
-              <a:rPr lang="en-US" dirty="0"/>
-              <a:t>. Copyrighted document. Unauthorized copy or reproduction is not permitted.</a:t>
-            </a:r>
+              <a:t>SoftUni</a:t>
+            </a:r>
+            <a:endParaRPr lang="en-US" sz="1100" dirty="0"/>
           </a:p>
         </p:txBody>
       </p:sp>
     </p:spTree>
     <p:extLst>
       <p:ext uri="{BB962C8B-B14F-4D97-AF65-F5344CB8AC3E}">
-        <p14:creationId xmlns:p14="http://schemas.microsoft.com/office/powerpoint/2010/main" val="3317762137"/>
+        <p14:creationId xmlns:p14="http://schemas.microsoft.com/office/powerpoint/2010/main" val="3349345600"/>
       </p:ext>
     </p:extLst>
   </p:cSld>
@@ -1512,10 +1537,10 @@
       </p:sp>
       <p:sp>
         <p:nvSpPr>
-          <p:cNvPr id="10" name="Footer Placeholder 7">
+          <p:cNvPr id="2" name="Footer Placeholder 7">
             <a:extLst>
               <a:ext uri="{FF2B5EF4-FFF2-40B4-BE49-F238E27FC236}">
-                <a16:creationId xmlns:a16="http://schemas.microsoft.com/office/drawing/2014/main" id="{98DC522B-3196-4E94-B548-2DD8D5CE3B40}"/>
+                <a16:creationId xmlns:a16="http://schemas.microsoft.com/office/drawing/2014/main" id="{B5A91706-9FCE-9536-4B2A-FAF4DA5BE675}"/>
               </a:ext>
             </a:extLst>
           </p:cNvPr>
@@ -1528,8 +1553,8 @@
         </p:nvSpPr>
         <p:spPr>
           <a:xfrm>
-            <a:off x="-1" y="8847000"/>
-            <a:ext cx="6488999" cy="297000"/>
+            <a:off x="-1" y="8892000"/>
+            <a:ext cx="6488999" cy="252000"/>
           </a:xfrm>
           <a:prstGeom prst="rect">
             <a:avLst/>
@@ -1544,26 +1569,31 @@
           </a:lstStyle>
           <a:p>
             <a:r>
-              <a:rPr lang="en-US" dirty="0"/>
-              <a:t>© SoftUni – </a:t>
-            </a:r>
-            <a:r>
-              <a:rPr lang="en-US" u="sng" dirty="0">
+              <a:rPr lang="bg-BG" sz="1100" dirty="0"/>
+              <a:t>Работна група </a:t>
+            </a:r>
+            <a:r>
+              <a:rPr lang="bg-BG" dirty="0"/>
+              <a:t>"Образование по програмиране и ИТ"</a:t>
+            </a:r>
+            <a:r>
+              <a:rPr lang="bg-BG" sz="1100" dirty="0"/>
+              <a:t>, с подкрепата на </a:t>
+            </a:r>
+            <a:r>
+              <a:rPr lang="en-US" sz="1100" dirty="0">
                 <a:hlinkClick r:id="rId3"/>
               </a:rPr>
-              <a:t>https://softuni.org</a:t>
-            </a:r>
-            <a:r>
-              <a:rPr lang="en-US" dirty="0"/>
-              <a:t>. Copyrighted document. Unauthorized copy or reproduction is not permitted.</a:t>
-            </a:r>
+              <a:t>SoftUni</a:t>
+            </a:r>
+            <a:endParaRPr lang="en-US" sz="1100" dirty="0"/>
           </a:p>
         </p:txBody>
       </p:sp>
     </p:spTree>
     <p:extLst>
       <p:ext uri="{BB962C8B-B14F-4D97-AF65-F5344CB8AC3E}">
-        <p14:creationId xmlns:p14="http://schemas.microsoft.com/office/powerpoint/2010/main" val="1690420446"/>
+        <p14:creationId xmlns:p14="http://schemas.microsoft.com/office/powerpoint/2010/main" val="3946978617"/>
       </p:ext>
     </p:extLst>
   </p:cSld>
@@ -1647,10 +1677,10 @@
       </p:sp>
       <p:sp>
         <p:nvSpPr>
-          <p:cNvPr id="6" name="Footer Placeholder 7">
+          <p:cNvPr id="4" name="Footer Placeholder 7">
             <a:extLst>
               <a:ext uri="{FF2B5EF4-FFF2-40B4-BE49-F238E27FC236}">
-                <a16:creationId xmlns:a16="http://schemas.microsoft.com/office/drawing/2014/main" id="{9B06890D-5EEB-420A-9FC0-F14D0F047CF7}"/>
+                <a16:creationId xmlns:a16="http://schemas.microsoft.com/office/drawing/2014/main" id="{706FBA84-78E8-F3BC-EF1B-8BA00D674B69}"/>
               </a:ext>
             </a:extLst>
           </p:cNvPr>
@@ -1663,8 +1693,8 @@
         </p:nvSpPr>
         <p:spPr>
           <a:xfrm>
-            <a:off x="-1" y="8847000"/>
-            <a:ext cx="6488999" cy="297000"/>
+            <a:off x="-1" y="8892000"/>
+            <a:ext cx="6488999" cy="252000"/>
           </a:xfrm>
           <a:prstGeom prst="rect">
             <a:avLst/>
@@ -1679,26 +1709,31 @@
           </a:lstStyle>
           <a:p>
             <a:r>
-              <a:rPr lang="en-US" dirty="0"/>
-              <a:t>© SoftUni – </a:t>
-            </a:r>
-            <a:r>
-              <a:rPr lang="en-US" u="sng" dirty="0">
+              <a:rPr lang="bg-BG" sz="1100" dirty="0"/>
+              <a:t>Работна група </a:t>
+            </a:r>
+            <a:r>
+              <a:rPr lang="bg-BG" dirty="0"/>
+              <a:t>"Образование по програмиране и ИТ"</a:t>
+            </a:r>
+            <a:r>
+              <a:rPr lang="bg-BG" sz="1100" dirty="0"/>
+              <a:t>, с подкрепата на </a:t>
+            </a:r>
+            <a:r>
+              <a:rPr lang="en-US" sz="1100" dirty="0">
                 <a:hlinkClick r:id="rId3"/>
               </a:rPr>
-              <a:t>https://softuni.org</a:t>
-            </a:r>
-            <a:r>
-              <a:rPr lang="en-US" dirty="0"/>
-              <a:t>. Copyrighted document. Unauthorized copy or reproduction is not permitted.</a:t>
-            </a:r>
+              <a:t>SoftUni</a:t>
+            </a:r>
+            <a:endParaRPr lang="en-US" sz="1100" dirty="0"/>
           </a:p>
         </p:txBody>
       </p:sp>
     </p:spTree>
     <p:extLst>
       <p:ext uri="{BB962C8B-B14F-4D97-AF65-F5344CB8AC3E}">
-        <p14:creationId xmlns:p14="http://schemas.microsoft.com/office/powerpoint/2010/main" val="1165365046"/>
+        <p14:creationId xmlns:p14="http://schemas.microsoft.com/office/powerpoint/2010/main" val="1179928122"/>
       </p:ext>
     </p:extLst>
   </p:cSld>
@@ -1888,10 +1923,10 @@
       </p:sp>
       <p:sp>
         <p:nvSpPr>
-          <p:cNvPr id="6" name="Footer Placeholder 7">
+          <p:cNvPr id="5" name="Footer Placeholder 7">
             <a:extLst>
               <a:ext uri="{FF2B5EF4-FFF2-40B4-BE49-F238E27FC236}">
-                <a16:creationId xmlns:a16="http://schemas.microsoft.com/office/drawing/2014/main" id="{329A585D-1ED9-4D71-AE3D-6A64A993D6E2}"/>
+                <a16:creationId xmlns:a16="http://schemas.microsoft.com/office/drawing/2014/main" id="{7FCC4CD4-55DF-8F86-E8F1-272B5A85A312}"/>
               </a:ext>
             </a:extLst>
           </p:cNvPr>
@@ -1904,8 +1939,8 @@
         </p:nvSpPr>
         <p:spPr>
           <a:xfrm>
-            <a:off x="-1" y="8847000"/>
-            <a:ext cx="6488999" cy="297000"/>
+            <a:off x="-1" y="8892000"/>
+            <a:ext cx="6488999" cy="252000"/>
           </a:xfrm>
           <a:prstGeom prst="rect">
             <a:avLst/>
@@ -1920,26 +1955,31 @@
           </a:lstStyle>
           <a:p>
             <a:r>
-              <a:rPr lang="en-US" dirty="0"/>
-              <a:t>© SoftUni – </a:t>
-            </a:r>
-            <a:r>
-              <a:rPr lang="en-US" u="sng" dirty="0">
+              <a:rPr lang="bg-BG" sz="1100" dirty="0"/>
+              <a:t>Работна група </a:t>
+            </a:r>
+            <a:r>
+              <a:rPr lang="bg-BG" dirty="0"/>
+              <a:t>"Образование по програмиране и ИТ"</a:t>
+            </a:r>
+            <a:r>
+              <a:rPr lang="bg-BG" sz="1100" dirty="0"/>
+              <a:t>, с подкрепата на </a:t>
+            </a:r>
+            <a:r>
+              <a:rPr lang="en-US" sz="1100" dirty="0">
                 <a:hlinkClick r:id="rId3"/>
               </a:rPr>
-              <a:t>https://softuni.org</a:t>
-            </a:r>
-            <a:r>
-              <a:rPr lang="en-US" dirty="0"/>
-              <a:t>. Copyrighted document. Unauthorized copy or reproduction is not permitted.</a:t>
-            </a:r>
+              <a:t>SoftUni</a:t>
+            </a:r>
+            <a:endParaRPr lang="en-US" sz="1100" dirty="0"/>
           </a:p>
         </p:txBody>
       </p:sp>
     </p:spTree>
     <p:extLst>
       <p:ext uri="{BB962C8B-B14F-4D97-AF65-F5344CB8AC3E}">
-        <p14:creationId xmlns:p14="http://schemas.microsoft.com/office/powerpoint/2010/main" val="2111079765"/>
+        <p14:creationId xmlns:p14="http://schemas.microsoft.com/office/powerpoint/2010/main" val="861857463"/>
       </p:ext>
     </p:extLst>
   </p:cSld>
@@ -1993,7 +2033,7 @@
           <a:bodyPr/>
           <a:lstStyle/>
           <a:p>
-            <a:endParaRPr lang="en-US" dirty="0"/>
+            <a:endParaRPr lang="en-US"/>
           </a:p>
         </p:txBody>
       </p:sp>
@@ -2129,10 +2169,10 @@
       </p:sp>
       <p:sp>
         <p:nvSpPr>
-          <p:cNvPr id="7" name="Footer Placeholder 7">
+          <p:cNvPr id="5" name="Footer Placeholder 7">
             <a:extLst>
               <a:ext uri="{FF2B5EF4-FFF2-40B4-BE49-F238E27FC236}">
-                <a16:creationId xmlns:a16="http://schemas.microsoft.com/office/drawing/2014/main" id="{8D188ED5-F516-4C31-A1EA-BA7D59B32B5D}"/>
+                <a16:creationId xmlns:a16="http://schemas.microsoft.com/office/drawing/2014/main" id="{8F2E2A29-E049-97D0-E739-A1ED7AAFEC7B}"/>
               </a:ext>
             </a:extLst>
           </p:cNvPr>
@@ -2145,8 +2185,8 @@
         </p:nvSpPr>
         <p:spPr>
           <a:xfrm>
-            <a:off x="-1" y="8847000"/>
-            <a:ext cx="6488999" cy="297000"/>
+            <a:off x="-1" y="8892000"/>
+            <a:ext cx="6488999" cy="252000"/>
           </a:xfrm>
           <a:prstGeom prst="rect">
             <a:avLst/>
@@ -2161,26 +2201,31 @@
           </a:lstStyle>
           <a:p>
             <a:r>
-              <a:rPr lang="en-US" dirty="0"/>
-              <a:t>© SoftUni – </a:t>
-            </a:r>
-            <a:r>
-              <a:rPr lang="en-US" u="sng" dirty="0">
+              <a:rPr lang="bg-BG" sz="1100" dirty="0"/>
+              <a:t>Работна група </a:t>
+            </a:r>
+            <a:r>
+              <a:rPr lang="bg-BG" dirty="0"/>
+              <a:t>"Образование по програмиране и ИТ"</a:t>
+            </a:r>
+            <a:r>
+              <a:rPr lang="bg-BG" sz="1100" dirty="0"/>
+              <a:t>, с подкрепата на </a:t>
+            </a:r>
+            <a:r>
+              <a:rPr lang="en-US" sz="1100" dirty="0">
                 <a:hlinkClick r:id="rId3"/>
               </a:rPr>
-              <a:t>https://softuni.org</a:t>
-            </a:r>
-            <a:r>
-              <a:rPr lang="en-US" dirty="0"/>
-              <a:t>. Copyrighted document. Unauthorized copy or reproduction is not permitted.</a:t>
-            </a:r>
+              <a:t>SoftUni</a:t>
+            </a:r>
+            <a:endParaRPr lang="en-US" sz="1100" dirty="0"/>
           </a:p>
         </p:txBody>
       </p:sp>
     </p:spTree>
     <p:extLst>
       <p:ext uri="{BB962C8B-B14F-4D97-AF65-F5344CB8AC3E}">
-        <p14:creationId xmlns:p14="http://schemas.microsoft.com/office/powerpoint/2010/main" val="792321493"/>
+        <p14:creationId xmlns:p14="http://schemas.microsoft.com/office/powerpoint/2010/main" val="214649619"/>
       </p:ext>
     </p:extLst>
   </p:cSld>
@@ -2399,10 +2444,10 @@
       </p:sp>
       <p:sp>
         <p:nvSpPr>
-          <p:cNvPr id="10" name="Footer Placeholder 7">
+          <p:cNvPr id="2" name="Footer Placeholder 7">
             <a:extLst>
               <a:ext uri="{FF2B5EF4-FFF2-40B4-BE49-F238E27FC236}">
-                <a16:creationId xmlns:a16="http://schemas.microsoft.com/office/drawing/2014/main" id="{432413C6-059A-43A5-B08B-DE2E53E95F38}"/>
+                <a16:creationId xmlns:a16="http://schemas.microsoft.com/office/drawing/2014/main" id="{A961AB35-6A9A-F29A-B40E-77717CC6CC6D}"/>
               </a:ext>
             </a:extLst>
           </p:cNvPr>
@@ -2415,8 +2460,8 @@
         </p:nvSpPr>
         <p:spPr>
           <a:xfrm>
-            <a:off x="-1" y="8847000"/>
-            <a:ext cx="6488999" cy="297000"/>
+            <a:off x="-1" y="8892000"/>
+            <a:ext cx="6488999" cy="252000"/>
           </a:xfrm>
           <a:prstGeom prst="rect">
             <a:avLst/>
@@ -2431,26 +2476,31 @@
           </a:lstStyle>
           <a:p>
             <a:r>
-              <a:rPr lang="en-US" dirty="0"/>
-              <a:t>© SoftUni – </a:t>
-            </a:r>
-            <a:r>
-              <a:rPr lang="en-US" u="sng" dirty="0">
+              <a:rPr lang="bg-BG" sz="1100" dirty="0"/>
+              <a:t>Работна група </a:t>
+            </a:r>
+            <a:r>
+              <a:rPr lang="bg-BG" dirty="0"/>
+              <a:t>"Образование по програмиране и ИТ"</a:t>
+            </a:r>
+            <a:r>
+              <a:rPr lang="bg-BG" sz="1100" dirty="0"/>
+              <a:t>, с подкрепата на </a:t>
+            </a:r>
+            <a:r>
+              <a:rPr lang="en-US" sz="1100" dirty="0">
                 <a:hlinkClick r:id="rId3"/>
               </a:rPr>
-              <a:t>https://softuni.org</a:t>
-            </a:r>
-            <a:r>
-              <a:rPr lang="en-US" dirty="0"/>
-              <a:t>. Copyrighted document. Unauthorized copy or reproduction is not permitted.</a:t>
-            </a:r>
+              <a:t>SoftUni</a:t>
+            </a:r>
+            <a:endParaRPr lang="en-US" sz="1100" dirty="0"/>
           </a:p>
         </p:txBody>
       </p:sp>
     </p:spTree>
     <p:extLst>
       <p:ext uri="{BB962C8B-B14F-4D97-AF65-F5344CB8AC3E}">
-        <p14:creationId xmlns:p14="http://schemas.microsoft.com/office/powerpoint/2010/main" val="4070100513"/>
+        <p14:creationId xmlns:p14="http://schemas.microsoft.com/office/powerpoint/2010/main" val="975056740"/>
       </p:ext>
     </p:extLst>
   </p:cSld>
@@ -2534,10 +2584,10 @@
       </p:sp>
       <p:sp>
         <p:nvSpPr>
-          <p:cNvPr id="6" name="Footer Placeholder 7">
+          <p:cNvPr id="4" name="Footer Placeholder 7">
             <a:extLst>
               <a:ext uri="{FF2B5EF4-FFF2-40B4-BE49-F238E27FC236}">
-                <a16:creationId xmlns:a16="http://schemas.microsoft.com/office/drawing/2014/main" id="{4BE0C7ED-8E3D-41F3-9647-0F1311E6173F}"/>
+                <a16:creationId xmlns:a16="http://schemas.microsoft.com/office/drawing/2014/main" id="{66C841D0-F2E5-7749-898D-204292CC224E}"/>
               </a:ext>
             </a:extLst>
           </p:cNvPr>
@@ -2550,8 +2600,8 @@
         </p:nvSpPr>
         <p:spPr>
           <a:xfrm>
-            <a:off x="-1" y="8847000"/>
-            <a:ext cx="6488999" cy="297000"/>
+            <a:off x="-1" y="8892000"/>
+            <a:ext cx="6488999" cy="252000"/>
           </a:xfrm>
           <a:prstGeom prst="rect">
             <a:avLst/>
@@ -2566,26 +2616,31 @@
           </a:lstStyle>
           <a:p>
             <a:r>
-              <a:rPr lang="en-US" dirty="0"/>
-              <a:t>© SoftUni – </a:t>
-            </a:r>
-            <a:r>
-              <a:rPr lang="en-US" u="sng" dirty="0">
+              <a:rPr lang="bg-BG" sz="1100" dirty="0"/>
+              <a:t>Работна група </a:t>
+            </a:r>
+            <a:r>
+              <a:rPr lang="bg-BG" dirty="0"/>
+              <a:t>"Образование по програмиране и ИТ"</a:t>
+            </a:r>
+            <a:r>
+              <a:rPr lang="bg-BG" sz="1100" dirty="0"/>
+              <a:t>, с подкрепата на </a:t>
+            </a:r>
+            <a:r>
+              <a:rPr lang="en-US" sz="1100" dirty="0">
                 <a:hlinkClick r:id="rId3"/>
               </a:rPr>
-              <a:t>https://softuni.org</a:t>
-            </a:r>
-            <a:r>
-              <a:rPr lang="en-US" dirty="0"/>
-              <a:t>. Copyrighted document. Unauthorized copy or reproduction is not permitted.</a:t>
-            </a:r>
+              <a:t>SoftUni</a:t>
+            </a:r>
+            <a:endParaRPr lang="en-US" sz="1100" dirty="0"/>
           </a:p>
         </p:txBody>
       </p:sp>
     </p:spTree>
     <p:extLst>
       <p:ext uri="{BB962C8B-B14F-4D97-AF65-F5344CB8AC3E}">
-        <p14:creationId xmlns:p14="http://schemas.microsoft.com/office/powerpoint/2010/main" val="2687336083"/>
+        <p14:creationId xmlns:p14="http://schemas.microsoft.com/office/powerpoint/2010/main" val="2023563788"/>
       </p:ext>
     </p:extLst>
   </p:cSld>
@@ -2804,10 +2859,10 @@
       </p:sp>
       <p:sp>
         <p:nvSpPr>
-          <p:cNvPr id="10" name="Footer Placeholder 7">
+          <p:cNvPr id="2" name="Footer Placeholder 7">
             <a:extLst>
               <a:ext uri="{FF2B5EF4-FFF2-40B4-BE49-F238E27FC236}">
-                <a16:creationId xmlns:a16="http://schemas.microsoft.com/office/drawing/2014/main" id="{1933EE6B-0E6A-4279-BC2D-3E2BB874EFC1}"/>
+                <a16:creationId xmlns:a16="http://schemas.microsoft.com/office/drawing/2014/main" id="{31DA9E8C-8DF5-72DD-D49D-CEDC4589EAE4}"/>
               </a:ext>
             </a:extLst>
           </p:cNvPr>
@@ -2820,8 +2875,8 @@
         </p:nvSpPr>
         <p:spPr>
           <a:xfrm>
-            <a:off x="-1" y="8847000"/>
-            <a:ext cx="6488999" cy="297000"/>
+            <a:off x="-1" y="8892000"/>
+            <a:ext cx="6488999" cy="252000"/>
           </a:xfrm>
           <a:prstGeom prst="rect">
             <a:avLst/>
@@ -2836,26 +2891,31 @@
           </a:lstStyle>
           <a:p>
             <a:r>
-              <a:rPr lang="en-US" dirty="0"/>
-              <a:t>© SoftUni – </a:t>
-            </a:r>
-            <a:r>
-              <a:rPr lang="en-US" u="sng" dirty="0">
+              <a:rPr lang="bg-BG" sz="1100" dirty="0"/>
+              <a:t>Работна група </a:t>
+            </a:r>
+            <a:r>
+              <a:rPr lang="bg-BG" dirty="0"/>
+              <a:t>"Образование по програмиране и ИТ"</a:t>
+            </a:r>
+            <a:r>
+              <a:rPr lang="bg-BG" sz="1100" dirty="0"/>
+              <a:t>, с подкрепата на </a:t>
+            </a:r>
+            <a:r>
+              <a:rPr lang="en-US" sz="1100" dirty="0">
                 <a:hlinkClick r:id="rId3"/>
               </a:rPr>
-              <a:t>https://softuni.org</a:t>
-            </a:r>
-            <a:r>
-              <a:rPr lang="en-US" dirty="0"/>
-              <a:t>. Copyrighted document. Unauthorized copy or reproduction is not permitted.</a:t>
-            </a:r>
+              <a:t>SoftUni</a:t>
+            </a:r>
+            <a:endParaRPr lang="en-US" sz="1100" dirty="0"/>
           </a:p>
         </p:txBody>
       </p:sp>
     </p:spTree>
     <p:extLst>
       <p:ext uri="{BB962C8B-B14F-4D97-AF65-F5344CB8AC3E}">
-        <p14:creationId xmlns:p14="http://schemas.microsoft.com/office/powerpoint/2010/main" val="1179163544"/>
+        <p14:creationId xmlns:p14="http://schemas.microsoft.com/office/powerpoint/2010/main" val="2403995750"/>
       </p:ext>
     </p:extLst>
   </p:cSld>
@@ -3074,10 +3134,10 @@
       </p:sp>
       <p:sp>
         <p:nvSpPr>
-          <p:cNvPr id="10" name="Footer Placeholder 7">
+          <p:cNvPr id="2" name="Footer Placeholder 7">
             <a:extLst>
               <a:ext uri="{FF2B5EF4-FFF2-40B4-BE49-F238E27FC236}">
-                <a16:creationId xmlns:a16="http://schemas.microsoft.com/office/drawing/2014/main" id="{43ABAE43-8726-4381-8387-00F83BD03A52}"/>
+                <a16:creationId xmlns:a16="http://schemas.microsoft.com/office/drawing/2014/main" id="{F8079133-1981-917D-1ADD-DD79B951CF16}"/>
               </a:ext>
             </a:extLst>
           </p:cNvPr>
@@ -3090,8 +3150,8 @@
         </p:nvSpPr>
         <p:spPr>
           <a:xfrm>
-            <a:off x="-1" y="8847000"/>
-            <a:ext cx="6488999" cy="297000"/>
+            <a:off x="-1" y="8892000"/>
+            <a:ext cx="6488999" cy="252000"/>
           </a:xfrm>
           <a:prstGeom prst="rect">
             <a:avLst/>
@@ -3106,26 +3166,31 @@
           </a:lstStyle>
           <a:p>
             <a:r>
-              <a:rPr lang="en-US" dirty="0"/>
-              <a:t>© SoftUni – </a:t>
-            </a:r>
-            <a:r>
-              <a:rPr lang="en-US" u="sng" dirty="0">
+              <a:rPr lang="bg-BG" sz="1100" dirty="0"/>
+              <a:t>Работна група </a:t>
+            </a:r>
+            <a:r>
+              <a:rPr lang="bg-BG" dirty="0"/>
+              <a:t>"Образование по програмиране и ИТ"</a:t>
+            </a:r>
+            <a:r>
+              <a:rPr lang="bg-BG" sz="1100" dirty="0"/>
+              <a:t>, с подкрепата на </a:t>
+            </a:r>
+            <a:r>
+              <a:rPr lang="en-US" sz="1100" dirty="0">
                 <a:hlinkClick r:id="rId3"/>
               </a:rPr>
-              <a:t>https://softuni.org</a:t>
-            </a:r>
-            <a:r>
-              <a:rPr lang="en-US" dirty="0"/>
-              <a:t>. Copyrighted document. Unauthorized copy or reproduction is not permitted.</a:t>
-            </a:r>
+              <a:t>SoftUni</a:t>
+            </a:r>
+            <a:endParaRPr lang="en-US" sz="1100" dirty="0"/>
           </a:p>
         </p:txBody>
       </p:sp>
     </p:spTree>
     <p:extLst>
       <p:ext uri="{BB962C8B-B14F-4D97-AF65-F5344CB8AC3E}">
-        <p14:creationId xmlns:p14="http://schemas.microsoft.com/office/powerpoint/2010/main" val="97690610"/>
+        <p14:creationId xmlns:p14="http://schemas.microsoft.com/office/powerpoint/2010/main" val="1596983062"/>
       </p:ext>
     </p:extLst>
   </p:cSld>
@@ -3344,10 +3409,10 @@
       </p:sp>
       <p:sp>
         <p:nvSpPr>
-          <p:cNvPr id="10" name="Footer Placeholder 7">
+          <p:cNvPr id="2" name="Footer Placeholder 7">
             <a:extLst>
               <a:ext uri="{FF2B5EF4-FFF2-40B4-BE49-F238E27FC236}">
-                <a16:creationId xmlns:a16="http://schemas.microsoft.com/office/drawing/2014/main" id="{7A3B8F68-DA96-4D93-8BB6-44F2798CFB24}"/>
+                <a16:creationId xmlns:a16="http://schemas.microsoft.com/office/drawing/2014/main" id="{DB4202D2-157A-DD70-ADBB-AB5BEE1ECE23}"/>
               </a:ext>
             </a:extLst>
           </p:cNvPr>
@@ -3360,8 +3425,8 @@
         </p:nvSpPr>
         <p:spPr>
           <a:xfrm>
-            <a:off x="-1" y="8847000"/>
-            <a:ext cx="6488999" cy="297000"/>
+            <a:off x="-1" y="8892000"/>
+            <a:ext cx="6488999" cy="252000"/>
           </a:xfrm>
           <a:prstGeom prst="rect">
             <a:avLst/>
@@ -3376,26 +3441,31 @@
           </a:lstStyle>
           <a:p>
             <a:r>
-              <a:rPr lang="en-US" dirty="0"/>
-              <a:t>© SoftUni – </a:t>
-            </a:r>
-            <a:r>
-              <a:rPr lang="en-US" u="sng" dirty="0">
+              <a:rPr lang="bg-BG" sz="1100" dirty="0"/>
+              <a:t>Работна група </a:t>
+            </a:r>
+            <a:r>
+              <a:rPr lang="bg-BG" dirty="0"/>
+              <a:t>"Образование по програмиране и ИТ"</a:t>
+            </a:r>
+            <a:r>
+              <a:rPr lang="bg-BG" sz="1100" dirty="0"/>
+              <a:t>, с подкрепата на </a:t>
+            </a:r>
+            <a:r>
+              <a:rPr lang="en-US" sz="1100" dirty="0">
                 <a:hlinkClick r:id="rId3"/>
               </a:rPr>
-              <a:t>https://softuni.org</a:t>
-            </a:r>
-            <a:r>
-              <a:rPr lang="en-US" dirty="0"/>
-              <a:t>. Copyrighted document. Unauthorized copy or reproduction is not permitted.</a:t>
-            </a:r>
+              <a:t>SoftUni</a:t>
+            </a:r>
+            <a:endParaRPr lang="en-US" sz="1100" dirty="0"/>
           </a:p>
         </p:txBody>
       </p:sp>
     </p:spTree>
     <p:extLst>
       <p:ext uri="{BB962C8B-B14F-4D97-AF65-F5344CB8AC3E}">
-        <p14:creationId xmlns:p14="http://schemas.microsoft.com/office/powerpoint/2010/main" val="2073227723"/>
+        <p14:creationId xmlns:p14="http://schemas.microsoft.com/office/powerpoint/2010/main" val="3265899811"/>
       </p:ext>
     </p:extLst>
   </p:cSld>
@@ -3479,10 +3549,10 @@
       </p:sp>
       <p:sp>
         <p:nvSpPr>
-          <p:cNvPr id="6" name="Footer Placeholder 7">
+          <p:cNvPr id="4" name="Footer Placeholder 7">
             <a:extLst>
               <a:ext uri="{FF2B5EF4-FFF2-40B4-BE49-F238E27FC236}">
-                <a16:creationId xmlns:a16="http://schemas.microsoft.com/office/drawing/2014/main" id="{7615004F-EAD0-4523-BF1B-B43BEF34C061}"/>
+                <a16:creationId xmlns:a16="http://schemas.microsoft.com/office/drawing/2014/main" id="{AB07452B-4609-5F0D-6A8F-AE92B8AC7B6A}"/>
               </a:ext>
             </a:extLst>
           </p:cNvPr>
@@ -3495,8 +3565,8 @@
         </p:nvSpPr>
         <p:spPr>
           <a:xfrm>
-            <a:off x="-1" y="8847000"/>
-            <a:ext cx="6488999" cy="297000"/>
+            <a:off x="-1" y="8892000"/>
+            <a:ext cx="6488999" cy="252000"/>
           </a:xfrm>
           <a:prstGeom prst="rect">
             <a:avLst/>
@@ -3511,26 +3581,31 @@
           </a:lstStyle>
           <a:p>
             <a:r>
-              <a:rPr lang="en-US" dirty="0"/>
-              <a:t>© SoftUni – </a:t>
-            </a:r>
-            <a:r>
-              <a:rPr lang="en-US" u="sng" dirty="0">
+              <a:rPr lang="bg-BG" sz="1100" dirty="0"/>
+              <a:t>Работна група </a:t>
+            </a:r>
+            <a:r>
+              <a:rPr lang="bg-BG" dirty="0"/>
+              <a:t>"Образование по програмиране и ИТ"</a:t>
+            </a:r>
+            <a:r>
+              <a:rPr lang="bg-BG" sz="1100" dirty="0"/>
+              <a:t>, с подкрепата на </a:t>
+            </a:r>
+            <a:r>
+              <a:rPr lang="en-US" sz="1100" dirty="0">
                 <a:hlinkClick r:id="rId3"/>
               </a:rPr>
-              <a:t>https://softuni.org</a:t>
-            </a:r>
-            <a:r>
-              <a:rPr lang="en-US" dirty="0"/>
-              <a:t>. Copyrighted document. Unauthorized copy or reproduction is not permitted.</a:t>
-            </a:r>
+              <a:t>SoftUni</a:t>
+            </a:r>
+            <a:endParaRPr lang="en-US" sz="1100" dirty="0"/>
           </a:p>
         </p:txBody>
       </p:sp>
     </p:spTree>
     <p:extLst>
       <p:ext uri="{BB962C8B-B14F-4D97-AF65-F5344CB8AC3E}">
-        <p14:creationId xmlns:p14="http://schemas.microsoft.com/office/powerpoint/2010/main" val="1763646679"/>
+        <p14:creationId xmlns:p14="http://schemas.microsoft.com/office/powerpoint/2010/main" val="2140393801"/>
       </p:ext>
     </p:extLst>
   </p:cSld>
@@ -3614,10 +3689,10 @@
       </p:sp>
       <p:sp>
         <p:nvSpPr>
-          <p:cNvPr id="6" name="Footer Placeholder 7">
+          <p:cNvPr id="4" name="Footer Placeholder 7">
             <a:extLst>
               <a:ext uri="{FF2B5EF4-FFF2-40B4-BE49-F238E27FC236}">
-                <a16:creationId xmlns:a16="http://schemas.microsoft.com/office/drawing/2014/main" id="{7615004F-EAD0-4523-BF1B-B43BEF34C061}"/>
+                <a16:creationId xmlns:a16="http://schemas.microsoft.com/office/drawing/2014/main" id="{0CB7BEF7-6A10-1543-B0CD-398E15761B6C}"/>
               </a:ext>
             </a:extLst>
           </p:cNvPr>
@@ -3630,8 +3705,8 @@
         </p:nvSpPr>
         <p:spPr>
           <a:xfrm>
-            <a:off x="-1" y="8847000"/>
-            <a:ext cx="6488999" cy="297000"/>
+            <a:off x="-1" y="8892000"/>
+            <a:ext cx="6488999" cy="252000"/>
           </a:xfrm>
           <a:prstGeom prst="rect">
             <a:avLst/>
@@ -3646,26 +3721,31 @@
           </a:lstStyle>
           <a:p>
             <a:r>
-              <a:rPr lang="en-US" dirty="0"/>
-              <a:t>© SoftUni – </a:t>
-            </a:r>
-            <a:r>
-              <a:rPr lang="en-US" u="sng" dirty="0">
+              <a:rPr lang="bg-BG" sz="1100" dirty="0"/>
+              <a:t>Работна група </a:t>
+            </a:r>
+            <a:r>
+              <a:rPr lang="bg-BG" dirty="0"/>
+              <a:t>"Образование по програмиране и ИТ"</a:t>
+            </a:r>
+            <a:r>
+              <a:rPr lang="bg-BG" sz="1100" dirty="0"/>
+              <a:t>, с подкрепата на </a:t>
+            </a:r>
+            <a:r>
+              <a:rPr lang="en-US" sz="1100" dirty="0">
                 <a:hlinkClick r:id="rId3"/>
               </a:rPr>
-              <a:t>https://softuni.org</a:t>
-            </a:r>
-            <a:r>
-              <a:rPr lang="en-US" dirty="0"/>
-              <a:t>. Copyrighted document. Unauthorized copy or reproduction is not permitted.</a:t>
-            </a:r>
+              <a:t>SoftUni</a:t>
+            </a:r>
+            <a:endParaRPr lang="en-US" sz="1100" dirty="0"/>
           </a:p>
         </p:txBody>
       </p:sp>
     </p:spTree>
     <p:extLst>
       <p:ext uri="{BB962C8B-B14F-4D97-AF65-F5344CB8AC3E}">
-        <p14:creationId xmlns:p14="http://schemas.microsoft.com/office/powerpoint/2010/main" val="1420532948"/>
+        <p14:creationId xmlns:p14="http://schemas.microsoft.com/office/powerpoint/2010/main" val="2880102502"/>
       </p:ext>
     </p:extLst>
   </p:cSld>
@@ -3749,10 +3829,10 @@
       </p:sp>
       <p:sp>
         <p:nvSpPr>
-          <p:cNvPr id="6" name="Footer Placeholder 7">
+          <p:cNvPr id="4" name="Footer Placeholder 7">
             <a:extLst>
               <a:ext uri="{FF2B5EF4-FFF2-40B4-BE49-F238E27FC236}">
-                <a16:creationId xmlns:a16="http://schemas.microsoft.com/office/drawing/2014/main" id="{75A4E7A0-FEE2-42C2-A689-4B3992BCE1E0}"/>
+                <a16:creationId xmlns:a16="http://schemas.microsoft.com/office/drawing/2014/main" id="{AB2F5006-F5EB-9B2D-1BC6-8798E4698531}"/>
               </a:ext>
             </a:extLst>
           </p:cNvPr>
@@ -3765,8 +3845,8 @@
         </p:nvSpPr>
         <p:spPr>
           <a:xfrm>
-            <a:off x="-1" y="8847000"/>
-            <a:ext cx="6488999" cy="297000"/>
+            <a:off x="-1" y="8892000"/>
+            <a:ext cx="6488999" cy="252000"/>
           </a:xfrm>
           <a:prstGeom prst="rect">
             <a:avLst/>
@@ -3781,26 +3861,31 @@
           </a:lstStyle>
           <a:p>
             <a:r>
-              <a:rPr lang="en-US" dirty="0"/>
-              <a:t>© SoftUni – </a:t>
-            </a:r>
-            <a:r>
-              <a:rPr lang="en-US" u="sng" dirty="0">
+              <a:rPr lang="bg-BG" sz="1100" dirty="0"/>
+              <a:t>Работна група </a:t>
+            </a:r>
+            <a:r>
+              <a:rPr lang="bg-BG" dirty="0"/>
+              <a:t>"Образование по програмиране и ИТ"</a:t>
+            </a:r>
+            <a:r>
+              <a:rPr lang="bg-BG" sz="1100" dirty="0"/>
+              <a:t>, с подкрепата на </a:t>
+            </a:r>
+            <a:r>
+              <a:rPr lang="en-US" sz="1100" dirty="0">
                 <a:hlinkClick r:id="rId3"/>
               </a:rPr>
-              <a:t>https://softuni.org</a:t>
-            </a:r>
-            <a:r>
-              <a:rPr lang="en-US" dirty="0"/>
-              <a:t>. Copyrighted document. Unauthorized copy or reproduction is not permitted.</a:t>
-            </a:r>
+              <a:t>SoftUni</a:t>
+            </a:r>
+            <a:endParaRPr lang="en-US" sz="1100" dirty="0"/>
           </a:p>
         </p:txBody>
       </p:sp>
     </p:spTree>
     <p:extLst>
       <p:ext uri="{BB962C8B-B14F-4D97-AF65-F5344CB8AC3E}">
-        <p14:creationId xmlns:p14="http://schemas.microsoft.com/office/powerpoint/2010/main" val="2866178310"/>
+        <p14:creationId xmlns:p14="http://schemas.microsoft.com/office/powerpoint/2010/main" val="1791534592"/>
       </p:ext>
     </p:extLst>
   </p:cSld>
@@ -3811,7 +3896,7 @@
 </file>
 
 <file path=ppt/slideLayouts/slideLayout1.xml><?xml version="1.0" encoding="utf-8"?>
-<p:sldLayout xmlns:a="http://schemas.openxmlformats.org/drawingml/2006/main" xmlns:r="http://schemas.openxmlformats.org/officeDocument/2006/relationships" xmlns:p="http://schemas.openxmlformats.org/presentationml/2006/main" preserve="1">
+<p:sldLayout xmlns:a="http://schemas.openxmlformats.org/drawingml/2006/main" xmlns:r="http://schemas.openxmlformats.org/officeDocument/2006/relationships" xmlns:p="http://schemas.openxmlformats.org/presentationml/2006/main" preserve="1" userDrawn="1">
   <p:cSld name="Presentation Title Slide">
     <p:spTree>
       <p:nvGrpSpPr>
@@ -3837,7 +3922,7 @@
             </a:extLst>
           </p:cNvPr>
           <p:cNvSpPr/>
-          <p:nvPr/>
+          <p:nvPr userDrawn="1"/>
         </p:nvSpPr>
         <p:spPr>
           <a:xfrm>
@@ -3891,7 +3976,7 @@
               <a:tabLst/>
               <a:defRPr/>
             </a:pPr>
-            <a:endParaRPr kumimoji="0" lang="en-US" altLang="ko-KR" sz="2398" b="0" i="0" u="none" strike="noStrike" kern="1200" cap="none" spc="0" normalizeH="0" baseline="0" noProof="0" dirty="0">
+            <a:endParaRPr kumimoji="0" lang="en-US" altLang="ko-KR" sz="2398" b="0" i="0" u="none" strike="noStrike" kern="1200" cap="none" spc="0" normalizeH="0" baseline="0" noProof="0">
               <a:ln>
                 <a:noFill/>
               </a:ln>
@@ -3908,378 +3993,6 @@
           </a:p>
         </p:txBody>
       </p:sp>
-      <p:pic>
-        <p:nvPicPr>
-          <p:cNvPr id="14" name="Picture Logo SoftUni" descr="SoftUni logo">
-            <a:extLst>
-              <a:ext uri="{FF2B5EF4-FFF2-40B4-BE49-F238E27FC236}">
-                <a16:creationId xmlns:a16="http://schemas.microsoft.com/office/drawing/2014/main" id="{C4D6B2A2-DFF0-4712-BFEC-6676BEC99FEC}"/>
-              </a:ext>
-            </a:extLst>
-          </p:cNvPr>
-          <p:cNvPicPr>
-            <a:picLocks noChangeAspect="1"/>
-          </p:cNvPicPr>
-          <p:nvPr userDrawn="1"/>
-        </p:nvPicPr>
-        <p:blipFill>
-          <a:blip r:embed="rId2">
-            <a:clrChange>
-              <a:clrFrom>
-                <a:srgbClr val="FFFFFF"/>
-              </a:clrFrom>
-              <a:clrTo>
-                <a:srgbClr val="FFFFFF">
-                  <a:alpha val="0"/>
-                </a:srgbClr>
-              </a:clrTo>
-            </a:clrChange>
-            <a:extLst>
-              <a:ext uri="{28A0092B-C50C-407E-A947-70E740481C1C}">
-                <a14:useLocalDpi xmlns:a14="http://schemas.microsoft.com/office/drawing/2010/main" val="0"/>
-              </a:ext>
-            </a:extLst>
-          </a:blip>
-          <a:stretch>
-            <a:fillRect/>
-          </a:stretch>
-        </p:blipFill>
-        <p:spPr>
-          <a:xfrm>
-            <a:off x="4324460" y="5184000"/>
-            <a:ext cx="3751540" cy="1297655"/>
-          </a:xfrm>
-          <a:prstGeom prst="rect">
-            <a:avLst/>
-          </a:prstGeom>
-        </p:spPr>
-      </p:pic>
-      <p:sp>
-        <p:nvSpPr>
-          <p:cNvPr id="31" name="Text Placeholder Company Site">
-            <a:extLst>
-              <a:ext uri="{FF2B5EF4-FFF2-40B4-BE49-F238E27FC236}">
-                <a16:creationId xmlns:a16="http://schemas.microsoft.com/office/drawing/2014/main" id="{3E6B87B7-9D33-4EBB-BD4F-C0436BA3FD72}"/>
-              </a:ext>
-            </a:extLst>
-          </p:cNvPr>
-          <p:cNvSpPr>
-            <a:spLocks noGrp="1"/>
-          </p:cNvSpPr>
-          <p:nvPr>
-            <p:ph type="body" sz="quarter" idx="18" hasCustomPrompt="1"/>
-          </p:nvPr>
-        </p:nvSpPr>
-        <p:spPr bwMode="auto">
-          <a:xfrm>
-            <a:off x="8708505" y="6130863"/>
-            <a:ext cx="2951518" cy="341556"/>
-          </a:xfrm>
-          <a:prstGeom prst="rect">
-            <a:avLst/>
-          </a:prstGeom>
-          <a:noFill/>
-          <a:effectLst/>
-        </p:spPr>
-        <p:txBody>
-          <a:bodyPr wrap="square" lIns="36000" tIns="36000" rIns="36000" bIns="36000" rtlCol="0" anchor="ctr" anchorCtr="0">
-            <a:noAutofit/>
-          </a:bodyPr>
-          <a:lstStyle>
-            <a:lvl1pPr marL="0" indent="0" algn="r" rtl="0" fontAlgn="base" latinLnBrk="0">
-              <a:spcBef>
-                <a:spcPct val="0"/>
-              </a:spcBef>
-              <a:spcAft>
-                <a:spcPct val="0"/>
-              </a:spcAft>
-              <a:buNone/>
-              <a:defRPr lang="en-US" sz="1798" b="1" kern="1200" dirty="0" smtClean="0">
-                <a:solidFill>
-                  <a:schemeClr val="tx1">
-                    <a:lumMod val="75000"/>
-                  </a:schemeClr>
-                </a:solidFill>
-                <a:effectLst/>
-                <a:latin typeface="+mn-lt"/>
-                <a:ea typeface="+mn-ea"/>
-                <a:cs typeface="+mn-cs"/>
-              </a:defRPr>
-            </a:lvl1pPr>
-          </a:lstStyle>
-          <a:p>
-            <a:pPr lvl="0"/>
-            <a:r>
-              <a:rPr lang="en-US" noProof="0" dirty="0"/>
-              <a:t>Company Web Site</a:t>
-            </a:r>
-          </a:p>
-        </p:txBody>
-      </p:sp>
-      <p:sp>
-        <p:nvSpPr>
-          <p:cNvPr id="30" name="Text Placeholder Company Name">
-            <a:extLst>
-              <a:ext uri="{FF2B5EF4-FFF2-40B4-BE49-F238E27FC236}">
-                <a16:creationId xmlns:a16="http://schemas.microsoft.com/office/drawing/2014/main" id="{2EA92DCA-4DB5-4D03-ACD3-A6A296592D0C}"/>
-              </a:ext>
-            </a:extLst>
-          </p:cNvPr>
-          <p:cNvSpPr>
-            <a:spLocks noGrp="1"/>
-          </p:cNvSpPr>
-          <p:nvPr>
-            <p:ph type="body" sz="quarter" idx="17" hasCustomPrompt="1"/>
-          </p:nvPr>
-        </p:nvSpPr>
-        <p:spPr bwMode="auto">
-          <a:xfrm>
-            <a:off x="8708505" y="5756628"/>
-            <a:ext cx="2951518" cy="367080"/>
-          </a:xfrm>
-          <a:prstGeom prst="rect">
-            <a:avLst/>
-          </a:prstGeom>
-          <a:noFill/>
-          <a:effectLst/>
-        </p:spPr>
-        <p:txBody>
-          <a:bodyPr wrap="square" lIns="36000" tIns="36000" rIns="36000" bIns="36000" rtlCol="0" anchor="ctr" anchorCtr="0">
-            <a:noAutofit/>
-          </a:bodyPr>
-          <a:lstStyle>
-            <a:lvl1pPr marL="0" indent="0" algn="r" rtl="0" fontAlgn="base" latinLnBrk="0">
-              <a:spcBef>
-                <a:spcPct val="0"/>
-              </a:spcBef>
-              <a:spcAft>
-                <a:spcPct val="0"/>
-              </a:spcAft>
-              <a:buNone/>
-              <a:defRPr lang="en-US" sz="1998" b="1" kern="1200" dirty="0" smtClean="0">
-                <a:solidFill>
-                  <a:schemeClr val="tx1">
-                    <a:lumMod val="75000"/>
-                  </a:schemeClr>
-                </a:solidFill>
-                <a:effectLst/>
-                <a:latin typeface="+mn-lt"/>
-                <a:ea typeface="+mn-ea"/>
-                <a:cs typeface="+mn-cs"/>
-              </a:defRPr>
-            </a:lvl1pPr>
-          </a:lstStyle>
-          <a:p>
-            <a:pPr lvl="0"/>
-            <a:r>
-              <a:rPr lang="en-US" noProof="0" dirty="0"/>
-              <a:t>Company Name</a:t>
-            </a:r>
-          </a:p>
-        </p:txBody>
-      </p:sp>
-      <p:pic>
-        <p:nvPicPr>
-          <p:cNvPr id="35" name="Picture SoftUni Mascot" descr="SoftUni mascot">
-            <a:extLst>
-              <a:ext uri="{FF2B5EF4-FFF2-40B4-BE49-F238E27FC236}">
-                <a16:creationId xmlns:a16="http://schemas.microsoft.com/office/drawing/2014/main" id="{951E7DA9-C5F0-43D9-B013-3BDF9EEF029D}"/>
-              </a:ext>
-            </a:extLst>
-          </p:cNvPr>
-          <p:cNvPicPr>
-            <a:picLocks noChangeAspect="1"/>
-          </p:cNvPicPr>
-          <p:nvPr/>
-        </p:nvPicPr>
-        <p:blipFill rotWithShape="1">
-          <a:blip r:embed="rId3" cstate="print">
-            <a:extLst>
-              <a:ext uri="{28A0092B-C50C-407E-A947-70E740481C1C}">
-                <a14:useLocalDpi xmlns:a14="http://schemas.microsoft.com/office/drawing/2010/main" val="0"/>
-              </a:ext>
-            </a:extLst>
-          </a:blip>
-          <a:srcRect/>
-          <a:stretch/>
-        </p:blipFill>
-        <p:spPr>
-          <a:xfrm flipH="1">
-            <a:off x="8848924" y="2609644"/>
-            <a:ext cx="2788893" cy="3018284"/>
-          </a:xfrm>
-          <a:prstGeom prst="rect">
-            <a:avLst/>
-          </a:prstGeom>
-        </p:spPr>
-      </p:pic>
-      <p:pic>
-        <p:nvPicPr>
-          <p:cNvPr id="22" name="Picture Logo Software University" descr="Software University logo">
-            <a:hlinkClick r:id="rId4"/>
-            <a:extLst>
-              <a:ext uri="{FF2B5EF4-FFF2-40B4-BE49-F238E27FC236}">
-                <a16:creationId xmlns:a16="http://schemas.microsoft.com/office/drawing/2014/main" id="{F2315EB3-3FE4-4D3B-921E-5F209CEC13CB}"/>
-              </a:ext>
-            </a:extLst>
-          </p:cNvPr>
-          <p:cNvPicPr>
-            <a:picLocks noChangeAspect="1"/>
-          </p:cNvPicPr>
-          <p:nvPr userDrawn="1"/>
-        </p:nvPicPr>
-        <p:blipFill>
-          <a:blip r:embed="rId5">
-            <a:clrChange>
-              <a:clrFrom>
-                <a:srgbClr val="FFFFFF"/>
-              </a:clrFrom>
-              <a:clrTo>
-                <a:srgbClr val="FFFFFF">
-                  <a:alpha val="0"/>
-                </a:srgbClr>
-              </a:clrTo>
-            </a:clrChange>
-            <a:extLst>
-              <a:ext uri="{28A0092B-C50C-407E-A947-70E740481C1C}">
-                <a14:useLocalDpi xmlns:a14="http://schemas.microsoft.com/office/drawing/2010/main" val="0"/>
-              </a:ext>
-            </a:extLst>
-          </a:blip>
-          <a:stretch>
-            <a:fillRect/>
-          </a:stretch>
-        </p:blipFill>
-        <p:spPr>
-          <a:xfrm>
-            <a:off x="507944" y="5918567"/>
-            <a:ext cx="1830305" cy="628159"/>
-          </a:xfrm>
-          <a:prstGeom prst="rect">
-            <a:avLst/>
-          </a:prstGeom>
-        </p:spPr>
-      </p:pic>
-      <p:sp>
-        <p:nvSpPr>
-          <p:cNvPr id="40" name="Text Placeholder Author Position">
-            <a:extLst>
-              <a:ext uri="{FF2B5EF4-FFF2-40B4-BE49-F238E27FC236}">
-                <a16:creationId xmlns:a16="http://schemas.microsoft.com/office/drawing/2014/main" id="{CD940256-851E-46C8-8BFB-A5ECA6C7DA07}"/>
-              </a:ext>
-            </a:extLst>
-          </p:cNvPr>
-          <p:cNvSpPr>
-            <a:spLocks noGrp="1"/>
-          </p:cNvSpPr>
-          <p:nvPr>
-            <p:ph type="body" sz="quarter" idx="20" hasCustomPrompt="1"/>
-          </p:nvPr>
-        </p:nvSpPr>
-        <p:spPr bwMode="auto">
-          <a:xfrm>
-            <a:off x="553082" y="5344180"/>
-            <a:ext cx="2980696" cy="444793"/>
-          </a:xfrm>
-          <a:prstGeom prst="rect">
-            <a:avLst/>
-          </a:prstGeom>
-          <a:noFill/>
-          <a:effectLst/>
-        </p:spPr>
-        <p:txBody>
-          <a:bodyPr wrap="square" lIns="36000" tIns="36000" rIns="36000" bIns="36000" rtlCol="0" anchor="ctr" anchorCtr="0">
-            <a:spAutoFit/>
-          </a:bodyPr>
-          <a:lstStyle>
-            <a:lvl1pPr marL="0" indent="0" algn="l" rtl="0" fontAlgn="base" latinLnBrk="0">
-              <a:spcBef>
-                <a:spcPct val="0"/>
-              </a:spcBef>
-              <a:spcAft>
-                <a:spcPct val="0"/>
-              </a:spcAft>
-              <a:buNone/>
-              <a:defRPr lang="en-US" sz="2398" b="1" kern="1200" dirty="0" smtClean="0">
-                <a:solidFill>
-                  <a:schemeClr val="tx1"/>
-                </a:solidFill>
-                <a:effectLst/>
-                <a:latin typeface="+mn-lt"/>
-                <a:ea typeface="+mn-ea"/>
-                <a:cs typeface="+mn-cs"/>
-              </a:defRPr>
-            </a:lvl1pPr>
-          </a:lstStyle>
-          <a:p>
-            <a:pPr lvl="0"/>
-            <a:r>
-              <a:rPr lang="en-US" noProof="0" dirty="0"/>
-              <a:t>Position</a:t>
-            </a:r>
-          </a:p>
-        </p:txBody>
-      </p:sp>
-      <p:sp>
-        <p:nvSpPr>
-          <p:cNvPr id="36" name="Text Placeholder Author Name">
-            <a:extLst>
-              <a:ext uri="{FF2B5EF4-FFF2-40B4-BE49-F238E27FC236}">
-                <a16:creationId xmlns:a16="http://schemas.microsoft.com/office/drawing/2014/main" id="{3B21F47B-DE1F-442D-A2B7-6866F8786704}"/>
-              </a:ext>
-            </a:extLst>
-          </p:cNvPr>
-          <p:cNvSpPr>
-            <a:spLocks noGrp="1"/>
-          </p:cNvSpPr>
-          <p:nvPr>
-            <p:ph type="body" sz="quarter" idx="19" hasCustomPrompt="1"/>
-          </p:nvPr>
-        </p:nvSpPr>
-        <p:spPr bwMode="auto">
-          <a:xfrm>
-            <a:off x="553082" y="4851838"/>
-            <a:ext cx="2980696" cy="454398"/>
-          </a:xfrm>
-          <a:prstGeom prst="rect">
-            <a:avLst/>
-          </a:prstGeom>
-          <a:noFill/>
-          <a:effectLst/>
-        </p:spPr>
-        <p:txBody>
-          <a:bodyPr wrap="square" lIns="36000" tIns="36000" rIns="36000" bIns="36000" rtlCol="0" anchor="ctr" anchorCtr="0">
-            <a:noAutofit/>
-          </a:bodyPr>
-          <a:lstStyle>
-            <a:lvl1pPr marL="0" indent="0" algn="l" rtl="0" fontAlgn="base" latinLnBrk="0">
-              <a:spcBef>
-                <a:spcPct val="0"/>
-              </a:spcBef>
-              <a:spcAft>
-                <a:spcPct val="0"/>
-              </a:spcAft>
-              <a:buNone/>
-              <a:defRPr lang="en-US" sz="2798" b="1" kern="1200" dirty="0" smtClean="0">
-                <a:solidFill>
-                  <a:schemeClr val="tx1"/>
-                </a:solidFill>
-                <a:effectLst/>
-                <a:latin typeface="+mn-lt"/>
-                <a:ea typeface="+mn-ea"/>
-                <a:cs typeface="+mn-cs"/>
-              </a:defRPr>
-            </a:lvl1pPr>
-          </a:lstStyle>
-          <a:p>
-            <a:pPr lvl="0"/>
-            <a:r>
-              <a:rPr lang="en-US" noProof="0" dirty="0"/>
-              <a:t>Author Name</a:t>
-            </a:r>
-          </a:p>
-        </p:txBody>
-      </p:sp>
       <p:sp>
         <p:nvSpPr>
           <p:cNvPr id="33" name="Picture Placeholder Title Image">
@@ -4298,8 +4011,8 @@
         </p:nvSpPr>
         <p:spPr>
           <a:xfrm>
-            <a:off x="553082" y="2740913"/>
-            <a:ext cx="4642919" cy="1936503"/>
+            <a:off x="6390123" y="3400017"/>
+            <a:ext cx="5248260" cy="2188983"/>
           </a:xfrm>
         </p:spPr>
         <p:txBody>
@@ -4318,6 +4031,218 @@
             <a:r>
               <a:rPr lang="en-US" noProof="0" dirty="0"/>
               <a:t>Click icon to add picture</a:t>
+            </a:r>
+          </a:p>
+        </p:txBody>
+      </p:sp>
+      <p:sp>
+        <p:nvSpPr>
+          <p:cNvPr id="10" name="Company Web Site">
+            <a:extLst>
+              <a:ext uri="{FF2B5EF4-FFF2-40B4-BE49-F238E27FC236}">
+                <a16:creationId xmlns:a16="http://schemas.microsoft.com/office/drawing/2014/main" id="{0B99B1EE-62FA-4AA4-920C-D444D6C0B778}"/>
+              </a:ext>
+            </a:extLst>
+          </p:cNvPr>
+          <p:cNvSpPr>
+            <a:spLocks noGrp="1"/>
+          </p:cNvSpPr>
+          <p:nvPr>
+            <p:ph type="body" sz="quarter" idx="22" hasCustomPrompt="1"/>
+          </p:nvPr>
+        </p:nvSpPr>
+        <p:spPr>
+          <a:xfrm>
+            <a:off x="6390120" y="6086106"/>
+            <a:ext cx="5248260" cy="341313"/>
+          </a:xfrm>
+        </p:spPr>
+        <p:txBody>
+          <a:bodyPr lIns="36000" rIns="36000" anchor="ctr" anchorCtr="0">
+            <a:noAutofit/>
+          </a:bodyPr>
+          <a:lstStyle>
+            <a:lvl1pPr marL="0" indent="0" algn="r">
+              <a:buNone/>
+              <a:defRPr sz="1800"/>
+            </a:lvl1pPr>
+          </a:lstStyle>
+          <a:p>
+            <a:pPr lvl="0"/>
+            <a:r>
+              <a:rPr lang="en-US" dirty="0"/>
+              <a:t>https://softuni.foundation  </a:t>
+            </a:r>
+          </a:p>
+        </p:txBody>
+      </p:sp>
+      <p:sp>
+        <p:nvSpPr>
+          <p:cNvPr id="6" name="Company Name">
+            <a:extLst>
+              <a:ext uri="{FF2B5EF4-FFF2-40B4-BE49-F238E27FC236}">
+                <a16:creationId xmlns:a16="http://schemas.microsoft.com/office/drawing/2014/main" id="{2A76510A-0BAE-A827-E77C-BE88E38F52AA}"/>
+              </a:ext>
+            </a:extLst>
+          </p:cNvPr>
+          <p:cNvSpPr>
+            <a:spLocks noGrp="1"/>
+          </p:cNvSpPr>
+          <p:nvPr>
+            <p:ph type="body" sz="quarter" idx="21" hasCustomPrompt="1"/>
+          </p:nvPr>
+        </p:nvSpPr>
+        <p:spPr>
+          <a:xfrm>
+            <a:off x="6390122" y="5698189"/>
+            <a:ext cx="5248260" cy="374236"/>
+          </a:xfrm>
+        </p:spPr>
+        <p:txBody>
+          <a:bodyPr lIns="36000" rIns="36000" anchor="ctr" anchorCtr="0">
+            <a:normAutofit/>
+          </a:bodyPr>
+          <a:lstStyle>
+            <a:lvl1pPr marL="0" indent="0" algn="r">
+              <a:buNone/>
+              <a:defRPr sz="2000" b="1">
+                <a:solidFill>
+                  <a:schemeClr val="tx1">
+                    <a:lumMod val="75000"/>
+                  </a:schemeClr>
+                </a:solidFill>
+              </a:defRPr>
+            </a:lvl1pPr>
+          </a:lstStyle>
+          <a:p>
+            <a:pPr lvl="0"/>
+            <a:r>
+              <a:rPr lang="en-US" dirty="0"/>
+              <a:t>SoftUni Foundation</a:t>
+            </a:r>
+          </a:p>
+        </p:txBody>
+      </p:sp>
+      <p:sp>
+        <p:nvSpPr>
+          <p:cNvPr id="31" name="Author Position">
+            <a:extLst>
+              <a:ext uri="{FF2B5EF4-FFF2-40B4-BE49-F238E27FC236}">
+                <a16:creationId xmlns:a16="http://schemas.microsoft.com/office/drawing/2014/main" id="{3E6B87B7-9D33-4EBB-BD4F-C0436BA3FD72}"/>
+              </a:ext>
+            </a:extLst>
+          </p:cNvPr>
+          <p:cNvSpPr>
+            <a:spLocks noGrp="1"/>
+          </p:cNvSpPr>
+          <p:nvPr>
+            <p:ph type="body" sz="quarter" idx="18" hasCustomPrompt="1"/>
+          </p:nvPr>
+        </p:nvSpPr>
+        <p:spPr bwMode="auto">
+          <a:xfrm>
+            <a:off x="534045" y="6085863"/>
+            <a:ext cx="4751953" cy="341556"/>
+          </a:xfrm>
+          <a:prstGeom prst="rect">
+            <a:avLst/>
+          </a:prstGeom>
+          <a:noFill/>
+          <a:effectLst/>
+        </p:spPr>
+        <p:txBody>
+          <a:bodyPr wrap="square" lIns="36000" tIns="36000" rIns="36000" bIns="36000" rtlCol="0" anchor="ctr" anchorCtr="0">
+            <a:noAutofit/>
+          </a:bodyPr>
+          <a:lstStyle>
+            <a:lvl1pPr marL="0" indent="0" algn="l" rtl="0" fontAlgn="base" latinLnBrk="0">
+              <a:spcBef>
+                <a:spcPct val="0"/>
+              </a:spcBef>
+              <a:spcAft>
+                <a:spcPct val="0"/>
+              </a:spcAft>
+              <a:buNone/>
+              <a:defRPr lang="en-US" sz="1800" b="0" kern="1200" dirty="0" smtClean="0">
+                <a:solidFill>
+                  <a:schemeClr val="tx1">
+                    <a:lumMod val="75000"/>
+                  </a:schemeClr>
+                </a:solidFill>
+                <a:effectLst/>
+                <a:latin typeface="+mn-lt"/>
+                <a:ea typeface="+mn-ea"/>
+                <a:cs typeface="+mn-cs"/>
+              </a:defRPr>
+            </a:lvl1pPr>
+          </a:lstStyle>
+          <a:p>
+            <a:pPr lvl="0"/>
+            <a:r>
+              <a:rPr lang="en-US" noProof="0" dirty="0"/>
+              <a:t>URL</a:t>
+            </a:r>
+          </a:p>
+        </p:txBody>
+      </p:sp>
+      <p:sp>
+        <p:nvSpPr>
+          <p:cNvPr id="30" name="Author Name">
+            <a:extLst>
+              <a:ext uri="{FF2B5EF4-FFF2-40B4-BE49-F238E27FC236}">
+                <a16:creationId xmlns:a16="http://schemas.microsoft.com/office/drawing/2014/main" id="{2EA92DCA-4DB5-4D03-ACD3-A6A296592D0C}"/>
+              </a:ext>
+            </a:extLst>
+          </p:cNvPr>
+          <p:cNvSpPr>
+            <a:spLocks noGrp="1"/>
+          </p:cNvSpPr>
+          <p:nvPr>
+            <p:ph type="body" sz="quarter" idx="17" hasCustomPrompt="1"/>
+          </p:nvPr>
+        </p:nvSpPr>
+        <p:spPr bwMode="auto">
+          <a:xfrm>
+            <a:off x="534046" y="5251106"/>
+            <a:ext cx="4751954" cy="724904"/>
+          </a:xfrm>
+          <a:prstGeom prst="rect">
+            <a:avLst/>
+          </a:prstGeom>
+          <a:noFill/>
+          <a:effectLst/>
+        </p:spPr>
+        <p:txBody>
+          <a:bodyPr wrap="square" lIns="36000" tIns="36000" rIns="36000" bIns="36000" rtlCol="0" anchor="ctr" anchorCtr="0">
+            <a:noAutofit/>
+          </a:bodyPr>
+          <a:lstStyle>
+            <a:lvl1pPr marL="0" indent="0" algn="l" rtl="0" fontAlgn="base" latinLnBrk="0">
+              <a:spcBef>
+                <a:spcPct val="0"/>
+              </a:spcBef>
+              <a:spcAft>
+                <a:spcPct val="0"/>
+              </a:spcAft>
+              <a:buNone/>
+              <a:defRPr lang="en-US" sz="2000" b="1" kern="1200" dirty="0" smtClean="0">
+                <a:solidFill>
+                  <a:schemeClr val="tx1">
+                    <a:lumMod val="75000"/>
+                  </a:schemeClr>
+                </a:solidFill>
+                <a:effectLst/>
+                <a:latin typeface="+mn-lt"/>
+                <a:ea typeface="+mn-ea"/>
+                <a:cs typeface="+mn-cs"/>
+              </a:defRPr>
+            </a:lvl1pPr>
+          </a:lstStyle>
+          <a:p>
+            <a:pPr lvl="0"/>
+            <a:r>
+              <a:rPr lang="en-US" noProof="0" dirty="0"/>
+              <a:t>Authors</a:t>
             </a:r>
           </a:p>
         </p:txBody>
@@ -4340,8 +4265,8 @@
         </p:nvSpPr>
         <p:spPr>
           <a:xfrm>
-            <a:off x="554182" y="1258272"/>
-            <a:ext cx="11083636" cy="1315728"/>
+            <a:off x="554746" y="1402942"/>
+            <a:ext cx="11083636" cy="1306057"/>
           </a:xfrm>
         </p:spPr>
         <p:txBody>
@@ -4351,7 +4276,7 @@
           <a:lstStyle>
             <a:lvl1pPr marL="0" indent="0" algn="ctr" latinLnBrk="0">
               <a:buNone/>
-              <a:defRPr sz="3598">
+              <a:defRPr sz="3600">
                 <a:solidFill>
                   <a:schemeClr val="tx1"/>
                 </a:solidFill>
@@ -4384,15 +4309,17 @@
         </p:nvSpPr>
         <p:spPr>
           <a:xfrm>
-            <a:off x="554182" y="321502"/>
-            <a:ext cx="11083636" cy="882654"/>
+            <a:off x="554746" y="321501"/>
+            <a:ext cx="11083636" cy="971589"/>
           </a:xfrm>
         </p:spPr>
         <p:txBody>
-          <a:bodyPr/>
+          <a:bodyPr>
+            <a:normAutofit/>
+          </a:bodyPr>
           <a:lstStyle>
             <a:lvl1pPr algn="ctr" latinLnBrk="0">
-              <a:defRPr sz="4798"/>
+              <a:defRPr sz="5400"/>
             </a:lvl1pPr>
           </a:lstStyle>
           <a:p>
@@ -4403,10 +4330,94 @@
           </a:p>
         </p:txBody>
       </p:sp>
+      <p:pic>
+        <p:nvPicPr>
+          <p:cNvPr id="4" name="Picture 3">
+            <a:extLst>
+              <a:ext uri="{FF2B5EF4-FFF2-40B4-BE49-F238E27FC236}">
+                <a16:creationId xmlns:a16="http://schemas.microsoft.com/office/drawing/2014/main" id="{324D0DB3-F60A-469B-7831-209CB666CCE4}"/>
+              </a:ext>
+            </a:extLst>
+          </p:cNvPr>
+          <p:cNvPicPr>
+            <a:picLocks noChangeAspect="1"/>
+          </p:cNvPicPr>
+          <p:nvPr userDrawn="1"/>
+        </p:nvPicPr>
+        <p:blipFill>
+          <a:blip r:embed="rId2" cstate="print">
+            <a:extLst>
+              <a:ext uri="{28A0092B-C50C-407E-A947-70E740481C1C}">
+                <a14:useLocalDpi xmlns:a14="http://schemas.microsoft.com/office/drawing/2010/main" val="0"/>
+              </a:ext>
+            </a:extLst>
+          </a:blip>
+          <a:stretch>
+            <a:fillRect/>
+          </a:stretch>
+        </p:blipFill>
+        <p:spPr>
+          <a:xfrm>
+            <a:off x="536549" y="4325954"/>
+            <a:ext cx="2538082" cy="633046"/>
+          </a:xfrm>
+          <a:prstGeom prst="rect">
+            <a:avLst/>
+          </a:prstGeom>
+        </p:spPr>
+      </p:pic>
+      <p:pic>
+        <p:nvPicPr>
+          <p:cNvPr id="5" name="Picture 4" title="CC-BY-NC-SA License">
+            <a:hlinkClick r:id="rId3" tooltip="This work is licensed under the &quot;Creative Commons Attribution-NonCommercial-ShareAlike 4.0 International&quot; license"/>
+            <a:extLst>
+              <a:ext uri="{FF2B5EF4-FFF2-40B4-BE49-F238E27FC236}">
+                <a16:creationId xmlns:a16="http://schemas.microsoft.com/office/drawing/2014/main" id="{2D40731C-0303-A69D-63FD-E048A73CA59F}"/>
+              </a:ext>
+            </a:extLst>
+          </p:cNvPr>
+          <p:cNvPicPr>
+            <a:picLocks noChangeAspect="1" noChangeArrowheads="1"/>
+          </p:cNvPicPr>
+          <p:nvPr userDrawn="1"/>
+        </p:nvPicPr>
+        <p:blipFill>
+          <a:blip r:embed="rId4">
+            <a:extLst>
+              <a:ext uri="{28A0092B-C50C-407E-A947-70E740481C1C}">
+                <a14:useLocalDpi xmlns:a14="http://schemas.microsoft.com/office/drawing/2010/main"/>
+              </a:ext>
+            </a:extLst>
+          </a:blip>
+          <a:srcRect/>
+          <a:stretch>
+            <a:fillRect/>
+          </a:stretch>
+        </p:blipFill>
+        <p:spPr bwMode="auto">
+          <a:xfrm>
+            <a:off x="3402682" y="4321352"/>
+            <a:ext cx="1809336" cy="633045"/>
+          </a:xfrm>
+          <a:prstGeom prst="roundRect">
+            <a:avLst>
+              <a:gd name="adj" fmla="val 3940"/>
+            </a:avLst>
+          </a:prstGeom>
+          <a:solidFill>
+            <a:srgbClr val="231F20">
+              <a:alpha val="50000"/>
+            </a:srgbClr>
+          </a:solidFill>
+          <a:ln>
+            <a:noFill/>
+          </a:ln>
+        </p:spPr>
+      </p:pic>
     </p:spTree>
     <p:extLst>
       <p:ext uri="{BB962C8B-B14F-4D97-AF65-F5344CB8AC3E}">
-        <p14:creationId xmlns:p14="http://schemas.microsoft.com/office/powerpoint/2010/main" val="970179299"/>
+        <p14:creationId xmlns:p14="http://schemas.microsoft.com/office/powerpoint/2010/main" val="370654144"/>
       </p:ext>
     </p:extLst>
   </p:cSld>
@@ -4520,7 +4531,7 @@
               <a:tabLst/>
               <a:defRPr/>
             </a:pPr>
-            <a:endParaRPr kumimoji="0" lang="en-US" altLang="ko-KR" sz="2398" b="0" i="0" u="none" strike="noStrike" kern="1200" cap="none" spc="0" normalizeH="0" baseline="0" noProof="0" dirty="0">
+            <a:endParaRPr kumimoji="0" lang="en-US" altLang="ko-KR" sz="2398" b="0" i="0" u="none" strike="noStrike" kern="1200" cap="none" spc="0" normalizeH="0" baseline="0" noProof="0">
               <a:ln>
                 <a:noFill/>
               </a:ln>
@@ -4643,7 +4654,7 @@
               <a:tabLst/>
               <a:defRPr/>
             </a:pPr>
-            <a:endParaRPr kumimoji="0" lang="en-US" altLang="ko-KR" sz="2398" b="0" i="0" u="none" strike="noStrike" kern="1200" cap="none" spc="0" normalizeH="0" baseline="0" noProof="0" dirty="0">
+            <a:endParaRPr kumimoji="0" lang="en-US" altLang="ko-KR" sz="2398" b="0" i="0" u="none" strike="noStrike" kern="1200" cap="none" spc="0" normalizeH="0" baseline="0" noProof="0">
               <a:ln>
                 <a:noFill/>
               </a:ln>
@@ -4660,42 +4671,6 @@
           </a:p>
         </p:txBody>
       </p:sp>
-      <p:pic>
-        <p:nvPicPr>
-          <p:cNvPr id="12" name="Logo Software University Down" descr="Software University logo">
-            <a:extLst>
-              <a:ext uri="{FF2B5EF4-FFF2-40B4-BE49-F238E27FC236}">
-                <a16:creationId xmlns:a16="http://schemas.microsoft.com/office/drawing/2014/main" id="{7028D2F0-1E67-414B-A93D-D3F8F131A132}"/>
-              </a:ext>
-            </a:extLst>
-          </p:cNvPr>
-          <p:cNvPicPr>
-            <a:picLocks noChangeAspect="1"/>
-          </p:cNvPicPr>
-          <p:nvPr/>
-        </p:nvPicPr>
-        <p:blipFill>
-          <a:blip r:embed="rId2" cstate="print">
-            <a:extLst>
-              <a:ext uri="{28A0092B-C50C-407E-A947-70E740481C1C}">
-                <a14:useLocalDpi xmlns:a14="http://schemas.microsoft.com/office/drawing/2010/main" val="0"/>
-              </a:ext>
-            </a:extLst>
-          </a:blip>
-          <a:stretch>
-            <a:fillRect/>
-          </a:stretch>
-        </p:blipFill>
-        <p:spPr>
-          <a:xfrm>
-            <a:off x="5616551" y="5206773"/>
-            <a:ext cx="958900" cy="1184869"/>
-          </a:xfrm>
-          <a:prstGeom prst="rect">
-            <a:avLst/>
-          </a:prstGeom>
-        </p:spPr>
-      </p:pic>
       <p:sp>
         <p:nvSpPr>
           <p:cNvPr id="10" name="Text Placeholder Right">
@@ -4916,7 +4891,7 @@
               <a:tabLst/>
               <a:defRPr/>
             </a:pPr>
-            <a:endParaRPr kumimoji="0" lang="en-US" altLang="ko-KR" sz="2398" b="0" i="0" u="none" strike="noStrike" kern="1200" cap="none" spc="0" normalizeH="0" baseline="0" noProof="0" dirty="0">
+            <a:endParaRPr kumimoji="0" lang="en-US" altLang="ko-KR" sz="2398" b="0" i="0" u="none" strike="noStrike" kern="1200" cap="none" spc="0" normalizeH="0" baseline="0" noProof="0">
               <a:ln>
                 <a:noFill/>
               </a:ln>
@@ -4933,42 +4908,6 @@
           </a:p>
         </p:txBody>
       </p:sp>
-      <p:pic>
-        <p:nvPicPr>
-          <p:cNvPr id="14" name="Logo Software University" descr="Software University logo">
-            <a:extLst>
-              <a:ext uri="{FF2B5EF4-FFF2-40B4-BE49-F238E27FC236}">
-                <a16:creationId xmlns:a16="http://schemas.microsoft.com/office/drawing/2014/main" id="{19A67BB9-D880-4EAD-B90E-89C4219BFC0B}"/>
-              </a:ext>
-            </a:extLst>
-          </p:cNvPr>
-          <p:cNvPicPr>
-            <a:picLocks noChangeAspect="1"/>
-          </p:cNvPicPr>
-          <p:nvPr userDrawn="1"/>
-        </p:nvPicPr>
-        <p:blipFill>
-          <a:blip r:embed="rId3">
-            <a:extLst>
-              <a:ext uri="{28A0092B-C50C-407E-A947-70E740481C1C}">
-                <a14:useLocalDpi xmlns:a14="http://schemas.microsoft.com/office/drawing/2010/main" val="0"/>
-              </a:ext>
-            </a:extLst>
-          </a:blip>
-          <a:stretch>
-            <a:fillRect/>
-          </a:stretch>
-        </p:blipFill>
-        <p:spPr>
-          <a:xfrm>
-            <a:off x="10067957" y="253936"/>
-            <a:ext cx="1915704" cy="559235"/>
-          </a:xfrm>
-          <a:prstGeom prst="rect">
-            <a:avLst/>
-          </a:prstGeom>
-        </p:spPr>
-      </p:pic>
       <p:sp>
         <p:nvSpPr>
           <p:cNvPr id="15" name="Slide Title">
@@ -4987,8 +4926,8 @@
         </p:nvSpPr>
         <p:spPr>
           <a:xfrm>
-            <a:off x="190406" y="100750"/>
-            <a:ext cx="9715594" cy="882654"/>
+            <a:off x="190405" y="100750"/>
+            <a:ext cx="10270595" cy="882654"/>
           </a:xfrm>
         </p:spPr>
         <p:txBody>
@@ -5010,6 +4949,72 @@
           </a:p>
         </p:txBody>
       </p:sp>
+      <p:pic>
+        <p:nvPicPr>
+          <p:cNvPr id="8" name="Picture 7">
+            <a:extLst>
+              <a:ext uri="{FF2B5EF4-FFF2-40B4-BE49-F238E27FC236}">
+                <a16:creationId xmlns:a16="http://schemas.microsoft.com/office/drawing/2014/main" id="{2C9792D8-D354-4699-B7D6-B8CB7F77594F}"/>
+              </a:ext>
+            </a:extLst>
+          </p:cNvPr>
+          <p:cNvPicPr>
+            <a:picLocks noChangeAspect="1"/>
+          </p:cNvPicPr>
+          <p:nvPr userDrawn="1"/>
+        </p:nvPicPr>
+        <p:blipFill>
+          <a:blip r:embed="rId2"/>
+          <a:stretch>
+            <a:fillRect/>
+          </a:stretch>
+        </p:blipFill>
+        <p:spPr>
+          <a:xfrm>
+            <a:off x="5398753" y="5340443"/>
+            <a:ext cx="1334859" cy="982867"/>
+          </a:xfrm>
+          <a:prstGeom prst="rect">
+            <a:avLst/>
+          </a:prstGeom>
+        </p:spPr>
+      </p:pic>
+      <p:pic>
+        <p:nvPicPr>
+          <p:cNvPr id="3" name="Picture 2">
+            <a:extLst>
+              <a:ext uri="{FF2B5EF4-FFF2-40B4-BE49-F238E27FC236}">
+                <a16:creationId xmlns:a16="http://schemas.microsoft.com/office/drawing/2014/main" id="{B6351E19-25DA-EAD2-9FBE-358B6135D728}"/>
+              </a:ext>
+            </a:extLst>
+          </p:cNvPr>
+          <p:cNvPicPr>
+            <a:picLocks noChangeAspect="1"/>
+          </p:cNvPicPr>
+          <p:nvPr userDrawn="1"/>
+        </p:nvPicPr>
+        <p:blipFill>
+          <a:blip r:embed="rId3" cstate="print">
+            <a:extLst>
+              <a:ext uri="{28A0092B-C50C-407E-A947-70E740481C1C}">
+                <a14:useLocalDpi xmlns:a14="http://schemas.microsoft.com/office/drawing/2010/main" val="0"/>
+              </a:ext>
+            </a:extLst>
+          </a:blip>
+          <a:stretch>
+            <a:fillRect/>
+          </a:stretch>
+        </p:blipFill>
+        <p:spPr>
+          <a:xfrm>
+            <a:off x="10553573" y="368999"/>
+            <a:ext cx="1443361" cy="360001"/>
+          </a:xfrm>
+          <a:prstGeom prst="rect">
+            <a:avLst/>
+          </a:prstGeom>
+        </p:spPr>
+      </p:pic>
     </p:spTree>
     <p:extLst>
       <p:ext uri="{BB962C8B-B14F-4D97-AF65-F5344CB8AC3E}">
@@ -5102,7 +5107,7 @@
               <a:pPr/>
               <a:t>‹#›</a:t>
             </a:fld>
-            <a:endParaRPr lang="en-US" noProof="0" dirty="0"/>
+            <a:endParaRPr lang="en-US" noProof="0"/>
           </a:p>
         </p:txBody>
       </p:sp>
@@ -5256,7 +5261,7 @@
           </a:lstStyle>
           <a:p>
             <a:r>
-              <a:rPr lang="en-US" altLang="ko-KR" noProof="0" dirty="0"/>
+              <a:rPr lang="en-US" altLang="ko-KR" noProof="0"/>
               <a:t>Your Picture Here</a:t>
             </a:r>
           </a:p>
@@ -5320,7 +5325,7 @@
               <a:tabLst/>
               <a:defRPr/>
             </a:pPr>
-            <a:endParaRPr kumimoji="0" lang="en-US" altLang="ko-KR" sz="2398" b="0" i="0" u="none" strike="noStrike" kern="1200" cap="none" spc="0" normalizeH="0" baseline="0" noProof="0" dirty="0">
+            <a:endParaRPr kumimoji="0" lang="en-US" altLang="ko-KR" sz="2398" b="0" i="0" u="none" strike="noStrike" kern="1200" cap="none" spc="0" normalizeH="0" baseline="0" noProof="0">
               <a:ln>
                 <a:noFill/>
               </a:ln>
@@ -5395,7 +5400,7 @@
               <a:tabLst/>
               <a:defRPr/>
             </a:pPr>
-            <a:endParaRPr kumimoji="0" lang="en-US" altLang="ko-KR" sz="2398" b="0" i="0" u="none" strike="noStrike" kern="1200" cap="none" spc="0" normalizeH="0" baseline="0" noProof="0" dirty="0">
+            <a:endParaRPr kumimoji="0" lang="en-US" altLang="ko-KR" sz="2398" b="0" i="0" u="none" strike="noStrike" kern="1200" cap="none" spc="0" normalizeH="0" baseline="0" noProof="0">
               <a:ln>
                 <a:noFill/>
               </a:ln>
@@ -5476,7 +5481,7 @@
               <a:tabLst/>
               <a:defRPr/>
             </a:pPr>
-            <a:endParaRPr kumimoji="0" lang="en-US" altLang="ko-KR" sz="2398" b="0" i="0" u="none" strike="noStrike" kern="1200" cap="none" spc="0" normalizeH="0" baseline="0" noProof="0" dirty="0">
+            <a:endParaRPr kumimoji="0" lang="en-US" altLang="ko-KR" sz="2398" b="0" i="0" u="none" strike="noStrike" kern="1200" cap="none" spc="0" normalizeH="0" baseline="0" noProof="0">
               <a:ln>
                 <a:noFill/>
               </a:ln>
@@ -5557,7 +5562,7 @@
               <a:tabLst/>
               <a:defRPr/>
             </a:pPr>
-            <a:endParaRPr kumimoji="0" lang="en-US" altLang="ko-KR" sz="2398" b="0" i="0" u="none" strike="noStrike" kern="1200" cap="none" spc="0" normalizeH="0" baseline="0" noProof="0" dirty="0">
+            <a:endParaRPr kumimoji="0" lang="en-US" altLang="ko-KR" sz="2398" b="0" i="0" u="none" strike="noStrike" kern="1200" cap="none" spc="0" normalizeH="0" baseline="0" noProof="0">
               <a:ln>
                 <a:noFill/>
               </a:ln>
@@ -5574,42 +5579,6 @@
           </a:p>
         </p:txBody>
       </p:sp>
-      <p:pic>
-        <p:nvPicPr>
-          <p:cNvPr id="12" name="Logo Software University" descr="Software University logo">
-            <a:extLst>
-              <a:ext uri="{FF2B5EF4-FFF2-40B4-BE49-F238E27FC236}">
-                <a16:creationId xmlns:a16="http://schemas.microsoft.com/office/drawing/2014/main" id="{233CBB95-791E-4630-B3D9-FADFCE7BCF52}"/>
-              </a:ext>
-            </a:extLst>
-          </p:cNvPr>
-          <p:cNvPicPr>
-            <a:picLocks noChangeAspect="1"/>
-          </p:cNvPicPr>
-          <p:nvPr userDrawn="1"/>
-        </p:nvPicPr>
-        <p:blipFill>
-          <a:blip r:embed="rId2">
-            <a:extLst>
-              <a:ext uri="{28A0092B-C50C-407E-A947-70E740481C1C}">
-                <a14:useLocalDpi xmlns:a14="http://schemas.microsoft.com/office/drawing/2010/main" val="0"/>
-              </a:ext>
-            </a:extLst>
-          </a:blip>
-          <a:stretch>
-            <a:fillRect/>
-          </a:stretch>
-        </p:blipFill>
-        <p:spPr>
-          <a:xfrm>
-            <a:off x="10067957" y="253936"/>
-            <a:ext cx="1915704" cy="559235"/>
-          </a:xfrm>
-          <a:prstGeom prst="rect">
-            <a:avLst/>
-          </a:prstGeom>
-        </p:spPr>
-      </p:pic>
       <p:sp>
         <p:nvSpPr>
           <p:cNvPr id="13" name="Slide Title">
@@ -5629,7 +5598,7 @@
         <p:spPr>
           <a:xfrm>
             <a:off x="190406" y="100750"/>
-            <a:ext cx="9715594" cy="882654"/>
+            <a:ext cx="10270594" cy="882654"/>
           </a:xfrm>
         </p:spPr>
         <p:txBody>
@@ -5651,6 +5620,42 @@
           </a:p>
         </p:txBody>
       </p:sp>
+      <p:pic>
+        <p:nvPicPr>
+          <p:cNvPr id="4" name="Picture 3">
+            <a:extLst>
+              <a:ext uri="{FF2B5EF4-FFF2-40B4-BE49-F238E27FC236}">
+                <a16:creationId xmlns:a16="http://schemas.microsoft.com/office/drawing/2014/main" id="{42F3DB3E-BDAA-8201-9A01-2F52640A84CA}"/>
+              </a:ext>
+            </a:extLst>
+          </p:cNvPr>
+          <p:cNvPicPr>
+            <a:picLocks noChangeAspect="1"/>
+          </p:cNvPicPr>
+          <p:nvPr userDrawn="1"/>
+        </p:nvPicPr>
+        <p:blipFill>
+          <a:blip r:embed="rId2" cstate="print">
+            <a:extLst>
+              <a:ext uri="{28A0092B-C50C-407E-A947-70E740481C1C}">
+                <a14:useLocalDpi xmlns:a14="http://schemas.microsoft.com/office/drawing/2010/main" val="0"/>
+              </a:ext>
+            </a:extLst>
+          </a:blip>
+          <a:stretch>
+            <a:fillRect/>
+          </a:stretch>
+        </p:blipFill>
+        <p:spPr>
+          <a:xfrm>
+            <a:off x="10553573" y="368999"/>
+            <a:ext cx="1443361" cy="360001"/>
+          </a:xfrm>
+          <a:prstGeom prst="rect">
+            <a:avLst/>
+          </a:prstGeom>
+        </p:spPr>
+      </p:pic>
     </p:spTree>
     <p:extLst>
       <p:ext uri="{BB962C8B-B14F-4D97-AF65-F5344CB8AC3E}">
@@ -5761,7 +5766,7 @@
               <a:tabLst/>
               <a:defRPr/>
             </a:pPr>
-            <a:endParaRPr kumimoji="0" lang="en-US" altLang="ko-KR" sz="2398" b="0" i="0" u="none" strike="noStrike" kern="1200" cap="none" spc="0" normalizeH="0" baseline="0" noProof="0" dirty="0">
+            <a:endParaRPr kumimoji="0" lang="en-US" altLang="ko-KR" sz="2398" b="0" i="0" u="none" strike="noStrike" kern="1200" cap="none" spc="0" normalizeH="0" baseline="0" noProof="0">
               <a:ln>
                 <a:noFill/>
               </a:ln>
@@ -5780,714 +5785,10 @@
       </p:sp>
       <p:sp>
         <p:nvSpPr>
-          <p:cNvPr id="53" name="Rectangle Bottom Copyright">
+          <p:cNvPr id="3" name="Title 2">
             <a:extLst>
               <a:ext uri="{FF2B5EF4-FFF2-40B4-BE49-F238E27FC236}">
-                <a16:creationId xmlns:a16="http://schemas.microsoft.com/office/drawing/2014/main" id="{B07FB7FB-DA6C-4F5D-B068-357F0FCE27D8}"/>
-              </a:ext>
-            </a:extLst>
-          </p:cNvPr>
-          <p:cNvSpPr/>
-          <p:nvPr userDrawn="1"/>
-        </p:nvSpPr>
-        <p:spPr>
-          <a:xfrm>
-            <a:off x="111000" y="6454758"/>
-            <a:ext cx="11970000" cy="258449"/>
-          </a:xfrm>
-          <a:prstGeom prst="rect">
-            <a:avLst/>
-          </a:prstGeom>
-        </p:spPr>
-        <p:txBody>
-          <a:bodyPr wrap="square">
-            <a:noAutofit/>
-          </a:bodyPr>
-          <a:lstStyle/>
-          <a:p>
-            <a:pPr algn="ctr">
-              <a:lnSpc>
-                <a:spcPct val="100000"/>
-              </a:lnSpc>
-              <a:spcBef>
-                <a:spcPts val="0"/>
-              </a:spcBef>
-              <a:spcAft>
-                <a:spcPts val="0"/>
-              </a:spcAft>
-            </a:pPr>
-            <a:r>
-              <a:rPr lang="en-US" sz="1600" noProof="0" dirty="0">
-                <a:solidFill>
-                  <a:schemeClr val="bg2"/>
-                </a:solidFill>
-                <a:effectLst/>
-                <a:latin typeface="Calibri" panose="020F0502020204030204" pitchFamily="34" charset="0"/>
-                <a:ea typeface="Calibri" panose="020F0502020204030204" pitchFamily="34" charset="0"/>
-                <a:cs typeface="Arial" panose="020B0604020202020204" pitchFamily="34" charset="0"/>
-              </a:rPr>
-              <a:t>© SoftUni – </a:t>
-            </a:r>
-            <a:r>
-              <a:rPr lang="en-US" sz="1600" u="sng" noProof="0" dirty="0">
-                <a:solidFill>
-                  <a:schemeClr val="bg2"/>
-                </a:solidFill>
-                <a:effectLst/>
-                <a:latin typeface="Calibri" panose="020F0502020204030204" pitchFamily="34" charset="0"/>
-                <a:ea typeface="Calibri" panose="020F0502020204030204" pitchFamily="34" charset="0"/>
-                <a:cs typeface="Arial" panose="020B0604020202020204" pitchFamily="34" charset="0"/>
-                <a:hlinkClick r:id="rId2">
-                  <a:extLst>
-                    <a:ext uri="{A12FA001-AC4F-418D-AE19-62706E023703}">
-                      <ahyp:hlinkClr xmlns:ahyp="http://schemas.microsoft.com/office/drawing/2018/hyperlinkcolor" val="tx"/>
-                    </a:ext>
-                  </a:extLst>
-                </a:hlinkClick>
-              </a:rPr>
-              <a:t>https://softuni.org</a:t>
-            </a:r>
-            <a:r>
-              <a:rPr lang="en-US" sz="1600" noProof="0" dirty="0">
-                <a:solidFill>
-                  <a:schemeClr val="bg2"/>
-                </a:solidFill>
-                <a:effectLst/>
-                <a:latin typeface="Calibri" panose="020F0502020204030204" pitchFamily="34" charset="0"/>
-                <a:ea typeface="Calibri" panose="020F0502020204030204" pitchFamily="34" charset="0"/>
-                <a:cs typeface="Arial" panose="020B0604020202020204" pitchFamily="34" charset="0"/>
-              </a:rPr>
-              <a:t>. Copyrighted document. Unauthorized copy, reproduction or use is not permitted.</a:t>
-            </a:r>
-            <a:endParaRPr lang="en-US" sz="2400" noProof="0" dirty="0">
-              <a:solidFill>
-                <a:schemeClr val="bg2"/>
-              </a:solidFill>
-              <a:effectLst/>
-              <a:latin typeface="Calibri" panose="020F0502020204030204" pitchFamily="34" charset="0"/>
-              <a:ea typeface="Calibri" panose="020F0502020204030204" pitchFamily="34" charset="0"/>
-              <a:cs typeface="Arial" panose="020B0604020202020204" pitchFamily="34" charset="0"/>
-            </a:endParaRPr>
-          </a:p>
-        </p:txBody>
-      </p:sp>
-      <p:pic>
-        <p:nvPicPr>
-          <p:cNvPr id="26" name="Picture SoftUni Mascot" descr="SoftUni mascot with open hand">
-            <a:extLst>
-              <a:ext uri="{FF2B5EF4-FFF2-40B4-BE49-F238E27FC236}">
-                <a16:creationId xmlns:a16="http://schemas.microsoft.com/office/drawing/2014/main" id="{247CFF3C-C4FA-493D-8505-DF469F4D36A4}"/>
-              </a:ext>
-            </a:extLst>
-          </p:cNvPr>
-          <p:cNvPicPr>
-            <a:picLocks noChangeAspect="1"/>
-          </p:cNvPicPr>
-          <p:nvPr/>
-        </p:nvPicPr>
-        <p:blipFill>
-          <a:blip r:embed="rId3" cstate="print">
-            <a:extLst>
-              <a:ext uri="{28A0092B-C50C-407E-A947-70E740481C1C}">
-                <a14:useLocalDpi xmlns:a14="http://schemas.microsoft.com/office/drawing/2010/main" val="0"/>
-              </a:ext>
-            </a:extLst>
-          </a:blip>
-          <a:stretch>
-            <a:fillRect/>
-          </a:stretch>
-        </p:blipFill>
-        <p:spPr>
-          <a:xfrm>
-            <a:off x="642586" y="2898830"/>
-            <a:ext cx="2451608" cy="2959741"/>
-          </a:xfrm>
-          <a:prstGeom prst="rect">
-            <a:avLst/>
-          </a:prstGeom>
-        </p:spPr>
-      </p:pic>
-      <p:grpSp>
-        <p:nvGrpSpPr>
-          <p:cNvPr id="2" name="Group SoftUni Brands">
-            <a:extLst>
-              <a:ext uri="{FF2B5EF4-FFF2-40B4-BE49-F238E27FC236}">
-                <a16:creationId xmlns:a16="http://schemas.microsoft.com/office/drawing/2014/main" id="{418FAE34-C1F8-46C7-A4AE-F270D1E70F25}"/>
-              </a:ext>
-            </a:extLst>
-          </p:cNvPr>
-          <p:cNvGrpSpPr/>
-          <p:nvPr userDrawn="1"/>
-        </p:nvGrpSpPr>
-        <p:grpSpPr>
-          <a:xfrm>
-            <a:off x="3332216" y="1702473"/>
-            <a:ext cx="8314909" cy="3543782"/>
-            <a:chOff x="3332216" y="1702473"/>
-            <a:chExt cx="8314909" cy="3543782"/>
-          </a:xfrm>
-        </p:grpSpPr>
-        <p:pic>
-          <p:nvPicPr>
-            <p:cNvPr id="24" name="Picture SoftUni Kids Logo" descr="SoftUni Kids logo">
-              <a:extLst>
-                <a:ext uri="{FF2B5EF4-FFF2-40B4-BE49-F238E27FC236}">
-                  <a16:creationId xmlns:a16="http://schemas.microsoft.com/office/drawing/2014/main" id="{B0812936-74B6-4265-8C08-AEDC8C798702}"/>
-                </a:ext>
-              </a:extLst>
-            </p:cNvPr>
-            <p:cNvPicPr>
-              <a:picLocks noChangeAspect="1"/>
-            </p:cNvPicPr>
-            <p:nvPr/>
-          </p:nvPicPr>
-          <p:blipFill>
-            <a:blip r:embed="rId4" cstate="print">
-              <a:extLst>
-                <a:ext uri="{28A0092B-C50C-407E-A947-70E740481C1C}">
-                  <a14:useLocalDpi xmlns:a14="http://schemas.microsoft.com/office/drawing/2010/main" val="0"/>
-                </a:ext>
-              </a:extLst>
-            </a:blip>
-            <a:stretch>
-              <a:fillRect/>
-            </a:stretch>
-          </p:blipFill>
-          <p:spPr>
-            <a:xfrm>
-              <a:off x="10516883" y="3776294"/>
-              <a:ext cx="1130242" cy="1389256"/>
-            </a:xfrm>
-            <a:prstGeom prst="rect">
-              <a:avLst/>
-            </a:prstGeom>
-          </p:spPr>
-        </p:pic>
-        <p:pic>
-          <p:nvPicPr>
-            <p:cNvPr id="23" name="Picture SoftUni Foundation Logo" descr="SoftUni Foundation logo">
-              <a:extLst>
-                <a:ext uri="{FF2B5EF4-FFF2-40B4-BE49-F238E27FC236}">
-                  <a16:creationId xmlns:a16="http://schemas.microsoft.com/office/drawing/2014/main" id="{6643F71A-2013-433A-8322-FBAAED3162D8}"/>
-                </a:ext>
-              </a:extLst>
-            </p:cNvPr>
-            <p:cNvPicPr>
-              <a:picLocks noChangeAspect="1"/>
-            </p:cNvPicPr>
-            <p:nvPr userDrawn="1"/>
-          </p:nvPicPr>
-          <p:blipFill>
-            <a:blip r:embed="rId5" cstate="print">
-              <a:extLst>
-                <a:ext uri="{28A0092B-C50C-407E-A947-70E740481C1C}">
-                  <a14:useLocalDpi xmlns:a14="http://schemas.microsoft.com/office/drawing/2010/main" val="0"/>
-                </a:ext>
-              </a:extLst>
-            </a:blip>
-            <a:stretch>
-              <a:fillRect/>
-            </a:stretch>
-          </p:blipFill>
-          <p:spPr>
-            <a:xfrm>
-              <a:off x="9053913" y="3788231"/>
-              <a:ext cx="1166400" cy="1350756"/>
-            </a:xfrm>
-            <a:prstGeom prst="rect">
-              <a:avLst/>
-            </a:prstGeom>
-          </p:spPr>
-        </p:pic>
-        <p:pic>
-          <p:nvPicPr>
-            <p:cNvPr id="22" name="Picture SoftUni Digital Logo" descr="SoftUni Digital logo">
-              <a:extLst>
-                <a:ext uri="{FF2B5EF4-FFF2-40B4-BE49-F238E27FC236}">
-                  <a16:creationId xmlns:a16="http://schemas.microsoft.com/office/drawing/2014/main" id="{0A83D66F-855B-463B-920B-BF239B01A206}"/>
-                </a:ext>
-              </a:extLst>
-            </p:cNvPr>
-            <p:cNvPicPr>
-              <a:picLocks noChangeAspect="1"/>
-            </p:cNvPicPr>
-            <p:nvPr userDrawn="1"/>
-          </p:nvPicPr>
-          <p:blipFill>
-            <a:blip r:embed="rId6" cstate="print">
-              <a:extLst>
-                <a:ext uri="{28A0092B-C50C-407E-A947-70E740481C1C}">
-                  <a14:useLocalDpi xmlns:a14="http://schemas.microsoft.com/office/drawing/2010/main" val="0"/>
-                </a:ext>
-              </a:extLst>
-            </a:blip>
-            <a:stretch>
-              <a:fillRect/>
-            </a:stretch>
-          </p:blipFill>
-          <p:spPr>
-            <a:xfrm>
-              <a:off x="7657695" y="3789000"/>
-              <a:ext cx="1084614" cy="1457255"/>
-            </a:xfrm>
-            <a:prstGeom prst="rect">
-              <a:avLst/>
-            </a:prstGeom>
-          </p:spPr>
-        </p:pic>
-        <p:pic>
-          <p:nvPicPr>
-            <p:cNvPr id="21" name="Picture SoftUni Creative Logo" descr="SoftUni Creative logo">
-              <a:extLst>
-                <a:ext uri="{FF2B5EF4-FFF2-40B4-BE49-F238E27FC236}">
-                  <a16:creationId xmlns:a16="http://schemas.microsoft.com/office/drawing/2014/main" id="{EA755AAE-BA08-481C-9224-0061170EE4B8}"/>
-                </a:ext>
-              </a:extLst>
-            </p:cNvPr>
-            <p:cNvPicPr>
-              <a:picLocks noChangeAspect="1"/>
-            </p:cNvPicPr>
-            <p:nvPr/>
-          </p:nvPicPr>
-          <p:blipFill>
-            <a:blip r:embed="rId7" cstate="print">
-              <a:extLst>
-                <a:ext uri="{28A0092B-C50C-407E-A947-70E740481C1C}">
-                  <a14:useLocalDpi xmlns:a14="http://schemas.microsoft.com/office/drawing/2010/main" val="0"/>
-                </a:ext>
-              </a:extLst>
-            </a:blip>
-            <a:stretch>
-              <a:fillRect/>
-            </a:stretch>
-          </p:blipFill>
-          <p:spPr>
-            <a:xfrm>
-              <a:off x="6173913" y="3776293"/>
-              <a:ext cx="1166400" cy="1389257"/>
-            </a:xfrm>
-            <a:prstGeom prst="rect">
-              <a:avLst/>
-            </a:prstGeom>
-          </p:spPr>
-        </p:pic>
-        <p:pic>
-          <p:nvPicPr>
-            <p:cNvPr id="20" name="Picture SoftUni Svetlina Logo" descr="SoftUni Svetlina logo">
-              <a:extLst>
-                <a:ext uri="{FF2B5EF4-FFF2-40B4-BE49-F238E27FC236}">
-                  <a16:creationId xmlns:a16="http://schemas.microsoft.com/office/drawing/2014/main" id="{827D15FD-4C66-4B85-98E6-7826AA8F61C6}"/>
-                </a:ext>
-              </a:extLst>
-            </p:cNvPr>
-            <p:cNvPicPr>
-              <a:picLocks noChangeAspect="1"/>
-            </p:cNvPicPr>
-            <p:nvPr/>
-          </p:nvPicPr>
-          <p:blipFill>
-            <a:blip r:embed="rId8">
-              <a:extLst>
-                <a:ext uri="{28A0092B-C50C-407E-A947-70E740481C1C}">
-                  <a14:useLocalDpi xmlns:a14="http://schemas.microsoft.com/office/drawing/2010/main" val="0"/>
-                </a:ext>
-              </a:extLst>
-            </a:blip>
-            <a:stretch>
-              <a:fillRect/>
-            </a:stretch>
-          </p:blipFill>
-          <p:spPr>
-            <a:xfrm>
-              <a:off x="4735029" y="3776293"/>
-              <a:ext cx="1166400" cy="1402229"/>
-            </a:xfrm>
-            <a:prstGeom prst="rect">
-              <a:avLst/>
-            </a:prstGeom>
-          </p:spPr>
-        </p:pic>
-        <p:pic>
-          <p:nvPicPr>
-            <p:cNvPr id="25" name="Picture Software University Logo" descr="Software University logo">
-              <a:extLst>
-                <a:ext uri="{FF2B5EF4-FFF2-40B4-BE49-F238E27FC236}">
-                  <a16:creationId xmlns:a16="http://schemas.microsoft.com/office/drawing/2014/main" id="{C74C190C-5856-41B9-8819-AE8DE0E10980}"/>
-                </a:ext>
-              </a:extLst>
-            </p:cNvPr>
-            <p:cNvPicPr>
-              <a:picLocks noChangeAspect="1"/>
-            </p:cNvPicPr>
-            <p:nvPr/>
-          </p:nvPicPr>
-          <p:blipFill>
-            <a:blip r:embed="rId9" cstate="print">
-              <a:extLst>
-                <a:ext uri="{28A0092B-C50C-407E-A947-70E740481C1C}">
-                  <a14:useLocalDpi xmlns:a14="http://schemas.microsoft.com/office/drawing/2010/main" val="0"/>
-                </a:ext>
-              </a:extLst>
-            </a:blip>
-            <a:stretch>
-              <a:fillRect/>
-            </a:stretch>
-          </p:blipFill>
-          <p:spPr>
-            <a:xfrm>
-              <a:off x="3332216" y="3776295"/>
-              <a:ext cx="1164654" cy="1440000"/>
-            </a:xfrm>
-            <a:prstGeom prst="rect">
-              <a:avLst/>
-            </a:prstGeom>
-          </p:spPr>
-        </p:pic>
-        <p:cxnSp>
-          <p:nvCxnSpPr>
-            <p:cNvPr id="33" name="Straight Connector 6">
-              <a:extLst>
-                <a:ext uri="{FF2B5EF4-FFF2-40B4-BE49-F238E27FC236}">
-                  <a16:creationId xmlns:a16="http://schemas.microsoft.com/office/drawing/2014/main" id="{5C63D1E8-4A92-4691-8A24-A2FC7E8008E5}"/>
-                </a:ext>
-              </a:extLst>
-            </p:cNvPr>
-            <p:cNvCxnSpPr>
-              <a:cxnSpLocks/>
-            </p:cNvCxnSpPr>
-            <p:nvPr userDrawn="1"/>
-          </p:nvCxnSpPr>
-          <p:spPr>
-            <a:xfrm>
-              <a:off x="11077113" y="3335565"/>
-              <a:ext cx="0" cy="236220"/>
-            </a:xfrm>
-            <a:prstGeom prst="line">
-              <a:avLst/>
-            </a:prstGeom>
-            <a:ln w="25400"/>
-          </p:spPr>
-          <p:style>
-            <a:lnRef idx="1">
-              <a:schemeClr val="accent1"/>
-            </a:lnRef>
-            <a:fillRef idx="0">
-              <a:schemeClr val="accent1"/>
-            </a:fillRef>
-            <a:effectRef idx="0">
-              <a:schemeClr val="accent1"/>
-            </a:effectRef>
-            <a:fontRef idx="minor">
-              <a:schemeClr val="tx1"/>
-            </a:fontRef>
-          </p:style>
-        </p:cxnSp>
-        <p:cxnSp>
-          <p:nvCxnSpPr>
-            <p:cNvPr id="32" name="Straight Connector 5">
-              <a:extLst>
-                <a:ext uri="{FF2B5EF4-FFF2-40B4-BE49-F238E27FC236}">
-                  <a16:creationId xmlns:a16="http://schemas.microsoft.com/office/drawing/2014/main" id="{6E91D320-3732-40B8-864D-142D0A277ED1}"/>
-                </a:ext>
-              </a:extLst>
-            </p:cNvPr>
-            <p:cNvCxnSpPr>
-              <a:cxnSpLocks/>
-            </p:cNvCxnSpPr>
-            <p:nvPr userDrawn="1"/>
-          </p:nvCxnSpPr>
-          <p:spPr>
-            <a:xfrm>
-              <a:off x="9637113" y="3329215"/>
-              <a:ext cx="0" cy="236220"/>
-            </a:xfrm>
-            <a:prstGeom prst="line">
-              <a:avLst/>
-            </a:prstGeom>
-            <a:ln w="25400"/>
-          </p:spPr>
-          <p:style>
-            <a:lnRef idx="1">
-              <a:schemeClr val="accent1"/>
-            </a:lnRef>
-            <a:fillRef idx="0">
-              <a:schemeClr val="accent1"/>
-            </a:fillRef>
-            <a:effectRef idx="0">
-              <a:schemeClr val="accent1"/>
-            </a:effectRef>
-            <a:fontRef idx="minor">
-              <a:schemeClr val="tx1"/>
-            </a:fontRef>
-          </p:style>
-        </p:cxnSp>
-        <p:cxnSp>
-          <p:nvCxnSpPr>
-            <p:cNvPr id="31" name="Straight Connector 4">
-              <a:extLst>
-                <a:ext uri="{FF2B5EF4-FFF2-40B4-BE49-F238E27FC236}">
-                  <a16:creationId xmlns:a16="http://schemas.microsoft.com/office/drawing/2014/main" id="{299ABE09-E33C-46B7-A80D-7BF4A6956211}"/>
-                </a:ext>
-              </a:extLst>
-            </p:cNvPr>
-            <p:cNvCxnSpPr/>
-            <p:nvPr userDrawn="1"/>
-          </p:nvCxnSpPr>
-          <p:spPr>
-            <a:xfrm>
-              <a:off x="8197113" y="3329215"/>
-              <a:ext cx="0" cy="236220"/>
-            </a:xfrm>
-            <a:prstGeom prst="line">
-              <a:avLst/>
-            </a:prstGeom>
-            <a:ln w="25400"/>
-          </p:spPr>
-          <p:style>
-            <a:lnRef idx="1">
-              <a:schemeClr val="accent1"/>
-            </a:lnRef>
-            <a:fillRef idx="0">
-              <a:schemeClr val="accent1"/>
-            </a:fillRef>
-            <a:effectRef idx="0">
-              <a:schemeClr val="accent1"/>
-            </a:effectRef>
-            <a:fontRef idx="minor">
-              <a:schemeClr val="tx1"/>
-            </a:fontRef>
-          </p:style>
-        </p:cxnSp>
-        <p:cxnSp>
-          <p:nvCxnSpPr>
-            <p:cNvPr id="30" name="Straight Connector 3">
-              <a:extLst>
-                <a:ext uri="{FF2B5EF4-FFF2-40B4-BE49-F238E27FC236}">
-                  <a16:creationId xmlns:a16="http://schemas.microsoft.com/office/drawing/2014/main" id="{93DDBF37-0764-47AA-94E3-9A44F3ED8FB5}"/>
-                </a:ext>
-              </a:extLst>
-            </p:cNvPr>
-            <p:cNvCxnSpPr/>
-            <p:nvPr userDrawn="1"/>
-          </p:nvCxnSpPr>
-          <p:spPr>
-            <a:xfrm>
-              <a:off x="6757113" y="3329215"/>
-              <a:ext cx="0" cy="236220"/>
-            </a:xfrm>
-            <a:prstGeom prst="line">
-              <a:avLst/>
-            </a:prstGeom>
-            <a:ln w="25400"/>
-          </p:spPr>
-          <p:style>
-            <a:lnRef idx="1">
-              <a:schemeClr val="accent1"/>
-            </a:lnRef>
-            <a:fillRef idx="0">
-              <a:schemeClr val="accent1"/>
-            </a:fillRef>
-            <a:effectRef idx="0">
-              <a:schemeClr val="accent1"/>
-            </a:effectRef>
-            <a:fontRef idx="minor">
-              <a:schemeClr val="tx1"/>
-            </a:fontRef>
-          </p:style>
-        </p:cxnSp>
-        <p:cxnSp>
-          <p:nvCxnSpPr>
-            <p:cNvPr id="29" name="Straight Connector 2">
-              <a:extLst>
-                <a:ext uri="{FF2B5EF4-FFF2-40B4-BE49-F238E27FC236}">
-                  <a16:creationId xmlns:a16="http://schemas.microsoft.com/office/drawing/2014/main" id="{72BFE2F3-0845-4E5B-9375-E9D4027DD675}"/>
-                </a:ext>
-              </a:extLst>
-            </p:cNvPr>
-            <p:cNvCxnSpPr/>
-            <p:nvPr userDrawn="1"/>
-          </p:nvCxnSpPr>
-          <p:spPr>
-            <a:xfrm>
-              <a:off x="5309913" y="3335565"/>
-              <a:ext cx="0" cy="236220"/>
-            </a:xfrm>
-            <a:prstGeom prst="line">
-              <a:avLst/>
-            </a:prstGeom>
-            <a:ln w="25400"/>
-          </p:spPr>
-          <p:style>
-            <a:lnRef idx="1">
-              <a:schemeClr val="accent1"/>
-            </a:lnRef>
-            <a:fillRef idx="0">
-              <a:schemeClr val="accent1"/>
-            </a:fillRef>
-            <a:effectRef idx="0">
-              <a:schemeClr val="accent1"/>
-            </a:effectRef>
-            <a:fontRef idx="minor">
-              <a:schemeClr val="tx1"/>
-            </a:fontRef>
-          </p:style>
-        </p:cxnSp>
-        <p:cxnSp>
-          <p:nvCxnSpPr>
-            <p:cNvPr id="28" name="Straight Connector 1">
-              <a:extLst>
-                <a:ext uri="{FF2B5EF4-FFF2-40B4-BE49-F238E27FC236}">
-                  <a16:creationId xmlns:a16="http://schemas.microsoft.com/office/drawing/2014/main" id="{D4E5982E-3110-47E1-A5BB-91B7BECC3093}"/>
-                </a:ext>
-              </a:extLst>
-            </p:cNvPr>
-            <p:cNvCxnSpPr/>
-            <p:nvPr userDrawn="1"/>
-          </p:nvCxnSpPr>
-          <p:spPr>
-            <a:xfrm>
-              <a:off x="3915327" y="3335565"/>
-              <a:ext cx="0" cy="236220"/>
-            </a:xfrm>
-            <a:prstGeom prst="line">
-              <a:avLst/>
-            </a:prstGeom>
-            <a:ln w="25400"/>
-          </p:spPr>
-          <p:style>
-            <a:lnRef idx="1">
-              <a:schemeClr val="accent1"/>
-            </a:lnRef>
-            <a:fillRef idx="0">
-              <a:schemeClr val="accent1"/>
-            </a:fillRef>
-            <a:effectRef idx="0">
-              <a:schemeClr val="accent1"/>
-            </a:effectRef>
-            <a:fontRef idx="minor">
-              <a:schemeClr val="tx1"/>
-            </a:fontRef>
-          </p:style>
-        </p:cxnSp>
-        <p:cxnSp>
-          <p:nvCxnSpPr>
-            <p:cNvPr id="27" name="Straight Connector Horizontal">
-              <a:extLst>
-                <a:ext uri="{FF2B5EF4-FFF2-40B4-BE49-F238E27FC236}">
-                  <a16:creationId xmlns:a16="http://schemas.microsoft.com/office/drawing/2014/main" id="{5F62FB7C-BD6E-4383-98C1-2CF30F34CAFD}"/>
-                </a:ext>
-              </a:extLst>
-            </p:cNvPr>
-            <p:cNvCxnSpPr>
-              <a:cxnSpLocks/>
-            </p:cNvCxnSpPr>
-            <p:nvPr userDrawn="1"/>
-          </p:nvCxnSpPr>
-          <p:spPr>
-            <a:xfrm>
-              <a:off x="3915327" y="3335565"/>
-              <a:ext cx="7161786" cy="0"/>
-            </a:xfrm>
-            <a:prstGeom prst="line">
-              <a:avLst/>
-            </a:prstGeom>
-            <a:ln w="25400"/>
-          </p:spPr>
-          <p:style>
-            <a:lnRef idx="1">
-              <a:schemeClr val="accent1"/>
-            </a:lnRef>
-            <a:fillRef idx="0">
-              <a:schemeClr val="accent1"/>
-            </a:fillRef>
-            <a:effectRef idx="0">
-              <a:schemeClr val="accent1"/>
-            </a:effectRef>
-            <a:fontRef idx="minor">
-              <a:schemeClr val="tx1"/>
-            </a:fontRef>
-          </p:style>
-        </p:cxnSp>
-        <p:cxnSp>
-          <p:nvCxnSpPr>
-            <p:cNvPr id="34" name="Straight Connector 0">
-              <a:extLst>
-                <a:ext uri="{FF2B5EF4-FFF2-40B4-BE49-F238E27FC236}">
-                  <a16:creationId xmlns:a16="http://schemas.microsoft.com/office/drawing/2014/main" id="{C84A0FE1-723D-4682-8682-77BAD950EE15}"/>
-                </a:ext>
-              </a:extLst>
-            </p:cNvPr>
-            <p:cNvCxnSpPr/>
-            <p:nvPr userDrawn="1"/>
-          </p:nvCxnSpPr>
-          <p:spPr>
-            <a:xfrm>
-              <a:off x="7496220" y="3092995"/>
-              <a:ext cx="0" cy="236220"/>
-            </a:xfrm>
-            <a:prstGeom prst="line">
-              <a:avLst/>
-            </a:prstGeom>
-            <a:ln w="25400"/>
-          </p:spPr>
-          <p:style>
-            <a:lnRef idx="1">
-              <a:schemeClr val="accent1"/>
-            </a:lnRef>
-            <a:fillRef idx="0">
-              <a:schemeClr val="accent1"/>
-            </a:fillRef>
-            <a:effectRef idx="0">
-              <a:schemeClr val="accent1"/>
-            </a:effectRef>
-            <a:fontRef idx="minor">
-              <a:schemeClr val="tx1"/>
-            </a:fontRef>
-          </p:style>
-        </p:cxnSp>
-        <p:pic>
-          <p:nvPicPr>
-            <p:cNvPr id="18" name="Picture SoftUni Logo" descr="SoftUni logo">
-              <a:extLst>
-                <a:ext uri="{FF2B5EF4-FFF2-40B4-BE49-F238E27FC236}">
-                  <a16:creationId xmlns:a16="http://schemas.microsoft.com/office/drawing/2014/main" id="{A0675455-B7FA-4569-A5FD-A3B0F20B2A26}"/>
-                </a:ext>
-              </a:extLst>
-            </p:cNvPr>
-            <p:cNvPicPr>
-              <a:picLocks noChangeAspect="1"/>
-            </p:cNvPicPr>
-            <p:nvPr/>
-          </p:nvPicPr>
-          <p:blipFill>
-            <a:blip r:embed="rId10" cstate="print">
-              <a:extLst>
-                <a:ext uri="{28A0092B-C50C-407E-A947-70E740481C1C}">
-                  <a14:useLocalDpi xmlns:a14="http://schemas.microsoft.com/office/drawing/2010/main" val="0"/>
-                </a:ext>
-              </a:extLst>
-            </a:blip>
-            <a:stretch>
-              <a:fillRect/>
-            </a:stretch>
-          </p:blipFill>
-          <p:spPr>
-            <a:xfrm>
-              <a:off x="6896770" y="1702473"/>
-              <a:ext cx="1198901" cy="1198901"/>
-            </a:xfrm>
-            <a:prstGeom prst="rect">
-              <a:avLst/>
-            </a:prstGeom>
-          </p:spPr>
-        </p:pic>
-      </p:grpSp>
-      <p:sp>
-        <p:nvSpPr>
-          <p:cNvPr id="19" name="Slide Title">
-            <a:extLst>
-              <a:ext uri="{FF2B5EF4-FFF2-40B4-BE49-F238E27FC236}">
-                <a16:creationId xmlns:a16="http://schemas.microsoft.com/office/drawing/2014/main" id="{7CFDBB16-985C-4CC7-B6DB-B81B36037922}"/>
+                <a16:creationId xmlns:a16="http://schemas.microsoft.com/office/drawing/2014/main" id="{3107753B-8639-4399-B782-EE5377184D2E}"/>
               </a:ext>
             </a:extLst>
           </p:cNvPr>
@@ -6495,142 +5796,33 @@
             <a:spLocks noGrp="1"/>
           </p:cNvSpPr>
           <p:nvPr>
-            <p:ph type="title"/>
+            <p:ph type="title" hasCustomPrompt="1"/>
           </p:nvPr>
         </p:nvSpPr>
         <p:spPr>
           <a:xfrm>
-            <a:off x="809628" y="703244"/>
-            <a:ext cx="5916372" cy="1033303"/>
+            <a:off x="726988" y="1461842"/>
+            <a:ext cx="10731663" cy="3047158"/>
           </a:xfrm>
-          <a:prstGeom prst="rect">
-            <a:avLst/>
-          </a:prstGeom>
         </p:spPr>
         <p:txBody>
-          <a:bodyPr wrap="none" lIns="0" tIns="0" rIns="0" bIns="0" anchor="ctr" anchorCtr="0">
-            <a:noAutofit/>
-            <a:scene3d>
-              <a:camera prst="orthographicFront"/>
-              <a:lightRig rig="soft" dir="t">
-                <a:rot lat="0" lon="0" rev="10800000"/>
-              </a:lightRig>
-            </a:scene3d>
-            <a:sp3d>
-              <a:bevelT w="27940" h="12700"/>
-              <a:contourClr>
-                <a:srgbClr val="DDDDDD"/>
-              </a:contourClr>
-            </a:sp3d>
+          <a:bodyPr>
+            <a:normAutofit/>
           </a:bodyPr>
-          <a:lstStyle/>
-          <a:p>
-            <a:pPr marL="0" marR="0" lvl="0" indent="0" algn="l" defTabSz="913852" rtl="0" eaLnBrk="0" fontAlgn="auto" latinLnBrk="0" hangingPunct="0">
-              <a:lnSpc>
-                <a:spcPct val="100000"/>
-              </a:lnSpc>
-              <a:spcBef>
-                <a:spcPts val="0"/>
-              </a:spcBef>
-              <a:spcAft>
-                <a:spcPts val="0"/>
-              </a:spcAft>
-              <a:buClr>
-                <a:srgbClr val="67748E">
-                  <a:lumMod val="40000"/>
-                  <a:lumOff val="60000"/>
-                </a:srgbClr>
-              </a:buClr>
-              <a:buSzPct val="70000"/>
-              <a:buFont typeface="Wingdings 2" pitchFamily="18" charset="2"/>
-              <a:buNone/>
-              <a:tabLst/>
-              <a:defRPr/>
-            </a:pPr>
-            <a:r>
-              <a:rPr kumimoji="0" lang="en-US" sz="8797" b="1" i="0" u="none" strike="noStrike" kern="1200" cap="none" spc="0" normalizeH="0" baseline="0" noProof="0" dirty="0">
-                <a:ln>
-                  <a:noFill/>
-                </a:ln>
-                <a:solidFill>
-                  <a:srgbClr val="234465"/>
-                </a:solidFill>
-                <a:effectLst/>
-                <a:uLnTx/>
-                <a:uFillTx/>
-                <a:latin typeface="Calibri" panose="020F0502020204030204"/>
-                <a:ea typeface="+mn-ea"/>
-                <a:cs typeface="+mn-cs"/>
-              </a:rPr>
-              <a:t>Questions?</a:t>
-            </a:r>
-            <a:endParaRPr kumimoji="0" lang="en-US" sz="8797" b="1" i="0" u="none" strike="noStrike" kern="1200" cap="none" spc="150" normalizeH="0" baseline="0" noProof="0" dirty="0">
-              <a:ln w="11430"/>
-              <a:solidFill>
-                <a:srgbClr val="234465"/>
-              </a:solidFill>
-              <a:effectLst>
-                <a:outerShdw blurRad="25400" algn="tl" rotWithShape="0">
-                  <a:srgbClr val="000000">
-                    <a:alpha val="43000"/>
-                  </a:srgbClr>
-                </a:outerShdw>
-              </a:effectLst>
-              <a:uLnTx/>
-              <a:uFillTx/>
-              <a:latin typeface="Calibri" panose="020F0502020204030204"/>
-              <a:ea typeface="+mn-ea"/>
-              <a:cs typeface="+mn-cs"/>
-            </a:endParaRPr>
-          </a:p>
-        </p:txBody>
-      </p:sp>
-      <p:pic>
-        <p:nvPicPr>
-          <p:cNvPr id="36" name="Logo Software University" descr="Software University logo">
-            <a:extLst>
-              <a:ext uri="{FF2B5EF4-FFF2-40B4-BE49-F238E27FC236}">
-                <a16:creationId xmlns:a16="http://schemas.microsoft.com/office/drawing/2014/main" id="{67FC4D2E-913D-432A-B658-F0D82839FA5E}"/>
-              </a:ext>
-            </a:extLst>
-          </p:cNvPr>
-          <p:cNvPicPr>
-            <a:picLocks noChangeAspect="1"/>
-          </p:cNvPicPr>
-          <p:nvPr userDrawn="1"/>
-        </p:nvPicPr>
-        <p:blipFill>
-          <a:blip r:embed="rId11">
-            <a:clrChange>
-              <a:clrFrom>
-                <a:srgbClr val="FFFFFF"/>
-              </a:clrFrom>
-              <a:clrTo>
-                <a:srgbClr val="FFFFFF">
-                  <a:alpha val="0"/>
-                </a:srgbClr>
-              </a:clrTo>
-            </a:clrChange>
-            <a:extLst>
-              <a:ext uri="{28A0092B-C50C-407E-A947-70E740481C1C}">
-                <a14:useLocalDpi xmlns:a14="http://schemas.microsoft.com/office/drawing/2010/main" val="0"/>
-              </a:ext>
-            </a:extLst>
-          </a:blip>
-          <a:stretch>
-            <a:fillRect/>
-          </a:stretch>
-        </p:blipFill>
-        <p:spPr>
-          <a:xfrm>
-            <a:off x="10008761" y="190267"/>
-            <a:ext cx="2013336" cy="690975"/>
-          </a:xfrm>
-          <a:prstGeom prst="rect">
-            <a:avLst/>
-          </a:prstGeom>
-        </p:spPr>
-      </p:pic>
+          <a:lstStyle>
+            <a:lvl1pPr algn="ctr">
+              <a:defRPr sz="13800"/>
+            </a:lvl1pPr>
+          </a:lstStyle>
+          <a:p>
+            <a:r>
+              <a:rPr lang="bg-BG" dirty="0"/>
+              <a:t>Въпроси?</a:t>
+            </a:r>
+            <a:endParaRPr lang="en-US" dirty="0"/>
+          </a:p>
+        </p:txBody>
+      </p:sp>
     </p:spTree>
     <p:extLst>
       <p:ext uri="{BB962C8B-B14F-4D97-AF65-F5344CB8AC3E}">
@@ -6668,528 +5860,6 @@
 </p:sldLayout>
 </file>
 
-<file path=ppt/slideLayouts/slideLayout13.xml><?xml version="1.0" encoding="utf-8"?>
-<p:sldLayout xmlns:a="http://schemas.openxmlformats.org/drawingml/2006/main" xmlns:r="http://schemas.openxmlformats.org/officeDocument/2006/relationships" xmlns:p="http://schemas.openxmlformats.org/presentationml/2006/main" preserve="1" userDrawn="1">
-  <p:cSld name="About Slide">
-    <p:spTree>
-      <p:nvGrpSpPr>
-        <p:cNvPr id="1" name=""/>
-        <p:cNvGrpSpPr/>
-        <p:nvPr/>
-      </p:nvGrpSpPr>
-      <p:grpSpPr>
-        <a:xfrm>
-          <a:off x="0" y="0"/>
-          <a:ext cx="0" cy="0"/>
-          <a:chOff x="0" y="0"/>
-          <a:chExt cx="0" cy="0"/>
-        </a:xfrm>
-      </p:grpSpPr>
-      <p:sp>
-        <p:nvSpPr>
-          <p:cNvPr id="13" name="Slide Number">
-            <a:extLst>
-              <a:ext uri="{FF2B5EF4-FFF2-40B4-BE49-F238E27FC236}">
-                <a16:creationId xmlns:a16="http://schemas.microsoft.com/office/drawing/2014/main" id="{5B8761D8-B42F-4A70-A0CE-682CEB2AE31B}"/>
-              </a:ext>
-            </a:extLst>
-          </p:cNvPr>
-          <p:cNvSpPr>
-            <a:spLocks noGrp="1"/>
-          </p:cNvSpPr>
-          <p:nvPr>
-            <p:ph type="sldNum" sz="quarter" idx="4"/>
-          </p:nvPr>
-        </p:nvSpPr>
-        <p:spPr>
-          <a:xfrm>
-            <a:off x="11753030" y="6507000"/>
-            <a:ext cx="367414" cy="297000"/>
-          </a:xfrm>
-          <a:prstGeom prst="rect">
-            <a:avLst/>
-          </a:prstGeom>
-        </p:spPr>
-        <p:txBody>
-          <a:bodyPr vert="horz" lIns="91440" tIns="45720" rIns="91440" bIns="45720" rtlCol="0" anchor="b"/>
-          <a:lstStyle>
-            <a:lvl1pPr algn="r">
-              <a:defRPr sz="1000"/>
-            </a:lvl1pPr>
-          </a:lstStyle>
-          <a:p>
-            <a:fld id="{2BF067CD-8E6B-4360-9AA8-C5DF2A48A6D1}" type="slidenum">
-              <a:rPr lang="en-US" noProof="0" smtClean="0"/>
-              <a:pPr/>
-              <a:t>‹#›</a:t>
-            </a:fld>
-            <a:endParaRPr lang="en-US" noProof="0" dirty="0"/>
-          </a:p>
-        </p:txBody>
-      </p:sp>
-      <p:pic>
-        <p:nvPicPr>
-          <p:cNvPr id="19" name="Picture Forum" descr="Forum icon">
-            <a:hlinkClick r:id="rId2" tooltip="Software University Discussion Forum"/>
-            <a:extLst>
-              <a:ext uri="{FF2B5EF4-FFF2-40B4-BE49-F238E27FC236}">
-                <a16:creationId xmlns:a16="http://schemas.microsoft.com/office/drawing/2014/main" id="{98C579AD-FAF5-4B28-9B52-5457F1E90061}"/>
-              </a:ext>
-            </a:extLst>
-          </p:cNvPr>
-          <p:cNvPicPr>
-            <a:picLocks noChangeAspect="1"/>
-          </p:cNvPicPr>
-          <p:nvPr userDrawn="1"/>
-        </p:nvPicPr>
-        <p:blipFill>
-          <a:blip r:embed="rId3" cstate="print">
-            <a:extLst>
-              <a:ext uri="{28A0092B-C50C-407E-A947-70E740481C1C}">
-                <a14:useLocalDpi xmlns:a14="http://schemas.microsoft.com/office/drawing/2010/main"/>
-              </a:ext>
-            </a:extLst>
-          </a:blip>
-          <a:stretch>
-            <a:fillRect/>
-          </a:stretch>
-        </p:blipFill>
-        <p:spPr>
-          <a:xfrm>
-            <a:off x="10524350" y="5249556"/>
-            <a:ext cx="970156" cy="965726"/>
-          </a:xfrm>
-          <a:prstGeom prst="rect">
-            <a:avLst/>
-          </a:prstGeom>
-        </p:spPr>
-      </p:pic>
-      <p:pic>
-        <p:nvPicPr>
-          <p:cNvPr id="17" name="Picture Logo FB" descr="Facebook logo">
-            <a:hlinkClick r:id="rId4" tooltip="Software University @ Facebook"/>
-            <a:extLst>
-              <a:ext uri="{FF2B5EF4-FFF2-40B4-BE49-F238E27FC236}">
-                <a16:creationId xmlns:a16="http://schemas.microsoft.com/office/drawing/2014/main" id="{6B2C510E-5EF2-49F6-B926-2BD74CD3C7F8}"/>
-              </a:ext>
-            </a:extLst>
-          </p:cNvPr>
-          <p:cNvPicPr>
-            <a:picLocks noChangeAspect="1" noChangeArrowheads="1"/>
-          </p:cNvPicPr>
-          <p:nvPr userDrawn="1"/>
-        </p:nvPicPr>
-        <p:blipFill rotWithShape="1">
-          <a:blip r:embed="rId5" cstate="print">
-            <a:extLst>
-              <a:ext uri="{28A0092B-C50C-407E-A947-70E740481C1C}">
-                <a14:useLocalDpi xmlns:a14="http://schemas.microsoft.com/office/drawing/2010/main"/>
-              </a:ext>
-            </a:extLst>
-          </a:blip>
-          <a:srcRect/>
-          <a:stretch/>
-        </p:blipFill>
-        <p:spPr bwMode="auto">
-          <a:xfrm>
-            <a:off x="10507451" y="3689937"/>
-            <a:ext cx="1003954" cy="1017562"/>
-          </a:xfrm>
-          <a:prstGeom prst="rect">
-            <a:avLst/>
-          </a:prstGeom>
-          <a:noFill/>
-          <a:extLst>
-            <a:ext uri="{909E8E84-426E-40DD-AFC4-6F175D3DCCD1}">
-              <a14:hiddenFill xmlns:a14="http://schemas.microsoft.com/office/drawing/2010/main">
-                <a:solidFill>
-                  <a:srgbClr val="FFFFFF"/>
-                </a:solidFill>
-              </a14:hiddenFill>
-            </a:ext>
-          </a:extLst>
-        </p:spPr>
-      </p:pic>
-      <p:pic>
-        <p:nvPicPr>
-          <p:cNvPr id="20" name="Picture Logo SoftUni Right" descr="Software University logo">
-            <a:hlinkClick r:id="rId6"/>
-            <a:extLst>
-              <a:ext uri="{FF2B5EF4-FFF2-40B4-BE49-F238E27FC236}">
-                <a16:creationId xmlns:a16="http://schemas.microsoft.com/office/drawing/2014/main" id="{F4604840-E810-44B7-9FF1-3B28CD68B758}"/>
-              </a:ext>
-            </a:extLst>
-          </p:cNvPr>
-          <p:cNvPicPr>
-            <a:picLocks noChangeAspect="1"/>
-          </p:cNvPicPr>
-          <p:nvPr userDrawn="1"/>
-        </p:nvPicPr>
-        <p:blipFill>
-          <a:blip r:embed="rId7">
-            <a:extLst>
-              <a:ext uri="{28A0092B-C50C-407E-A947-70E740481C1C}">
-                <a14:useLocalDpi xmlns:a14="http://schemas.microsoft.com/office/drawing/2010/main" val="0"/>
-              </a:ext>
-            </a:extLst>
-          </a:blip>
-          <a:stretch>
-            <a:fillRect/>
-          </a:stretch>
-        </p:blipFill>
-        <p:spPr>
-          <a:xfrm>
-            <a:off x="10413401" y="1674000"/>
-            <a:ext cx="1192055" cy="1473880"/>
-          </a:xfrm>
-          <a:prstGeom prst="rect">
-            <a:avLst/>
-          </a:prstGeom>
-        </p:spPr>
-      </p:pic>
-      <p:pic>
-        <p:nvPicPr>
-          <p:cNvPr id="16" name="Picture SoftUni Mascot" descr="SoftUni mascot">
-            <a:hlinkClick r:id="rId8"/>
-            <a:extLst>
-              <a:ext uri="{FF2B5EF4-FFF2-40B4-BE49-F238E27FC236}">
-                <a16:creationId xmlns:a16="http://schemas.microsoft.com/office/drawing/2014/main" id="{07C965FA-A87E-4824-AFA8-C67AF548A76A}"/>
-              </a:ext>
-            </a:extLst>
-          </p:cNvPr>
-          <p:cNvPicPr>
-            <a:picLocks noChangeAspect="1"/>
-          </p:cNvPicPr>
-          <p:nvPr/>
-        </p:nvPicPr>
-        <p:blipFill>
-          <a:blip r:embed="rId9">
-            <a:extLst>
-              <a:ext uri="{28A0092B-C50C-407E-A947-70E740481C1C}">
-                <a14:useLocalDpi xmlns:a14="http://schemas.microsoft.com/office/drawing/2010/main" val="0"/>
-              </a:ext>
-            </a:extLst>
-          </a:blip>
-          <a:srcRect/>
-          <a:stretch/>
-        </p:blipFill>
-        <p:spPr>
-          <a:xfrm>
-            <a:off x="7181957" y="2584289"/>
-            <a:ext cx="2732955" cy="3630993"/>
-          </a:xfrm>
-          <a:prstGeom prst="rect">
-            <a:avLst/>
-          </a:prstGeom>
-        </p:spPr>
-      </p:pic>
-      <p:sp>
-        <p:nvSpPr>
-          <p:cNvPr id="12" name="Slide Body Text">
-            <a:extLst>
-              <a:ext uri="{FF2B5EF4-FFF2-40B4-BE49-F238E27FC236}">
-                <a16:creationId xmlns:a16="http://schemas.microsoft.com/office/drawing/2014/main" id="{0C1F9416-8B6E-46DE-973C-777785E27A26}"/>
-              </a:ext>
-            </a:extLst>
-          </p:cNvPr>
-          <p:cNvSpPr>
-            <a:spLocks noGrp="1"/>
-          </p:cNvSpPr>
-          <p:nvPr>
-            <p:ph idx="4294967295" hasCustomPrompt="1"/>
-          </p:nvPr>
-        </p:nvSpPr>
-        <p:spPr>
-          <a:xfrm>
-            <a:off x="152410" y="1186307"/>
-            <a:ext cx="8688590" cy="5496127"/>
-          </a:xfrm>
-        </p:spPr>
-        <p:txBody>
-          <a:bodyPr wrap="square">
-            <a:noAutofit/>
-          </a:bodyPr>
-          <a:lstStyle>
-            <a:lvl1pPr latinLnBrk="0">
-              <a:buClr>
-                <a:schemeClr val="tx1"/>
-              </a:buClr>
-              <a:defRPr sz="2798"/>
-            </a:lvl1pPr>
-            <a:lvl2pPr marL="989981" marR="0" indent="-380762" algn="l" defTabSz="1218438" rtl="0" eaLnBrk="1" fontAlgn="auto" latinLnBrk="1" hangingPunct="1">
-              <a:lnSpc>
-                <a:spcPct val="100000"/>
-              </a:lnSpc>
-              <a:spcBef>
-                <a:spcPts val="600"/>
-              </a:spcBef>
-              <a:spcAft>
-                <a:spcPts val="600"/>
-              </a:spcAft>
-              <a:buClrTx/>
-              <a:buSzTx/>
-              <a:buFont typeface="Wingdings" panose="05000000000000000000" pitchFamily="2" charset="2"/>
-              <a:buChar char="§"/>
-              <a:tabLst>
-                <a:tab pos="282405" algn="l"/>
-              </a:tabLst>
-              <a:defRPr sz="2800"/>
-            </a:lvl2pPr>
-            <a:lvl3pPr>
-              <a:buClr>
-                <a:schemeClr val="tx1"/>
-              </a:buClr>
-              <a:defRPr/>
-            </a:lvl3pPr>
-          </a:lstStyle>
-          <a:p>
-            <a:r>
-              <a:rPr lang="en-US" sz="3000" noProof="0" dirty="0"/>
-              <a:t>Software University – High-Quality Education, Profession and Job for Software Developers</a:t>
-            </a:r>
-          </a:p>
-          <a:p>
-            <a:pPr lvl="1"/>
-            <a:r>
-              <a:rPr lang="en-US" noProof="1">
-                <a:hlinkClick r:id="rId8"/>
-              </a:rPr>
-              <a:t>softuni.bg</a:t>
-            </a:r>
-            <a:r>
-              <a:rPr lang="en-US" noProof="1"/>
-              <a:t> </a:t>
-            </a:r>
-          </a:p>
-          <a:p>
-            <a:r>
-              <a:rPr lang="en-US" sz="3000" noProof="0" dirty="0"/>
-              <a:t>Software University Foundation</a:t>
-            </a:r>
-          </a:p>
-          <a:p>
-            <a:pPr lvl="1"/>
-            <a:r>
-              <a:rPr lang="en-US" noProof="1">
-                <a:hlinkClick r:id="rId10"/>
-              </a:rPr>
-              <a:t>softuni.foundation</a:t>
-            </a:r>
-            <a:endParaRPr lang="en-US" noProof="1"/>
-          </a:p>
-          <a:p>
-            <a:r>
-              <a:rPr lang="en-US" sz="3000" noProof="0" dirty="0"/>
-              <a:t>Software University @ Facebook</a:t>
-            </a:r>
-          </a:p>
-          <a:p>
-            <a:pPr lvl="1"/>
-            <a:r>
-              <a:rPr lang="en-US" noProof="1">
-                <a:hlinkClick r:id="rId4"/>
-              </a:rPr>
-              <a:t>facebook.com/SoftwareUniversity</a:t>
-            </a:r>
-            <a:endParaRPr lang="en-US" noProof="1"/>
-          </a:p>
-          <a:p>
-            <a:r>
-              <a:rPr lang="en-US" sz="3000" noProof="0" dirty="0"/>
-              <a:t>Software University Forums</a:t>
-            </a:r>
-          </a:p>
-          <a:p>
-            <a:pPr lvl="1"/>
-            <a:r>
-              <a:rPr lang="en-US" noProof="1">
-                <a:hlinkClick r:id="rId2"/>
-              </a:rPr>
-              <a:t>forum.softuni.bg</a:t>
-            </a:r>
-            <a:endParaRPr lang="en-US" noProof="1"/>
-          </a:p>
-        </p:txBody>
-      </p:sp>
-      <p:sp>
-        <p:nvSpPr>
-          <p:cNvPr id="10" name="Rectangle Top">
-            <a:extLst>
-              <a:ext uri="{FF2B5EF4-FFF2-40B4-BE49-F238E27FC236}">
-                <a16:creationId xmlns:a16="http://schemas.microsoft.com/office/drawing/2014/main" id="{86646B95-5E3B-4DE8-9118-031C2C296D8C}"/>
-              </a:ext>
-            </a:extLst>
-          </p:cNvPr>
-          <p:cNvSpPr/>
-          <p:nvPr userDrawn="1"/>
-        </p:nvSpPr>
-        <p:spPr>
-          <a:xfrm>
-            <a:off x="0" y="0"/>
-            <a:ext cx="12195176" cy="1095376"/>
-          </a:xfrm>
-          <a:prstGeom prst="rect">
-            <a:avLst/>
-          </a:prstGeom>
-          <a:solidFill>
-            <a:schemeClr val="tx2"/>
-          </a:solidFill>
-          <a:ln>
-            <a:noFill/>
-          </a:ln>
-        </p:spPr>
-        <p:style>
-          <a:lnRef idx="2">
-            <a:schemeClr val="accent1">
-              <a:shade val="50000"/>
-            </a:schemeClr>
-          </a:lnRef>
-          <a:fillRef idx="1">
-            <a:schemeClr val="accent1"/>
-          </a:fillRef>
-          <a:effectRef idx="0">
-            <a:schemeClr val="accent1"/>
-          </a:effectRef>
-          <a:fontRef idx="minor">
-            <a:schemeClr val="lt1"/>
-          </a:fontRef>
-        </p:style>
-        <p:txBody>
-          <a:bodyPr rtlCol="0" anchor="ctr"/>
-          <a:lstStyle/>
-          <a:p>
-            <a:pPr marL="0" marR="0" lvl="0" indent="0" algn="ctr" defTabSz="913852" rtl="0" eaLnBrk="1" fontAlgn="auto" latinLnBrk="0" hangingPunct="1">
-              <a:lnSpc>
-                <a:spcPct val="100000"/>
-              </a:lnSpc>
-              <a:spcBef>
-                <a:spcPts val="0"/>
-              </a:spcBef>
-              <a:spcAft>
-                <a:spcPts val="0"/>
-              </a:spcAft>
-              <a:buClrTx/>
-              <a:buSzTx/>
-              <a:buFontTx/>
-              <a:buNone/>
-              <a:tabLst/>
-              <a:defRPr/>
-            </a:pPr>
-            <a:endParaRPr kumimoji="0" lang="en-US" altLang="ko-KR" sz="2398" b="0" i="0" u="none" strike="noStrike" kern="1200" cap="none" spc="0" normalizeH="0" baseline="0" noProof="0" dirty="0">
-              <a:ln>
-                <a:noFill/>
-              </a:ln>
-              <a:solidFill>
-                <a:srgbClr val="F7C86D"/>
-              </a:solidFill>
-              <a:effectLst/>
-              <a:uLnTx/>
-              <a:uFillTx/>
-              <a:latin typeface="Calibri" panose="020F0502020204030204"/>
-              <a:ea typeface="맑은 고딕" panose="020B0503020000020004" pitchFamily="34" charset="-127"/>
-              <a:cs typeface="+mn-cs"/>
-            </a:endParaRPr>
-          </a:p>
-        </p:txBody>
-      </p:sp>
-      <p:pic>
-        <p:nvPicPr>
-          <p:cNvPr id="11" name="Logo Software University" descr="Software University logo">
-            <a:extLst>
-              <a:ext uri="{FF2B5EF4-FFF2-40B4-BE49-F238E27FC236}">
-                <a16:creationId xmlns:a16="http://schemas.microsoft.com/office/drawing/2014/main" id="{58AB1944-B146-4E89-B2D9-426EB610F319}"/>
-              </a:ext>
-            </a:extLst>
-          </p:cNvPr>
-          <p:cNvPicPr>
-            <a:picLocks noChangeAspect="1"/>
-          </p:cNvPicPr>
-          <p:nvPr userDrawn="1"/>
-        </p:nvPicPr>
-        <p:blipFill>
-          <a:blip r:embed="rId11">
-            <a:extLst>
-              <a:ext uri="{28A0092B-C50C-407E-A947-70E740481C1C}">
-                <a14:useLocalDpi xmlns:a14="http://schemas.microsoft.com/office/drawing/2010/main" val="0"/>
-              </a:ext>
-            </a:extLst>
-          </a:blip>
-          <a:stretch>
-            <a:fillRect/>
-          </a:stretch>
-        </p:blipFill>
-        <p:spPr>
-          <a:xfrm>
-            <a:off x="10067957" y="253936"/>
-            <a:ext cx="1915704" cy="559235"/>
-          </a:xfrm>
-          <a:prstGeom prst="rect">
-            <a:avLst/>
-          </a:prstGeom>
-        </p:spPr>
-      </p:pic>
-      <p:sp>
-        <p:nvSpPr>
-          <p:cNvPr id="18" name="Slide Title">
-            <a:extLst>
-              <a:ext uri="{FF2B5EF4-FFF2-40B4-BE49-F238E27FC236}">
-                <a16:creationId xmlns:a16="http://schemas.microsoft.com/office/drawing/2014/main" id="{AE87ED9C-76E1-4D85-9B06-3AF44AABB668}"/>
-              </a:ext>
-            </a:extLst>
-          </p:cNvPr>
-          <p:cNvSpPr>
-            <a:spLocks noGrp="1"/>
-          </p:cNvSpPr>
-          <p:nvPr>
-            <p:ph type="title" hasCustomPrompt="1"/>
-          </p:nvPr>
-        </p:nvSpPr>
-        <p:spPr>
-          <a:xfrm>
-            <a:off x="172286" y="108873"/>
-            <a:ext cx="9742626" cy="882654"/>
-          </a:xfrm>
-        </p:spPr>
-        <p:txBody>
-          <a:bodyPr/>
-          <a:lstStyle>
-            <a:lvl1pPr latinLnBrk="0">
-              <a:defRPr>
-                <a:solidFill>
-                  <a:schemeClr val="bg2"/>
-                </a:solidFill>
-              </a:defRPr>
-            </a:lvl1pPr>
-          </a:lstStyle>
-          <a:p>
-            <a:r>
-              <a:rPr lang="en-US" noProof="0" dirty="0"/>
-              <a:t>Trainings @ Software University (SoftUni)</a:t>
-            </a:r>
-          </a:p>
-        </p:txBody>
-      </p:sp>
-    </p:spTree>
-    <p:extLst>
-      <p:ext uri="{BB962C8B-B14F-4D97-AF65-F5344CB8AC3E}">
-        <p14:creationId xmlns:p14="http://schemas.microsoft.com/office/powerpoint/2010/main" val="2196466322"/>
-      </p:ext>
-    </p:extLst>
-  </p:cSld>
-  <p:clrMapOvr>
-    <a:masterClrMapping/>
-  </p:clrMapOvr>
-  <mc:AlternateContent xmlns:mc="http://schemas.openxmlformats.org/markup-compatibility/2006" xmlns:p14="http://schemas.microsoft.com/office/powerpoint/2010/main">
-    <mc:Choice Requires="p14">
-      <p:transition spd="slow" p14:dur="2000" advClick="0" advTm="5000"/>
-    </mc:Choice>
-    <mc:Fallback xmlns="">
-      <p:transition spd="slow" advClick="0" advTm="5000"/>
-    </mc:Fallback>
-  </mc:AlternateContent>
-</p:sldLayout>
-</file>
-
 <file path=ppt/slideLayouts/slideLayout2.xml><?xml version="1.0" encoding="utf-8"?>
 <p:sldLayout xmlns:a="http://schemas.openxmlformats.org/drawingml/2006/main" xmlns:r="http://schemas.openxmlformats.org/officeDocument/2006/relationships" xmlns:p="http://schemas.openxmlformats.org/presentationml/2006/main" preserve="1">
   <p:cSld name="Section Title Slide">
@@ -7267,7 +5937,7 @@
               <a:tabLst/>
               <a:defRPr/>
             </a:pPr>
-            <a:endParaRPr kumimoji="0" lang="en-US" altLang="ko-KR" sz="2398" b="0" i="0" u="none" strike="noStrike" kern="1200" cap="none" spc="0" normalizeH="0" baseline="0" noProof="0" dirty="0">
+            <a:endParaRPr kumimoji="0" lang="en-US" altLang="ko-KR" sz="2398" b="0" i="0" u="none" strike="noStrike" kern="1200" cap="none" spc="0" normalizeH="0" baseline="0" noProof="0">
               <a:ln>
                 <a:noFill/>
               </a:ln>
@@ -7595,7 +6265,7 @@
               <a:tabLst/>
               <a:defRPr/>
             </a:pPr>
-            <a:endParaRPr kumimoji="0" lang="en-US" altLang="ko-KR" sz="2398" b="0" i="0" u="none" strike="noStrike" kern="1200" cap="none" spc="0" normalizeH="0" baseline="0" noProof="0" dirty="0">
+            <a:endParaRPr kumimoji="0" lang="en-US" altLang="ko-KR" sz="2398" b="0" i="0" u="none" strike="noStrike" kern="1200" cap="none" spc="0" normalizeH="0" baseline="0" noProof="0">
               <a:ln>
                 <a:noFill/>
               </a:ln>
@@ -7612,42 +6282,6 @@
           </a:p>
         </p:txBody>
       </p:sp>
-      <p:pic>
-        <p:nvPicPr>
-          <p:cNvPr id="12" name="Logo Software University" descr="Software University logo">
-            <a:extLst>
-              <a:ext uri="{FF2B5EF4-FFF2-40B4-BE49-F238E27FC236}">
-                <a16:creationId xmlns:a16="http://schemas.microsoft.com/office/drawing/2014/main" id="{B1D3B425-B9BF-43ED-9DEC-C05002FBA22F}"/>
-              </a:ext>
-            </a:extLst>
-          </p:cNvPr>
-          <p:cNvPicPr>
-            <a:picLocks noChangeAspect="1"/>
-          </p:cNvPicPr>
-          <p:nvPr userDrawn="1"/>
-        </p:nvPicPr>
-        <p:blipFill>
-          <a:blip r:embed="rId2">
-            <a:extLst>
-              <a:ext uri="{28A0092B-C50C-407E-A947-70E740481C1C}">
-                <a14:useLocalDpi xmlns:a14="http://schemas.microsoft.com/office/drawing/2010/main" val="0"/>
-              </a:ext>
-            </a:extLst>
-          </a:blip>
-          <a:stretch>
-            <a:fillRect/>
-          </a:stretch>
-        </p:blipFill>
-        <p:spPr>
-          <a:xfrm>
-            <a:off x="10067957" y="253936"/>
-            <a:ext cx="1915704" cy="559235"/>
-          </a:xfrm>
-          <a:prstGeom prst="rect">
-            <a:avLst/>
-          </a:prstGeom>
-        </p:spPr>
-      </p:pic>
       <p:sp>
         <p:nvSpPr>
           <p:cNvPr id="6" name="Slide Title">
@@ -7667,7 +6301,7 @@
         <p:spPr>
           <a:xfrm>
             <a:off x="190406" y="100750"/>
-            <a:ext cx="9715594" cy="882654"/>
+            <a:ext cx="10270594" cy="882654"/>
           </a:xfrm>
         </p:spPr>
         <p:txBody>
@@ -7689,6 +6323,42 @@
           </a:p>
         </p:txBody>
       </p:sp>
+      <p:pic>
+        <p:nvPicPr>
+          <p:cNvPr id="4" name="Picture 3">
+            <a:extLst>
+              <a:ext uri="{FF2B5EF4-FFF2-40B4-BE49-F238E27FC236}">
+                <a16:creationId xmlns:a16="http://schemas.microsoft.com/office/drawing/2014/main" id="{4B9A1D0F-F579-6A3C-C698-4E2E7F1AB265}"/>
+              </a:ext>
+            </a:extLst>
+          </p:cNvPr>
+          <p:cNvPicPr>
+            <a:picLocks noChangeAspect="1"/>
+          </p:cNvPicPr>
+          <p:nvPr userDrawn="1"/>
+        </p:nvPicPr>
+        <p:blipFill>
+          <a:blip r:embed="rId2" cstate="print">
+            <a:extLst>
+              <a:ext uri="{28A0092B-C50C-407E-A947-70E740481C1C}">
+                <a14:useLocalDpi xmlns:a14="http://schemas.microsoft.com/office/drawing/2010/main" val="0"/>
+              </a:ext>
+            </a:extLst>
+          </a:blip>
+          <a:stretch>
+            <a:fillRect/>
+          </a:stretch>
+        </p:blipFill>
+        <p:spPr>
+          <a:xfrm>
+            <a:off x="10553573" y="368999"/>
+            <a:ext cx="1443361" cy="360001"/>
+          </a:xfrm>
+          <a:prstGeom prst="rect">
+            <a:avLst/>
+          </a:prstGeom>
+        </p:spPr>
+      </p:pic>
     </p:spTree>
     <p:extLst>
       <p:ext uri="{BB962C8B-B14F-4D97-AF65-F5344CB8AC3E}">
@@ -7711,371 +6381,6 @@
 </file>
 
 <file path=ppt/slideLayouts/slideLayout4.xml><?xml version="1.0" encoding="utf-8"?>
-<p:sldLayout xmlns:a="http://schemas.openxmlformats.org/drawingml/2006/main" xmlns:r="http://schemas.openxmlformats.org/officeDocument/2006/relationships" xmlns:p="http://schemas.openxmlformats.org/presentationml/2006/main" preserve="1" userDrawn="1">
-  <p:cSld name="Table of Contents">
-    <p:spTree>
-      <p:nvGrpSpPr>
-        <p:cNvPr id="1" name=""/>
-        <p:cNvGrpSpPr/>
-        <p:nvPr/>
-      </p:nvGrpSpPr>
-      <p:grpSpPr>
-        <a:xfrm>
-          <a:off x="0" y="0"/>
-          <a:ext cx="0" cy="0"/>
-          <a:chOff x="0" y="0"/>
-          <a:chExt cx="0" cy="0"/>
-        </a:xfrm>
-      </p:grpSpPr>
-      <p:sp>
-        <p:nvSpPr>
-          <p:cNvPr id="10" name="Slide Number">
-            <a:extLst>
-              <a:ext uri="{FF2B5EF4-FFF2-40B4-BE49-F238E27FC236}">
-                <a16:creationId xmlns:a16="http://schemas.microsoft.com/office/drawing/2014/main" id="{39DDE17E-5472-41F3-AF5F-54DFF10DC63C}"/>
-              </a:ext>
-            </a:extLst>
-          </p:cNvPr>
-          <p:cNvSpPr>
-            <a:spLocks noGrp="1"/>
-          </p:cNvSpPr>
-          <p:nvPr>
-            <p:ph type="sldNum" sz="quarter" idx="4"/>
-          </p:nvPr>
-        </p:nvSpPr>
-        <p:spPr>
-          <a:xfrm>
-            <a:off x="11753030" y="6507000"/>
-            <a:ext cx="367414" cy="297000"/>
-          </a:xfrm>
-          <a:prstGeom prst="rect">
-            <a:avLst/>
-          </a:prstGeom>
-        </p:spPr>
-        <p:txBody>
-          <a:bodyPr vert="horz" lIns="91440" tIns="45720" rIns="91440" bIns="45720" rtlCol="0" anchor="b"/>
-          <a:lstStyle>
-            <a:lvl1pPr algn="r">
-              <a:defRPr sz="1000"/>
-            </a:lvl1pPr>
-          </a:lstStyle>
-          <a:p>
-            <a:fld id="{2BF067CD-8E6B-4360-9AA8-C5DF2A48A6D1}" type="slidenum">
-              <a:rPr lang="en-US" noProof="0" smtClean="0"/>
-              <a:pPr/>
-              <a:t>‹#›</a:t>
-            </a:fld>
-            <a:endParaRPr lang="en-US" noProof="0" dirty="0"/>
-          </a:p>
-        </p:txBody>
-      </p:sp>
-      <p:pic>
-        <p:nvPicPr>
-          <p:cNvPr id="9" name="Picture SoftUni Mascot" descr="SoftUni mascot with laptop">
-            <a:extLst>
-              <a:ext uri="{FF2B5EF4-FFF2-40B4-BE49-F238E27FC236}">
-                <a16:creationId xmlns:a16="http://schemas.microsoft.com/office/drawing/2014/main" id="{DC4365F6-D2C1-47B4-8477-38FD2C7711AA}"/>
-              </a:ext>
-            </a:extLst>
-          </p:cNvPr>
-          <p:cNvPicPr>
-            <a:picLocks noChangeAspect="1"/>
-          </p:cNvPicPr>
-          <p:nvPr/>
-        </p:nvPicPr>
-        <p:blipFill>
-          <a:blip r:embed="rId2" cstate="print">
-            <a:extLst>
-              <a:ext uri="{28A0092B-C50C-407E-A947-70E740481C1C}">
-                <a14:useLocalDpi xmlns:a14="http://schemas.microsoft.com/office/drawing/2010/main" val="0"/>
-              </a:ext>
-            </a:extLst>
-          </a:blip>
-          <a:stretch>
-            <a:fillRect/>
-          </a:stretch>
-        </p:blipFill>
-        <p:spPr>
-          <a:xfrm flipH="1">
-            <a:off x="9516000" y="3408496"/>
-            <a:ext cx="2251057" cy="3044431"/>
-          </a:xfrm>
-          <a:prstGeom prst="rect">
-            <a:avLst/>
-          </a:prstGeom>
-        </p:spPr>
-      </p:pic>
-      <p:sp>
-        <p:nvSpPr>
-          <p:cNvPr id="23" name="Slide Body Text">
-            <a:extLst>
-              <a:ext uri="{FF2B5EF4-FFF2-40B4-BE49-F238E27FC236}">
-                <a16:creationId xmlns:a16="http://schemas.microsoft.com/office/drawing/2014/main" id="{889D93F4-ABFA-46BF-8E5D-FE6562ACB20F}"/>
-              </a:ext>
-            </a:extLst>
-          </p:cNvPr>
-          <p:cNvSpPr>
-            <a:spLocks noGrp="1"/>
-          </p:cNvSpPr>
-          <p:nvPr>
-            <p:ph type="body" sz="quarter" idx="13" hasCustomPrompt="1"/>
-          </p:nvPr>
-        </p:nvSpPr>
-        <p:spPr>
-          <a:xfrm>
-            <a:off x="196766" y="1371604"/>
-            <a:ext cx="9049234" cy="5207396"/>
-          </a:xfrm>
-        </p:spPr>
-        <p:txBody>
-          <a:bodyPr>
-            <a:normAutofit/>
-          </a:bodyPr>
-          <a:lstStyle>
-            <a:lvl1pPr marL="514042" indent="-514042" latinLnBrk="0">
-              <a:buFont typeface="+mj-lt"/>
-              <a:buAutoNum type="arabicPeriod"/>
-              <a:defRPr sz="3600">
-                <a:solidFill>
-                  <a:schemeClr val="tx1"/>
-                </a:solidFill>
-              </a:defRPr>
-            </a:lvl1pPr>
-            <a:lvl2pPr>
-              <a:defRPr sz="3400"/>
-            </a:lvl2pPr>
-          </a:lstStyle>
-          <a:p>
-            <a:pPr lvl="0"/>
-            <a:r>
-              <a:rPr lang="en-US" noProof="0"/>
-              <a:t>…</a:t>
-            </a:r>
-          </a:p>
-          <a:p>
-            <a:pPr lvl="1"/>
-            <a:r>
-              <a:rPr lang="en-US" noProof="0"/>
-              <a:t>…</a:t>
-            </a:r>
-          </a:p>
-          <a:p>
-            <a:pPr lvl="1"/>
-            <a:r>
-              <a:rPr lang="en-US" noProof="0"/>
-              <a:t>…</a:t>
-            </a:r>
-          </a:p>
-          <a:p>
-            <a:pPr lvl="0"/>
-            <a:r>
-              <a:rPr lang="en-US" noProof="0"/>
-              <a:t>…</a:t>
-            </a:r>
-          </a:p>
-          <a:p>
-            <a:pPr lvl="1"/>
-            <a:r>
-              <a:rPr lang="en-US" noProof="0"/>
-              <a:t>…</a:t>
-            </a:r>
-          </a:p>
-          <a:p>
-            <a:pPr lvl="1"/>
-            <a:r>
-              <a:rPr lang="en-US" noProof="0"/>
-              <a:t>…</a:t>
-            </a:r>
-          </a:p>
-          <a:p>
-            <a:pPr lvl="0"/>
-            <a:r>
-              <a:rPr lang="en-US" noProof="0"/>
-              <a:t>…</a:t>
-            </a:r>
-          </a:p>
-        </p:txBody>
-      </p:sp>
-      <p:sp>
-        <p:nvSpPr>
-          <p:cNvPr id="8" name="Rectangle Top">
-            <a:extLst>
-              <a:ext uri="{FF2B5EF4-FFF2-40B4-BE49-F238E27FC236}">
-                <a16:creationId xmlns:a16="http://schemas.microsoft.com/office/drawing/2014/main" id="{930E0800-9260-4369-8330-8264DD33C5CE}"/>
-              </a:ext>
-            </a:extLst>
-          </p:cNvPr>
-          <p:cNvSpPr/>
-          <p:nvPr userDrawn="1"/>
-        </p:nvSpPr>
-        <p:spPr>
-          <a:xfrm>
-            <a:off x="0" y="0"/>
-            <a:ext cx="12196800" cy="1095376"/>
-          </a:xfrm>
-          <a:prstGeom prst="rect">
-            <a:avLst/>
-          </a:prstGeom>
-          <a:solidFill>
-            <a:schemeClr val="tx2"/>
-          </a:solidFill>
-          <a:ln>
-            <a:noFill/>
-          </a:ln>
-        </p:spPr>
-        <p:style>
-          <a:lnRef idx="2">
-            <a:schemeClr val="accent1">
-              <a:shade val="50000"/>
-            </a:schemeClr>
-          </a:lnRef>
-          <a:fillRef idx="1">
-            <a:schemeClr val="accent1"/>
-          </a:fillRef>
-          <a:effectRef idx="0">
-            <a:schemeClr val="accent1"/>
-          </a:effectRef>
-          <a:fontRef idx="minor">
-            <a:schemeClr val="lt1"/>
-          </a:fontRef>
-        </p:style>
-        <p:txBody>
-          <a:bodyPr rtlCol="0" anchor="ctr"/>
-          <a:lstStyle/>
-          <a:p>
-            <a:pPr marL="0" marR="0" lvl="0" indent="0" algn="ctr" defTabSz="913852" rtl="0" eaLnBrk="1" fontAlgn="auto" latinLnBrk="0" hangingPunct="1">
-              <a:lnSpc>
-                <a:spcPct val="100000"/>
-              </a:lnSpc>
-              <a:spcBef>
-                <a:spcPts val="0"/>
-              </a:spcBef>
-              <a:spcAft>
-                <a:spcPts val="0"/>
-              </a:spcAft>
-              <a:buClrTx/>
-              <a:buSzTx/>
-              <a:buFontTx/>
-              <a:buNone/>
-              <a:tabLst/>
-              <a:defRPr/>
-            </a:pPr>
-            <a:endParaRPr kumimoji="0" lang="en-US" altLang="ko-KR" sz="2398" b="0" i="0" u="none" strike="noStrike" kern="1200" cap="none" spc="0" normalizeH="0" baseline="0" noProof="0" dirty="0">
-              <a:ln>
-                <a:noFill/>
-              </a:ln>
-              <a:solidFill>
-                <a:srgbClr val="F7C86D"/>
-              </a:solidFill>
-              <a:effectLst/>
-              <a:uLnTx/>
-              <a:uFillTx/>
-              <a:latin typeface="Calibri" panose="020F0502020204030204"/>
-              <a:ea typeface="맑은 고딕" panose="020B0503020000020004" pitchFamily="34" charset="-127"/>
-              <a:cs typeface="+mn-cs"/>
-            </a:endParaRPr>
-          </a:p>
-        </p:txBody>
-      </p:sp>
-      <p:pic>
-        <p:nvPicPr>
-          <p:cNvPr id="11" name="Logo Software University" descr="Software University logo">
-            <a:extLst>
-              <a:ext uri="{FF2B5EF4-FFF2-40B4-BE49-F238E27FC236}">
-                <a16:creationId xmlns:a16="http://schemas.microsoft.com/office/drawing/2014/main" id="{14F779A7-4A91-448B-BEFA-956C70A1C22F}"/>
-              </a:ext>
-            </a:extLst>
-          </p:cNvPr>
-          <p:cNvPicPr>
-            <a:picLocks noChangeAspect="1"/>
-          </p:cNvPicPr>
-          <p:nvPr userDrawn="1"/>
-        </p:nvPicPr>
-        <p:blipFill>
-          <a:blip r:embed="rId3">
-            <a:extLst>
-              <a:ext uri="{28A0092B-C50C-407E-A947-70E740481C1C}">
-                <a14:useLocalDpi xmlns:a14="http://schemas.microsoft.com/office/drawing/2010/main" val="0"/>
-              </a:ext>
-            </a:extLst>
-          </a:blip>
-          <a:stretch>
-            <a:fillRect/>
-          </a:stretch>
-        </p:blipFill>
-        <p:spPr>
-          <a:xfrm>
-            <a:off x="10067957" y="253936"/>
-            <a:ext cx="1915704" cy="559235"/>
-          </a:xfrm>
-          <a:prstGeom prst="rect">
-            <a:avLst/>
-          </a:prstGeom>
-        </p:spPr>
-      </p:pic>
-      <p:sp>
-        <p:nvSpPr>
-          <p:cNvPr id="13" name="Slide Title">
-            <a:extLst>
-              <a:ext uri="{FF2B5EF4-FFF2-40B4-BE49-F238E27FC236}">
-                <a16:creationId xmlns:a16="http://schemas.microsoft.com/office/drawing/2014/main" id="{357D7BE1-6358-42CC-94F3-7BCDD91DCB6D}"/>
-              </a:ext>
-            </a:extLst>
-          </p:cNvPr>
-          <p:cNvSpPr>
-            <a:spLocks noGrp="1"/>
-          </p:cNvSpPr>
-          <p:nvPr>
-            <p:ph type="title" hasCustomPrompt="1"/>
-          </p:nvPr>
-        </p:nvSpPr>
-        <p:spPr>
-          <a:xfrm>
-            <a:off x="190406" y="100750"/>
-            <a:ext cx="9715594" cy="882654"/>
-          </a:xfrm>
-        </p:spPr>
-        <p:txBody>
-          <a:bodyPr/>
-          <a:lstStyle>
-            <a:lvl1pPr latinLnBrk="0">
-              <a:defRPr>
-                <a:solidFill>
-                  <a:schemeClr val="bg2"/>
-                </a:solidFill>
-              </a:defRPr>
-            </a:lvl1pPr>
-          </a:lstStyle>
-          <a:p>
-            <a:r>
-              <a:rPr lang="en-US" noProof="0" dirty="0"/>
-              <a:t>Table of Contents</a:t>
-            </a:r>
-          </a:p>
-        </p:txBody>
-      </p:sp>
-    </p:spTree>
-    <p:extLst>
-      <p:ext uri="{BB962C8B-B14F-4D97-AF65-F5344CB8AC3E}">
-        <p14:creationId xmlns:p14="http://schemas.microsoft.com/office/powerpoint/2010/main" val="1028724482"/>
-      </p:ext>
-    </p:extLst>
-  </p:cSld>
-  <p:clrMapOvr>
-    <a:masterClrMapping/>
-  </p:clrMapOvr>
-  <mc:AlternateContent xmlns:mc="http://schemas.openxmlformats.org/markup-compatibility/2006" xmlns:p14="http://schemas.microsoft.com/office/powerpoint/2010/main">
-    <mc:Choice Requires="p14">
-      <p:transition spd="slow" p14:dur="2000" advClick="0" advTm="5000"/>
-    </mc:Choice>
-    <mc:Fallback xmlns="">
-      <p:transition spd="slow" advClick="0" advTm="5000"/>
-    </mc:Fallback>
-  </mc:AlternateContent>
-</p:sldLayout>
-</file>
-
-<file path=ppt/slideLayouts/slideLayout5.xml><?xml version="1.0" encoding="utf-8"?>
 <p:sldLayout xmlns:a="http://schemas.openxmlformats.org/drawingml/2006/main" xmlns:r="http://schemas.openxmlformats.org/officeDocument/2006/relationships" xmlns:p="http://schemas.openxmlformats.org/presentationml/2006/main" preserve="1" userDrawn="1">
   <p:cSld name="Important Concept">
     <p:spTree>
@@ -8346,52 +6651,6 @@
           </a:p>
         </p:txBody>
       </p:sp>
-      <p:pic>
-        <p:nvPicPr>
-          <p:cNvPr id="3" name="Logo Software University" descr="Software University logo">
-            <a:extLst>
-              <a:ext uri="{FF2B5EF4-FFF2-40B4-BE49-F238E27FC236}">
-                <a16:creationId xmlns:a16="http://schemas.microsoft.com/office/drawing/2014/main" id="{5573C101-930B-47AC-967A-A64513DFFDEE}"/>
-              </a:ext>
-            </a:extLst>
-          </p:cNvPr>
-          <p:cNvPicPr>
-            <a:picLocks noChangeAspect="1"/>
-          </p:cNvPicPr>
-          <p:nvPr userDrawn="1"/>
-        </p:nvPicPr>
-        <p:blipFill>
-          <a:blip r:embed="rId3">
-            <a:clrChange>
-              <a:clrFrom>
-                <a:srgbClr val="FFFFFF"/>
-              </a:clrFrom>
-              <a:clrTo>
-                <a:srgbClr val="FFFFFF">
-                  <a:alpha val="0"/>
-                </a:srgbClr>
-              </a:clrTo>
-            </a:clrChange>
-            <a:extLst>
-              <a:ext uri="{28A0092B-C50C-407E-A947-70E740481C1C}">
-                <a14:useLocalDpi xmlns:a14="http://schemas.microsoft.com/office/drawing/2010/main" val="0"/>
-              </a:ext>
-            </a:extLst>
-          </a:blip>
-          <a:stretch>
-            <a:fillRect/>
-          </a:stretch>
-        </p:blipFill>
-        <p:spPr>
-          <a:xfrm>
-            <a:off x="10008761" y="190267"/>
-            <a:ext cx="2013336" cy="690975"/>
-          </a:xfrm>
-          <a:prstGeom prst="rect">
-            <a:avLst/>
-          </a:prstGeom>
-        </p:spPr>
-      </p:pic>
       <p:sp>
         <p:nvSpPr>
           <p:cNvPr id="8" name="Slide Title">
@@ -8410,8 +6669,8 @@
         </p:nvSpPr>
         <p:spPr>
           <a:xfrm>
-            <a:off x="1296957" y="100750"/>
-            <a:ext cx="8625520" cy="882654"/>
+            <a:off x="1296956" y="100750"/>
+            <a:ext cx="9164044" cy="882654"/>
           </a:xfrm>
         </p:spPr>
         <p:txBody>
@@ -8429,6 +6688,42 @@
           </a:p>
         </p:txBody>
       </p:sp>
+      <p:pic>
+        <p:nvPicPr>
+          <p:cNvPr id="2" name="Picture 1">
+            <a:extLst>
+              <a:ext uri="{FF2B5EF4-FFF2-40B4-BE49-F238E27FC236}">
+                <a16:creationId xmlns:a16="http://schemas.microsoft.com/office/drawing/2014/main" id="{78CA5371-2597-CF8F-1859-226395807433}"/>
+              </a:ext>
+            </a:extLst>
+          </p:cNvPr>
+          <p:cNvPicPr>
+            <a:picLocks noChangeAspect="1"/>
+          </p:cNvPicPr>
+          <p:nvPr userDrawn="1"/>
+        </p:nvPicPr>
+        <p:blipFill>
+          <a:blip r:embed="rId3" cstate="print">
+            <a:extLst>
+              <a:ext uri="{28A0092B-C50C-407E-A947-70E740481C1C}">
+                <a14:useLocalDpi xmlns:a14="http://schemas.microsoft.com/office/drawing/2010/main" val="0"/>
+              </a:ext>
+            </a:extLst>
+          </a:blip>
+          <a:stretch>
+            <a:fillRect/>
+          </a:stretch>
+        </p:blipFill>
+        <p:spPr>
+          <a:xfrm>
+            <a:off x="10551877" y="362077"/>
+            <a:ext cx="1443357" cy="360000"/>
+          </a:xfrm>
+          <a:prstGeom prst="rect">
+            <a:avLst/>
+          </a:prstGeom>
+        </p:spPr>
+      </p:pic>
     </p:spTree>
     <p:extLst>
       <p:ext uri="{BB962C8B-B14F-4D97-AF65-F5344CB8AC3E}">
@@ -8450,7 +6745,7 @@
 </p:sldLayout>
 </file>
 
-<file path=ppt/slideLayouts/slideLayout6.xml><?xml version="1.0" encoding="utf-8"?>
+<file path=ppt/slideLayouts/slideLayout5.xml><?xml version="1.0" encoding="utf-8"?>
 <p:sldLayout xmlns:a="http://schemas.openxmlformats.org/drawingml/2006/main" xmlns:r="http://schemas.openxmlformats.org/officeDocument/2006/relationships" xmlns:p="http://schemas.openxmlformats.org/presentationml/2006/main" preserve="1">
   <p:cSld name="Important Example">
     <p:spTree>
@@ -8727,52 +7022,6 @@
           </a:p>
         </p:txBody>
       </p:sp>
-      <p:pic>
-        <p:nvPicPr>
-          <p:cNvPr id="16" name="Logo Software University" descr="Software University logo">
-            <a:extLst>
-              <a:ext uri="{FF2B5EF4-FFF2-40B4-BE49-F238E27FC236}">
-                <a16:creationId xmlns:a16="http://schemas.microsoft.com/office/drawing/2014/main" id="{EFEBB553-EACE-4B4F-8B4F-7629FDD910A4}"/>
-              </a:ext>
-            </a:extLst>
-          </p:cNvPr>
-          <p:cNvPicPr>
-            <a:picLocks noChangeAspect="1"/>
-          </p:cNvPicPr>
-          <p:nvPr userDrawn="1"/>
-        </p:nvPicPr>
-        <p:blipFill>
-          <a:blip r:embed="rId3">
-            <a:clrChange>
-              <a:clrFrom>
-                <a:srgbClr val="FFFFFF"/>
-              </a:clrFrom>
-              <a:clrTo>
-                <a:srgbClr val="FFFFFF">
-                  <a:alpha val="0"/>
-                </a:srgbClr>
-              </a:clrTo>
-            </a:clrChange>
-            <a:extLst>
-              <a:ext uri="{28A0092B-C50C-407E-A947-70E740481C1C}">
-                <a14:useLocalDpi xmlns:a14="http://schemas.microsoft.com/office/drawing/2010/main" val="0"/>
-              </a:ext>
-            </a:extLst>
-          </a:blip>
-          <a:stretch>
-            <a:fillRect/>
-          </a:stretch>
-        </p:blipFill>
-        <p:spPr>
-          <a:xfrm>
-            <a:off x="10008761" y="190267"/>
-            <a:ext cx="2013336" cy="690975"/>
-          </a:xfrm>
-          <a:prstGeom prst="rect">
-            <a:avLst/>
-          </a:prstGeom>
-        </p:spPr>
-      </p:pic>
       <p:sp>
         <p:nvSpPr>
           <p:cNvPr id="13" name="Slide Title">
@@ -8791,8 +7040,8 @@
         </p:nvSpPr>
         <p:spPr>
           <a:xfrm>
-            <a:off x="1296957" y="100750"/>
-            <a:ext cx="8625520" cy="882654"/>
+            <a:off x="1296956" y="100750"/>
+            <a:ext cx="9164044" cy="882654"/>
           </a:xfrm>
         </p:spPr>
         <p:txBody>
@@ -8810,6 +7059,42 @@
           </a:p>
         </p:txBody>
       </p:sp>
+      <p:pic>
+        <p:nvPicPr>
+          <p:cNvPr id="2" name="Picture 1">
+            <a:extLst>
+              <a:ext uri="{FF2B5EF4-FFF2-40B4-BE49-F238E27FC236}">
+                <a16:creationId xmlns:a16="http://schemas.microsoft.com/office/drawing/2014/main" id="{A37AF1B9-D67A-246A-86B6-E28F19C52390}"/>
+              </a:ext>
+            </a:extLst>
+          </p:cNvPr>
+          <p:cNvPicPr>
+            <a:picLocks noChangeAspect="1"/>
+          </p:cNvPicPr>
+          <p:nvPr userDrawn="1"/>
+        </p:nvPicPr>
+        <p:blipFill>
+          <a:blip r:embed="rId3" cstate="print">
+            <a:extLst>
+              <a:ext uri="{28A0092B-C50C-407E-A947-70E740481C1C}">
+                <a14:useLocalDpi xmlns:a14="http://schemas.microsoft.com/office/drawing/2010/main" val="0"/>
+              </a:ext>
+            </a:extLst>
+          </a:blip>
+          <a:stretch>
+            <a:fillRect/>
+          </a:stretch>
+        </p:blipFill>
+        <p:spPr>
+          <a:xfrm>
+            <a:off x="10551877" y="362077"/>
+            <a:ext cx="1443357" cy="360000"/>
+          </a:xfrm>
+          <a:prstGeom prst="rect">
+            <a:avLst/>
+          </a:prstGeom>
+        </p:spPr>
+      </p:pic>
     </p:spTree>
     <p:extLst>
       <p:ext uri="{BB962C8B-B14F-4D97-AF65-F5344CB8AC3E}">
@@ -8831,7 +7116,7 @@
 </p:sldLayout>
 </file>
 
-<file path=ppt/slideLayouts/slideLayout7.xml><?xml version="1.0" encoding="utf-8"?>
+<file path=ppt/slideLayouts/slideLayout6.xml><?xml version="1.0" encoding="utf-8"?>
 <p:sldLayout xmlns:a="http://schemas.openxmlformats.org/drawingml/2006/main" xmlns:r="http://schemas.openxmlformats.org/officeDocument/2006/relationships" xmlns:p="http://schemas.openxmlformats.org/presentationml/2006/main" preserve="1" userDrawn="1">
   <p:cSld name="Blank Slide">
     <p:spTree>
@@ -9126,8 +7411,8 @@
         </p:nvSpPr>
         <p:spPr>
           <a:xfrm>
-            <a:off x="585176" y="100750"/>
-            <a:ext cx="11410061" cy="882654"/>
+            <a:off x="585177" y="100750"/>
+            <a:ext cx="9875824" cy="882654"/>
           </a:xfrm>
         </p:spPr>
         <p:txBody>
@@ -9145,6 +7430,42 @@
           </a:p>
         </p:txBody>
       </p:sp>
+      <p:pic>
+        <p:nvPicPr>
+          <p:cNvPr id="2" name="Picture 1">
+            <a:extLst>
+              <a:ext uri="{FF2B5EF4-FFF2-40B4-BE49-F238E27FC236}">
+                <a16:creationId xmlns:a16="http://schemas.microsoft.com/office/drawing/2014/main" id="{9C2C375B-43BF-D1DD-F160-1500A111885C}"/>
+              </a:ext>
+            </a:extLst>
+          </p:cNvPr>
+          <p:cNvPicPr>
+            <a:picLocks noChangeAspect="1"/>
+          </p:cNvPicPr>
+          <p:nvPr userDrawn="1"/>
+        </p:nvPicPr>
+        <p:blipFill>
+          <a:blip r:embed="rId3" cstate="print">
+            <a:extLst>
+              <a:ext uri="{28A0092B-C50C-407E-A947-70E740481C1C}">
+                <a14:useLocalDpi xmlns:a14="http://schemas.microsoft.com/office/drawing/2010/main" val="0"/>
+              </a:ext>
+            </a:extLst>
+          </a:blip>
+          <a:stretch>
+            <a:fillRect/>
+          </a:stretch>
+        </p:blipFill>
+        <p:spPr>
+          <a:xfrm>
+            <a:off x="10551877" y="362077"/>
+            <a:ext cx="1443357" cy="360000"/>
+          </a:xfrm>
+          <a:prstGeom prst="rect">
+            <a:avLst/>
+          </a:prstGeom>
+        </p:spPr>
+      </p:pic>
     </p:spTree>
     <p:extLst>
       <p:ext uri="{BB962C8B-B14F-4D97-AF65-F5344CB8AC3E}">
@@ -9166,7 +7487,7 @@
 </p:sldLayout>
 </file>
 
-<file path=ppt/slideLayouts/slideLayout8.xml><?xml version="1.0" encoding="utf-8"?>
+<file path=ppt/slideLayouts/slideLayout7.xml><?xml version="1.0" encoding="utf-8"?>
 <p:sldLayout xmlns:a="http://schemas.openxmlformats.org/drawingml/2006/main" xmlns:r="http://schemas.openxmlformats.org/officeDocument/2006/relationships" xmlns:p="http://schemas.openxmlformats.org/presentationml/2006/main" preserve="1" userDrawn="1">
   <p:cSld name="Source Code Example">
     <p:spTree>
@@ -9221,7 +7542,7 @@
               <a:pPr/>
               <a:t>‹#›</a:t>
             </a:fld>
-            <a:endParaRPr lang="en-US" noProof="0" dirty="0"/>
+            <a:endParaRPr lang="en-US" noProof="0"/>
           </a:p>
         </p:txBody>
       </p:sp>
@@ -9231,6 +7552,726 @@
             <a:extLst>
               <a:ext uri="{FF2B5EF4-FFF2-40B4-BE49-F238E27FC236}">
                 <a16:creationId xmlns:a16="http://schemas.microsoft.com/office/drawing/2014/main" id="{A15CE03A-0933-4E5D-9EA1-718D4F802FFC}"/>
+              </a:ext>
+            </a:extLst>
+          </p:cNvPr>
+          <p:cNvSpPr/>
+          <p:nvPr userDrawn="1"/>
+        </p:nvSpPr>
+        <p:spPr>
+          <a:xfrm>
+            <a:off x="0" y="1311"/>
+            <a:ext cx="12196800" cy="1095376"/>
+          </a:xfrm>
+          <a:prstGeom prst="rect">
+            <a:avLst/>
+          </a:prstGeom>
+          <a:solidFill>
+            <a:schemeClr val="tx2"/>
+          </a:solidFill>
+          <a:ln>
+            <a:noFill/>
+          </a:ln>
+        </p:spPr>
+        <p:style>
+          <a:lnRef idx="2">
+            <a:schemeClr val="accent1">
+              <a:shade val="50000"/>
+            </a:schemeClr>
+          </a:lnRef>
+          <a:fillRef idx="1">
+            <a:schemeClr val="accent1"/>
+          </a:fillRef>
+          <a:effectRef idx="0">
+            <a:schemeClr val="accent1"/>
+          </a:effectRef>
+          <a:fontRef idx="minor">
+            <a:schemeClr val="lt1"/>
+          </a:fontRef>
+        </p:style>
+        <p:txBody>
+          <a:bodyPr rtlCol="0" anchor="ctr"/>
+          <a:lstStyle/>
+          <a:p>
+            <a:pPr marL="0" marR="0" lvl="0" indent="0" algn="ctr" defTabSz="913852" rtl="0" eaLnBrk="1" fontAlgn="auto" latinLnBrk="0" hangingPunct="1">
+              <a:lnSpc>
+                <a:spcPct val="100000"/>
+              </a:lnSpc>
+              <a:spcBef>
+                <a:spcPts val="0"/>
+              </a:spcBef>
+              <a:spcAft>
+                <a:spcPts val="0"/>
+              </a:spcAft>
+              <a:buClrTx/>
+              <a:buSzTx/>
+              <a:buFontTx/>
+              <a:buNone/>
+              <a:tabLst/>
+              <a:defRPr/>
+            </a:pPr>
+            <a:endParaRPr kumimoji="0" lang="en-US" altLang="ko-KR" sz="2398" b="0" i="0" u="none" strike="noStrike" kern="1200" cap="none" spc="0" normalizeH="0" baseline="0" noProof="0" dirty="0">
+              <a:ln>
+                <a:noFill/>
+              </a:ln>
+              <a:solidFill>
+                <a:srgbClr val="F7C86D"/>
+              </a:solidFill>
+              <a:effectLst/>
+              <a:uLnTx/>
+              <a:uFillTx/>
+              <a:latin typeface="Calibri" panose="020F0502020204030204"/>
+              <a:ea typeface="맑은 고딕" panose="020B0503020000020004" pitchFamily="34" charset="-127"/>
+              <a:cs typeface="+mn-cs"/>
+            </a:endParaRPr>
+          </a:p>
+        </p:txBody>
+      </p:sp>
+      <p:sp>
+        <p:nvSpPr>
+          <p:cNvPr id="12" name="Slide Body Text">
+            <a:extLst>
+              <a:ext uri="{FF2B5EF4-FFF2-40B4-BE49-F238E27FC236}">
+                <a16:creationId xmlns:a16="http://schemas.microsoft.com/office/drawing/2014/main" id="{B608ED73-CE88-49E4-8BFC-DBD6E9AE6B10}"/>
+              </a:ext>
+            </a:extLst>
+          </p:cNvPr>
+          <p:cNvSpPr>
+            <a:spLocks noGrp="1"/>
+          </p:cNvSpPr>
+          <p:nvPr>
+            <p:ph type="body" sz="quarter" idx="10" hasCustomPrompt="1"/>
+          </p:nvPr>
+        </p:nvSpPr>
+        <p:spPr>
+          <a:xfrm>
+            <a:off x="190406" y="1206668"/>
+            <a:ext cx="11804831" cy="5550582"/>
+          </a:xfrm>
+        </p:spPr>
+        <p:txBody>
+          <a:bodyPr/>
+          <a:lstStyle>
+            <a:lvl1pPr latinLnBrk="0">
+              <a:defRPr>
+                <a:solidFill>
+                  <a:schemeClr val="tx1"/>
+                </a:solidFill>
+              </a:defRPr>
+            </a:lvl1pPr>
+            <a:lvl2pPr latinLnBrk="0">
+              <a:defRPr>
+                <a:solidFill>
+                  <a:schemeClr val="tx1"/>
+                </a:solidFill>
+              </a:defRPr>
+            </a:lvl2pPr>
+            <a:lvl3pPr latinLnBrk="0">
+              <a:defRPr>
+                <a:solidFill>
+                  <a:schemeClr val="tx1"/>
+                </a:solidFill>
+              </a:defRPr>
+            </a:lvl3pPr>
+            <a:lvl4pPr latinLnBrk="0">
+              <a:defRPr>
+                <a:solidFill>
+                  <a:schemeClr val="tx1"/>
+                </a:solidFill>
+              </a:defRPr>
+            </a:lvl4pPr>
+            <a:lvl5pPr latinLnBrk="0">
+              <a:defRPr>
+                <a:solidFill>
+                  <a:schemeClr val="tx1"/>
+                </a:solidFill>
+              </a:defRPr>
+            </a:lvl5pPr>
+          </a:lstStyle>
+          <a:p>
+            <a:pPr lvl="0"/>
+            <a:r>
+              <a:rPr lang="en-US" noProof="0" dirty="0"/>
+              <a:t>This is a code example</a:t>
+            </a:r>
+          </a:p>
+        </p:txBody>
+      </p:sp>
+      <p:sp>
+        <p:nvSpPr>
+          <p:cNvPr id="4" name="Code Box">
+            <a:extLst>
+              <a:ext uri="{FF2B5EF4-FFF2-40B4-BE49-F238E27FC236}">
+                <a16:creationId xmlns:a16="http://schemas.microsoft.com/office/drawing/2014/main" id="{F4E021E9-D6DB-4272-8C9F-CEF4940FDC10}"/>
+              </a:ext>
+            </a:extLst>
+          </p:cNvPr>
+          <p:cNvSpPr>
+            <a:spLocks noGrp="1"/>
+          </p:cNvSpPr>
+          <p:nvPr>
+            <p:ph type="body" sz="quarter" idx="11" hasCustomPrompt="1"/>
+          </p:nvPr>
+        </p:nvSpPr>
+        <p:spPr>
+          <a:xfrm>
+            <a:off x="674683" y="2034000"/>
+            <a:ext cx="10836275" cy="2237893"/>
+          </a:xfrm>
+          <a:solidFill>
+            <a:schemeClr val="accent6">
+              <a:lumMod val="75000"/>
+              <a:alpha val="15000"/>
+            </a:schemeClr>
+          </a:solidFill>
+          <a:ln w="12700">
+            <a:solidFill>
+              <a:schemeClr val="tx1">
+                <a:lumMod val="50000"/>
+              </a:schemeClr>
+            </a:solidFill>
+          </a:ln>
+        </p:spPr>
+        <p:txBody>
+          <a:bodyPr vert="horz" wrap="square" lIns="144000" tIns="108000" rIns="144000" bIns="108000" rtlCol="0">
+            <a:spAutoFit/>
+          </a:bodyPr>
+          <a:lstStyle>
+            <a:lvl1pPr>
+              <a:buNone/>
+              <a:defRPr lang="en-US" sz="2800" b="1" smtClean="0">
+                <a:latin typeface="Consolas" pitchFamily="49" charset="0"/>
+              </a:defRPr>
+            </a:lvl1pPr>
+            <a:lvl2pPr>
+              <a:defRPr lang="en-US" smtClean="0"/>
+            </a:lvl2pPr>
+            <a:lvl3pPr>
+              <a:defRPr lang="en-US" smtClean="0"/>
+            </a:lvl3pPr>
+            <a:lvl4pPr>
+              <a:defRPr lang="en-US" smtClean="0"/>
+            </a:lvl4pPr>
+            <a:lvl5pPr>
+              <a:defRPr lang="en-US"/>
+            </a:lvl5pPr>
+          </a:lstStyle>
+          <a:p>
+            <a:pPr>
+              <a:spcBef>
+                <a:spcPts val="300"/>
+              </a:spcBef>
+              <a:spcAft>
+                <a:spcPts val="300"/>
+              </a:spcAft>
+            </a:pPr>
+            <a:r>
+              <a:rPr lang="en-US" noProof="1"/>
+              <a:t>Source code box</a:t>
+            </a:r>
+          </a:p>
+          <a:p>
+            <a:pPr>
+              <a:spcBef>
+                <a:spcPts val="300"/>
+              </a:spcBef>
+              <a:spcAft>
+                <a:spcPts val="300"/>
+              </a:spcAft>
+            </a:pPr>
+            <a:r>
+              <a:rPr lang="en-US" noProof="1"/>
+              <a:t>…</a:t>
+            </a:r>
+          </a:p>
+          <a:p>
+            <a:pPr>
+              <a:spcBef>
+                <a:spcPts val="300"/>
+              </a:spcBef>
+              <a:spcAft>
+                <a:spcPts val="300"/>
+              </a:spcAft>
+            </a:pPr>
+            <a:r>
+              <a:rPr lang="en-US" noProof="1"/>
+              <a:t>…</a:t>
+            </a:r>
+          </a:p>
+          <a:p>
+            <a:pPr>
+              <a:spcBef>
+                <a:spcPts val="300"/>
+              </a:spcBef>
+              <a:spcAft>
+                <a:spcPts val="300"/>
+              </a:spcAft>
+            </a:pPr>
+            <a:r>
+              <a:rPr lang="en-US" noProof="1"/>
+              <a:t>…</a:t>
+            </a:r>
+          </a:p>
+        </p:txBody>
+      </p:sp>
+      <p:sp>
+        <p:nvSpPr>
+          <p:cNvPr id="11" name="Slide Title">
+            <a:extLst>
+              <a:ext uri="{FF2B5EF4-FFF2-40B4-BE49-F238E27FC236}">
+                <a16:creationId xmlns:a16="http://schemas.microsoft.com/office/drawing/2014/main" id="{47D60833-F0A9-4F29-8C06-A963A7C8BE93}"/>
+              </a:ext>
+            </a:extLst>
+          </p:cNvPr>
+          <p:cNvSpPr>
+            <a:spLocks noGrp="1"/>
+          </p:cNvSpPr>
+          <p:nvPr>
+            <p:ph type="title" hasCustomPrompt="1"/>
+          </p:nvPr>
+        </p:nvSpPr>
+        <p:spPr>
+          <a:xfrm>
+            <a:off x="190405" y="100750"/>
+            <a:ext cx="10239658" cy="882654"/>
+          </a:xfrm>
+        </p:spPr>
+        <p:txBody>
+          <a:bodyPr/>
+          <a:lstStyle>
+            <a:lvl1pPr latinLnBrk="0">
+              <a:defRPr>
+                <a:solidFill>
+                  <a:schemeClr val="bg2"/>
+                </a:solidFill>
+              </a:defRPr>
+            </a:lvl1pPr>
+          </a:lstStyle>
+          <a:p>
+            <a:r>
+              <a:rPr lang="en-US" noProof="0" dirty="0"/>
+              <a:t>Slide Title</a:t>
+            </a:r>
+          </a:p>
+        </p:txBody>
+      </p:sp>
+      <p:pic>
+        <p:nvPicPr>
+          <p:cNvPr id="3" name="Picture 2">
+            <a:extLst>
+              <a:ext uri="{FF2B5EF4-FFF2-40B4-BE49-F238E27FC236}">
+                <a16:creationId xmlns:a16="http://schemas.microsoft.com/office/drawing/2014/main" id="{4B69A4E8-9221-8F79-65B4-BF9AA7F87DD7}"/>
+              </a:ext>
+            </a:extLst>
+          </p:cNvPr>
+          <p:cNvPicPr>
+            <a:picLocks noChangeAspect="1"/>
+          </p:cNvPicPr>
+          <p:nvPr userDrawn="1"/>
+        </p:nvPicPr>
+        <p:blipFill>
+          <a:blip r:embed="rId2" cstate="print">
+            <a:extLst>
+              <a:ext uri="{28A0092B-C50C-407E-A947-70E740481C1C}">
+                <a14:useLocalDpi xmlns:a14="http://schemas.microsoft.com/office/drawing/2010/main" val="0"/>
+              </a:ext>
+            </a:extLst>
+          </a:blip>
+          <a:stretch>
+            <a:fillRect/>
+          </a:stretch>
+        </p:blipFill>
+        <p:spPr>
+          <a:xfrm>
+            <a:off x="10553573" y="368999"/>
+            <a:ext cx="1443361" cy="360001"/>
+          </a:xfrm>
+          <a:prstGeom prst="rect">
+            <a:avLst/>
+          </a:prstGeom>
+        </p:spPr>
+      </p:pic>
+    </p:spTree>
+    <p:extLst>
+      <p:ext uri="{BB962C8B-B14F-4D97-AF65-F5344CB8AC3E}">
+        <p14:creationId xmlns:p14="http://schemas.microsoft.com/office/powerpoint/2010/main" val="1000829826"/>
+      </p:ext>
+    </p:extLst>
+  </p:cSld>
+  <p:clrMapOvr>
+    <a:masterClrMapping/>
+  </p:clrMapOvr>
+  <mc:AlternateContent xmlns:mc="http://schemas.openxmlformats.org/markup-compatibility/2006" xmlns:p14="http://schemas.microsoft.com/office/powerpoint/2010/main">
+    <mc:Choice Requires="p14">
+      <p:transition spd="slow" p14:dur="2000" advClick="0" advTm="5000"/>
+    </mc:Choice>
+    <mc:Fallback xmlns="">
+      <p:transition spd="slow" advClick="0" advTm="5000"/>
+    </mc:Fallback>
+  </mc:AlternateContent>
+</p:sldLayout>
+</file>
+
+<file path=ppt/slideLayouts/slideLayout8.xml><?xml version="1.0" encoding="utf-8"?>
+<p:sldLayout xmlns:a="http://schemas.openxmlformats.org/drawingml/2006/main" xmlns:r="http://schemas.openxmlformats.org/officeDocument/2006/relationships" xmlns:p="http://schemas.openxmlformats.org/presentationml/2006/main" preserve="1">
+  <p:cSld name="Demo Slide">
+    <p:spTree>
+      <p:nvGrpSpPr>
+        <p:cNvPr id="1" name=""/>
+        <p:cNvGrpSpPr/>
+        <p:nvPr/>
+      </p:nvGrpSpPr>
+      <p:grpSpPr>
+        <a:xfrm>
+          <a:off x="0" y="0"/>
+          <a:ext cx="0" cy="0"/>
+          <a:chOff x="0" y="0"/>
+          <a:chExt cx="0" cy="0"/>
+        </a:xfrm>
+      </p:grpSpPr>
+      <p:sp>
+        <p:nvSpPr>
+          <p:cNvPr id="4" name="Oval Center Icon"/>
+          <p:cNvSpPr>
+            <a:spLocks noChangeAspect="1"/>
+          </p:cNvSpPr>
+          <p:nvPr/>
+        </p:nvSpPr>
+        <p:spPr>
+          <a:xfrm>
+            <a:off x="831000" y="1091471"/>
+            <a:ext cx="3552529" cy="3552529"/>
+          </a:xfrm>
+          <a:prstGeom prst="ellipse">
+            <a:avLst/>
+          </a:prstGeom>
+          <a:solidFill>
+            <a:schemeClr val="tx2"/>
+          </a:solidFill>
+          <a:ln>
+            <a:noFill/>
+          </a:ln>
+        </p:spPr>
+        <p:style>
+          <a:lnRef idx="2">
+            <a:schemeClr val="accent1">
+              <a:shade val="50000"/>
+            </a:schemeClr>
+          </a:lnRef>
+          <a:fillRef idx="1">
+            <a:schemeClr val="accent1"/>
+          </a:fillRef>
+          <a:effectRef idx="0">
+            <a:schemeClr val="accent1"/>
+          </a:effectRef>
+          <a:fontRef idx="minor">
+            <a:schemeClr val="lt1"/>
+          </a:fontRef>
+        </p:style>
+        <p:txBody>
+          <a:bodyPr rtlCol="0" anchor="ctr"/>
+          <a:lstStyle/>
+          <a:p>
+            <a:pPr marL="0" marR="0" lvl="0" indent="0" algn="ctr" defTabSz="913852" rtl="0" eaLnBrk="1" fontAlgn="auto" latinLnBrk="0" hangingPunct="1">
+              <a:lnSpc>
+                <a:spcPct val="100000"/>
+              </a:lnSpc>
+              <a:spcBef>
+                <a:spcPts val="0"/>
+              </a:spcBef>
+              <a:spcAft>
+                <a:spcPts val="0"/>
+              </a:spcAft>
+              <a:buClrTx/>
+              <a:buSzTx/>
+              <a:buFontTx/>
+              <a:buNone/>
+              <a:tabLst/>
+              <a:defRPr/>
+            </a:pPr>
+            <a:endParaRPr kumimoji="0" lang="en-US" altLang="ko-KR" sz="2398" b="0" i="0" u="none" strike="noStrike" kern="1200" cap="none" spc="0" normalizeH="0" baseline="0" noProof="0">
+              <a:ln>
+                <a:noFill/>
+              </a:ln>
+              <a:solidFill>
+                <a:srgbClr val="F7C86D"/>
+              </a:solidFill>
+              <a:effectLst/>
+              <a:uLnTx/>
+              <a:uFillTx/>
+              <a:latin typeface="Calibri" panose="020F0502020204030204"/>
+              <a:ea typeface="맑은 고딕" panose="020B0503020000020004" pitchFamily="34" charset="-127"/>
+              <a:cs typeface="+mn-cs"/>
+            </a:endParaRPr>
+          </a:p>
+        </p:txBody>
+      </p:sp>
+      <p:sp>
+        <p:nvSpPr>
+          <p:cNvPr id="11" name="Slide Subtitle"/>
+          <p:cNvSpPr>
+            <a:spLocks noGrp="1"/>
+          </p:cNvSpPr>
+          <p:nvPr>
+            <p:ph type="subTitle" sz="quarter" idx="11" hasCustomPrompt="1"/>
+          </p:nvPr>
+        </p:nvSpPr>
+        <p:spPr>
+          <a:xfrm>
+            <a:off x="5241000" y="3338387"/>
+            <a:ext cx="6065892" cy="768084"/>
+          </a:xfrm>
+          <a:prstGeom prst="rect">
+            <a:avLst/>
+          </a:prstGeom>
+        </p:spPr>
+        <p:txBody>
+          <a:bodyPr anchor="ctr">
+            <a:noAutofit/>
+          </a:bodyPr>
+          <a:lstStyle>
+            <a:lvl1pPr marL="0" indent="0" algn="ctr" latinLnBrk="0">
+              <a:buNone/>
+              <a:defRPr sz="3998" b="0" baseline="0">
+                <a:solidFill>
+                  <a:schemeClr val="tx1"/>
+                </a:solidFill>
+                <a:latin typeface="+mn-lt"/>
+                <a:cs typeface="Arial" pitchFamily="34" charset="0"/>
+              </a:defRPr>
+            </a:lvl1pPr>
+          </a:lstStyle>
+          <a:p>
+            <a:pPr lvl="0"/>
+            <a:r>
+              <a:rPr lang="en-US" noProof="0" dirty="0"/>
+              <a:t>Click to Edit Section Subtitle</a:t>
+            </a:r>
+          </a:p>
+        </p:txBody>
+      </p:sp>
+      <p:sp>
+        <p:nvSpPr>
+          <p:cNvPr id="10" name="Slide Title"/>
+          <p:cNvSpPr>
+            <a:spLocks noGrp="1"/>
+          </p:cNvSpPr>
+          <p:nvPr>
+            <p:ph type="title" sz="quarter" idx="10" hasCustomPrompt="1"/>
+          </p:nvPr>
+        </p:nvSpPr>
+        <p:spPr>
+          <a:xfrm>
+            <a:off x="5241000" y="1471047"/>
+            <a:ext cx="6065892" cy="1754333"/>
+          </a:xfrm>
+          <a:prstGeom prst="rect">
+            <a:avLst/>
+          </a:prstGeom>
+        </p:spPr>
+        <p:txBody>
+          <a:bodyPr anchor="ctr">
+            <a:noAutofit/>
+          </a:bodyPr>
+          <a:lstStyle>
+            <a:lvl1pPr marL="0" indent="0" algn="ctr" latinLnBrk="0">
+              <a:buNone/>
+              <a:defRPr sz="5396" b="1" baseline="0">
+                <a:solidFill>
+                  <a:schemeClr val="tx1"/>
+                </a:solidFill>
+                <a:latin typeface="+mj-lt"/>
+                <a:cs typeface="Arial" pitchFamily="34" charset="0"/>
+              </a:defRPr>
+            </a:lvl1pPr>
+          </a:lstStyle>
+          <a:p>
+            <a:pPr lvl="0"/>
+            <a:r>
+              <a:rPr lang="en-US" noProof="0" dirty="0"/>
+              <a:t>Click to Edit Section Title</a:t>
+            </a:r>
+            <a:endParaRPr lang="en-US" altLang="ko-KR" noProof="0" dirty="0"/>
+          </a:p>
+        </p:txBody>
+      </p:sp>
+    </p:spTree>
+    <p:extLst>
+      <p:ext uri="{BB962C8B-B14F-4D97-AF65-F5344CB8AC3E}">
+        <p14:creationId xmlns:p14="http://schemas.microsoft.com/office/powerpoint/2010/main" val="2423919747"/>
+      </p:ext>
+    </p:extLst>
+  </p:cSld>
+  <p:clrMapOvr>
+    <a:masterClrMapping/>
+  </p:clrMapOvr>
+  <mc:AlternateContent xmlns:mc="http://schemas.openxmlformats.org/markup-compatibility/2006" xmlns:p14="http://schemas.microsoft.com/office/powerpoint/2010/main">
+    <mc:Choice Requires="p14">
+      <p:transition spd="slow" p14:dur="2000" advClick="0" advTm="5000"/>
+    </mc:Choice>
+    <mc:Fallback xmlns="">
+      <p:transition spd="slow" advClick="0" advTm="5000"/>
+    </mc:Fallback>
+  </mc:AlternateContent>
+</p:sldLayout>
+</file>
+
+<file path=ppt/slideLayouts/slideLayout9.xml><?xml version="1.0" encoding="utf-8"?>
+<p:sldLayout xmlns:a="http://schemas.openxmlformats.org/drawingml/2006/main" xmlns:r="http://schemas.openxmlformats.org/officeDocument/2006/relationships" xmlns:p="http://schemas.openxmlformats.org/presentationml/2006/main" preserve="1" userDrawn="1">
+  <p:cSld name="Table of Contents">
+    <p:spTree>
+      <p:nvGrpSpPr>
+        <p:cNvPr id="1" name=""/>
+        <p:cNvGrpSpPr/>
+        <p:nvPr/>
+      </p:nvGrpSpPr>
+      <p:grpSpPr>
+        <a:xfrm>
+          <a:off x="0" y="0"/>
+          <a:ext cx="0" cy="0"/>
+          <a:chOff x="0" y="0"/>
+          <a:chExt cx="0" cy="0"/>
+        </a:xfrm>
+      </p:grpSpPr>
+      <p:sp>
+        <p:nvSpPr>
+          <p:cNvPr id="10" name="Slide Number">
+            <a:extLst>
+              <a:ext uri="{FF2B5EF4-FFF2-40B4-BE49-F238E27FC236}">
+                <a16:creationId xmlns:a16="http://schemas.microsoft.com/office/drawing/2014/main" id="{39DDE17E-5472-41F3-AF5F-54DFF10DC63C}"/>
+              </a:ext>
+            </a:extLst>
+          </p:cNvPr>
+          <p:cNvSpPr>
+            <a:spLocks noGrp="1"/>
+          </p:cNvSpPr>
+          <p:nvPr>
+            <p:ph type="sldNum" sz="quarter" idx="4"/>
+          </p:nvPr>
+        </p:nvSpPr>
+        <p:spPr>
+          <a:xfrm>
+            <a:off x="11753030" y="6507000"/>
+            <a:ext cx="367414" cy="297000"/>
+          </a:xfrm>
+          <a:prstGeom prst="rect">
+            <a:avLst/>
+          </a:prstGeom>
+        </p:spPr>
+        <p:txBody>
+          <a:bodyPr vert="horz" lIns="91440" tIns="45720" rIns="91440" bIns="45720" rtlCol="0" anchor="b"/>
+          <a:lstStyle>
+            <a:lvl1pPr algn="r">
+              <a:defRPr sz="1000"/>
+            </a:lvl1pPr>
+          </a:lstStyle>
+          <a:p>
+            <a:fld id="{2BF067CD-8E6B-4360-9AA8-C5DF2A48A6D1}" type="slidenum">
+              <a:rPr lang="en-US" noProof="0" smtClean="0"/>
+              <a:pPr/>
+              <a:t>‹#›</a:t>
+            </a:fld>
+            <a:endParaRPr lang="en-US" noProof="0"/>
+          </a:p>
+        </p:txBody>
+      </p:sp>
+      <p:sp>
+        <p:nvSpPr>
+          <p:cNvPr id="23" name="Slide Body Text">
+            <a:extLst>
+              <a:ext uri="{FF2B5EF4-FFF2-40B4-BE49-F238E27FC236}">
+                <a16:creationId xmlns:a16="http://schemas.microsoft.com/office/drawing/2014/main" id="{889D93F4-ABFA-46BF-8E5D-FE6562ACB20F}"/>
+              </a:ext>
+            </a:extLst>
+          </p:cNvPr>
+          <p:cNvSpPr>
+            <a:spLocks noGrp="1"/>
+          </p:cNvSpPr>
+          <p:nvPr>
+            <p:ph type="body" sz="quarter" idx="13" hasCustomPrompt="1"/>
+          </p:nvPr>
+        </p:nvSpPr>
+        <p:spPr>
+          <a:xfrm>
+            <a:off x="196766" y="1371604"/>
+            <a:ext cx="11781606" cy="5207396"/>
+          </a:xfrm>
+        </p:spPr>
+        <p:txBody>
+          <a:bodyPr>
+            <a:normAutofit/>
+          </a:bodyPr>
+          <a:lstStyle>
+            <a:lvl1pPr marL="514042" indent="-514042" latinLnBrk="0">
+              <a:buFont typeface="+mj-lt"/>
+              <a:buAutoNum type="arabicPeriod"/>
+              <a:defRPr sz="3600">
+                <a:solidFill>
+                  <a:schemeClr val="tx1"/>
+                </a:solidFill>
+              </a:defRPr>
+            </a:lvl1pPr>
+            <a:lvl2pPr>
+              <a:defRPr sz="3400"/>
+            </a:lvl2pPr>
+          </a:lstStyle>
+          <a:p>
+            <a:pPr lvl="0"/>
+            <a:r>
+              <a:rPr lang="en-US" noProof="0" dirty="0"/>
+              <a:t>…</a:t>
+            </a:r>
+          </a:p>
+          <a:p>
+            <a:pPr lvl="1"/>
+            <a:r>
+              <a:rPr lang="en-US" noProof="0" dirty="0"/>
+              <a:t>…</a:t>
+            </a:r>
+          </a:p>
+          <a:p>
+            <a:pPr lvl="1"/>
+            <a:r>
+              <a:rPr lang="en-US" noProof="0" dirty="0"/>
+              <a:t>…</a:t>
+            </a:r>
+          </a:p>
+          <a:p>
+            <a:pPr lvl="0"/>
+            <a:r>
+              <a:rPr lang="en-US" noProof="0" dirty="0"/>
+              <a:t>…</a:t>
+            </a:r>
+          </a:p>
+          <a:p>
+            <a:pPr lvl="1"/>
+            <a:r>
+              <a:rPr lang="en-US" noProof="0" dirty="0"/>
+              <a:t>…</a:t>
+            </a:r>
+          </a:p>
+          <a:p>
+            <a:pPr lvl="1"/>
+            <a:r>
+              <a:rPr lang="en-US" noProof="0" dirty="0"/>
+              <a:t>…</a:t>
+            </a:r>
+          </a:p>
+          <a:p>
+            <a:pPr lvl="0"/>
+            <a:r>
+              <a:rPr lang="en-US" noProof="0" dirty="0"/>
+              <a:t>…</a:t>
+            </a:r>
+          </a:p>
+        </p:txBody>
+      </p:sp>
+      <p:sp>
+        <p:nvSpPr>
+          <p:cNvPr id="8" name="Rectangle Top">
+            <a:extLst>
+              <a:ext uri="{FF2B5EF4-FFF2-40B4-BE49-F238E27FC236}">
+                <a16:creationId xmlns:a16="http://schemas.microsoft.com/office/drawing/2014/main" id="{930E0800-9260-4369-8330-8264DD33C5CE}"/>
               </a:ext>
             </a:extLst>
           </p:cNvPr>
@@ -9289,7 +8330,7 @@
               <a:tabLst/>
               <a:defRPr/>
             </a:pPr>
-            <a:endParaRPr kumimoji="0" lang="en-US" altLang="ko-KR" sz="2398" b="0" i="0" u="none" strike="noStrike" kern="1200" cap="none" spc="0" normalizeH="0" baseline="0" noProof="0" dirty="0">
+            <a:endParaRPr kumimoji="0" lang="en-US" altLang="ko-KR" sz="2398" b="0" i="0" u="none" strike="noStrike" kern="1200" cap="none" spc="0" normalizeH="0" baseline="0" noProof="0">
               <a:ln>
                 <a:noFill/>
               </a:ln>
@@ -9306,12 +8347,53 @@
           </a:p>
         </p:txBody>
       </p:sp>
+      <p:sp>
+        <p:nvSpPr>
+          <p:cNvPr id="13" name="Slide Title">
+            <a:extLst>
+              <a:ext uri="{FF2B5EF4-FFF2-40B4-BE49-F238E27FC236}">
+                <a16:creationId xmlns:a16="http://schemas.microsoft.com/office/drawing/2014/main" id="{357D7BE1-6358-42CC-94F3-7BCDD91DCB6D}"/>
+              </a:ext>
+            </a:extLst>
+          </p:cNvPr>
+          <p:cNvSpPr>
+            <a:spLocks noGrp="1"/>
+          </p:cNvSpPr>
+          <p:nvPr>
+            <p:ph type="title" hasCustomPrompt="1"/>
+          </p:nvPr>
+        </p:nvSpPr>
+        <p:spPr>
+          <a:xfrm>
+            <a:off x="190406" y="100750"/>
+            <a:ext cx="10270594" cy="882654"/>
+          </a:xfrm>
+        </p:spPr>
+        <p:txBody>
+          <a:bodyPr/>
+          <a:lstStyle>
+            <a:lvl1pPr latinLnBrk="0">
+              <a:defRPr>
+                <a:solidFill>
+                  <a:schemeClr val="bg2"/>
+                </a:solidFill>
+              </a:defRPr>
+            </a:lvl1pPr>
+          </a:lstStyle>
+          <a:p>
+            <a:r>
+              <a:rPr lang="en-US" noProof="0" dirty="0"/>
+              <a:t>Table of Contents</a:t>
+            </a:r>
+          </a:p>
+        </p:txBody>
+      </p:sp>
       <p:pic>
         <p:nvPicPr>
-          <p:cNvPr id="10" name="Logo Software University" descr="Software University logo">
+          <p:cNvPr id="3" name="Picture 2">
             <a:extLst>
               <a:ext uri="{FF2B5EF4-FFF2-40B4-BE49-F238E27FC236}">
-                <a16:creationId xmlns:a16="http://schemas.microsoft.com/office/drawing/2014/main" id="{8C01D7AF-7CBD-46E1-99F3-8EB60E838D91}"/>
+                <a16:creationId xmlns:a16="http://schemas.microsoft.com/office/drawing/2014/main" id="{4FD808AB-EC49-1578-0005-D58D2A365AA1}"/>
               </a:ext>
             </a:extLst>
           </p:cNvPr>
@@ -9321,7 +8403,7 @@
           <p:nvPr userDrawn="1"/>
         </p:nvPicPr>
         <p:blipFill>
-          <a:blip r:embed="rId2">
+          <a:blip r:embed="rId2" cstate="print">
             <a:extLst>
               <a:ext uri="{28A0092B-C50C-407E-A947-70E740481C1C}">
                 <a14:useLocalDpi xmlns:a14="http://schemas.microsoft.com/office/drawing/2010/main" val="0"/>
@@ -9334,439 +8416,18 @@
         </p:blipFill>
         <p:spPr>
           <a:xfrm>
-            <a:off x="10067957" y="253936"/>
-            <a:ext cx="1915704" cy="559235"/>
+            <a:off x="10553573" y="368999"/>
+            <a:ext cx="1443361" cy="360001"/>
           </a:xfrm>
           <a:prstGeom prst="rect">
             <a:avLst/>
           </a:prstGeom>
         </p:spPr>
       </p:pic>
-      <p:sp>
-        <p:nvSpPr>
-          <p:cNvPr id="17" name="Slide Body Text">
-            <a:extLst>
-              <a:ext uri="{FF2B5EF4-FFF2-40B4-BE49-F238E27FC236}">
-                <a16:creationId xmlns:a16="http://schemas.microsoft.com/office/drawing/2014/main" id="{1E60575F-8475-4C78-97A7-27D7891D2770}"/>
-              </a:ext>
-            </a:extLst>
-          </p:cNvPr>
-          <p:cNvSpPr>
-            <a:spLocks noGrp="1"/>
-          </p:cNvSpPr>
-          <p:nvPr>
-            <p:ph type="body" sz="quarter" idx="12" hasCustomPrompt="1"/>
-          </p:nvPr>
-        </p:nvSpPr>
-        <p:spPr>
-          <a:xfrm>
-            <a:off x="190402" y="1196125"/>
-            <a:ext cx="11818096" cy="5528766"/>
-          </a:xfrm>
-        </p:spPr>
-        <p:txBody>
-          <a:bodyPr/>
-          <a:lstStyle>
-            <a:lvl1pPr latinLnBrk="0">
-              <a:defRPr/>
-            </a:lvl1pPr>
-            <a:lvl2pPr latinLnBrk="0">
-              <a:defRPr/>
-            </a:lvl2pPr>
-            <a:lvl3pPr latinLnBrk="0">
-              <a:defRPr/>
-            </a:lvl3pPr>
-            <a:lvl4pPr latinLnBrk="0">
-              <a:defRPr/>
-            </a:lvl4pPr>
-            <a:lvl5pPr latinLnBrk="0">
-              <a:defRPr/>
-            </a:lvl5pPr>
-          </a:lstStyle>
-          <a:p>
-            <a:pPr lvl="0"/>
-            <a:r>
-              <a:rPr lang="en-US" noProof="0" dirty="0"/>
-              <a:t>This is a code example</a:t>
-            </a:r>
-          </a:p>
-        </p:txBody>
-      </p:sp>
-      <p:sp>
-        <p:nvSpPr>
-          <p:cNvPr id="15" name="Code Box">
-            <a:extLst>
-              <a:ext uri="{FF2B5EF4-FFF2-40B4-BE49-F238E27FC236}">
-                <a16:creationId xmlns:a16="http://schemas.microsoft.com/office/drawing/2014/main" id="{29C63EC2-5578-406B-8C2A-23FDE6C14C82}"/>
-              </a:ext>
-            </a:extLst>
-          </p:cNvPr>
-          <p:cNvSpPr>
-            <a:spLocks noGrp="1"/>
-          </p:cNvSpPr>
-          <p:nvPr>
-            <p:ph type="body" sz="quarter" idx="11" hasCustomPrompt="1"/>
-          </p:nvPr>
-        </p:nvSpPr>
-        <p:spPr>
-          <a:xfrm>
-            <a:off x="674683" y="2034000"/>
-            <a:ext cx="10836275" cy="2318684"/>
-          </a:xfrm>
-          <a:solidFill>
-            <a:schemeClr val="accent6">
-              <a:lumMod val="75000"/>
-              <a:alpha val="15000"/>
-            </a:schemeClr>
-          </a:solidFill>
-          <a:ln w="12700">
-            <a:solidFill>
-              <a:schemeClr val="tx1">
-                <a:lumMod val="50000"/>
-              </a:schemeClr>
-            </a:solidFill>
-          </a:ln>
-        </p:spPr>
-        <p:txBody>
-          <a:bodyPr vert="horz" wrap="square" lIns="144000" tIns="108000" rIns="144000" bIns="108000" rtlCol="0">
-            <a:spAutoFit/>
-          </a:bodyPr>
-          <a:lstStyle>
-            <a:lvl1pPr>
-              <a:lnSpc>
-                <a:spcPct val="110000"/>
-              </a:lnSpc>
-              <a:spcBef>
-                <a:spcPts val="0"/>
-              </a:spcBef>
-              <a:spcAft>
-                <a:spcPts val="0"/>
-              </a:spcAft>
-              <a:buNone/>
-              <a:defRPr lang="en-US" sz="2800" b="1" smtClean="0">
-                <a:latin typeface="Consolas" pitchFamily="49" charset="0"/>
-              </a:defRPr>
-            </a:lvl1pPr>
-            <a:lvl2pPr>
-              <a:defRPr lang="en-US" smtClean="0"/>
-            </a:lvl2pPr>
-            <a:lvl3pPr>
-              <a:defRPr lang="en-US" smtClean="0"/>
-            </a:lvl3pPr>
-            <a:lvl4pPr>
-              <a:defRPr lang="en-US" smtClean="0"/>
-            </a:lvl4pPr>
-            <a:lvl5pPr>
-              <a:defRPr lang="en-US"/>
-            </a:lvl5pPr>
-          </a:lstStyle>
-          <a:p>
-            <a:pPr>
-              <a:spcBef>
-                <a:spcPts val="300"/>
-              </a:spcBef>
-              <a:spcAft>
-                <a:spcPts val="300"/>
-              </a:spcAft>
-            </a:pPr>
-            <a:r>
-              <a:rPr lang="en-US" noProof="1"/>
-              <a:t>Source code box</a:t>
-            </a:r>
-          </a:p>
-          <a:p>
-            <a:pPr>
-              <a:spcBef>
-                <a:spcPts val="300"/>
-              </a:spcBef>
-              <a:spcAft>
-                <a:spcPts val="300"/>
-              </a:spcAft>
-            </a:pPr>
-            <a:r>
-              <a:rPr lang="en-US" noProof="1"/>
-              <a:t>…</a:t>
-            </a:r>
-          </a:p>
-          <a:p>
-            <a:pPr>
-              <a:spcBef>
-                <a:spcPts val="300"/>
-              </a:spcBef>
-              <a:spcAft>
-                <a:spcPts val="300"/>
-              </a:spcAft>
-            </a:pPr>
-            <a:r>
-              <a:rPr lang="en-US" noProof="1"/>
-              <a:t>…</a:t>
-            </a:r>
-          </a:p>
-          <a:p>
-            <a:pPr>
-              <a:spcBef>
-                <a:spcPts val="300"/>
-              </a:spcBef>
-              <a:spcAft>
-                <a:spcPts val="300"/>
-              </a:spcAft>
-            </a:pPr>
-            <a:r>
-              <a:rPr lang="en-US" noProof="1"/>
-              <a:t>…</a:t>
-            </a:r>
-          </a:p>
-        </p:txBody>
-      </p:sp>
-      <p:sp>
-        <p:nvSpPr>
-          <p:cNvPr id="11" name="Slide Title">
-            <a:extLst>
-              <a:ext uri="{FF2B5EF4-FFF2-40B4-BE49-F238E27FC236}">
-                <a16:creationId xmlns:a16="http://schemas.microsoft.com/office/drawing/2014/main" id="{47D60833-F0A9-4F29-8C06-A963A7C8BE93}"/>
-              </a:ext>
-            </a:extLst>
-          </p:cNvPr>
-          <p:cNvSpPr>
-            <a:spLocks noGrp="1"/>
-          </p:cNvSpPr>
-          <p:nvPr>
-            <p:ph type="title" hasCustomPrompt="1"/>
-          </p:nvPr>
-        </p:nvSpPr>
-        <p:spPr>
-          <a:xfrm>
-            <a:off x="190406" y="100750"/>
-            <a:ext cx="9715594" cy="882654"/>
-          </a:xfrm>
-        </p:spPr>
-        <p:txBody>
-          <a:bodyPr/>
-          <a:lstStyle>
-            <a:lvl1pPr latinLnBrk="0">
-              <a:defRPr>
-                <a:solidFill>
-                  <a:schemeClr val="bg2"/>
-                </a:solidFill>
-              </a:defRPr>
-            </a:lvl1pPr>
-          </a:lstStyle>
-          <a:p>
-            <a:r>
-              <a:rPr lang="en-US" noProof="0" dirty="0"/>
-              <a:t>Slide Title</a:t>
-            </a:r>
-          </a:p>
-        </p:txBody>
-      </p:sp>
     </p:spTree>
     <p:extLst>
       <p:ext uri="{BB962C8B-B14F-4D97-AF65-F5344CB8AC3E}">
-        <p14:creationId xmlns:p14="http://schemas.microsoft.com/office/powerpoint/2010/main" val="1000829826"/>
-      </p:ext>
-    </p:extLst>
-  </p:cSld>
-  <p:clrMapOvr>
-    <a:masterClrMapping/>
-  </p:clrMapOvr>
-  <mc:AlternateContent xmlns:mc="http://schemas.openxmlformats.org/markup-compatibility/2006" xmlns:p14="http://schemas.microsoft.com/office/powerpoint/2010/main">
-    <mc:Choice Requires="p14">
-      <p:transition spd="slow" p14:dur="2000" advClick="0" advTm="5000"/>
-    </mc:Choice>
-    <mc:Fallback xmlns="">
-      <p:transition spd="slow" advClick="0" advTm="5000"/>
-    </mc:Fallback>
-  </mc:AlternateContent>
-</p:sldLayout>
-</file>
-
-<file path=ppt/slideLayouts/slideLayout9.xml><?xml version="1.0" encoding="utf-8"?>
-<p:sldLayout xmlns:a="http://schemas.openxmlformats.org/drawingml/2006/main" xmlns:r="http://schemas.openxmlformats.org/officeDocument/2006/relationships" xmlns:p="http://schemas.openxmlformats.org/presentationml/2006/main" preserve="1">
-  <p:cSld name="Demo Slide">
-    <p:spTree>
-      <p:nvGrpSpPr>
-        <p:cNvPr id="1" name=""/>
-        <p:cNvGrpSpPr/>
-        <p:nvPr/>
-      </p:nvGrpSpPr>
-      <p:grpSpPr>
-        <a:xfrm>
-          <a:off x="0" y="0"/>
-          <a:ext cx="0" cy="0"/>
-          <a:chOff x="0" y="0"/>
-          <a:chExt cx="0" cy="0"/>
-        </a:xfrm>
-      </p:grpSpPr>
-      <p:sp>
-        <p:nvSpPr>
-          <p:cNvPr id="4" name="Oval Center Icon"/>
-          <p:cNvSpPr>
-            <a:spLocks noChangeAspect="1"/>
-          </p:cNvSpPr>
-          <p:nvPr/>
-        </p:nvSpPr>
-        <p:spPr>
-          <a:xfrm>
-            <a:off x="831000" y="1091471"/>
-            <a:ext cx="3552529" cy="3552529"/>
-          </a:xfrm>
-          <a:prstGeom prst="ellipse">
-            <a:avLst/>
-          </a:prstGeom>
-          <a:solidFill>
-            <a:schemeClr val="tx2"/>
-          </a:solidFill>
-          <a:ln>
-            <a:noFill/>
-          </a:ln>
-        </p:spPr>
-        <p:style>
-          <a:lnRef idx="2">
-            <a:schemeClr val="accent1">
-              <a:shade val="50000"/>
-            </a:schemeClr>
-          </a:lnRef>
-          <a:fillRef idx="1">
-            <a:schemeClr val="accent1"/>
-          </a:fillRef>
-          <a:effectRef idx="0">
-            <a:schemeClr val="accent1"/>
-          </a:effectRef>
-          <a:fontRef idx="minor">
-            <a:schemeClr val="lt1"/>
-          </a:fontRef>
-        </p:style>
-        <p:txBody>
-          <a:bodyPr rtlCol="0" anchor="ctr"/>
-          <a:lstStyle/>
-          <a:p>
-            <a:pPr marL="0" marR="0" lvl="0" indent="0" algn="ctr" defTabSz="913852" rtl="0" eaLnBrk="1" fontAlgn="auto" latinLnBrk="0" hangingPunct="1">
-              <a:lnSpc>
-                <a:spcPct val="100000"/>
-              </a:lnSpc>
-              <a:spcBef>
-                <a:spcPts val="0"/>
-              </a:spcBef>
-              <a:spcAft>
-                <a:spcPts val="0"/>
-              </a:spcAft>
-              <a:buClrTx/>
-              <a:buSzTx/>
-              <a:buFontTx/>
-              <a:buNone/>
-              <a:tabLst/>
-              <a:defRPr/>
-            </a:pPr>
-            <a:endParaRPr kumimoji="0" lang="en-US" altLang="ko-KR" sz="2398" b="0" i="0" u="none" strike="noStrike" kern="1200" cap="none" spc="0" normalizeH="0" baseline="0" noProof="0" dirty="0">
-              <a:ln>
-                <a:noFill/>
-              </a:ln>
-              <a:solidFill>
-                <a:srgbClr val="F7C86D"/>
-              </a:solidFill>
-              <a:effectLst/>
-              <a:uLnTx/>
-              <a:uFillTx/>
-              <a:latin typeface="Calibri" panose="020F0502020204030204"/>
-              <a:ea typeface="맑은 고딕" panose="020B0503020000020004" pitchFamily="34" charset="-127"/>
-              <a:cs typeface="+mn-cs"/>
-            </a:endParaRPr>
-          </a:p>
-        </p:txBody>
-      </p:sp>
-      <p:sp>
-        <p:nvSpPr>
-          <p:cNvPr id="11" name="Slide Subtitle"/>
-          <p:cNvSpPr>
-            <a:spLocks noGrp="1"/>
-          </p:cNvSpPr>
-          <p:nvPr>
-            <p:ph type="subTitle" sz="quarter" idx="11" hasCustomPrompt="1"/>
-          </p:nvPr>
-        </p:nvSpPr>
-        <p:spPr>
-          <a:xfrm>
-            <a:off x="5241000" y="3338387"/>
-            <a:ext cx="6065892" cy="768084"/>
-          </a:xfrm>
-          <a:prstGeom prst="rect">
-            <a:avLst/>
-          </a:prstGeom>
-        </p:spPr>
-        <p:txBody>
-          <a:bodyPr anchor="ctr">
-            <a:noAutofit/>
-          </a:bodyPr>
-          <a:lstStyle>
-            <a:lvl1pPr marL="0" indent="0" algn="ctr" latinLnBrk="0">
-              <a:buNone/>
-              <a:defRPr sz="3998" b="0" baseline="0">
-                <a:solidFill>
-                  <a:schemeClr val="tx1"/>
-                </a:solidFill>
-                <a:latin typeface="+mn-lt"/>
-                <a:cs typeface="Arial" pitchFamily="34" charset="0"/>
-              </a:defRPr>
-            </a:lvl1pPr>
-          </a:lstStyle>
-          <a:p>
-            <a:pPr lvl="0"/>
-            <a:r>
-              <a:rPr lang="en-US" noProof="0" dirty="0"/>
-              <a:t>Click to Edit Section Subtitle</a:t>
-            </a:r>
-          </a:p>
-        </p:txBody>
-      </p:sp>
-      <p:sp>
-        <p:nvSpPr>
-          <p:cNvPr id="10" name="Slide Title"/>
-          <p:cNvSpPr>
-            <a:spLocks noGrp="1"/>
-          </p:cNvSpPr>
-          <p:nvPr>
-            <p:ph type="title" sz="quarter" idx="10" hasCustomPrompt="1"/>
-          </p:nvPr>
-        </p:nvSpPr>
-        <p:spPr>
-          <a:xfrm>
-            <a:off x="5241000" y="1471047"/>
-            <a:ext cx="6065892" cy="1754333"/>
-          </a:xfrm>
-          <a:prstGeom prst="rect">
-            <a:avLst/>
-          </a:prstGeom>
-        </p:spPr>
-        <p:txBody>
-          <a:bodyPr anchor="ctr">
-            <a:noAutofit/>
-          </a:bodyPr>
-          <a:lstStyle>
-            <a:lvl1pPr marL="0" indent="0" algn="ctr" latinLnBrk="0">
-              <a:buNone/>
-              <a:defRPr sz="5396" b="1" baseline="0">
-                <a:solidFill>
-                  <a:schemeClr val="tx1"/>
-                </a:solidFill>
-                <a:latin typeface="+mj-lt"/>
-                <a:cs typeface="Arial" pitchFamily="34" charset="0"/>
-              </a:defRPr>
-            </a:lvl1pPr>
-          </a:lstStyle>
-          <a:p>
-            <a:pPr lvl="0"/>
-            <a:r>
-              <a:rPr lang="en-US" noProof="0" dirty="0"/>
-              <a:t>Click to Edit Section Title</a:t>
-            </a:r>
-            <a:endParaRPr lang="en-US" altLang="ko-KR" noProof="0" dirty="0"/>
-          </a:p>
-        </p:txBody>
-      </p:sp>
-    </p:spTree>
-    <p:extLst>
-      <p:ext uri="{BB962C8B-B14F-4D97-AF65-F5344CB8AC3E}">
-        <p14:creationId xmlns:p14="http://schemas.microsoft.com/office/powerpoint/2010/main" val="2423919747"/>
+        <p14:creationId xmlns:p14="http://schemas.microsoft.com/office/powerpoint/2010/main" val="1028724482"/>
       </p:ext>
     </p:extLst>
   </p:cSld>
@@ -9809,35 +8470,6 @@
           <a:chExt cx="0" cy="0"/>
         </a:xfrm>
       </p:grpSpPr>
-      <p:pic>
-        <p:nvPicPr>
-          <p:cNvPr id="4" name="Picture Background" descr="SoftUni Background">
-            <a:extLst>
-              <a:ext uri="{FF2B5EF4-FFF2-40B4-BE49-F238E27FC236}">
-                <a16:creationId xmlns:a16="http://schemas.microsoft.com/office/drawing/2014/main" id="{5BE90A63-DDD9-4B3B-A234-DF69B9BC812F}"/>
-              </a:ext>
-            </a:extLst>
-          </p:cNvPr>
-          <p:cNvPicPr>
-            <a:picLocks noChangeAspect="1"/>
-          </p:cNvPicPr>
-          <p:nvPr userDrawn="1"/>
-        </p:nvPicPr>
-        <p:blipFill rotWithShape="1">
-          <a:blip r:embed="rId15"/>
-          <a:srcRect b="1672"/>
-          <a:stretch/>
-        </p:blipFill>
-        <p:spPr>
-          <a:xfrm>
-            <a:off x="0" y="1"/>
-            <a:ext cx="12192000" cy="6857999"/>
-          </a:xfrm>
-          <a:prstGeom prst="rect">
-            <a:avLst/>
-          </a:prstGeom>
-        </p:spPr>
-      </p:pic>
       <p:sp>
         <p:nvSpPr>
           <p:cNvPr id="11" name="Slide Body Text">
@@ -9954,19 +8586,18 @@
   </p:cSld>
   <p:clrMap bg1="lt1" tx1="dk1" bg2="lt2" tx2="dk2" accent1="accent1" accent2="accent2" accent3="accent3" accent4="accent4" accent5="accent5" accent6="accent6" hlink="hlink" folHlink="folHlink"/>
   <p:sldLayoutIdLst>
-    <p:sldLayoutId id="2147483676" r:id="rId1"/>
+    <p:sldLayoutId id="2147483691" r:id="rId1"/>
     <p:sldLayoutId id="2147483689" r:id="rId2"/>
     <p:sldLayoutId id="2147483681" r:id="rId3"/>
-    <p:sldLayoutId id="2147483677" r:id="rId4"/>
-    <p:sldLayoutId id="2147483679" r:id="rId5"/>
-    <p:sldLayoutId id="2147483680" r:id="rId6"/>
-    <p:sldLayoutId id="2147483688" r:id="rId7"/>
-    <p:sldLayoutId id="2147483684" r:id="rId8"/>
-    <p:sldLayoutId id="2147483690" r:id="rId9"/>
+    <p:sldLayoutId id="2147483679" r:id="rId4"/>
+    <p:sldLayoutId id="2147483680" r:id="rId5"/>
+    <p:sldLayoutId id="2147483688" r:id="rId6"/>
+    <p:sldLayoutId id="2147483684" r:id="rId7"/>
+    <p:sldLayoutId id="2147483690" r:id="rId8"/>
+    <p:sldLayoutId id="2147483677" r:id="rId9"/>
     <p:sldLayoutId id="2147483683" r:id="rId10"/>
     <p:sldLayoutId id="2147483685" r:id="rId11"/>
     <p:sldLayoutId id="2147483686" r:id="rId12"/>
-    <p:sldLayoutId id="2147483687" r:id="rId13"/>
   </p:sldLayoutIdLst>
   <mc:AlternateContent xmlns:mc="http://schemas.openxmlformats.org/markup-compatibility/2006" xmlns:p14="http://schemas.microsoft.com/office/powerpoint/2010/main">
     <mc:Choice Requires="p14">
@@ -10295,7 +8926,80 @@
       </p:grpSpPr>
       <p:sp>
         <p:nvSpPr>
-          <p:cNvPr id="8" name="Text Placeholder 7"/>
+          <p:cNvPr id="21" name="Text Placeholder 6">
+            <a:extLst>
+              <a:ext uri="{FF2B5EF4-FFF2-40B4-BE49-F238E27FC236}">
+                <a16:creationId xmlns:a16="http://schemas.microsoft.com/office/drawing/2014/main" id="{76A05CC2-FC4D-4504-ABD3-8A2DED65D274}"/>
+              </a:ext>
+            </a:extLst>
+          </p:cNvPr>
+          <p:cNvSpPr>
+            <a:spLocks noGrp="1"/>
+          </p:cNvSpPr>
+          <p:nvPr>
+            <p:ph type="body" sz="quarter" idx="22"/>
+          </p:nvPr>
+        </p:nvSpPr>
+        <p:spPr>
+          <a:xfrm>
+            <a:off x="6379867" y="5904000"/>
+            <a:ext cx="5248260" cy="341313"/>
+          </a:xfrm>
+        </p:spPr>
+        <p:txBody>
+          <a:bodyPr/>
+          <a:lstStyle/>
+          <a:p>
+            <a:r>
+              <a:rPr lang="bg-BG" noProof="1"/>
+              <a:t>Софтуерни и хардуерни науки</a:t>
+            </a:r>
+            <a:endParaRPr lang="en-US" dirty="0"/>
+          </a:p>
+        </p:txBody>
+      </p:sp>
+      <p:sp>
+        <p:nvSpPr>
+          <p:cNvPr id="18" name="Text Placeholder 11"/>
+          <p:cNvSpPr>
+            <a:spLocks noGrp="1"/>
+          </p:cNvSpPr>
+          <p:nvPr>
+            <p:ph type="body" sz="quarter" idx="21"/>
+          </p:nvPr>
+        </p:nvSpPr>
+        <p:spPr>
+          <a:xfrm>
+            <a:off x="6374856" y="5529764"/>
+            <a:ext cx="5248260" cy="374236"/>
+          </a:xfrm>
+        </p:spPr>
+        <p:txBody>
+          <a:bodyPr>
+            <a:noAutofit/>
+          </a:bodyPr>
+          <a:lstStyle/>
+          <a:p>
+            <a:r>
+              <a:rPr lang="bg-BG" dirty="0">
+                <a:solidFill>
+                  <a:srgbClr val="234465"/>
+                </a:solidFill>
+              </a:rPr>
+              <a:t>Курс "ООП"</a:t>
+            </a:r>
+          </a:p>
+        </p:txBody>
+      </p:sp>
+      <p:sp>
+        <p:nvSpPr>
+          <p:cNvPr id="20" name="Text Placeholder 3">
+            <a:extLst>
+              <a:ext uri="{FF2B5EF4-FFF2-40B4-BE49-F238E27FC236}">
+                <a16:creationId xmlns:a16="http://schemas.microsoft.com/office/drawing/2014/main" id="{941D5C10-8D10-4D4A-BDC4-202C30EAED2F}"/>
+              </a:ext>
+            </a:extLst>
+          </p:cNvPr>
           <p:cNvSpPr>
             <a:spLocks noGrp="1"/>
           </p:cNvSpPr>
@@ -10303,7 +9007,12 @@
             <p:ph type="body" sz="quarter" idx="18"/>
           </p:nvPr>
         </p:nvSpPr>
-        <p:spPr/>
+        <p:spPr>
+          <a:xfrm>
+            <a:off x="534045" y="6039000"/>
+            <a:ext cx="4751953" cy="341556"/>
+          </a:xfrm>
+        </p:spPr>
         <p:txBody>
           <a:bodyPr/>
           <a:lstStyle/>
@@ -10312,15 +9021,15 @@
               <a:rPr lang="en-US" dirty="0">
                 <a:hlinkClick r:id="rId3"/>
               </a:rPr>
-              <a:t>https://about.softuni.bg/</a:t>
-            </a:r>
-            <a:endParaRPr lang="en-US" dirty="0"/>
-          </a:p>
-        </p:txBody>
-      </p:sp>
-      <p:sp>
-        <p:nvSpPr>
-          <p:cNvPr id="7" name="Text Placeholder 6"/>
+              <a:t>https://github.com/BG-IT-Edu</a:t>
+            </a:r>
+            <a:endParaRPr lang="bg-BG" dirty="0"/>
+          </a:p>
+        </p:txBody>
+      </p:sp>
+      <p:sp>
+        <p:nvSpPr>
+          <p:cNvPr id="19" name="Text Placeholder 9"/>
           <p:cNvSpPr>
             <a:spLocks noGrp="1"/>
           </p:cNvSpPr>
@@ -10328,63 +9037,23 @@
             <p:ph type="body" sz="quarter" idx="17"/>
           </p:nvPr>
         </p:nvSpPr>
-        <p:spPr/>
+        <p:spPr>
+          <a:xfrm>
+            <a:off x="534046" y="5229000"/>
+            <a:ext cx="4751954" cy="724904"/>
+          </a:xfrm>
+        </p:spPr>
         <p:txBody>
           <a:bodyPr/>
           <a:lstStyle/>
           <a:p>
             <a:r>
-              <a:rPr lang="en-US" dirty="0"/>
-              <a:t>Software University</a:t>
-            </a:r>
-          </a:p>
-        </p:txBody>
-      </p:sp>
-      <p:sp>
-        <p:nvSpPr>
-          <p:cNvPr id="12" name="Text Placeholder 11"/>
-          <p:cNvSpPr>
-            <a:spLocks noGrp="1"/>
-          </p:cNvSpPr>
-          <p:nvPr>
-            <p:ph type="body" sz="quarter" idx="20"/>
-          </p:nvPr>
-        </p:nvSpPr>
-        <p:spPr>
-          <a:xfrm>
-            <a:off x="553082" y="5336486"/>
-            <a:ext cx="2980696" cy="460181"/>
-          </a:xfrm>
-        </p:spPr>
-        <p:txBody>
-          <a:bodyPr/>
-          <a:lstStyle/>
-          <a:p>
-            <a:r>
-              <a:rPr lang="en-US" dirty="0"/>
-              <a:t>Technical Trainers</a:t>
-            </a:r>
-          </a:p>
-        </p:txBody>
-      </p:sp>
-      <p:sp>
-        <p:nvSpPr>
-          <p:cNvPr id="11" name="Text Placeholder 10"/>
-          <p:cNvSpPr>
-            <a:spLocks noGrp="1"/>
-          </p:cNvSpPr>
-          <p:nvPr>
-            <p:ph type="body" sz="quarter" idx="19"/>
-          </p:nvPr>
-        </p:nvSpPr>
-        <p:spPr/>
-        <p:txBody>
-          <a:bodyPr/>
-          <a:lstStyle/>
-          <a:p>
-            <a:r>
-              <a:rPr lang="en-US" dirty="0"/>
-              <a:t>SoftUni Team</a:t>
+              <a:rPr lang="bg-BG" dirty="0">
+                <a:solidFill>
+                  <a:schemeClr val="tx1"/>
+                </a:solidFill>
+              </a:rPr>
+              <a:t>Проект "Отворено учебно съдържание по програмиране и ИТ", СофтУни Фондация</a:t>
             </a:r>
           </a:p>
         </p:txBody>
@@ -10399,16 +9068,21 @@
             <p:ph type="subTitle" idx="1"/>
           </p:nvPr>
         </p:nvSpPr>
-        <p:spPr/>
+        <p:spPr>
+          <a:xfrm>
+            <a:off x="554746" y="1269000"/>
+            <a:ext cx="11083636" cy="1236558"/>
+          </a:xfrm>
+        </p:spPr>
         <p:txBody>
           <a:bodyPr>
-            <a:normAutofit fontScale="92500"/>
+            <a:noAutofit/>
           </a:bodyPr>
           <a:lstStyle/>
           <a:p>
             <a:r>
               <a:rPr lang="bg-BG" dirty="0"/>
-              <a:t>Виртуални методи и преизползване на код, ОО моделиране,  разширяване на клас, асоциация, композиция, делегация</a:t>
+              <a:t>Виртуални методи и преизползване на код, ОО моделиране, разширяване на клас, асоциация, композиция, делегация</a:t>
             </a:r>
             <a:endParaRPr lang="en-US" dirty="0"/>
           </a:p>
@@ -10441,14 +9115,56 @@
       </p:sp>
       <p:pic>
         <p:nvPicPr>
-          <p:cNvPr id="2" name="Picture 2" descr="3 Exciting Methods for Dependency Injection With Inheritance in C# -  MethodPoet"/>
+          <p:cNvPr id="8" name="Picture 7" descr="A green and blue rectangular sign with white text&#10;&#10;Description automatically generated">
+            <a:extLst>
+              <a:ext uri="{FF2B5EF4-FFF2-40B4-BE49-F238E27FC236}">
+                <a16:creationId xmlns:a16="http://schemas.microsoft.com/office/drawing/2014/main" id="{75312D09-226E-6C55-27BB-461591B94F24}"/>
+              </a:ext>
+            </a:extLst>
+          </p:cNvPr>
+          <p:cNvPicPr>
+            <a:picLocks noChangeAspect="1"/>
+          </p:cNvPicPr>
+          <p:nvPr/>
+        </p:nvPicPr>
+        <p:blipFill>
+          <a:blip r:embed="rId4">
+            <a:extLst>
+              <a:ext uri="{28A0092B-C50C-407E-A947-70E740481C1C}">
+                <a14:useLocalDpi xmlns:a14="http://schemas.microsoft.com/office/drawing/2010/main" val="0"/>
+              </a:ext>
+            </a:extLst>
+          </a:blip>
+          <a:stretch>
+            <a:fillRect/>
+          </a:stretch>
+        </p:blipFill>
+        <p:spPr>
+          <a:xfrm>
+            <a:off x="449311" y="2980813"/>
+            <a:ext cx="1956689" cy="988187"/>
+          </a:xfrm>
+          <a:prstGeom prst="rect">
+            <a:avLst/>
+          </a:prstGeom>
+        </p:spPr>
+      </p:pic>
+      <p:pic>
+        <p:nvPicPr>
+          <p:cNvPr id="2" name="Picture 2" descr="3 Exciting Methods for Dependency Injection With Inheritance in C# -  MethodPoet">
+            <a:extLst>
+              <a:ext uri="{FF2B5EF4-FFF2-40B4-BE49-F238E27FC236}">
+                <a16:creationId xmlns:a16="http://schemas.microsoft.com/office/drawing/2014/main" id="{8D7F2788-348A-27E5-03A3-EF7636EDE20F}"/>
+              </a:ext>
+            </a:extLst>
+          </p:cNvPr>
           <p:cNvPicPr>
             <a:picLocks noChangeAspect="1" noChangeArrowheads="1"/>
           </p:cNvPicPr>
           <p:nvPr/>
         </p:nvPicPr>
         <p:blipFill>
-          <a:blip r:embed="rId4" cstate="print">
+          <a:blip r:embed="rId5" cstate="print">
             <a:clrChange>
               <a:clrFrom>
                 <a:srgbClr val="3A9B8A"/>
@@ -10472,7 +9188,7 @@
         </p:blipFill>
         <p:spPr bwMode="auto">
           <a:xfrm>
-            <a:off x="4838089" y="2817137"/>
+            <a:off x="9651000" y="3200905"/>
             <a:ext cx="2162750" cy="2162750"/>
           </a:xfrm>
           <a:prstGeom prst="rect">
@@ -10493,7 +9209,7 @@
     </p:spTree>
     <p:extLst>
       <p:ext uri="{BB962C8B-B14F-4D97-AF65-F5344CB8AC3E}">
-        <p14:creationId xmlns:p14="http://schemas.microsoft.com/office/powerpoint/2010/main" val="2168584859"/>
+        <p14:creationId xmlns:p14="http://schemas.microsoft.com/office/powerpoint/2010/main" val="2637781195"/>
       </p:ext>
     </p:extLst>
   </p:cSld>
@@ -10573,10 +9289,10 @@
       </p:pic>
       <p:sp>
         <p:nvSpPr>
-          <p:cNvPr id="4" name="Subtitle 3">
+          <p:cNvPr id="6" name="Подзаглавие 5">
             <a:extLst>
               <a:ext uri="{FF2B5EF4-FFF2-40B4-BE49-F238E27FC236}">
-                <a16:creationId xmlns:a16="http://schemas.microsoft.com/office/drawing/2014/main" id="{60CCB5FD-0064-52E5-B9EF-897024D8DD6E}"/>
+                <a16:creationId xmlns:a16="http://schemas.microsoft.com/office/drawing/2014/main" id="{68A73B14-B09A-AF47-4338-B1878604959B}"/>
               </a:ext>
             </a:extLst>
           </p:cNvPr>
@@ -10587,38 +9303,24 @@
             <p:ph type="subTitle" sz="quarter" idx="11"/>
           </p:nvPr>
         </p:nvSpPr>
-        <p:spPr>
-          <a:xfrm>
-            <a:off x="614363" y="5675650"/>
-            <a:ext cx="10963275" cy="768350"/>
-          </a:xfrm>
-        </p:spPr>
+        <p:spPr/>
         <p:txBody>
           <a:bodyPr/>
           <a:lstStyle/>
           <a:p>
             <a:r>
               <a:rPr lang="bg-BG" dirty="0"/>
-              <a:t>Разширяване</a:t>
-            </a:r>
-            <a:r>
-              <a:rPr lang="en-US" dirty="0"/>
-              <a:t>, </a:t>
-            </a:r>
-            <a:r>
-              <a:rPr lang="bg-BG" dirty="0"/>
-              <a:t>композиция, делегиране</a:t>
-            </a:r>
-            <a:endParaRPr lang="en-US" dirty="0"/>
-          </a:p>
-        </p:txBody>
-      </p:sp>
-      <p:sp>
-        <p:nvSpPr>
-          <p:cNvPr id="3" name="Title 2">
+              <a:t>Разширяване, композиция, делегиране</a:t>
+            </a:r>
+          </a:p>
+        </p:txBody>
+      </p:sp>
+      <p:sp>
+        <p:nvSpPr>
+          <p:cNvPr id="8" name="Заглавие 7">
             <a:extLst>
               <a:ext uri="{FF2B5EF4-FFF2-40B4-BE49-F238E27FC236}">
-                <a16:creationId xmlns:a16="http://schemas.microsoft.com/office/drawing/2014/main" id="{2BD6ED98-3FB5-46B0-A08A-5E5FBF0CD406}"/>
+                <a16:creationId xmlns:a16="http://schemas.microsoft.com/office/drawing/2014/main" id="{B50BFE00-606C-1A7C-E41E-96E53329533F}"/>
               </a:ext>
             </a:extLst>
           </p:cNvPr>
@@ -10629,12 +9331,7 @@
             <p:ph type="title" sz="quarter" idx="10"/>
           </p:nvPr>
         </p:nvSpPr>
-        <p:spPr>
-          <a:xfrm>
-            <a:off x="614363" y="4794587"/>
-            <a:ext cx="10963275" cy="768350"/>
-          </a:xfrm>
-        </p:spPr>
+        <p:spPr/>
         <p:txBody>
           <a:bodyPr/>
           <a:lstStyle/>
@@ -10643,14 +9340,13 @@
               <a:rPr lang="bg-BG" dirty="0"/>
               <a:t>Обектно-ориентирано моделиране</a:t>
             </a:r>
-            <a:endParaRPr lang="en-US" dirty="0"/>
           </a:p>
         </p:txBody>
       </p:sp>
     </p:spTree>
     <p:extLst>
       <p:ext uri="{BB962C8B-B14F-4D97-AF65-F5344CB8AC3E}">
-        <p14:creationId xmlns:p14="http://schemas.microsoft.com/office/powerpoint/2010/main" val="2712208720"/>
+        <p14:creationId xmlns:p14="http://schemas.microsoft.com/office/powerpoint/2010/main" val="1177166837"/>
       </p:ext>
     </p:extLst>
   </p:cSld>
@@ -10687,36 +9383,6 @@
       </p:grpSpPr>
       <p:sp>
         <p:nvSpPr>
-          <p:cNvPr id="2" name="Slide Number Placeholder 1">
-            <a:extLst>
-              <a:ext uri="{FF2B5EF4-FFF2-40B4-BE49-F238E27FC236}">
-                <a16:creationId xmlns:a16="http://schemas.microsoft.com/office/drawing/2014/main" id="{BA65E8CB-2D7F-757A-288C-8F9E23E7B4EC}"/>
-              </a:ext>
-            </a:extLst>
-          </p:cNvPr>
-          <p:cNvSpPr>
-            <a:spLocks noGrp="1"/>
-          </p:cNvSpPr>
-          <p:nvPr>
-            <p:ph type="sldNum" sz="quarter" idx="5"/>
-          </p:nvPr>
-        </p:nvSpPr>
-        <p:spPr/>
-        <p:txBody>
-          <a:bodyPr/>
-          <a:lstStyle/>
-          <a:p>
-            <a:fld id="{2BF067CD-8E6B-4360-9AA8-C5DF2A48A6D1}" type="slidenum">
-              <a:rPr lang="en-US" noProof="0" smtClean="0"/>
-              <a:pPr/>
-              <a:t>11</a:t>
-            </a:fld>
-            <a:endParaRPr lang="en-US" noProof="0" dirty="0"/>
-          </a:p>
-        </p:txBody>
-      </p:sp>
-      <p:sp>
-        <p:nvSpPr>
           <p:cNvPr id="3" name="Text Placeholder 2">
             <a:extLst>
               <a:ext uri="{FF2B5EF4-FFF2-40B4-BE49-F238E27FC236}">
@@ -10747,7 +9413,7 @@
             </a:r>
             <a:r>
               <a:rPr lang="bg-BG" dirty="0"/>
-              <a:t>(ОО моделиране)</a:t>
+              <a:t>(ОО моделиране):</a:t>
             </a:r>
           </a:p>
           <a:p>
@@ -10960,10 +9626,52 @@
           </a:p>
         </p:txBody>
       </p:sp>
+      <p:sp>
+        <p:nvSpPr>
+          <p:cNvPr id="5" name="Slide Number">
+            <a:extLst>
+              <a:ext uri="{FF2B5EF4-FFF2-40B4-BE49-F238E27FC236}">
+                <a16:creationId xmlns:a16="http://schemas.microsoft.com/office/drawing/2014/main" id="{13FE4CF3-3F12-9F65-497E-D422DD459A99}"/>
+              </a:ext>
+            </a:extLst>
+          </p:cNvPr>
+          <p:cNvSpPr>
+            <a:spLocks noGrp="1"/>
+          </p:cNvSpPr>
+          <p:nvPr>
+            <p:ph type="sldNum" sz="quarter" idx="5"/>
+          </p:nvPr>
+        </p:nvSpPr>
+        <p:spPr>
+          <a:xfrm>
+            <a:off x="11753030" y="6507000"/>
+            <a:ext cx="367414" cy="297000"/>
+          </a:xfrm>
+          <a:prstGeom prst="rect">
+            <a:avLst/>
+          </a:prstGeom>
+        </p:spPr>
+        <p:txBody>
+          <a:bodyPr vert="horz" lIns="91440" tIns="45720" rIns="91440" bIns="45720" rtlCol="0" anchor="b"/>
+          <a:lstStyle>
+            <a:lvl1pPr algn="r">
+              <a:defRPr sz="1000"/>
+            </a:lvl1pPr>
+          </a:lstStyle>
+          <a:p>
+            <a:fld id="{2BF067CD-8E6B-4360-9AA8-C5DF2A48A6D1}" type="slidenum">
+              <a:rPr lang="en-US" noProof="0" smtClean="0"/>
+              <a:pPr/>
+              <a:t>11</a:t>
+            </a:fld>
+            <a:endParaRPr lang="en-US" noProof="0" dirty="0"/>
+          </a:p>
+        </p:txBody>
+      </p:sp>
     </p:spTree>
     <p:extLst>
       <p:ext uri="{BB962C8B-B14F-4D97-AF65-F5344CB8AC3E}">
-        <p14:creationId xmlns:p14="http://schemas.microsoft.com/office/powerpoint/2010/main" val="2124713838"/>
+        <p14:creationId xmlns:p14="http://schemas.microsoft.com/office/powerpoint/2010/main" val="1720323626"/>
       </p:ext>
     </p:extLst>
   </p:cSld>
@@ -11305,18 +10013,23 @@
             </a:r>
             <a:r>
               <a:rPr lang="bg-BG" sz="3600" dirty="0"/>
-              <a:t>между класове в ООП</a:t>
-            </a:r>
-          </a:p>
-          <a:p>
-            <a:pPr lvl="1">
-              <a:buClr>
-                <a:schemeClr val="tx1"/>
-              </a:buClr>
-            </a:pPr>
+              <a:t>==</a:t>
+            </a:r>
+            <a:r>
+              <a:rPr lang="bg-BG" sz="3600" b="1" dirty="0">
+                <a:solidFill>
+                  <a:schemeClr val="bg1"/>
+                </a:solidFill>
+              </a:rPr>
+              <a:t> </a:t>
+            </a:r>
+            <a:r>
+              <a:rPr lang="bg-BG" sz="3400" b="1" dirty="0"/>
+              <a:t>структурна връзка </a:t>
+            </a:r>
             <a:r>
               <a:rPr lang="bg-BG" sz="3400" dirty="0"/>
-              <a:t>Структурна връзка между два класа:</a:t>
+              <a:t>между два класа:</a:t>
             </a:r>
           </a:p>
           <a:p>
@@ -11338,7 +10051,7 @@
           <a:p>
             <a:pPr lvl="1">
               <a:spcBef>
-                <a:spcPts val="1800"/>
+                <a:spcPts val="2500"/>
               </a:spcBef>
               <a:buClr>
                 <a:schemeClr val="tx1"/>
@@ -11417,7 +10130,7 @@
         </p:nvSpPr>
         <p:spPr>
           <a:xfrm>
-            <a:off x="1770927" y="2978291"/>
+            <a:off x="1770927" y="2258291"/>
             <a:ext cx="2305302" cy="901418"/>
           </a:xfrm>
           <a:prstGeom prst="roundRect">
@@ -11472,48 +10185,6 @@
       </p:sp>
       <p:sp>
         <p:nvSpPr>
-          <p:cNvPr id="9" name="Slide Number">
-            <a:extLst>
-              <a:ext uri="{FF2B5EF4-FFF2-40B4-BE49-F238E27FC236}">
-                <a16:creationId xmlns:a16="http://schemas.microsoft.com/office/drawing/2014/main" id="{9A2FAB3F-B1CF-49FB-B55F-3E799C2BE4DA}"/>
-              </a:ext>
-            </a:extLst>
-          </p:cNvPr>
-          <p:cNvSpPr>
-            <a:spLocks noGrp="1"/>
-          </p:cNvSpPr>
-          <p:nvPr>
-            <p:ph type="sldNum" sz="quarter" idx="5"/>
-          </p:nvPr>
-        </p:nvSpPr>
-        <p:spPr>
-          <a:xfrm>
-            <a:off x="11753030" y="6507000"/>
-            <a:ext cx="367414" cy="297000"/>
-          </a:xfrm>
-          <a:prstGeom prst="rect">
-            <a:avLst/>
-          </a:prstGeom>
-        </p:spPr>
-        <p:txBody>
-          <a:bodyPr vert="horz" lIns="91440" tIns="45720" rIns="91440" bIns="45720" rtlCol="0" anchor="b"/>
-          <a:lstStyle>
-            <a:lvl1pPr algn="r">
-              <a:defRPr sz="1000"/>
-            </a:lvl1pPr>
-          </a:lstStyle>
-          <a:p>
-            <a:fld id="{2BF067CD-8E6B-4360-9AA8-C5DF2A48A6D1}" type="slidenum">
-              <a:rPr lang="en-US" noProof="0" smtClean="0"/>
-              <a:pPr/>
-              <a:t>12</a:t>
-            </a:fld>
-            <a:endParaRPr lang="en-US" noProof="0" dirty="0"/>
-          </a:p>
-        </p:txBody>
-      </p:sp>
-      <p:sp>
-        <p:nvSpPr>
           <p:cNvPr id="2" name="Rectangle: Rounded Corners 1">
             <a:extLst>
               <a:ext uri="{FF2B5EF4-FFF2-40B4-BE49-F238E27FC236}">
@@ -11526,7 +10197,7 @@
         </p:nvSpPr>
         <p:spPr>
           <a:xfrm>
-            <a:off x="7576078" y="2978291"/>
+            <a:off x="7576078" y="2258291"/>
             <a:ext cx="2174598" cy="901418"/>
           </a:xfrm>
           <a:prstGeom prst="roundRect">
@@ -11593,7 +10264,7 @@
         </p:nvGrpSpPr>
         <p:grpSpPr>
           <a:xfrm>
-            <a:off x="4558165" y="2844000"/>
+            <a:off x="4558165" y="2124000"/>
             <a:ext cx="2535976" cy="682803"/>
             <a:chOff x="4642571" y="2889000"/>
             <a:chExt cx="2535976" cy="682803"/>
@@ -11715,7 +10386,7 @@
         </p:nvSpPr>
         <p:spPr>
           <a:xfrm>
-            <a:off x="1770927" y="5499000"/>
+            <a:off x="1770927" y="5171635"/>
             <a:ext cx="2305302" cy="901418"/>
           </a:xfrm>
           <a:prstGeom prst="roundRect">
@@ -11787,7 +10458,7 @@
         </p:nvSpPr>
         <p:spPr>
           <a:xfrm>
-            <a:off x="7576078" y="5499000"/>
+            <a:off x="7576078" y="5171635"/>
             <a:ext cx="2174598" cy="901418"/>
           </a:xfrm>
           <a:prstGeom prst="roundRect">
@@ -11854,7 +10525,7 @@
         </p:nvGrpSpPr>
         <p:grpSpPr>
           <a:xfrm>
-            <a:off x="4452445" y="5370639"/>
+            <a:off x="4452445" y="5043274"/>
             <a:ext cx="2743904" cy="1265726"/>
             <a:chOff x="4452445" y="5370639"/>
             <a:chExt cx="2743904" cy="1265726"/>
@@ -12053,21 +10724,63 @@
           </p:txBody>
         </p:sp>
       </p:grpSp>
+      <p:sp>
+        <p:nvSpPr>
+          <p:cNvPr id="5" name="Slide Number">
+            <a:extLst>
+              <a:ext uri="{FF2B5EF4-FFF2-40B4-BE49-F238E27FC236}">
+                <a16:creationId xmlns:a16="http://schemas.microsoft.com/office/drawing/2014/main" id="{E9968DB0-7689-5123-865A-52370A76892B}"/>
+              </a:ext>
+            </a:extLst>
+          </p:cNvPr>
+          <p:cNvSpPr>
+            <a:spLocks noGrp="1"/>
+          </p:cNvSpPr>
+          <p:nvPr>
+            <p:ph type="sldNum" sz="quarter" idx="5"/>
+          </p:nvPr>
+        </p:nvSpPr>
+        <p:spPr>
+          <a:xfrm>
+            <a:off x="11753030" y="6507000"/>
+            <a:ext cx="367414" cy="297000"/>
+          </a:xfrm>
+          <a:prstGeom prst="rect">
+            <a:avLst/>
+          </a:prstGeom>
+        </p:spPr>
+        <p:txBody>
+          <a:bodyPr vert="horz" lIns="91440" tIns="45720" rIns="91440" bIns="45720" rtlCol="0" anchor="b"/>
+          <a:lstStyle>
+            <a:lvl1pPr algn="r">
+              <a:defRPr sz="1000"/>
+            </a:lvl1pPr>
+          </a:lstStyle>
+          <a:p>
+            <a:fld id="{2BF067CD-8E6B-4360-9AA8-C5DF2A48A6D1}" type="slidenum">
+              <a:rPr lang="en-US" noProof="0" smtClean="0"/>
+              <a:pPr/>
+              <a:t>12</a:t>
+            </a:fld>
+            <a:endParaRPr lang="en-US" noProof="0" dirty="0"/>
+          </a:p>
+        </p:txBody>
+      </p:sp>
     </p:spTree>
     <p:extLst>
       <p:ext uri="{BB962C8B-B14F-4D97-AF65-F5344CB8AC3E}">
-        <p14:creationId xmlns:p14="http://schemas.microsoft.com/office/powerpoint/2010/main" val="3575903106"/>
+        <p14:creationId xmlns:p14="http://schemas.microsoft.com/office/powerpoint/2010/main" val="1157564677"/>
       </p:ext>
     </p:extLst>
   </p:cSld>
   <p:clrMapOvr>
     <a:masterClrMapping/>
   </p:clrMapOvr>
-  <mc:AlternateContent xmlns:mc="http://schemas.openxmlformats.org/markup-compatibility/2006">
-    <mc:Choice xmlns:p14="http://schemas.microsoft.com/office/powerpoint/2010/main" Requires="p14">
+  <mc:AlternateContent xmlns:mc="http://schemas.openxmlformats.org/markup-compatibility/2006" xmlns:p14="http://schemas.microsoft.com/office/powerpoint/2010/main">
+    <mc:Choice Requires="p14">
       <p:transition p14:dur="10" advClick="0" advTm="5000"/>
     </mc:Choice>
-    <mc:Fallback>
+    <mc:Fallback xmlns="">
       <p:transition advClick="0" advTm="5000"/>
     </mc:Fallback>
   </mc:AlternateContent>
@@ -12206,7 +10919,7 @@
                                         <p:tgtEl>
                                           <p:spTgt spid="3">
                                             <p:txEl>
-                                              <p:pRg st="4" end="4"/>
+                                              <p:pRg st="3" end="3"/>
                                             </p:txEl>
                                           </p:spTgt>
                                         </p:tgtEl>
@@ -12417,12 +11130,16 @@
               </a:buClr>
             </a:pPr>
             <a:r>
+              <a:rPr lang="bg-BG" sz="3600" dirty="0"/>
+              <a:t>Можем да</a:t>
+            </a:r>
+            <a:r>
               <a:rPr lang="bg-BG" sz="3600" b="1" dirty="0">
                 <a:solidFill>
                   <a:schemeClr val="bg1"/>
                 </a:solidFill>
               </a:rPr>
-              <a:t>Можем да преизползваме класове </a:t>
+              <a:t> преизползваме класове </a:t>
             </a:r>
             <a:r>
               <a:rPr lang="bg-BG" sz="3600" dirty="0"/>
@@ -12706,48 +11423,6 @@
       </p:sp>
       <p:sp>
         <p:nvSpPr>
-          <p:cNvPr id="9" name="Slide Number">
-            <a:extLst>
-              <a:ext uri="{FF2B5EF4-FFF2-40B4-BE49-F238E27FC236}">
-                <a16:creationId xmlns:a16="http://schemas.microsoft.com/office/drawing/2014/main" id="{9A2FAB3F-B1CF-49FB-B55F-3E799C2BE4DA}"/>
-              </a:ext>
-            </a:extLst>
-          </p:cNvPr>
-          <p:cNvSpPr>
-            <a:spLocks noGrp="1"/>
-          </p:cNvSpPr>
-          <p:nvPr>
-            <p:ph type="sldNum" sz="quarter" idx="5"/>
-          </p:nvPr>
-        </p:nvSpPr>
-        <p:spPr>
-          <a:xfrm>
-            <a:off x="11753030" y="6507000"/>
-            <a:ext cx="367414" cy="297000"/>
-          </a:xfrm>
-          <a:prstGeom prst="rect">
-            <a:avLst/>
-          </a:prstGeom>
-        </p:spPr>
-        <p:txBody>
-          <a:bodyPr vert="horz" lIns="91440" tIns="45720" rIns="91440" bIns="45720" rtlCol="0" anchor="b"/>
-          <a:lstStyle>
-            <a:lvl1pPr algn="r">
-              <a:defRPr sz="1000"/>
-            </a:lvl1pPr>
-          </a:lstStyle>
-          <a:p>
-            <a:fld id="{2BF067CD-8E6B-4360-9AA8-C5DF2A48A6D1}" type="slidenum">
-              <a:rPr lang="en-US" noProof="0" smtClean="0"/>
-              <a:pPr/>
-              <a:t>13</a:t>
-            </a:fld>
-            <a:endParaRPr lang="en-US" noProof="0" dirty="0"/>
-          </a:p>
-        </p:txBody>
-      </p:sp>
-      <p:sp>
-        <p:nvSpPr>
           <p:cNvPr id="2" name="Rectangle: Rounded Corners 1">
             <a:extLst>
               <a:ext uri="{FF2B5EF4-FFF2-40B4-BE49-F238E27FC236}">
@@ -12892,10 +11567,52 @@
           </a:p>
         </p:txBody>
       </p:sp>
+      <p:sp>
+        <p:nvSpPr>
+          <p:cNvPr id="6" name="Slide Number">
+            <a:extLst>
+              <a:ext uri="{FF2B5EF4-FFF2-40B4-BE49-F238E27FC236}">
+                <a16:creationId xmlns:a16="http://schemas.microsoft.com/office/drawing/2014/main" id="{68EFB65B-986B-72D7-CC92-BB7DF65E29C8}"/>
+              </a:ext>
+            </a:extLst>
+          </p:cNvPr>
+          <p:cNvSpPr>
+            <a:spLocks noGrp="1"/>
+          </p:cNvSpPr>
+          <p:nvPr>
+            <p:ph type="sldNum" sz="quarter" idx="5"/>
+          </p:nvPr>
+        </p:nvSpPr>
+        <p:spPr>
+          <a:xfrm>
+            <a:off x="11753030" y="6507000"/>
+            <a:ext cx="367414" cy="297000"/>
+          </a:xfrm>
+          <a:prstGeom prst="rect">
+            <a:avLst/>
+          </a:prstGeom>
+        </p:spPr>
+        <p:txBody>
+          <a:bodyPr vert="horz" lIns="91440" tIns="45720" rIns="91440" bIns="45720" rtlCol="0" anchor="b"/>
+          <a:lstStyle>
+            <a:lvl1pPr algn="r">
+              <a:defRPr sz="1000"/>
+            </a:lvl1pPr>
+          </a:lstStyle>
+          <a:p>
+            <a:fld id="{2BF067CD-8E6B-4360-9AA8-C5DF2A48A6D1}" type="slidenum">
+              <a:rPr lang="en-US" noProof="0" smtClean="0"/>
+              <a:pPr/>
+              <a:t>13</a:t>
+            </a:fld>
+            <a:endParaRPr lang="en-US" noProof="0" dirty="0"/>
+          </a:p>
+        </p:txBody>
+      </p:sp>
     </p:spTree>
     <p:extLst>
       <p:ext uri="{BB962C8B-B14F-4D97-AF65-F5344CB8AC3E}">
-        <p14:creationId xmlns:p14="http://schemas.microsoft.com/office/powerpoint/2010/main" val="2240755261"/>
+        <p14:creationId xmlns:p14="http://schemas.microsoft.com/office/powerpoint/2010/main" val="1200302921"/>
       </p:ext>
     </p:extLst>
   </p:cSld>
@@ -13269,6 +11986,11 @@
           <a:bodyPr/>
           <a:lstStyle/>
           <a:p>
+            <a:pPr>
+              <a:buClr>
+                <a:schemeClr val="tx1"/>
+              </a:buClr>
+            </a:pPr>
             <a:r>
               <a:rPr lang="bg-BG" b="1" dirty="0">
                 <a:solidFill>
@@ -13781,10 +12503,10 @@
       </p:sp>
       <p:sp>
         <p:nvSpPr>
-          <p:cNvPr id="11" name="Slide Number">
+          <p:cNvPr id="2" name="Slide Number">
             <a:extLst>
               <a:ext uri="{FF2B5EF4-FFF2-40B4-BE49-F238E27FC236}">
-                <a16:creationId xmlns:a16="http://schemas.microsoft.com/office/drawing/2014/main" id="{B21DFBC2-F3F5-452F-ABC5-3F6E39C31594}"/>
+                <a16:creationId xmlns:a16="http://schemas.microsoft.com/office/drawing/2014/main" id="{6033BC34-7B80-DE6A-4C46-61BB7DCDA944}"/>
               </a:ext>
             </a:extLst>
           </p:cNvPr>
@@ -13824,7 +12546,7 @@
     </p:spTree>
     <p:extLst>
       <p:ext uri="{BB962C8B-B14F-4D97-AF65-F5344CB8AC3E}">
-        <p14:creationId xmlns:p14="http://schemas.microsoft.com/office/powerpoint/2010/main" val="3042020460"/>
+        <p14:creationId xmlns:p14="http://schemas.microsoft.com/office/powerpoint/2010/main" val="2614960452"/>
       </p:ext>
     </p:extLst>
   </p:cSld>
@@ -14501,10 +13223,10 @@
       </p:grpSp>
       <p:sp>
         <p:nvSpPr>
-          <p:cNvPr id="11" name="Slide Number">
+          <p:cNvPr id="6" name="Slide Number">
             <a:extLst>
               <a:ext uri="{FF2B5EF4-FFF2-40B4-BE49-F238E27FC236}">
-                <a16:creationId xmlns:a16="http://schemas.microsoft.com/office/drawing/2014/main" id="{540721A4-9A9F-4B67-9CF6-A7D0D7FF174B}"/>
+                <a16:creationId xmlns:a16="http://schemas.microsoft.com/office/drawing/2014/main" id="{06F75D03-BC44-69A0-22D7-343693CDC81E}"/>
               </a:ext>
             </a:extLst>
           </p:cNvPr>
@@ -14632,7 +13354,7 @@
     </p:spTree>
     <p:extLst>
       <p:ext uri="{BB962C8B-B14F-4D97-AF65-F5344CB8AC3E}">
-        <p14:creationId xmlns:p14="http://schemas.microsoft.com/office/powerpoint/2010/main" val="2185080646"/>
+        <p14:creationId xmlns:p14="http://schemas.microsoft.com/office/powerpoint/2010/main" val="59814550"/>
       </p:ext>
     </p:extLst>
   </p:cSld>
@@ -14841,6 +13563,10 @@
           </p:nvPr>
         </p:nvSpPr>
         <p:spPr>
+          <a:xfrm>
+            <a:off x="190406" y="161346"/>
+            <a:ext cx="10270594" cy="882654"/>
+          </a:xfrm>
           <a:prstGeom prst="rect">
             <a:avLst/>
           </a:prstGeom>
@@ -15060,10 +13786,10 @@
       </p:pic>
       <p:sp>
         <p:nvSpPr>
-          <p:cNvPr id="11" name="Slide Number">
+          <p:cNvPr id="4" name="Slide Number">
             <a:extLst>
               <a:ext uri="{FF2B5EF4-FFF2-40B4-BE49-F238E27FC236}">
-                <a16:creationId xmlns:a16="http://schemas.microsoft.com/office/drawing/2014/main" id="{11153D74-695E-40D3-B089-A648CFC6DCE1}"/>
+                <a16:creationId xmlns:a16="http://schemas.microsoft.com/office/drawing/2014/main" id="{7FD1210F-2AA5-AFB7-DF9B-21A4CA34E8AF}"/>
               </a:ext>
             </a:extLst>
           </p:cNvPr>
@@ -15103,7 +13829,7 @@
     </p:spTree>
     <p:extLst>
       <p:ext uri="{BB962C8B-B14F-4D97-AF65-F5344CB8AC3E}">
-        <p14:creationId xmlns:p14="http://schemas.microsoft.com/office/powerpoint/2010/main" val="16398602"/>
+        <p14:creationId xmlns:p14="http://schemas.microsoft.com/office/powerpoint/2010/main" val="1033461444"/>
       </p:ext>
     </p:extLst>
   </p:cSld>
@@ -15189,7 +13915,7 @@
         </p:nvSpPr>
         <p:spPr>
           <a:xfrm>
-            <a:off x="990600" y="1134000"/>
+            <a:off x="990600" y="1187504"/>
             <a:ext cx="10287000" cy="5301496"/>
           </a:xfrm>
           <a:prstGeom prst="rect">
@@ -15492,10 +14218,10 @@
       </p:sp>
       <p:sp>
         <p:nvSpPr>
-          <p:cNvPr id="9" name="Slide Number">
+          <p:cNvPr id="5" name="Slide Number">
             <a:extLst>
               <a:ext uri="{FF2B5EF4-FFF2-40B4-BE49-F238E27FC236}">
-                <a16:creationId xmlns:a16="http://schemas.microsoft.com/office/drawing/2014/main" id="{B336B47E-9B4E-4370-8941-9323C43D1E97}"/>
+                <a16:creationId xmlns:a16="http://schemas.microsoft.com/office/drawing/2014/main" id="{10B41D92-1780-1E71-80C4-A9B1C21F0146}"/>
               </a:ext>
             </a:extLst>
           </p:cNvPr>
@@ -15623,7 +14349,7 @@
     </p:spTree>
     <p:extLst>
       <p:ext uri="{BB962C8B-B14F-4D97-AF65-F5344CB8AC3E}">
-        <p14:creationId xmlns:p14="http://schemas.microsoft.com/office/powerpoint/2010/main" val="3492419091"/>
+        <p14:creationId xmlns:p14="http://schemas.microsoft.com/office/powerpoint/2010/main" val="671402010"/>
       </p:ext>
     </p:extLst>
   </p:cSld>
@@ -16628,7 +15354,7 @@
             <a:r>
               <a:rPr lang="bg-BG" sz="3600" b="1" dirty="0">
                 <a:solidFill>
-                  <a:schemeClr val="bg1">
+                  <a:schemeClr val="accent1">
                     <a:lumMod val="60000"/>
                     <a:lumOff val="40000"/>
                   </a:schemeClr>
@@ -16638,7 +15364,7 @@
             </a:r>
             <a:endParaRPr lang="en-US" sz="3600" b="1" dirty="0">
               <a:solidFill>
-                <a:schemeClr val="bg1">
+                <a:schemeClr val="accent1">
                   <a:lumMod val="60000"/>
                   <a:lumOff val="40000"/>
                 </a:schemeClr>
@@ -16657,7 +15383,7 @@
             <a:r>
               <a:rPr lang="bg-BG" sz="3600" b="1" dirty="0">
                 <a:solidFill>
-                  <a:schemeClr val="bg1">
+                  <a:schemeClr val="accent1">
                     <a:lumMod val="60000"/>
                     <a:lumOff val="40000"/>
                   </a:schemeClr>
@@ -16680,6 +15406,44 @@
                 </a:solidFill>
               </a:rPr>
             </a:br>
+            <a:r>
+              <a:rPr lang="bg-BG" sz="3600" b="1" dirty="0">
+                <a:solidFill>
+                  <a:schemeClr val="accent1">
+                    <a:lumMod val="60000"/>
+                    <a:lumOff val="40000"/>
+                  </a:schemeClr>
+                </a:solidFill>
+              </a:rPr>
+              <a:t>суперкласа</a:t>
+            </a:r>
+            <a:r>
+              <a:rPr lang="en-US" sz="3600" dirty="0">
+                <a:solidFill>
+                  <a:schemeClr val="bg2"/>
+                </a:solidFill>
+              </a:rPr>
+              <a:t> </a:t>
+            </a:r>
+            <a:r>
+              <a:rPr lang="bg-BG" sz="3600" dirty="0">
+                <a:solidFill>
+                  <a:schemeClr val="bg2"/>
+                </a:solidFill>
+              </a:rPr>
+              <a:t>и може да </a:t>
+            </a:r>
+            <a:r>
+              <a:rPr lang="bg-BG" sz="3600" b="1" dirty="0">
+                <a:solidFill>
+                  <a:schemeClr val="accent1">
+                    <a:lumMod val="60000"/>
+                    <a:lumOff val="40000"/>
+                  </a:schemeClr>
+                </a:solidFill>
+              </a:rPr>
+              <a:t>презаписва</a:t>
+            </a:r>
             <a:r>
               <a:rPr lang="bg-BG" sz="3600" b="1" dirty="0">
                 <a:solidFill>
@@ -16689,7 +15453,35 @@
                   </a:schemeClr>
                 </a:solidFill>
               </a:rPr>
-              <a:t>суперкласа</a:t>
+              <a:t> </a:t>
+            </a:r>
+            <a:r>
+              <a:rPr lang="bg-BG" sz="3600" dirty="0">
+                <a:solidFill>
+                  <a:schemeClr val="bg2"/>
+                </a:solidFill>
+              </a:rPr>
+              <a:t>методи</a:t>
+            </a:r>
+            <a:endParaRPr lang="en-US" sz="3600" b="1" dirty="0">
+              <a:solidFill>
+                <a:schemeClr val="bg1"/>
+              </a:solidFill>
+            </a:endParaRPr>
+          </a:p>
+          <a:p>
+            <a:pPr latinLnBrk="0">
+              <a:lnSpc>
+                <a:spcPct val="100000"/>
+              </a:lnSpc>
+            </a:pPr>
+            <a:r>
+              <a:rPr lang="bg-BG" sz="3600" dirty="0">
+                <a:solidFill>
+                  <a:schemeClr val="bg2"/>
+                </a:solidFill>
+              </a:rPr>
+              <a:t>Обмислете</a:t>
             </a:r>
             <a:r>
               <a:rPr lang="en-US" sz="3600" dirty="0">
@@ -16700,51 +15492,31 @@
               <a:t> </a:t>
             </a:r>
             <a:r>
+              <a:rPr lang="bg-BG" sz="3600" b="1" dirty="0">
+                <a:solidFill>
+                  <a:schemeClr val="accent1">
+                    <a:lumMod val="60000"/>
+                    <a:lumOff val="40000"/>
+                  </a:schemeClr>
+                </a:solidFill>
+              </a:rPr>
+              <a:t>композиция</a:t>
+            </a:r>
+            <a:r>
+              <a:rPr lang="en-US" sz="3600" b="1" dirty="0">
+                <a:solidFill>
+                  <a:schemeClr val="bg1"/>
+                </a:solidFill>
+              </a:rPr>
+              <a:t> </a:t>
+            </a:r>
+            <a:r>
               <a:rPr lang="bg-BG" sz="3600" dirty="0">
                 <a:solidFill>
                   <a:schemeClr val="bg2"/>
                 </a:solidFill>
               </a:rPr>
-              <a:t>и може да </a:t>
-            </a:r>
-            <a:r>
-              <a:rPr lang="bg-BG" sz="3600" b="1" dirty="0">
-                <a:solidFill>
-                  <a:schemeClr val="bg1">
-                    <a:lumMod val="60000"/>
-                    <a:lumOff val="40000"/>
-                  </a:schemeClr>
-                </a:solidFill>
-              </a:rPr>
-              <a:t>презаписва </a:t>
-            </a:r>
-            <a:r>
-              <a:rPr lang="bg-BG" sz="3600" dirty="0">
-                <a:solidFill>
-                  <a:schemeClr val="bg2"/>
-                </a:solidFill>
-              </a:rPr>
-              <a:t>методи</a:t>
-            </a:r>
-            <a:endParaRPr lang="en-US" sz="3600" b="1" dirty="0">
-              <a:solidFill>
-                <a:schemeClr val="bg1"/>
-              </a:solidFill>
-            </a:endParaRPr>
-          </a:p>
-          <a:p>
-            <a:pPr latinLnBrk="0">
-              <a:lnSpc>
-                <a:spcPct val="100000"/>
-              </a:lnSpc>
-            </a:pPr>
-            <a:r>
-              <a:rPr lang="bg-BG" sz="3600" dirty="0">
-                <a:solidFill>
-                  <a:schemeClr val="bg2"/>
-                </a:solidFill>
-              </a:rPr>
-              <a:t>Обмислете</a:t>
+              <a:t>и</a:t>
             </a:r>
             <a:r>
               <a:rPr lang="en-US" sz="3600" dirty="0">
@@ -16757,42 +15529,7 @@
             <a:r>
               <a:rPr lang="bg-BG" sz="3600" b="1" dirty="0">
                 <a:solidFill>
-                  <a:schemeClr val="bg1">
-                    <a:lumMod val="60000"/>
-                    <a:lumOff val="40000"/>
-                  </a:schemeClr>
-                </a:solidFill>
-              </a:rPr>
-              <a:t>композиция</a:t>
-            </a:r>
-            <a:r>
-              <a:rPr lang="en-US" sz="3600" b="1" dirty="0">
-                <a:solidFill>
-                  <a:schemeClr val="bg1"/>
-                </a:solidFill>
-              </a:rPr>
-              <a:t> </a:t>
-            </a:r>
-            <a:r>
-              <a:rPr lang="bg-BG" sz="3600" dirty="0">
-                <a:solidFill>
-                  <a:schemeClr val="bg2"/>
-                </a:solidFill>
-              </a:rPr>
-              <a:t>и</a:t>
-            </a:r>
-            <a:r>
-              <a:rPr lang="en-US" sz="3600" dirty="0">
-                <a:solidFill>
-                  <a:schemeClr val="bg2"/>
-                </a:solidFill>
-              </a:rPr>
-              <a:t> </a:t>
-            </a:r>
-            <a:r>
-              <a:rPr lang="bg-BG" sz="3600" b="1" dirty="0">
-                <a:solidFill>
-                  <a:schemeClr val="bg1">
+                  <a:schemeClr val="accent1">
                     <a:lumMod val="60000"/>
                     <a:lumOff val="40000"/>
                   </a:schemeClr>
@@ -16802,7 +15539,7 @@
             </a:r>
             <a:endParaRPr lang="en-US" sz="3600" dirty="0">
               <a:solidFill>
-                <a:schemeClr val="bg1">
+                <a:schemeClr val="accent1">
                   <a:lumMod val="60000"/>
                   <a:lumOff val="40000"/>
                 </a:schemeClr>
@@ -16813,10 +15550,10 @@
       </p:sp>
       <p:sp>
         <p:nvSpPr>
-          <p:cNvPr id="16" name="Slide Number">
+          <p:cNvPr id="2" name="Slide Number">
             <a:extLst>
               <a:ext uri="{FF2B5EF4-FFF2-40B4-BE49-F238E27FC236}">
-                <a16:creationId xmlns:a16="http://schemas.microsoft.com/office/drawing/2014/main" id="{94EBDCF4-856C-4D57-A806-911ECB7924DE}"/>
+                <a16:creationId xmlns:a16="http://schemas.microsoft.com/office/drawing/2014/main" id="{9FBB9AA6-950A-F284-C88C-5016F8462EB0}"/>
               </a:ext>
             </a:extLst>
           </p:cNvPr>
@@ -16856,7 +15593,7 @@
     </p:spTree>
     <p:extLst>
       <p:ext uri="{BB962C8B-B14F-4D97-AF65-F5344CB8AC3E}">
-        <p14:creationId xmlns:p14="http://schemas.microsoft.com/office/powerpoint/2010/main" val="4149141802"/>
+        <p14:creationId xmlns:p14="http://schemas.microsoft.com/office/powerpoint/2010/main" val="1449602561"/>
       </p:ext>
     </p:extLst>
   </p:cSld>
@@ -17090,29 +15827,140 @@
           <a:lstStyle/>
           <a:p>
             <a:r>
-              <a:rPr lang="bg-BG" sz="8800" dirty="0">
+              <a:rPr lang="bg-BG" dirty="0"/>
+              <a:t>Въпроси</a:t>
+            </a:r>
+            <a:r>
+              <a:rPr lang="en-US" dirty="0"/>
+              <a:t>?</a:t>
+            </a:r>
+          </a:p>
+        </p:txBody>
+      </p:sp>
+      <p:sp>
+        <p:nvSpPr>
+          <p:cNvPr id="2" name="Rectangle Bottom Copyright">
+            <a:extLst>
+              <a:ext uri="{FF2B5EF4-FFF2-40B4-BE49-F238E27FC236}">
+                <a16:creationId xmlns:a16="http://schemas.microsoft.com/office/drawing/2014/main" id="{664812A4-2991-44D1-BFE9-32E55AADF8A5}"/>
+              </a:ext>
+            </a:extLst>
+          </p:cNvPr>
+          <p:cNvSpPr/>
+          <p:nvPr/>
+        </p:nvSpPr>
+        <p:spPr>
+          <a:xfrm>
+            <a:off x="111000" y="6454758"/>
+            <a:ext cx="11970000" cy="304242"/>
+          </a:xfrm>
+          <a:prstGeom prst="rect">
+            <a:avLst/>
+          </a:prstGeom>
+        </p:spPr>
+        <p:txBody>
+          <a:bodyPr wrap="square">
+            <a:noAutofit/>
+          </a:bodyPr>
+          <a:lstStyle/>
+          <a:p>
+            <a:pPr algn="ctr">
+              <a:lnSpc>
+                <a:spcPct val="100000"/>
+              </a:lnSpc>
+              <a:spcBef>
+                <a:spcPts val="0"/>
+              </a:spcBef>
+              <a:spcAft>
+                <a:spcPts val="0"/>
+              </a:spcAft>
+            </a:pPr>
+            <a:r>
+              <a:rPr lang="bg-BG" sz="1600" dirty="0">
                 <a:solidFill>
-                  <a:srgbClr val="234465"/>
+                  <a:schemeClr val="bg2"/>
                 </a:solidFill>
+                <a:effectLst/>
+                <a:latin typeface="Calibri" panose="020F0502020204030204" pitchFamily="34" charset="0"/>
+                <a:ea typeface="Calibri" panose="020F0502020204030204" pitchFamily="34" charset="0"/>
+                <a:cs typeface="Arial" panose="020B0604020202020204" pitchFamily="34" charset="0"/>
               </a:rPr>
-              <a:t>Въпроси</a:t>
-            </a:r>
-            <a:r>
-              <a:rPr lang="en-US" sz="8800" dirty="0">
+              <a:t>Проект "</a:t>
+            </a:r>
+            <a:r>
+              <a:rPr lang="bg-BG" sz="1600" dirty="0">
                 <a:solidFill>
-                  <a:srgbClr val="234465"/>
+                  <a:schemeClr val="bg1">
+                    <a:lumMod val="20000"/>
+                    <a:lumOff val="80000"/>
+                  </a:schemeClr>
                 </a:solidFill>
+                <a:effectLst/>
+                <a:latin typeface="Calibri" panose="020F0502020204030204" pitchFamily="34" charset="0"/>
+                <a:ea typeface="Calibri" panose="020F0502020204030204" pitchFamily="34" charset="0"/>
+                <a:cs typeface="Arial" panose="020B0604020202020204" pitchFamily="34" charset="0"/>
+                <a:hlinkClick r:id="rId3">
+                  <a:extLst>
+                    <a:ext uri="{A12FA001-AC4F-418D-AE19-62706E023703}">
+                      <ahyp:hlinkClr xmlns:ahyp="http://schemas.microsoft.com/office/drawing/2018/hyperlinkcolor" val="tx"/>
+                    </a:ext>
+                  </a:extLst>
+                </a:hlinkClick>
               </a:rPr>
-              <a:t>?</a:t>
-            </a:r>
-            <a:endParaRPr lang="en-US" sz="8800" dirty="0"/>
+              <a:t>Отворено учебно съдържание по програмиране и ИТ</a:t>
+            </a:r>
+            <a:r>
+              <a:rPr lang="bg-BG" sz="1600" dirty="0">
+                <a:solidFill>
+                  <a:schemeClr val="bg2"/>
+                </a:solidFill>
+                <a:effectLst/>
+                <a:latin typeface="Calibri" panose="020F0502020204030204" pitchFamily="34" charset="0"/>
+                <a:ea typeface="Calibri" panose="020F0502020204030204" pitchFamily="34" charset="0"/>
+                <a:cs typeface="Arial" panose="020B0604020202020204" pitchFamily="34" charset="0"/>
+              </a:rPr>
+              <a:t>", СофтУни Фондация (лиценз </a:t>
+            </a:r>
+            <a:r>
+              <a:rPr lang="en-US" sz="1600" dirty="0">
+                <a:solidFill>
+                  <a:schemeClr val="bg2"/>
+                </a:solidFill>
+                <a:effectLst/>
+                <a:latin typeface="Calibri" panose="020F0502020204030204" pitchFamily="34" charset="0"/>
+                <a:ea typeface="Calibri" panose="020F0502020204030204" pitchFamily="34" charset="0"/>
+                <a:cs typeface="Arial" panose="020B0604020202020204" pitchFamily="34" charset="0"/>
+              </a:rPr>
+              <a:t>CC-BY-NC-SA</a:t>
+            </a:r>
+            <a:r>
+              <a:rPr lang="bg-BG" sz="1600" dirty="0">
+                <a:solidFill>
+                  <a:schemeClr val="bg2"/>
+                </a:solidFill>
+                <a:effectLst/>
+                <a:latin typeface="Calibri" panose="020F0502020204030204" pitchFamily="34" charset="0"/>
+                <a:ea typeface="Calibri" panose="020F0502020204030204" pitchFamily="34" charset="0"/>
+                <a:cs typeface="Arial" panose="020B0604020202020204" pitchFamily="34" charset="0"/>
+              </a:rPr>
+              <a:t>)</a:t>
+            </a:r>
+            <a:endParaRPr lang="bg-BG" sz="2400" dirty="0">
+              <a:solidFill>
+                <a:schemeClr val="bg2"/>
+              </a:solidFill>
+              <a:effectLst/>
+              <a:latin typeface="Calibri" panose="020F0502020204030204" pitchFamily="34" charset="0"/>
+              <a:ea typeface="Calibri" panose="020F0502020204030204" pitchFamily="34" charset="0"/>
+              <a:cs typeface="Arial" panose="020B0604020202020204" pitchFamily="34" charset="0"/>
+            </a:endParaRPr>
           </a:p>
         </p:txBody>
       </p:sp>
     </p:spTree>
     <p:extLst>
       <p:ext uri="{BB962C8B-B14F-4D97-AF65-F5344CB8AC3E}">
-        <p14:creationId xmlns:p14="http://schemas.microsoft.com/office/powerpoint/2010/main" val="3140127689"/>
+        <p14:creationId xmlns:p14="http://schemas.microsoft.com/office/powerpoint/2010/main" val="1315841733"/>
       </p:ext>
     </p:extLst>
   </p:cSld>
@@ -17149,44 +15997,6 @@
       </p:grpSpPr>
       <p:sp>
         <p:nvSpPr>
-          <p:cNvPr id="5" name="Slide Number">
-            <a:extLst>
-              <a:ext uri="{FF2B5EF4-FFF2-40B4-BE49-F238E27FC236}">
-                <a16:creationId xmlns:a16="http://schemas.microsoft.com/office/drawing/2014/main" id="{45B3E92B-F4BB-4BA3-9596-FAB74B56C53D}"/>
-              </a:ext>
-            </a:extLst>
-          </p:cNvPr>
-          <p:cNvSpPr>
-            <a:spLocks noGrp="1"/>
-          </p:cNvSpPr>
-          <p:nvPr>
-            <p:ph type="sldNum" sz="quarter" idx="4"/>
-          </p:nvPr>
-        </p:nvSpPr>
-        <p:spPr>
-          <a:prstGeom prst="rect">
-            <a:avLst/>
-          </a:prstGeom>
-        </p:spPr>
-        <p:txBody>
-          <a:bodyPr vert="horz" lIns="91440" tIns="45720" rIns="91440" bIns="45720" rtlCol="0" anchor="b"/>
-          <a:lstStyle>
-            <a:lvl1pPr algn="r">
-              <a:defRPr sz="1000"/>
-            </a:lvl1pPr>
-          </a:lstStyle>
-          <a:p>
-            <a:fld id="{2BF067CD-8E6B-4360-9AA8-C5DF2A48A6D1}" type="slidenum">
-              <a:rPr lang="en-US" noProof="0" smtClean="0"/>
-              <a:pPr/>
-              <a:t>2</a:t>
-            </a:fld>
-            <a:endParaRPr lang="en-US" noProof="0" dirty="0"/>
-          </a:p>
-        </p:txBody>
-      </p:sp>
-      <p:sp>
-        <p:nvSpPr>
           <p:cNvPr id="3" name="Content Placeholder 2">
             <a:extLst>
               <a:ext uri="{FF2B5EF4-FFF2-40B4-BE49-F238E27FC236}">
@@ -17340,10 +16150,140 @@
           </a:p>
         </p:txBody>
       </p:sp>
+      <p:sp>
+        <p:nvSpPr>
+          <p:cNvPr id="2" name="Slide Number">
+            <a:extLst>
+              <a:ext uri="{FF2B5EF4-FFF2-40B4-BE49-F238E27FC236}">
+                <a16:creationId xmlns:a16="http://schemas.microsoft.com/office/drawing/2014/main" id="{BB99A390-B87F-6895-1535-603D2F10565C}"/>
+              </a:ext>
+            </a:extLst>
+          </p:cNvPr>
+          <p:cNvSpPr txBox="1">
+            <a:spLocks/>
+          </p:cNvSpPr>
+          <p:nvPr/>
+        </p:nvSpPr>
+        <p:spPr>
+          <a:xfrm>
+            <a:off x="11753030" y="6507000"/>
+            <a:ext cx="367414" cy="297000"/>
+          </a:xfrm>
+          <a:prstGeom prst="rect">
+            <a:avLst/>
+          </a:prstGeom>
+        </p:spPr>
+        <p:txBody>
+          <a:bodyPr vert="horz" lIns="91440" tIns="45720" rIns="91440" bIns="45720" rtlCol="0" anchor="b"/>
+          <a:lstStyle>
+            <a:defPPr>
+              <a:defRPr lang="en-US"/>
+            </a:defPPr>
+            <a:lvl1pPr marL="0" algn="r" defTabSz="914400" rtl="0" eaLnBrk="1" latinLnBrk="0" hangingPunct="1">
+              <a:defRPr sz="1000" kern="1200">
+                <a:solidFill>
+                  <a:schemeClr val="tx1"/>
+                </a:solidFill>
+                <a:latin typeface="+mn-lt"/>
+                <a:ea typeface="+mn-ea"/>
+                <a:cs typeface="+mn-cs"/>
+              </a:defRPr>
+            </a:lvl1pPr>
+            <a:lvl2pPr marL="457200" algn="l" defTabSz="914400" rtl="0" eaLnBrk="1" latinLnBrk="0" hangingPunct="1">
+              <a:defRPr sz="1800" kern="1200">
+                <a:solidFill>
+                  <a:schemeClr val="tx1"/>
+                </a:solidFill>
+                <a:latin typeface="+mn-lt"/>
+                <a:ea typeface="+mn-ea"/>
+                <a:cs typeface="+mn-cs"/>
+              </a:defRPr>
+            </a:lvl2pPr>
+            <a:lvl3pPr marL="914400" algn="l" defTabSz="914400" rtl="0" eaLnBrk="1" latinLnBrk="0" hangingPunct="1">
+              <a:defRPr sz="1800" kern="1200">
+                <a:solidFill>
+                  <a:schemeClr val="tx1"/>
+                </a:solidFill>
+                <a:latin typeface="+mn-lt"/>
+                <a:ea typeface="+mn-ea"/>
+                <a:cs typeface="+mn-cs"/>
+              </a:defRPr>
+            </a:lvl3pPr>
+            <a:lvl4pPr marL="1371600" algn="l" defTabSz="914400" rtl="0" eaLnBrk="1" latinLnBrk="0" hangingPunct="1">
+              <a:defRPr sz="1800" kern="1200">
+                <a:solidFill>
+                  <a:schemeClr val="tx1"/>
+                </a:solidFill>
+                <a:latin typeface="+mn-lt"/>
+                <a:ea typeface="+mn-ea"/>
+                <a:cs typeface="+mn-cs"/>
+              </a:defRPr>
+            </a:lvl4pPr>
+            <a:lvl5pPr marL="1828800" algn="l" defTabSz="914400" rtl="0" eaLnBrk="1" latinLnBrk="0" hangingPunct="1">
+              <a:defRPr sz="1800" kern="1200">
+                <a:solidFill>
+                  <a:schemeClr val="tx1"/>
+                </a:solidFill>
+                <a:latin typeface="+mn-lt"/>
+                <a:ea typeface="+mn-ea"/>
+                <a:cs typeface="+mn-cs"/>
+              </a:defRPr>
+            </a:lvl5pPr>
+            <a:lvl6pPr marL="2286000" algn="l" defTabSz="914400" rtl="0" eaLnBrk="1" latinLnBrk="0" hangingPunct="1">
+              <a:defRPr sz="1800" kern="1200">
+                <a:solidFill>
+                  <a:schemeClr val="tx1"/>
+                </a:solidFill>
+                <a:latin typeface="+mn-lt"/>
+                <a:ea typeface="+mn-ea"/>
+                <a:cs typeface="+mn-cs"/>
+              </a:defRPr>
+            </a:lvl6pPr>
+            <a:lvl7pPr marL="2743200" algn="l" defTabSz="914400" rtl="0" eaLnBrk="1" latinLnBrk="0" hangingPunct="1">
+              <a:defRPr sz="1800" kern="1200">
+                <a:solidFill>
+                  <a:schemeClr val="tx1"/>
+                </a:solidFill>
+                <a:latin typeface="+mn-lt"/>
+                <a:ea typeface="+mn-ea"/>
+                <a:cs typeface="+mn-cs"/>
+              </a:defRPr>
+            </a:lvl7pPr>
+            <a:lvl8pPr marL="3200400" algn="l" defTabSz="914400" rtl="0" eaLnBrk="1" latinLnBrk="0" hangingPunct="1">
+              <a:defRPr sz="1800" kern="1200">
+                <a:solidFill>
+                  <a:schemeClr val="tx1"/>
+                </a:solidFill>
+                <a:latin typeface="+mn-lt"/>
+                <a:ea typeface="+mn-ea"/>
+                <a:cs typeface="+mn-cs"/>
+              </a:defRPr>
+            </a:lvl8pPr>
+            <a:lvl9pPr marL="3657600" algn="l" defTabSz="914400" rtl="0" eaLnBrk="1" latinLnBrk="0" hangingPunct="1">
+              <a:defRPr sz="1800" kern="1200">
+                <a:solidFill>
+                  <a:schemeClr val="tx1"/>
+                </a:solidFill>
+                <a:latin typeface="+mn-lt"/>
+                <a:ea typeface="+mn-ea"/>
+                <a:cs typeface="+mn-cs"/>
+              </a:defRPr>
+            </a:lvl9pPr>
+          </a:lstStyle>
+          <a:p>
+            <a:fld id="{2BF067CD-8E6B-4360-9AA8-C5DF2A48A6D1}" type="slidenum">
+              <a:rPr lang="en-US" smtClean="0"/>
+              <a:pPr/>
+              <a:t>2</a:t>
+            </a:fld>
+            <a:endParaRPr lang="en-US" dirty="0"/>
+          </a:p>
+        </p:txBody>
+      </p:sp>
     </p:spTree>
     <p:extLst>
       <p:ext uri="{BB962C8B-B14F-4D97-AF65-F5344CB8AC3E}">
-        <p14:creationId xmlns:p14="http://schemas.microsoft.com/office/powerpoint/2010/main" val="2978982019"/>
+        <p14:creationId xmlns:p14="http://schemas.microsoft.com/office/powerpoint/2010/main" val="2225119446"/>
       </p:ext>
     </p:extLst>
   </p:cSld>
@@ -17672,11 +16612,13 @@
         <p:spPr>
           <a:xfrm>
             <a:off x="190402" y="1269001"/>
-            <a:ext cx="11818096" cy="5455890"/>
+            <a:ext cx="9865598" cy="2474999"/>
           </a:xfrm>
         </p:spPr>
         <p:txBody>
-          <a:bodyPr/>
+          <a:bodyPr>
+            <a:normAutofit/>
+          </a:bodyPr>
           <a:lstStyle/>
           <a:p>
             <a:pPr>
@@ -17685,122 +16627,42 @@
               </a:lnSpc>
             </a:pPr>
             <a:r>
-              <a:rPr lang="bg-BG" dirty="0"/>
+              <a:rPr lang="bg-BG" sz="3200" dirty="0"/>
               <a:t>Този курс</a:t>
             </a:r>
             <a:r>
-              <a:rPr lang="en-US" dirty="0"/>
+              <a:rPr lang="en-US" sz="3200" dirty="0"/>
               <a:t> (</a:t>
             </a:r>
             <a:r>
-              <a:rPr lang="bg-BG" dirty="0"/>
+              <a:rPr lang="bg-BG" sz="3200" dirty="0"/>
               <a:t>презентации, примери, демонстрационен код, упражнения, домашни, видео и други активи</a:t>
             </a:r>
             <a:r>
-              <a:rPr lang="en-US" dirty="0"/>
+              <a:rPr lang="en-US" sz="3200" dirty="0"/>
               <a:t>) </a:t>
             </a:r>
             <a:r>
-              <a:rPr lang="bg-BG" dirty="0"/>
+              <a:rPr lang="bg-BG" sz="3200" dirty="0"/>
               <a:t>представлява</a:t>
             </a:r>
             <a:r>
-              <a:rPr lang="en-US" dirty="0"/>
+              <a:rPr lang="en-US" sz="3200" dirty="0"/>
               <a:t> </a:t>
             </a:r>
             <a:r>
-              <a:rPr lang="bg-BG" b="1" dirty="0"/>
-              <a:t>защитено авторско съдържание</a:t>
-            </a:r>
-            <a:endParaRPr lang="en-US" dirty="0"/>
-          </a:p>
-          <a:p>
-            <a:pPr>
-              <a:lnSpc>
-                <a:spcPct val="120000"/>
-              </a:lnSpc>
-            </a:pPr>
-            <a:r>
-              <a:rPr lang="bg-BG" dirty="0"/>
-              <a:t>Нерегламентирано копиране</a:t>
-            </a:r>
-            <a:r>
-              <a:rPr lang="en-US" dirty="0"/>
-              <a:t>,</a:t>
-            </a:r>
-            <a:r>
-              <a:rPr lang="bg-BG" dirty="0"/>
-              <a:t> разпространение или използване е незаконно</a:t>
-            </a:r>
-          </a:p>
-          <a:p>
-            <a:pPr>
-              <a:lnSpc>
-                <a:spcPct val="120000"/>
-              </a:lnSpc>
-            </a:pPr>
-            <a:r>
-              <a:rPr lang="en-US" dirty="0"/>
-              <a:t>© </a:t>
-            </a:r>
-            <a:r>
-              <a:rPr lang="bg-BG" dirty="0"/>
-              <a:t>СофтУни</a:t>
-            </a:r>
-            <a:r>
-              <a:rPr lang="en-US" dirty="0"/>
-              <a:t> – </a:t>
-            </a:r>
-            <a:r>
-              <a:rPr lang="en-US" dirty="0">
-                <a:hlinkClick r:id="rId3"/>
-              </a:rPr>
-              <a:t>https://softuni.org</a:t>
-            </a:r>
-            <a:endParaRPr lang="en-US" dirty="0"/>
-          </a:p>
-          <a:p>
-            <a:pPr>
-              <a:lnSpc>
-                <a:spcPct val="120000"/>
-              </a:lnSpc>
-            </a:pPr>
-            <a:r>
-              <a:rPr lang="en-US" dirty="0"/>
-              <a:t>© </a:t>
-            </a:r>
-            <a:r>
-              <a:rPr lang="bg-BG" dirty="0"/>
-              <a:t>Софтуерен университет</a:t>
-            </a:r>
-            <a:r>
-              <a:rPr lang="en-US" dirty="0"/>
-              <a:t> – </a:t>
-            </a:r>
-            <a:r>
-              <a:rPr lang="en-US" dirty="0">
-                <a:hlinkClick r:id="rId4"/>
-              </a:rPr>
-              <a:t>https://softuni.bg</a:t>
-            </a:r>
-            <a:endParaRPr lang="bg-BG" dirty="0"/>
-          </a:p>
-          <a:p>
-            <a:pPr>
-              <a:lnSpc>
-                <a:spcPct val="120000"/>
-              </a:lnSpc>
-            </a:pPr>
-            <a:endParaRPr lang="bg-BG" dirty="0"/>
-          </a:p>
-          <a:p>
-            <a:pPr marL="0" indent="0">
-              <a:lnSpc>
-                <a:spcPct val="120000"/>
-              </a:lnSpc>
-              <a:buNone/>
-            </a:pPr>
-            <a:endParaRPr lang="bg-BG" dirty="0"/>
+              <a:rPr lang="bg-BG" sz="3200" b="1" dirty="0"/>
+              <a:t>свободно учебно съдържание </a:t>
+            </a:r>
+            <a:r>
+              <a:rPr lang="bg-BG" sz="3200" dirty="0"/>
+              <a:t>и се разпространява под свободен лиценз </a:t>
+            </a:r>
+            <a:r>
+              <a:rPr lang="en-US" sz="3200" b="1" dirty="0"/>
+              <a:t>CC-BY-NC-SA</a:t>
+            </a:r>
+            <a:endParaRPr lang="bg-BG" sz="3200" dirty="0"/>
           </a:p>
         </p:txBody>
       </p:sp>
@@ -17809,7 +16671,7 @@
           <p:cNvPr id="6" name="Picture License" descr="License">
             <a:extLst>
               <a:ext uri="{FF2B5EF4-FFF2-40B4-BE49-F238E27FC236}">
-                <a16:creationId xmlns:a16="http://schemas.microsoft.com/office/drawing/2014/main" id="{A10A2585-858C-4B1E-8846-27CF1C15729E}"/>
+                <a16:creationId xmlns:a16="http://schemas.microsoft.com/office/drawing/2014/main" id="{82BA520F-A037-4E01-AA18-27D9F1E930A6}"/>
               </a:ext>
             </a:extLst>
           </p:cNvPr>
@@ -17819,7 +16681,7 @@
           <p:nvPr/>
         </p:nvPicPr>
         <p:blipFill>
-          <a:blip r:embed="rId5">
+          <a:blip r:embed="rId3">
             <a:clrChange>
               <a:clrFrom>
                 <a:srgbClr val="FFFFFF"/>
@@ -17837,8 +16699,8 @@
         </p:blipFill>
         <p:spPr>
           <a:xfrm>
-            <a:off x="9745023" y="4445455"/>
-            <a:ext cx="1930977" cy="2043545"/>
+            <a:off x="10226175" y="1440120"/>
+            <a:ext cx="1198986" cy="1268880"/>
           </a:xfrm>
           <a:prstGeom prst="rect">
             <a:avLst/>
@@ -17875,10 +16737,171 @@
       </p:sp>
       <p:sp>
         <p:nvSpPr>
-          <p:cNvPr id="7" name="Slide Number">
+          <p:cNvPr id="11" name="TextBox 10">
             <a:extLst>
               <a:ext uri="{FF2B5EF4-FFF2-40B4-BE49-F238E27FC236}">
-                <a16:creationId xmlns:a16="http://schemas.microsoft.com/office/drawing/2014/main" id="{0B20C9FE-51B9-4CA1-A3B4-E16FBFC084A5}"/>
+                <a16:creationId xmlns:a16="http://schemas.microsoft.com/office/drawing/2014/main" id="{0C18DF19-B750-4C88-975B-661A6BF61F5E}"/>
+              </a:ext>
+            </a:extLst>
+          </p:cNvPr>
+          <p:cNvSpPr txBox="1"/>
+          <p:nvPr/>
+        </p:nvSpPr>
+        <p:spPr>
+          <a:xfrm>
+            <a:off x="190401" y="3927519"/>
+            <a:ext cx="11710599" cy="1979644"/>
+          </a:xfrm>
+          <a:prstGeom prst="rect">
+            <a:avLst/>
+          </a:prstGeom>
+          <a:noFill/>
+          <a:ln w="12700">
+            <a:noFill/>
+          </a:ln>
+        </p:spPr>
+        <p:txBody>
+          <a:bodyPr wrap="square">
+            <a:spAutoFit/>
+          </a:bodyPr>
+          <a:lstStyle/>
+          <a:p>
+            <a:pPr marL="360363" indent="-360363" defTabSz="1218438">
+              <a:lnSpc>
+                <a:spcPct val="120000"/>
+              </a:lnSpc>
+              <a:spcBef>
+                <a:spcPts val="600"/>
+              </a:spcBef>
+              <a:spcAft>
+                <a:spcPts val="600"/>
+              </a:spcAft>
+              <a:buFont typeface="Wingdings" panose="05000000000000000000" pitchFamily="2" charset="2"/>
+              <a:buChar char="§"/>
+              <a:defRPr/>
+            </a:pPr>
+            <a:r>
+              <a:rPr lang="bg-BG" sz="3200" dirty="0"/>
+              <a:t>Проект "</a:t>
+            </a:r>
+            <a:r>
+              <a:rPr lang="bg-BG" sz="3200" b="1" dirty="0"/>
+              <a:t>Отворено учебно съдържание по програмиране и ИТ</a:t>
+            </a:r>
+            <a:r>
+              <a:rPr lang="bg-BG" sz="3200" dirty="0"/>
+              <a:t>" към Фондация "Софтуерен университет"</a:t>
+            </a:r>
+            <a:r>
+              <a:rPr lang="en-US" sz="3200" dirty="0"/>
+              <a:t>:</a:t>
+            </a:r>
+            <a:endParaRPr lang="bg-BG" sz="3200" dirty="0"/>
+          </a:p>
+          <a:p>
+            <a:pPr marL="817563" lvl="1" indent="-360363" defTabSz="1218438">
+              <a:lnSpc>
+                <a:spcPct val="120000"/>
+              </a:lnSpc>
+              <a:spcBef>
+                <a:spcPts val="600"/>
+              </a:spcBef>
+              <a:spcAft>
+                <a:spcPts val="600"/>
+              </a:spcAft>
+              <a:buFont typeface="Wingdings" panose="05000000000000000000" pitchFamily="2" charset="2"/>
+              <a:buChar char="§"/>
+              <a:defRPr/>
+            </a:pPr>
+            <a:r>
+              <a:rPr kumimoji="0" lang="en-US" sz="3200" b="0" i="0" u="none" strike="noStrike" kern="1200" cap="none" spc="0" normalizeH="0" baseline="0" noProof="0" dirty="0">
+                <a:ln>
+                  <a:noFill/>
+                </a:ln>
+                <a:solidFill>
+                  <a:srgbClr val="234465"/>
+                </a:solidFill>
+                <a:effectLst/>
+                <a:uLnTx/>
+                <a:uFillTx/>
+                <a:latin typeface="Calibri"/>
+                <a:ea typeface="+mn-ea"/>
+                <a:cs typeface="+mn-cs"/>
+                <a:hlinkClick r:id="rId4"/>
+              </a:rPr>
+              <a:t>https://github.com/BG-IT-Edu</a:t>
+            </a:r>
+            <a:endParaRPr kumimoji="0" lang="bg-BG" sz="3200" b="0" i="0" u="none" strike="noStrike" kern="1200" cap="none" spc="0" normalizeH="0" baseline="0" noProof="0" dirty="0">
+              <a:ln>
+                <a:noFill/>
+              </a:ln>
+              <a:solidFill>
+                <a:srgbClr val="234465"/>
+              </a:solidFill>
+              <a:effectLst/>
+              <a:uLnTx/>
+              <a:uFillTx/>
+              <a:latin typeface="Calibri"/>
+              <a:ea typeface="+mn-ea"/>
+              <a:cs typeface="+mn-cs"/>
+            </a:endParaRPr>
+          </a:p>
+        </p:txBody>
+      </p:sp>
+      <p:pic>
+        <p:nvPicPr>
+          <p:cNvPr id="7" name="Picture 6" title="CC-BY-NC-SA License">
+            <a:hlinkClick r:id="rId5" tooltip="This work is licensed under the &quot;Creative Commons Attribution-NonCommercial-ShareAlike 4.0 International&quot; license"/>
+            <a:extLst>
+              <a:ext uri="{FF2B5EF4-FFF2-40B4-BE49-F238E27FC236}">
+                <a16:creationId xmlns:a16="http://schemas.microsoft.com/office/drawing/2014/main" id="{F6C77C47-F7D8-A176-5C69-7FDE5C7E8003}"/>
+              </a:ext>
+            </a:extLst>
+          </p:cNvPr>
+          <p:cNvPicPr>
+            <a:picLocks noChangeAspect="1" noChangeArrowheads="1"/>
+          </p:cNvPicPr>
+          <p:nvPr/>
+        </p:nvPicPr>
+        <p:blipFill>
+          <a:blip r:embed="rId6">
+            <a:extLst>
+              <a:ext uri="{28A0092B-C50C-407E-A947-70E740481C1C}">
+                <a14:useLocalDpi xmlns:a14="http://schemas.microsoft.com/office/drawing/2010/main"/>
+              </a:ext>
+            </a:extLst>
+          </a:blip>
+          <a:srcRect/>
+          <a:stretch>
+            <a:fillRect/>
+          </a:stretch>
+        </p:blipFill>
+        <p:spPr bwMode="auto">
+          <a:xfrm>
+            <a:off x="9831000" y="2908593"/>
+            <a:ext cx="1989336" cy="696022"/>
+          </a:xfrm>
+          <a:prstGeom prst="roundRect">
+            <a:avLst>
+              <a:gd name="adj" fmla="val 3940"/>
+            </a:avLst>
+          </a:prstGeom>
+          <a:solidFill>
+            <a:srgbClr val="231F20">
+              <a:alpha val="50000"/>
+            </a:srgbClr>
+          </a:solidFill>
+          <a:ln>
+            <a:noFill/>
+          </a:ln>
+        </p:spPr>
+      </p:pic>
+      <p:sp>
+        <p:nvSpPr>
+          <p:cNvPr id="4" name="Slide Number">
+            <a:extLst>
+              <a:ext uri="{FF2B5EF4-FFF2-40B4-BE49-F238E27FC236}">
+                <a16:creationId xmlns:a16="http://schemas.microsoft.com/office/drawing/2014/main" id="{306D64E5-C7FA-EE10-7E7E-64D1FE55D833}"/>
               </a:ext>
             </a:extLst>
           </p:cNvPr>
@@ -17918,7 +16941,7 @@
     </p:spTree>
     <p:extLst>
       <p:ext uri="{BB962C8B-B14F-4D97-AF65-F5344CB8AC3E}">
-        <p14:creationId xmlns:p14="http://schemas.microsoft.com/office/powerpoint/2010/main" val="229369013"/>
+        <p14:creationId xmlns:p14="http://schemas.microsoft.com/office/powerpoint/2010/main" val="1705226250"/>
       </p:ext>
     </p:extLst>
   </p:cSld>
@@ -17998,10 +17021,10 @@
       </p:pic>
       <p:sp>
         <p:nvSpPr>
-          <p:cNvPr id="4" name="Subtitle 3">
+          <p:cNvPr id="5" name="Подзаглавие 4">
             <a:extLst>
               <a:ext uri="{FF2B5EF4-FFF2-40B4-BE49-F238E27FC236}">
-                <a16:creationId xmlns:a16="http://schemas.microsoft.com/office/drawing/2014/main" id="{2C7D58AF-130B-62A8-C529-96E63FB0FE73}"/>
+                <a16:creationId xmlns:a16="http://schemas.microsoft.com/office/drawing/2014/main" id="{4A885A34-4BF1-AC37-746E-9FB1E49BF2A2}"/>
               </a:ext>
             </a:extLst>
           </p:cNvPr>
@@ -18022,40 +17045,27 @@
               <a:t>Модификаторите </a:t>
             </a:r>
             <a:r>
-              <a:rPr lang="en-US" b="1" dirty="0">
-                <a:latin typeface="Consolas" panose="020B0609020204030204" pitchFamily="49" charset="0"/>
-                <a:cs typeface="Consolas" panose="020B0609020204030204" pitchFamily="49" charset="0"/>
-              </a:rPr>
-              <a:t>virtual</a:t>
-            </a:r>
-            <a:r>
               <a:rPr lang="en-US" dirty="0"/>
-              <a:t> </a:t>
+              <a:t>Virtual </a:t>
             </a:r>
             <a:r>
               <a:rPr lang="bg-BG" dirty="0"/>
               <a:t>и </a:t>
             </a:r>
             <a:r>
-              <a:rPr lang="en-US" b="1" dirty="0">
-                <a:latin typeface="Consolas" panose="020B0609020204030204" pitchFamily="49" charset="0"/>
-                <a:cs typeface="Consolas" panose="020B0609020204030204" pitchFamily="49" charset="0"/>
-              </a:rPr>
-              <a:t>sealed</a:t>
-            </a:r>
-            <a:endParaRPr lang="en-BG" b="1">
-              <a:latin typeface="Consolas" panose="020B0609020204030204" pitchFamily="49" charset="0"/>
-              <a:cs typeface="Consolas" panose="020B0609020204030204" pitchFamily="49" charset="0"/>
-            </a:endParaRPr>
-          </a:p>
-        </p:txBody>
-      </p:sp>
-      <p:sp>
-        <p:nvSpPr>
-          <p:cNvPr id="3" name="Title 2">
+              <a:rPr lang="en-US" dirty="0"/>
+              <a:t>Sealed</a:t>
+            </a:r>
+            <a:endParaRPr lang="bg-BG" dirty="0"/>
+          </a:p>
+        </p:txBody>
+      </p:sp>
+      <p:sp>
+        <p:nvSpPr>
+          <p:cNvPr id="8" name="Заглавие 7">
             <a:extLst>
               <a:ext uri="{FF2B5EF4-FFF2-40B4-BE49-F238E27FC236}">
-                <a16:creationId xmlns:a16="http://schemas.microsoft.com/office/drawing/2014/main" id="{3E7EED59-E7B8-4363-86B1-51A4CBC91D2A}"/>
+                <a16:creationId xmlns:a16="http://schemas.microsoft.com/office/drawing/2014/main" id="{19FADA10-CB05-2EB5-7EED-B911DEBE0A29}"/>
               </a:ext>
             </a:extLst>
           </p:cNvPr>
@@ -18075,14 +17085,13 @@
               <a:rPr lang="bg-BG" dirty="0"/>
               <a:t>Преизползване на код на ниво клас</a:t>
             </a:r>
-            <a:endParaRPr lang="en-US" dirty="0"/>
           </a:p>
         </p:txBody>
       </p:sp>
     </p:spTree>
     <p:extLst>
       <p:ext uri="{BB962C8B-B14F-4D97-AF65-F5344CB8AC3E}">
-        <p14:creationId xmlns:p14="http://schemas.microsoft.com/office/powerpoint/2010/main" val="1017547839"/>
+        <p14:creationId xmlns:p14="http://schemas.microsoft.com/office/powerpoint/2010/main" val="319218482"/>
       </p:ext>
     </p:extLst>
   </p:cSld>
@@ -18179,11 +17188,11 @@
               </a:rPr>
               <a:t>може да бъде презаписан</a:t>
             </a:r>
-            <a:endParaRPr lang="en-US" sz="3000" b="1" noProof="1">
-              <a:solidFill>
-                <a:schemeClr val="bg1"/>
-              </a:solidFill>
-            </a:endParaRPr>
+            <a:r>
+              <a:rPr lang="bg-BG" sz="3000" dirty="0"/>
+              <a:t>:</a:t>
+            </a:r>
+            <a:endParaRPr lang="en-US" sz="3000" noProof="1"/>
           </a:p>
         </p:txBody>
       </p:sp>
@@ -18423,10 +17432,10 @@
       </p:sp>
       <p:sp>
         <p:nvSpPr>
-          <p:cNvPr id="8" name="Slide Number">
+          <p:cNvPr id="4" name="Slide Number">
             <a:extLst>
               <a:ext uri="{FF2B5EF4-FFF2-40B4-BE49-F238E27FC236}">
-                <a16:creationId xmlns:a16="http://schemas.microsoft.com/office/drawing/2014/main" id="{2515DD36-BBDF-464F-A7B4-1E24CEADBEC5}"/>
+                <a16:creationId xmlns:a16="http://schemas.microsoft.com/office/drawing/2014/main" id="{3CF4F279-594B-AC12-B157-335F12F2CFEF}"/>
               </a:ext>
             </a:extLst>
           </p:cNvPr>
@@ -18466,7 +17475,7 @@
     </p:spTree>
     <p:extLst>
       <p:ext uri="{BB962C8B-B14F-4D97-AF65-F5344CB8AC3E}">
-        <p14:creationId xmlns:p14="http://schemas.microsoft.com/office/powerpoint/2010/main" val="1878059249"/>
+        <p14:creationId xmlns:p14="http://schemas.microsoft.com/office/powerpoint/2010/main" val="3647966070"/>
       </p:ext>
     </p:extLst>
   </p:cSld>
@@ -19373,10 +18382,10 @@
       </p:sp>
       <p:sp>
         <p:nvSpPr>
-          <p:cNvPr id="12" name="Slide Number">
+          <p:cNvPr id="2" name="Slide Number">
             <a:extLst>
               <a:ext uri="{FF2B5EF4-FFF2-40B4-BE49-F238E27FC236}">
-                <a16:creationId xmlns:a16="http://schemas.microsoft.com/office/drawing/2014/main" id="{E64B9658-E071-4042-95E1-997C9FDA1EED}"/>
+                <a16:creationId xmlns:a16="http://schemas.microsoft.com/office/drawing/2014/main" id="{51763611-7DB0-8B40-FA76-5B292ADBAD08}"/>
               </a:ext>
             </a:extLst>
           </p:cNvPr>
@@ -19416,7 +18425,7 @@
     </p:spTree>
     <p:extLst>
       <p:ext uri="{BB962C8B-B14F-4D97-AF65-F5344CB8AC3E}">
-        <p14:creationId xmlns:p14="http://schemas.microsoft.com/office/powerpoint/2010/main" val="2969913771"/>
+        <p14:creationId xmlns:p14="http://schemas.microsoft.com/office/powerpoint/2010/main" val="2926524332"/>
       </p:ext>
     </p:extLst>
   </p:cSld>
@@ -19818,7 +18827,8 @@
                 <a:solidFill>
                   <a:schemeClr val="bg1"/>
                 </a:solidFill>
-                <a:latin typeface="Consolas" panose="020B0609020204030204" pitchFamily="49" charset="0"/>
+                <a:latin typeface="Calibri" panose="020F0502020204030204" pitchFamily="34" charset="0"/>
+                <a:cs typeface="Calibri" panose="020F0502020204030204" pitchFamily="34" charset="0"/>
               </a:rPr>
               <a:t>базовия</a:t>
             </a:r>
@@ -19929,17 +18939,10 @@
                 <a:solidFill>
                   <a:schemeClr val="bg1"/>
                 </a:solidFill>
-                <a:latin typeface="Consolas" panose="020B0609020204030204" pitchFamily="49" charset="0"/>
+                <a:latin typeface="Calibri" panose="020F0502020204030204" pitchFamily="34" charset="0"/>
+                <a:cs typeface="Calibri" panose="020F0502020204030204" pitchFamily="34" charset="0"/>
               </a:rPr>
-              <a:t>виртуални методи </a:t>
-            </a:r>
-            <a:r>
-              <a:rPr lang="bg-BG" altLang="bg-BG" sz="3200" dirty="0"/>
-              <a:t>и</a:t>
-            </a:r>
-            <a:r>
-              <a:rPr lang="en-US" altLang="bg-BG" sz="3200" dirty="0"/>
-              <a:t> </a:t>
+              <a:t>виртуални методи</a:t>
             </a:r>
             <a:r>
               <a:rPr lang="bg-BG" altLang="bg-BG" sz="3200" b="1" dirty="0">
@@ -19948,9 +18951,30 @@
                 </a:solidFill>
                 <a:latin typeface="Consolas" panose="020B0609020204030204" pitchFamily="49" charset="0"/>
               </a:rPr>
+              <a:t> </a:t>
+            </a:r>
+            <a:r>
+              <a:rPr lang="bg-BG" altLang="bg-BG" sz="3200" dirty="0"/>
+              <a:t>и</a:t>
+            </a:r>
+            <a:r>
+              <a:rPr lang="en-US" altLang="bg-BG" sz="3200" dirty="0"/>
+              <a:t> </a:t>
+            </a:r>
+            <a:r>
+              <a:rPr lang="bg-BG" altLang="bg-BG" sz="3200" b="1" dirty="0">
+                <a:solidFill>
+                  <a:schemeClr val="bg1"/>
+                </a:solidFill>
+                <a:latin typeface="Calibri" panose="020F0502020204030204" pitchFamily="34" charset="0"/>
+                <a:cs typeface="Calibri" panose="020F0502020204030204" pitchFamily="34" charset="0"/>
+              </a:rPr>
               <a:t>свойства</a:t>
             </a:r>
-            <a:endParaRPr lang="en-US" altLang="bg-BG" sz="3200" noProof="1"/>
+            <a:endParaRPr lang="en-US" altLang="bg-BG" sz="3200" noProof="1">
+              <a:latin typeface="Calibri" panose="020F0502020204030204" pitchFamily="34" charset="0"/>
+              <a:cs typeface="Calibri" panose="020F0502020204030204" pitchFamily="34" charset="0"/>
+            </a:endParaRPr>
           </a:p>
           <a:p>
             <a:endParaRPr lang="en-US" dirty="0"/>
@@ -20366,10 +19390,10 @@
       </p:sp>
       <p:sp>
         <p:nvSpPr>
-          <p:cNvPr id="8" name="Slide Number">
+          <p:cNvPr id="2" name="Slide Number">
             <a:extLst>
               <a:ext uri="{FF2B5EF4-FFF2-40B4-BE49-F238E27FC236}">
-                <a16:creationId xmlns:a16="http://schemas.microsoft.com/office/drawing/2014/main" id="{AAB6760A-4EE1-40C2-8AD7-736B6366C7DD}"/>
+                <a16:creationId xmlns:a16="http://schemas.microsoft.com/office/drawing/2014/main" id="{5248193F-36EF-A5E4-BD0A-0F7313DDDC38}"/>
               </a:ext>
             </a:extLst>
           </p:cNvPr>
@@ -20409,7 +19433,7 @@
     </p:spTree>
     <p:extLst>
       <p:ext uri="{BB962C8B-B14F-4D97-AF65-F5344CB8AC3E}">
-        <p14:creationId xmlns:p14="http://schemas.microsoft.com/office/powerpoint/2010/main" val="1507551642"/>
+        <p14:creationId xmlns:p14="http://schemas.microsoft.com/office/powerpoint/2010/main" val="3353330643"/>
       </p:ext>
     </p:extLst>
   </p:cSld>
@@ -20678,7 +19702,7 @@
                   <a:schemeClr val="bg1"/>
                 </a:solidFill>
               </a:rPr>
-              <a:t>иначе не можем да променима</a:t>
+              <a:t>иначе не можем да променим</a:t>
             </a:r>
             <a:endParaRPr lang="en-US" sz="3600" b="1" dirty="0">
               <a:solidFill>
@@ -20700,7 +19724,7 @@
         </p:nvSpPr>
         <p:spPr>
           <a:xfrm>
-            <a:off x="190402" y="204510"/>
+            <a:off x="111000" y="135903"/>
             <a:ext cx="9715594" cy="882654"/>
           </a:xfrm>
           <a:prstGeom prst="rect">
@@ -20727,7 +19751,7 @@
             </a:r>
             <a:r>
               <a:rPr lang="bg-BG" sz="4000" dirty="0"/>
-              <a:t>Разширяване</a:t>
+              <a:t>разширяване</a:t>
             </a:r>
           </a:p>
         </p:txBody>
@@ -21066,10 +20090,10 @@
       </p:sp>
       <p:sp>
         <p:nvSpPr>
-          <p:cNvPr id="10" name="Slide Number">
+          <p:cNvPr id="4" name="Slide Number">
             <a:extLst>
               <a:ext uri="{FF2B5EF4-FFF2-40B4-BE49-F238E27FC236}">
-                <a16:creationId xmlns:a16="http://schemas.microsoft.com/office/drawing/2014/main" id="{79BBC7EC-7DD1-4CEA-B898-92828E10324B}"/>
+                <a16:creationId xmlns:a16="http://schemas.microsoft.com/office/drawing/2014/main" id="{EB9AE5A4-3401-2546-DB46-0FAF1FFEEF6E}"/>
               </a:ext>
             </a:extLst>
           </p:cNvPr>
@@ -21109,7 +20133,7 @@
     </p:spTree>
     <p:extLst>
       <p:ext uri="{BB962C8B-B14F-4D97-AF65-F5344CB8AC3E}">
-        <p14:creationId xmlns:p14="http://schemas.microsoft.com/office/powerpoint/2010/main" val="3632979545"/>
+        <p14:creationId xmlns:p14="http://schemas.microsoft.com/office/powerpoint/2010/main" val="372156193"/>
       </p:ext>
     </p:extLst>
   </p:cSld>
@@ -21380,7 +20404,7 @@
             </a:pPr>
             <a:r>
               <a:rPr lang="bg-BG" dirty="0"/>
-              <a:t>Създайте списък, който има</a:t>
+              <a:t>Създайте списък, който има:</a:t>
             </a:r>
             <a:endParaRPr lang="en-US" dirty="0"/>
           </a:p>
@@ -21412,7 +20436,23 @@
             </a:pPr>
             <a:r>
               <a:rPr lang="bg-BG" dirty="0"/>
-              <a:t>Метод, който връща и премахва случаен елемент</a:t>
+              <a:t>Метод, който </a:t>
+            </a:r>
+            <a:r>
+              <a:rPr lang="bg-BG" b="1" dirty="0"/>
+              <a:t>премахва</a:t>
+            </a:r>
+            <a:r>
+              <a:rPr lang="bg-BG" dirty="0"/>
+              <a:t> и </a:t>
+            </a:r>
+            <a:r>
+              <a:rPr lang="bg-BG" b="1" dirty="0"/>
+              <a:t>връща</a:t>
+            </a:r>
+            <a:r>
+              <a:rPr lang="bg-BG" dirty="0"/>
+              <a:t> случаен елемент</a:t>
             </a:r>
             <a:endParaRPr lang="en-US" dirty="0"/>
           </a:p>
@@ -21470,7 +20510,7 @@
         </p:nvSpPr>
         <p:spPr>
           <a:xfrm>
-            <a:off x="3518836" y="3505200"/>
+            <a:off x="2591214" y="3538395"/>
             <a:ext cx="4305300" cy="1600200"/>
           </a:xfrm>
           <a:prstGeom prst="roundRect">
@@ -21531,7 +20571,7 @@
         </p:nvSpPr>
         <p:spPr>
           <a:xfrm>
-            <a:off x="3729812" y="4212086"/>
+            <a:off x="2802190" y="4212086"/>
             <a:ext cx="3903055" cy="512313"/>
           </a:xfrm>
           <a:prstGeom prst="roundRect">
@@ -21597,7 +20637,7 @@
         </p:nvSpPr>
         <p:spPr>
           <a:xfrm>
-            <a:off x="3333622" y="5638801"/>
+            <a:off x="2406000" y="5671996"/>
             <a:ext cx="4695434" cy="512313"/>
           </a:xfrm>
           <a:prstGeom prst="roundRect">
@@ -21660,8 +20700,8 @@
         </p:nvSpPr>
         <p:spPr bwMode="auto">
           <a:xfrm>
-            <a:off x="8363886" y="5448247"/>
-            <a:ext cx="3523314" cy="645714"/>
+            <a:off x="7436264" y="5548910"/>
+            <a:ext cx="4316766" cy="510778"/>
           </a:xfrm>
           <a:prstGeom prst="wedgeRoundRectCallout">
             <a:avLst>
@@ -21723,6 +20763,8 @@
                     </a:srgbClr>
                   </a:outerShdw>
                 </a:effectLst>
+                <a:latin typeface="Consolas" panose="020B0609020204030204" pitchFamily="49" charset="0"/>
+                <a:cs typeface="Consolas" panose="020B0609020204030204" pitchFamily="49" charset="0"/>
               </a:rPr>
               <a:t>+</a:t>
             </a:r>
@@ -21738,6 +20780,8 @@
                     </a:srgbClr>
                   </a:outerShdw>
                 </a:effectLst>
+                <a:latin typeface="Consolas" panose="020B0609020204030204" pitchFamily="49" charset="0"/>
+                <a:cs typeface="Consolas" panose="020B0609020204030204" pitchFamily="49" charset="0"/>
               </a:rPr>
               <a:t>RandomElement</a:t>
             </a:r>
@@ -21753,6 +20797,8 @@
                     </a:srgbClr>
                   </a:outerShdw>
                 </a:effectLst>
+                <a:latin typeface="Consolas" panose="020B0609020204030204" pitchFamily="49" charset="0"/>
+                <a:cs typeface="Consolas" panose="020B0609020204030204" pitchFamily="49" charset="0"/>
               </a:rPr>
               <a:t>():string</a:t>
             </a:r>
@@ -21767,6 +20813,8 @@
                   </a:srgbClr>
                 </a:outerShdw>
               </a:effectLst>
+              <a:latin typeface="Consolas" panose="020B0609020204030204" pitchFamily="49" charset="0"/>
+              <a:cs typeface="Consolas" panose="020B0609020204030204" pitchFamily="49" charset="0"/>
             </a:endParaRPr>
           </a:p>
         </p:txBody>
@@ -21779,7 +20827,7 @@
         </p:nvSpPr>
         <p:spPr>
           <a:xfrm rot="16200000">
-            <a:off x="5288077" y="5058736"/>
+            <a:off x="4360455" y="5091931"/>
             <a:ext cx="766818" cy="225776"/>
           </a:xfrm>
           <a:prstGeom prst="rightArrow">
@@ -21843,10 +20891,10 @@
       </p:sp>
       <p:sp>
         <p:nvSpPr>
-          <p:cNvPr id="10" name="Slide Number">
+          <p:cNvPr id="4" name="Slide Number">
             <a:extLst>
               <a:ext uri="{FF2B5EF4-FFF2-40B4-BE49-F238E27FC236}">
-                <a16:creationId xmlns:a16="http://schemas.microsoft.com/office/drawing/2014/main" id="{4FAB6459-284A-45CD-AC18-402ABE8AE5EC}"/>
+                <a16:creationId xmlns:a16="http://schemas.microsoft.com/office/drawing/2014/main" id="{356D3F51-3269-CA6C-BF70-A0B87436F084}"/>
               </a:ext>
             </a:extLst>
           </p:cNvPr>
@@ -21886,7 +20934,7 @@
     </p:spTree>
     <p:extLst>
       <p:ext uri="{BB962C8B-B14F-4D97-AF65-F5344CB8AC3E}">
-        <p14:creationId xmlns:p14="http://schemas.microsoft.com/office/powerpoint/2010/main" val="3771679459"/>
+        <p14:creationId xmlns:p14="http://schemas.microsoft.com/office/powerpoint/2010/main" val="2339138711"/>
       </p:ext>
     </p:extLst>
   </p:cSld>
@@ -22189,10 +21237,6 @@
           </p:nvPr>
         </p:nvSpPr>
         <p:spPr>
-          <a:xfrm>
-            <a:off x="246000" y="41365"/>
-            <a:ext cx="9715594" cy="1122166"/>
-          </a:xfrm>
           <a:prstGeom prst="rect">
             <a:avLst/>
           </a:prstGeom>
@@ -22528,7 +21572,7 @@
             <a:pPr algn="ctr"/>
             <a:r>
               <a:rPr lang="bg-BG" dirty="0"/>
-              <a:t>Проверете решението си тук </a:t>
+              <a:t>Проверете решението си тук</a:t>
             </a:r>
             <a:r>
               <a:rPr lang="en-US" dirty="0"/>
@@ -22546,10 +21590,10 @@
       </p:sp>
       <p:sp>
         <p:nvSpPr>
-          <p:cNvPr id="9" name="Slide Number">
+          <p:cNvPr id="5" name="Slide Number">
             <a:extLst>
               <a:ext uri="{FF2B5EF4-FFF2-40B4-BE49-F238E27FC236}">
-                <a16:creationId xmlns:a16="http://schemas.microsoft.com/office/drawing/2014/main" id="{7785D208-4048-47B3-9C07-104E12ABA104}"/>
+                <a16:creationId xmlns:a16="http://schemas.microsoft.com/office/drawing/2014/main" id="{2F6E88C7-318E-400E-E2EF-21BF0D24DC0B}"/>
               </a:ext>
             </a:extLst>
           </p:cNvPr>
@@ -22677,7 +21721,7 @@
     </p:spTree>
     <p:extLst>
       <p:ext uri="{BB962C8B-B14F-4D97-AF65-F5344CB8AC3E}">
-        <p14:creationId xmlns:p14="http://schemas.microsoft.com/office/powerpoint/2010/main" val="4267605105"/>
+        <p14:creationId xmlns:p14="http://schemas.microsoft.com/office/powerpoint/2010/main" val="513310818"/>
       </p:ext>
     </p:extLst>
   </p:cSld>
@@ -23030,12 +22074,12 @@
 <file path=ppt/theme/theme1.xml><?xml version="1.0" encoding="utf-8"?>
 <a:theme xmlns:a="http://schemas.openxmlformats.org/drawingml/2006/main" name="SoftUni">
   <a:themeElements>
-    <a:clrScheme name="Custom 28">
+    <a:clrScheme name="Custom 2">
       <a:dk1>
         <a:srgbClr val="234465"/>
       </a:dk1>
       <a:lt1>
-        <a:srgbClr val="FFA000"/>
+        <a:srgbClr val="BF7800"/>
       </a:lt1>
       <a:dk2>
         <a:srgbClr val="234465"/>
@@ -23044,7 +22088,7 @@
         <a:srgbClr val="FFFFFF"/>
       </a:lt2>
       <a:accent1>
-        <a:srgbClr val="F29600"/>
+        <a:srgbClr val="FFA000"/>
       </a:accent1>
       <a:accent2>
         <a:srgbClr val="00B050"/>
@@ -23062,10 +22106,10 @@
         <a:srgbClr val="F4F5F7"/>
       </a:accent6>
       <a:hlink>
-        <a:srgbClr val="F2AC44"/>
+        <a:srgbClr val="BF7800"/>
       </a:hlink>
       <a:folHlink>
-        <a:srgbClr val="F6C781"/>
+        <a:srgbClr val="EF9511"/>
       </a:folHlink>
     </a:clrScheme>
     <a:fontScheme name="SoftUni">
